--- a/temp.pptx
+++ b/temp.pptx
@@ -4,11 +4,6 @@
   <p:sldMasterIdLst>
     <p:sldMasterId id="2147483648" r:id="rId1"/>
   </p:sldMasterIdLst>
-  <p:sldIdLst>
-    <p:sldId id="258" r:id="rId2"/>
-    <p:sldId id="257" r:id="rId3"/>
-    <p:sldId id="259" r:id="rId4"/>
-  </p:sldIdLst>
   <p:sldSz cx="12192000" cy="6858000"/>
   <p:notesSz cx="6858000" cy="9144000"/>
   <p:defaultTextStyle>
@@ -135,7 +130,7 @@
           <p:cNvPr id="2" name="Title 1">
             <a:extLst>
               <a:ext uri="{FF2B5EF4-FFF2-40B4-BE49-F238E27FC236}">
-                <a16:creationId xmlns:a16="http://schemas.microsoft.com/office/drawing/2014/main" id="{B5F5F319-D979-4A3F-A4F8-4DDCDE891BFD}"/>
+                <a16:creationId xmlns:a16="http://schemas.microsoft.com/office/drawing/2014/main" xmlns="" id="{B5F5F319-D979-4A3F-A4F8-4DDCDE891BFD}"/>
               </a:ext>
             </a:extLst>
           </p:cNvPr>
@@ -172,7 +167,7 @@
           <p:cNvPr id="3" name="Subtitle 2">
             <a:extLst>
               <a:ext uri="{FF2B5EF4-FFF2-40B4-BE49-F238E27FC236}">
-                <a16:creationId xmlns:a16="http://schemas.microsoft.com/office/drawing/2014/main" id="{4474209B-F46B-471F-B216-60C5F4296C14}"/>
+                <a16:creationId xmlns:a16="http://schemas.microsoft.com/office/drawing/2014/main" xmlns="" id="{4474209B-F46B-471F-B216-60C5F4296C14}"/>
               </a:ext>
             </a:extLst>
           </p:cNvPr>
@@ -242,7 +237,7 @@
           <p:cNvPr id="4" name="Date Placeholder 3">
             <a:extLst>
               <a:ext uri="{FF2B5EF4-FFF2-40B4-BE49-F238E27FC236}">
-                <a16:creationId xmlns:a16="http://schemas.microsoft.com/office/drawing/2014/main" id="{1E6B3389-407A-410F-8F6D-D24D84CA4D6B}"/>
+                <a16:creationId xmlns:a16="http://schemas.microsoft.com/office/drawing/2014/main" xmlns="" id="{1E6B3389-407A-410F-8F6D-D24D84CA4D6B}"/>
               </a:ext>
             </a:extLst>
           </p:cNvPr>
@@ -260,7 +255,7 @@
           <a:p>
             <a:fld id="{E040DD28-DA01-4164-BF9D-AEC6AAD07A3E}" type="datetimeFigureOut">
               <a:rPr lang="en-US" smtClean="0"/>
-              <a:t>12/24/2017</a:t>
+              <a:t>12/25/2017</a:t>
             </a:fld>
             <a:endParaRPr lang="en-US"/>
           </a:p>
@@ -271,7 +266,7 @@
           <p:cNvPr id="5" name="Footer Placeholder 4">
             <a:extLst>
               <a:ext uri="{FF2B5EF4-FFF2-40B4-BE49-F238E27FC236}">
-                <a16:creationId xmlns:a16="http://schemas.microsoft.com/office/drawing/2014/main" id="{5D8C0812-771C-43AD-B38F-6BC2255600F9}"/>
+                <a16:creationId xmlns:a16="http://schemas.microsoft.com/office/drawing/2014/main" xmlns="" id="{5D8C0812-771C-43AD-B38F-6BC2255600F9}"/>
               </a:ext>
             </a:extLst>
           </p:cNvPr>
@@ -296,7 +291,7 @@
           <p:cNvPr id="6" name="Slide Number Placeholder 5">
             <a:extLst>
               <a:ext uri="{FF2B5EF4-FFF2-40B4-BE49-F238E27FC236}">
-                <a16:creationId xmlns:a16="http://schemas.microsoft.com/office/drawing/2014/main" id="{F39CB706-EA94-418D-9F2C-336E6EF264EC}"/>
+                <a16:creationId xmlns:a16="http://schemas.microsoft.com/office/drawing/2014/main" xmlns="" id="{F39CB706-EA94-418D-9F2C-336E6EF264EC}"/>
               </a:ext>
             </a:extLst>
           </p:cNvPr>
@@ -355,7 +350,7 @@
           <p:cNvPr id="2" name="Title 1">
             <a:extLst>
               <a:ext uri="{FF2B5EF4-FFF2-40B4-BE49-F238E27FC236}">
-                <a16:creationId xmlns:a16="http://schemas.microsoft.com/office/drawing/2014/main" id="{3A259477-0A53-4114-95B2-8A1D5D83E0A2}"/>
+                <a16:creationId xmlns:a16="http://schemas.microsoft.com/office/drawing/2014/main" xmlns="" id="{3A259477-0A53-4114-95B2-8A1D5D83E0A2}"/>
               </a:ext>
             </a:extLst>
           </p:cNvPr>
@@ -383,7 +378,7 @@
           <p:cNvPr id="3" name="Vertical Text Placeholder 2">
             <a:extLst>
               <a:ext uri="{FF2B5EF4-FFF2-40B4-BE49-F238E27FC236}">
-                <a16:creationId xmlns:a16="http://schemas.microsoft.com/office/drawing/2014/main" id="{533E45B0-73AC-4661-B286-CC8B49D0CBB1}"/>
+                <a16:creationId xmlns:a16="http://schemas.microsoft.com/office/drawing/2014/main" xmlns="" id="{533E45B0-73AC-4661-B286-CC8B49D0CBB1}"/>
               </a:ext>
             </a:extLst>
           </p:cNvPr>
@@ -440,7 +435,7 @@
           <p:cNvPr id="4" name="Date Placeholder 3">
             <a:extLst>
               <a:ext uri="{FF2B5EF4-FFF2-40B4-BE49-F238E27FC236}">
-                <a16:creationId xmlns:a16="http://schemas.microsoft.com/office/drawing/2014/main" id="{DDFFC868-093D-4D95-AA93-2203C226F89B}"/>
+                <a16:creationId xmlns:a16="http://schemas.microsoft.com/office/drawing/2014/main" xmlns="" id="{DDFFC868-093D-4D95-AA93-2203C226F89B}"/>
               </a:ext>
             </a:extLst>
           </p:cNvPr>
@@ -458,7 +453,7 @@
           <a:p>
             <a:fld id="{E040DD28-DA01-4164-BF9D-AEC6AAD07A3E}" type="datetimeFigureOut">
               <a:rPr lang="en-US" smtClean="0"/>
-              <a:t>12/24/2017</a:t>
+              <a:t>12/25/2017</a:t>
             </a:fld>
             <a:endParaRPr lang="en-US"/>
           </a:p>
@@ -469,7 +464,7 @@
           <p:cNvPr id="5" name="Footer Placeholder 4">
             <a:extLst>
               <a:ext uri="{FF2B5EF4-FFF2-40B4-BE49-F238E27FC236}">
-                <a16:creationId xmlns:a16="http://schemas.microsoft.com/office/drawing/2014/main" id="{CA068C37-6A3A-44A8-A7BE-58942241414E}"/>
+                <a16:creationId xmlns:a16="http://schemas.microsoft.com/office/drawing/2014/main" xmlns="" id="{CA068C37-6A3A-44A8-A7BE-58942241414E}"/>
               </a:ext>
             </a:extLst>
           </p:cNvPr>
@@ -494,7 +489,7 @@
           <p:cNvPr id="6" name="Slide Number Placeholder 5">
             <a:extLst>
               <a:ext uri="{FF2B5EF4-FFF2-40B4-BE49-F238E27FC236}">
-                <a16:creationId xmlns:a16="http://schemas.microsoft.com/office/drawing/2014/main" id="{E78B41CD-FF00-4C28-A410-5C2081075C8F}"/>
+                <a16:creationId xmlns:a16="http://schemas.microsoft.com/office/drawing/2014/main" xmlns="" id="{E78B41CD-FF00-4C28-A410-5C2081075C8F}"/>
               </a:ext>
             </a:extLst>
           </p:cNvPr>
@@ -553,7 +548,7 @@
           <p:cNvPr id="2" name="Vertical Title 1">
             <a:extLst>
               <a:ext uri="{FF2B5EF4-FFF2-40B4-BE49-F238E27FC236}">
-                <a16:creationId xmlns:a16="http://schemas.microsoft.com/office/drawing/2014/main" id="{09D8892F-E415-4A5B-8DE4-93BDA5F0BB5E}"/>
+                <a16:creationId xmlns:a16="http://schemas.microsoft.com/office/drawing/2014/main" xmlns="" id="{09D8892F-E415-4A5B-8DE4-93BDA5F0BB5E}"/>
               </a:ext>
             </a:extLst>
           </p:cNvPr>
@@ -586,7 +581,7 @@
           <p:cNvPr id="3" name="Vertical Text Placeholder 2">
             <a:extLst>
               <a:ext uri="{FF2B5EF4-FFF2-40B4-BE49-F238E27FC236}">
-                <a16:creationId xmlns:a16="http://schemas.microsoft.com/office/drawing/2014/main" id="{D914CE1D-36B4-41F6-8CAC-A824748DF349}"/>
+                <a16:creationId xmlns:a16="http://schemas.microsoft.com/office/drawing/2014/main" xmlns="" id="{D914CE1D-36B4-41F6-8CAC-A824748DF349}"/>
               </a:ext>
             </a:extLst>
           </p:cNvPr>
@@ -648,7 +643,7 @@
           <p:cNvPr id="4" name="Date Placeholder 3">
             <a:extLst>
               <a:ext uri="{FF2B5EF4-FFF2-40B4-BE49-F238E27FC236}">
-                <a16:creationId xmlns:a16="http://schemas.microsoft.com/office/drawing/2014/main" id="{09EBC416-5C2B-4705-88C6-697C7026E134}"/>
+                <a16:creationId xmlns:a16="http://schemas.microsoft.com/office/drawing/2014/main" xmlns="" id="{09EBC416-5C2B-4705-88C6-697C7026E134}"/>
               </a:ext>
             </a:extLst>
           </p:cNvPr>
@@ -666,7 +661,7 @@
           <a:p>
             <a:fld id="{E040DD28-DA01-4164-BF9D-AEC6AAD07A3E}" type="datetimeFigureOut">
               <a:rPr lang="en-US" smtClean="0"/>
-              <a:t>12/24/2017</a:t>
+              <a:t>12/25/2017</a:t>
             </a:fld>
             <a:endParaRPr lang="en-US"/>
           </a:p>
@@ -677,7 +672,7 @@
           <p:cNvPr id="5" name="Footer Placeholder 4">
             <a:extLst>
               <a:ext uri="{FF2B5EF4-FFF2-40B4-BE49-F238E27FC236}">
-                <a16:creationId xmlns:a16="http://schemas.microsoft.com/office/drawing/2014/main" id="{6A181D81-2CCF-4506-BAC8-332F27972DE7}"/>
+                <a16:creationId xmlns:a16="http://schemas.microsoft.com/office/drawing/2014/main" xmlns="" id="{6A181D81-2CCF-4506-BAC8-332F27972DE7}"/>
               </a:ext>
             </a:extLst>
           </p:cNvPr>
@@ -702,7 +697,7 @@
           <p:cNvPr id="6" name="Slide Number Placeholder 5">
             <a:extLst>
               <a:ext uri="{FF2B5EF4-FFF2-40B4-BE49-F238E27FC236}">
-                <a16:creationId xmlns:a16="http://schemas.microsoft.com/office/drawing/2014/main" id="{CF493655-0420-4B38-BA94-CAA81BE6B4A5}"/>
+                <a16:creationId xmlns:a16="http://schemas.microsoft.com/office/drawing/2014/main" xmlns="" id="{CF493655-0420-4B38-BA94-CAA81BE6B4A5}"/>
               </a:ext>
             </a:extLst>
           </p:cNvPr>
@@ -761,7 +756,7 @@
           <p:cNvPr id="2" name="Title 1">
             <a:extLst>
               <a:ext uri="{FF2B5EF4-FFF2-40B4-BE49-F238E27FC236}">
-                <a16:creationId xmlns:a16="http://schemas.microsoft.com/office/drawing/2014/main" id="{93BACEFF-B6D7-4BFD-B93D-95821BFD2D8F}"/>
+                <a16:creationId xmlns:a16="http://schemas.microsoft.com/office/drawing/2014/main" xmlns="" id="{93BACEFF-B6D7-4BFD-B93D-95821BFD2D8F}"/>
               </a:ext>
             </a:extLst>
           </p:cNvPr>
@@ -789,7 +784,7 @@
           <p:cNvPr id="3" name="Content Placeholder 2">
             <a:extLst>
               <a:ext uri="{FF2B5EF4-FFF2-40B4-BE49-F238E27FC236}">
-                <a16:creationId xmlns:a16="http://schemas.microsoft.com/office/drawing/2014/main" id="{59385ED6-5E0D-4E26-B486-3CC0C4291B3B}"/>
+                <a16:creationId xmlns:a16="http://schemas.microsoft.com/office/drawing/2014/main" xmlns="" id="{59385ED6-5E0D-4E26-B486-3CC0C4291B3B}"/>
               </a:ext>
             </a:extLst>
           </p:cNvPr>
@@ -846,7 +841,7 @@
           <p:cNvPr id="4" name="Date Placeholder 3">
             <a:extLst>
               <a:ext uri="{FF2B5EF4-FFF2-40B4-BE49-F238E27FC236}">
-                <a16:creationId xmlns:a16="http://schemas.microsoft.com/office/drawing/2014/main" id="{4FC036BA-799C-484E-9202-7D281BB13E19}"/>
+                <a16:creationId xmlns:a16="http://schemas.microsoft.com/office/drawing/2014/main" xmlns="" id="{4FC036BA-799C-484E-9202-7D281BB13E19}"/>
               </a:ext>
             </a:extLst>
           </p:cNvPr>
@@ -864,7 +859,7 @@
           <a:p>
             <a:fld id="{E040DD28-DA01-4164-BF9D-AEC6AAD07A3E}" type="datetimeFigureOut">
               <a:rPr lang="en-US" smtClean="0"/>
-              <a:t>12/24/2017</a:t>
+              <a:t>12/25/2017</a:t>
             </a:fld>
             <a:endParaRPr lang="en-US"/>
           </a:p>
@@ -875,7 +870,7 @@
           <p:cNvPr id="5" name="Footer Placeholder 4">
             <a:extLst>
               <a:ext uri="{FF2B5EF4-FFF2-40B4-BE49-F238E27FC236}">
-                <a16:creationId xmlns:a16="http://schemas.microsoft.com/office/drawing/2014/main" id="{84C705AF-ED38-4DC0-9CAD-82802278E609}"/>
+                <a16:creationId xmlns:a16="http://schemas.microsoft.com/office/drawing/2014/main" xmlns="" id="{84C705AF-ED38-4DC0-9CAD-82802278E609}"/>
               </a:ext>
             </a:extLst>
           </p:cNvPr>
@@ -900,7 +895,7 @@
           <p:cNvPr id="6" name="Slide Number Placeholder 5">
             <a:extLst>
               <a:ext uri="{FF2B5EF4-FFF2-40B4-BE49-F238E27FC236}">
-                <a16:creationId xmlns:a16="http://schemas.microsoft.com/office/drawing/2014/main" id="{FCAB4C5E-BC29-4DA3-8FDD-E88F20A62425}"/>
+                <a16:creationId xmlns:a16="http://schemas.microsoft.com/office/drawing/2014/main" xmlns="" id="{FCAB4C5E-BC29-4DA3-8FDD-E88F20A62425}"/>
               </a:ext>
             </a:extLst>
           </p:cNvPr>
@@ -959,7 +954,7 @@
           <p:cNvPr id="2" name="Title 1">
             <a:extLst>
               <a:ext uri="{FF2B5EF4-FFF2-40B4-BE49-F238E27FC236}">
-                <a16:creationId xmlns:a16="http://schemas.microsoft.com/office/drawing/2014/main" id="{56F4E2A8-3DB4-4F28-996A-ADBBE22EB9E6}"/>
+                <a16:creationId xmlns:a16="http://schemas.microsoft.com/office/drawing/2014/main" xmlns="" id="{56F4E2A8-3DB4-4F28-996A-ADBBE22EB9E6}"/>
               </a:ext>
             </a:extLst>
           </p:cNvPr>
@@ -996,7 +991,7 @@
           <p:cNvPr id="3" name="Text Placeholder 2">
             <a:extLst>
               <a:ext uri="{FF2B5EF4-FFF2-40B4-BE49-F238E27FC236}">
-                <a16:creationId xmlns:a16="http://schemas.microsoft.com/office/drawing/2014/main" id="{C89AE634-E835-4FB2-9543-9AE7D101C6F8}"/>
+                <a16:creationId xmlns:a16="http://schemas.microsoft.com/office/drawing/2014/main" xmlns="" id="{C89AE634-E835-4FB2-9543-9AE7D101C6F8}"/>
               </a:ext>
             </a:extLst>
           </p:cNvPr>
@@ -1121,7 +1116,7 @@
           <p:cNvPr id="4" name="Date Placeholder 3">
             <a:extLst>
               <a:ext uri="{FF2B5EF4-FFF2-40B4-BE49-F238E27FC236}">
-                <a16:creationId xmlns:a16="http://schemas.microsoft.com/office/drawing/2014/main" id="{A80E8D62-561D-425F-95E0-D8B490FEAFB0}"/>
+                <a16:creationId xmlns:a16="http://schemas.microsoft.com/office/drawing/2014/main" xmlns="" id="{A80E8D62-561D-425F-95E0-D8B490FEAFB0}"/>
               </a:ext>
             </a:extLst>
           </p:cNvPr>
@@ -1139,7 +1134,7 @@
           <a:p>
             <a:fld id="{E040DD28-DA01-4164-BF9D-AEC6AAD07A3E}" type="datetimeFigureOut">
               <a:rPr lang="en-US" smtClean="0"/>
-              <a:t>12/24/2017</a:t>
+              <a:t>12/25/2017</a:t>
             </a:fld>
             <a:endParaRPr lang="en-US"/>
           </a:p>
@@ -1150,7 +1145,7 @@
           <p:cNvPr id="5" name="Footer Placeholder 4">
             <a:extLst>
               <a:ext uri="{FF2B5EF4-FFF2-40B4-BE49-F238E27FC236}">
-                <a16:creationId xmlns:a16="http://schemas.microsoft.com/office/drawing/2014/main" id="{092BFE70-3129-4F21-A151-027B995D8283}"/>
+                <a16:creationId xmlns:a16="http://schemas.microsoft.com/office/drawing/2014/main" xmlns="" id="{092BFE70-3129-4F21-A151-027B995D8283}"/>
               </a:ext>
             </a:extLst>
           </p:cNvPr>
@@ -1175,7 +1170,7 @@
           <p:cNvPr id="6" name="Slide Number Placeholder 5">
             <a:extLst>
               <a:ext uri="{FF2B5EF4-FFF2-40B4-BE49-F238E27FC236}">
-                <a16:creationId xmlns:a16="http://schemas.microsoft.com/office/drawing/2014/main" id="{8021D42E-9379-4CA1-8E67-A8CFC2137736}"/>
+                <a16:creationId xmlns:a16="http://schemas.microsoft.com/office/drawing/2014/main" xmlns="" id="{8021D42E-9379-4CA1-8E67-A8CFC2137736}"/>
               </a:ext>
             </a:extLst>
           </p:cNvPr>
@@ -1234,7 +1229,7 @@
           <p:cNvPr id="2" name="Title 1">
             <a:extLst>
               <a:ext uri="{FF2B5EF4-FFF2-40B4-BE49-F238E27FC236}">
-                <a16:creationId xmlns:a16="http://schemas.microsoft.com/office/drawing/2014/main" id="{6E79E456-1075-4906-82F7-0E6109B9E35D}"/>
+                <a16:creationId xmlns:a16="http://schemas.microsoft.com/office/drawing/2014/main" xmlns="" id="{6E79E456-1075-4906-82F7-0E6109B9E35D}"/>
               </a:ext>
             </a:extLst>
           </p:cNvPr>
@@ -1262,7 +1257,7 @@
           <p:cNvPr id="3" name="Content Placeholder 2">
             <a:extLst>
               <a:ext uri="{FF2B5EF4-FFF2-40B4-BE49-F238E27FC236}">
-                <a16:creationId xmlns:a16="http://schemas.microsoft.com/office/drawing/2014/main" id="{5B119237-D568-4846-9810-EE66DFA84982}"/>
+                <a16:creationId xmlns:a16="http://schemas.microsoft.com/office/drawing/2014/main" xmlns="" id="{5B119237-D568-4846-9810-EE66DFA84982}"/>
               </a:ext>
             </a:extLst>
           </p:cNvPr>
@@ -1324,7 +1319,7 @@
           <p:cNvPr id="4" name="Content Placeholder 3">
             <a:extLst>
               <a:ext uri="{FF2B5EF4-FFF2-40B4-BE49-F238E27FC236}">
-                <a16:creationId xmlns:a16="http://schemas.microsoft.com/office/drawing/2014/main" id="{B4C29F7A-057C-4495-9330-75B170FD1A8C}"/>
+                <a16:creationId xmlns:a16="http://schemas.microsoft.com/office/drawing/2014/main" xmlns="" id="{B4C29F7A-057C-4495-9330-75B170FD1A8C}"/>
               </a:ext>
             </a:extLst>
           </p:cNvPr>
@@ -1386,7 +1381,7 @@
           <p:cNvPr id="5" name="Date Placeholder 4">
             <a:extLst>
               <a:ext uri="{FF2B5EF4-FFF2-40B4-BE49-F238E27FC236}">
-                <a16:creationId xmlns:a16="http://schemas.microsoft.com/office/drawing/2014/main" id="{6B9731BB-E5EB-4386-A8C4-02BCBE618022}"/>
+                <a16:creationId xmlns:a16="http://schemas.microsoft.com/office/drawing/2014/main" xmlns="" id="{6B9731BB-E5EB-4386-A8C4-02BCBE618022}"/>
               </a:ext>
             </a:extLst>
           </p:cNvPr>
@@ -1404,7 +1399,7 @@
           <a:p>
             <a:fld id="{E040DD28-DA01-4164-BF9D-AEC6AAD07A3E}" type="datetimeFigureOut">
               <a:rPr lang="en-US" smtClean="0"/>
-              <a:t>12/24/2017</a:t>
+              <a:t>12/25/2017</a:t>
             </a:fld>
             <a:endParaRPr lang="en-US"/>
           </a:p>
@@ -1415,7 +1410,7 @@
           <p:cNvPr id="6" name="Footer Placeholder 5">
             <a:extLst>
               <a:ext uri="{FF2B5EF4-FFF2-40B4-BE49-F238E27FC236}">
-                <a16:creationId xmlns:a16="http://schemas.microsoft.com/office/drawing/2014/main" id="{D61D5281-CDA5-43EF-BE1C-79A1529A08DB}"/>
+                <a16:creationId xmlns:a16="http://schemas.microsoft.com/office/drawing/2014/main" xmlns="" id="{D61D5281-CDA5-43EF-BE1C-79A1529A08DB}"/>
               </a:ext>
             </a:extLst>
           </p:cNvPr>
@@ -1440,7 +1435,7 @@
           <p:cNvPr id="7" name="Slide Number Placeholder 6">
             <a:extLst>
               <a:ext uri="{FF2B5EF4-FFF2-40B4-BE49-F238E27FC236}">
-                <a16:creationId xmlns:a16="http://schemas.microsoft.com/office/drawing/2014/main" id="{39B30A33-21E5-4395-AB23-BAC1B5A92289}"/>
+                <a16:creationId xmlns:a16="http://schemas.microsoft.com/office/drawing/2014/main" xmlns="" id="{39B30A33-21E5-4395-AB23-BAC1B5A92289}"/>
               </a:ext>
             </a:extLst>
           </p:cNvPr>
@@ -1499,7 +1494,7 @@
           <p:cNvPr id="2" name="Title 1">
             <a:extLst>
               <a:ext uri="{FF2B5EF4-FFF2-40B4-BE49-F238E27FC236}">
-                <a16:creationId xmlns:a16="http://schemas.microsoft.com/office/drawing/2014/main" id="{37B4C097-07A2-4984-A86D-7F052CFF4886}"/>
+                <a16:creationId xmlns:a16="http://schemas.microsoft.com/office/drawing/2014/main" xmlns="" id="{37B4C097-07A2-4984-A86D-7F052CFF4886}"/>
               </a:ext>
             </a:extLst>
           </p:cNvPr>
@@ -1532,7 +1527,7 @@
           <p:cNvPr id="3" name="Text Placeholder 2">
             <a:extLst>
               <a:ext uri="{FF2B5EF4-FFF2-40B4-BE49-F238E27FC236}">
-                <a16:creationId xmlns:a16="http://schemas.microsoft.com/office/drawing/2014/main" id="{586C90C0-904E-436B-996B-03DD09FE05C4}"/>
+                <a16:creationId xmlns:a16="http://schemas.microsoft.com/office/drawing/2014/main" xmlns="" id="{586C90C0-904E-436B-996B-03DD09FE05C4}"/>
               </a:ext>
             </a:extLst>
           </p:cNvPr>
@@ -1603,7 +1598,7 @@
           <p:cNvPr id="4" name="Content Placeholder 3">
             <a:extLst>
               <a:ext uri="{FF2B5EF4-FFF2-40B4-BE49-F238E27FC236}">
-                <a16:creationId xmlns:a16="http://schemas.microsoft.com/office/drawing/2014/main" id="{E03CBD82-3AD3-4E06-90BB-01B87FA81FC7}"/>
+                <a16:creationId xmlns:a16="http://schemas.microsoft.com/office/drawing/2014/main" xmlns="" id="{E03CBD82-3AD3-4E06-90BB-01B87FA81FC7}"/>
               </a:ext>
             </a:extLst>
           </p:cNvPr>
@@ -1665,7 +1660,7 @@
           <p:cNvPr id="5" name="Text Placeholder 4">
             <a:extLst>
               <a:ext uri="{FF2B5EF4-FFF2-40B4-BE49-F238E27FC236}">
-                <a16:creationId xmlns:a16="http://schemas.microsoft.com/office/drawing/2014/main" id="{04ACE262-BFED-4131-A5BA-E0278B00A663}"/>
+                <a16:creationId xmlns:a16="http://schemas.microsoft.com/office/drawing/2014/main" xmlns="" id="{04ACE262-BFED-4131-A5BA-E0278B00A663}"/>
               </a:ext>
             </a:extLst>
           </p:cNvPr>
@@ -1736,7 +1731,7 @@
           <p:cNvPr id="6" name="Content Placeholder 5">
             <a:extLst>
               <a:ext uri="{FF2B5EF4-FFF2-40B4-BE49-F238E27FC236}">
-                <a16:creationId xmlns:a16="http://schemas.microsoft.com/office/drawing/2014/main" id="{1BC543A8-1DAB-4F64-93C3-0EB766AE86F9}"/>
+                <a16:creationId xmlns:a16="http://schemas.microsoft.com/office/drawing/2014/main" xmlns="" id="{1BC543A8-1DAB-4F64-93C3-0EB766AE86F9}"/>
               </a:ext>
             </a:extLst>
           </p:cNvPr>
@@ -1798,7 +1793,7 @@
           <p:cNvPr id="7" name="Date Placeholder 6">
             <a:extLst>
               <a:ext uri="{FF2B5EF4-FFF2-40B4-BE49-F238E27FC236}">
-                <a16:creationId xmlns:a16="http://schemas.microsoft.com/office/drawing/2014/main" id="{DBF0794B-2DF7-43D8-8A0C-752A3C841A95}"/>
+                <a16:creationId xmlns:a16="http://schemas.microsoft.com/office/drawing/2014/main" xmlns="" id="{DBF0794B-2DF7-43D8-8A0C-752A3C841A95}"/>
               </a:ext>
             </a:extLst>
           </p:cNvPr>
@@ -1816,7 +1811,7 @@
           <a:p>
             <a:fld id="{E040DD28-DA01-4164-BF9D-AEC6AAD07A3E}" type="datetimeFigureOut">
               <a:rPr lang="en-US" smtClean="0"/>
-              <a:t>12/24/2017</a:t>
+              <a:t>12/25/2017</a:t>
             </a:fld>
             <a:endParaRPr lang="en-US"/>
           </a:p>
@@ -1827,7 +1822,7 @@
           <p:cNvPr id="8" name="Footer Placeholder 7">
             <a:extLst>
               <a:ext uri="{FF2B5EF4-FFF2-40B4-BE49-F238E27FC236}">
-                <a16:creationId xmlns:a16="http://schemas.microsoft.com/office/drawing/2014/main" id="{15BFDF4B-45AB-4776-B148-1F4FA0BCD9A6}"/>
+                <a16:creationId xmlns:a16="http://schemas.microsoft.com/office/drawing/2014/main" xmlns="" id="{15BFDF4B-45AB-4776-B148-1F4FA0BCD9A6}"/>
               </a:ext>
             </a:extLst>
           </p:cNvPr>
@@ -1852,7 +1847,7 @@
           <p:cNvPr id="9" name="Slide Number Placeholder 8">
             <a:extLst>
               <a:ext uri="{FF2B5EF4-FFF2-40B4-BE49-F238E27FC236}">
-                <a16:creationId xmlns:a16="http://schemas.microsoft.com/office/drawing/2014/main" id="{74ACFCD8-1AA0-4174-A68D-6293F9717D99}"/>
+                <a16:creationId xmlns:a16="http://schemas.microsoft.com/office/drawing/2014/main" xmlns="" id="{74ACFCD8-1AA0-4174-A68D-6293F9717D99}"/>
               </a:ext>
             </a:extLst>
           </p:cNvPr>
@@ -1911,7 +1906,7 @@
           <p:cNvPr id="2" name="Title 1">
             <a:extLst>
               <a:ext uri="{FF2B5EF4-FFF2-40B4-BE49-F238E27FC236}">
-                <a16:creationId xmlns:a16="http://schemas.microsoft.com/office/drawing/2014/main" id="{A9F3CBAC-2073-439B-B8DE-FB80422902CE}"/>
+                <a16:creationId xmlns:a16="http://schemas.microsoft.com/office/drawing/2014/main" xmlns="" id="{A9F3CBAC-2073-439B-B8DE-FB80422902CE}"/>
               </a:ext>
             </a:extLst>
           </p:cNvPr>
@@ -1939,7 +1934,7 @@
           <p:cNvPr id="3" name="Date Placeholder 2">
             <a:extLst>
               <a:ext uri="{FF2B5EF4-FFF2-40B4-BE49-F238E27FC236}">
-                <a16:creationId xmlns:a16="http://schemas.microsoft.com/office/drawing/2014/main" id="{06A84D4C-CD47-42D3-8505-872676C28963}"/>
+                <a16:creationId xmlns:a16="http://schemas.microsoft.com/office/drawing/2014/main" xmlns="" id="{06A84D4C-CD47-42D3-8505-872676C28963}"/>
               </a:ext>
             </a:extLst>
           </p:cNvPr>
@@ -1957,7 +1952,7 @@
           <a:p>
             <a:fld id="{E040DD28-DA01-4164-BF9D-AEC6AAD07A3E}" type="datetimeFigureOut">
               <a:rPr lang="en-US" smtClean="0"/>
-              <a:t>12/24/2017</a:t>
+              <a:t>12/25/2017</a:t>
             </a:fld>
             <a:endParaRPr lang="en-US"/>
           </a:p>
@@ -1968,7 +1963,7 @@
           <p:cNvPr id="4" name="Footer Placeholder 3">
             <a:extLst>
               <a:ext uri="{FF2B5EF4-FFF2-40B4-BE49-F238E27FC236}">
-                <a16:creationId xmlns:a16="http://schemas.microsoft.com/office/drawing/2014/main" id="{B784711A-B8EA-4963-A653-27EE2997119F}"/>
+                <a16:creationId xmlns:a16="http://schemas.microsoft.com/office/drawing/2014/main" xmlns="" id="{B784711A-B8EA-4963-A653-27EE2997119F}"/>
               </a:ext>
             </a:extLst>
           </p:cNvPr>
@@ -1993,7 +1988,7 @@
           <p:cNvPr id="5" name="Slide Number Placeholder 4">
             <a:extLst>
               <a:ext uri="{FF2B5EF4-FFF2-40B4-BE49-F238E27FC236}">
-                <a16:creationId xmlns:a16="http://schemas.microsoft.com/office/drawing/2014/main" id="{9BD0276A-CA50-4B27-9DF4-12C17991F3AD}"/>
+                <a16:creationId xmlns:a16="http://schemas.microsoft.com/office/drawing/2014/main" xmlns="" id="{9BD0276A-CA50-4B27-9DF4-12C17991F3AD}"/>
               </a:ext>
             </a:extLst>
           </p:cNvPr>
@@ -2052,7 +2047,7 @@
           <p:cNvPr id="2" name="Date Placeholder 1">
             <a:extLst>
               <a:ext uri="{FF2B5EF4-FFF2-40B4-BE49-F238E27FC236}">
-                <a16:creationId xmlns:a16="http://schemas.microsoft.com/office/drawing/2014/main" id="{CBE24604-C75B-4F9D-8382-AC380D5DD668}"/>
+                <a16:creationId xmlns:a16="http://schemas.microsoft.com/office/drawing/2014/main" xmlns="" id="{CBE24604-C75B-4F9D-8382-AC380D5DD668}"/>
               </a:ext>
             </a:extLst>
           </p:cNvPr>
@@ -2070,7 +2065,7 @@
           <a:p>
             <a:fld id="{E040DD28-DA01-4164-BF9D-AEC6AAD07A3E}" type="datetimeFigureOut">
               <a:rPr lang="en-US" smtClean="0"/>
-              <a:t>12/24/2017</a:t>
+              <a:t>12/25/2017</a:t>
             </a:fld>
             <a:endParaRPr lang="en-US"/>
           </a:p>
@@ -2081,7 +2076,7 @@
           <p:cNvPr id="3" name="Footer Placeholder 2">
             <a:extLst>
               <a:ext uri="{FF2B5EF4-FFF2-40B4-BE49-F238E27FC236}">
-                <a16:creationId xmlns:a16="http://schemas.microsoft.com/office/drawing/2014/main" id="{2641AA10-AE31-466F-96AF-31A1A0955AD1}"/>
+                <a16:creationId xmlns:a16="http://schemas.microsoft.com/office/drawing/2014/main" xmlns="" id="{2641AA10-AE31-466F-96AF-31A1A0955AD1}"/>
               </a:ext>
             </a:extLst>
           </p:cNvPr>
@@ -2106,7 +2101,7 @@
           <p:cNvPr id="4" name="Slide Number Placeholder 3">
             <a:extLst>
               <a:ext uri="{FF2B5EF4-FFF2-40B4-BE49-F238E27FC236}">
-                <a16:creationId xmlns:a16="http://schemas.microsoft.com/office/drawing/2014/main" id="{756609DE-ABCC-4735-9687-532D469DC4E2}"/>
+                <a16:creationId xmlns:a16="http://schemas.microsoft.com/office/drawing/2014/main" xmlns="" id="{756609DE-ABCC-4735-9687-532D469DC4E2}"/>
               </a:ext>
             </a:extLst>
           </p:cNvPr>
@@ -2165,7 +2160,7 @@
           <p:cNvPr id="2" name="Title 1">
             <a:extLst>
               <a:ext uri="{FF2B5EF4-FFF2-40B4-BE49-F238E27FC236}">
-                <a16:creationId xmlns:a16="http://schemas.microsoft.com/office/drawing/2014/main" id="{70B034F0-2116-43B6-A3DF-533AE5CE39CE}"/>
+                <a16:creationId xmlns:a16="http://schemas.microsoft.com/office/drawing/2014/main" xmlns="" id="{70B034F0-2116-43B6-A3DF-533AE5CE39CE}"/>
               </a:ext>
             </a:extLst>
           </p:cNvPr>
@@ -2202,7 +2197,7 @@
           <p:cNvPr id="3" name="Content Placeholder 2">
             <a:extLst>
               <a:ext uri="{FF2B5EF4-FFF2-40B4-BE49-F238E27FC236}">
-                <a16:creationId xmlns:a16="http://schemas.microsoft.com/office/drawing/2014/main" id="{5B8FA73E-8222-4BD6-84B5-93652E6DEF4C}"/>
+                <a16:creationId xmlns:a16="http://schemas.microsoft.com/office/drawing/2014/main" xmlns="" id="{5B8FA73E-8222-4BD6-84B5-93652E6DEF4C}"/>
               </a:ext>
             </a:extLst>
           </p:cNvPr>
@@ -2292,7 +2287,7 @@
           <p:cNvPr id="4" name="Text Placeholder 3">
             <a:extLst>
               <a:ext uri="{FF2B5EF4-FFF2-40B4-BE49-F238E27FC236}">
-                <a16:creationId xmlns:a16="http://schemas.microsoft.com/office/drawing/2014/main" id="{070680AD-0DF4-407C-815A-B6FC0B7A7F1E}"/>
+                <a16:creationId xmlns:a16="http://schemas.microsoft.com/office/drawing/2014/main" xmlns="" id="{070680AD-0DF4-407C-815A-B6FC0B7A7F1E}"/>
               </a:ext>
             </a:extLst>
           </p:cNvPr>
@@ -2363,7 +2358,7 @@
           <p:cNvPr id="5" name="Date Placeholder 4">
             <a:extLst>
               <a:ext uri="{FF2B5EF4-FFF2-40B4-BE49-F238E27FC236}">
-                <a16:creationId xmlns:a16="http://schemas.microsoft.com/office/drawing/2014/main" id="{D828C134-AC88-45CD-8C31-4BAB0E6B3390}"/>
+                <a16:creationId xmlns:a16="http://schemas.microsoft.com/office/drawing/2014/main" xmlns="" id="{D828C134-AC88-45CD-8C31-4BAB0E6B3390}"/>
               </a:ext>
             </a:extLst>
           </p:cNvPr>
@@ -2381,7 +2376,7 @@
           <a:p>
             <a:fld id="{E040DD28-DA01-4164-BF9D-AEC6AAD07A3E}" type="datetimeFigureOut">
               <a:rPr lang="en-US" smtClean="0"/>
-              <a:t>12/24/2017</a:t>
+              <a:t>12/25/2017</a:t>
             </a:fld>
             <a:endParaRPr lang="en-US"/>
           </a:p>
@@ -2392,7 +2387,7 @@
           <p:cNvPr id="6" name="Footer Placeholder 5">
             <a:extLst>
               <a:ext uri="{FF2B5EF4-FFF2-40B4-BE49-F238E27FC236}">
-                <a16:creationId xmlns:a16="http://schemas.microsoft.com/office/drawing/2014/main" id="{A6BCAE05-6F4C-44B9-A59A-E9435FAE141A}"/>
+                <a16:creationId xmlns:a16="http://schemas.microsoft.com/office/drawing/2014/main" xmlns="" id="{A6BCAE05-6F4C-44B9-A59A-E9435FAE141A}"/>
               </a:ext>
             </a:extLst>
           </p:cNvPr>
@@ -2417,7 +2412,7 @@
           <p:cNvPr id="7" name="Slide Number Placeholder 6">
             <a:extLst>
               <a:ext uri="{FF2B5EF4-FFF2-40B4-BE49-F238E27FC236}">
-                <a16:creationId xmlns:a16="http://schemas.microsoft.com/office/drawing/2014/main" id="{F3033C98-CC7D-4B89-8DEA-9E1C9B62C714}"/>
+                <a16:creationId xmlns:a16="http://schemas.microsoft.com/office/drawing/2014/main" xmlns="" id="{F3033C98-CC7D-4B89-8DEA-9E1C9B62C714}"/>
               </a:ext>
             </a:extLst>
           </p:cNvPr>
@@ -2476,7 +2471,7 @@
           <p:cNvPr id="2" name="Title 1">
             <a:extLst>
               <a:ext uri="{FF2B5EF4-FFF2-40B4-BE49-F238E27FC236}">
-                <a16:creationId xmlns:a16="http://schemas.microsoft.com/office/drawing/2014/main" id="{C5C61AB1-B345-446E-A14A-919A9FE596A9}"/>
+                <a16:creationId xmlns:a16="http://schemas.microsoft.com/office/drawing/2014/main" xmlns="" id="{C5C61AB1-B345-446E-A14A-919A9FE596A9}"/>
               </a:ext>
             </a:extLst>
           </p:cNvPr>
@@ -2513,7 +2508,7 @@
           <p:cNvPr id="3" name="Picture Placeholder 2">
             <a:extLst>
               <a:ext uri="{FF2B5EF4-FFF2-40B4-BE49-F238E27FC236}">
-                <a16:creationId xmlns:a16="http://schemas.microsoft.com/office/drawing/2014/main" id="{C8FC6971-C8D3-41FA-9E59-9267B41B86D7}"/>
+                <a16:creationId xmlns:a16="http://schemas.microsoft.com/office/drawing/2014/main" xmlns="" id="{C8FC6971-C8D3-41FA-9E59-9267B41B86D7}"/>
               </a:ext>
             </a:extLst>
           </p:cNvPr>
@@ -2580,7 +2575,7 @@
           <p:cNvPr id="4" name="Text Placeholder 3">
             <a:extLst>
               <a:ext uri="{FF2B5EF4-FFF2-40B4-BE49-F238E27FC236}">
-                <a16:creationId xmlns:a16="http://schemas.microsoft.com/office/drawing/2014/main" id="{6D3E27C0-ECF1-4974-89DC-5E5F1753643D}"/>
+                <a16:creationId xmlns:a16="http://schemas.microsoft.com/office/drawing/2014/main" xmlns="" id="{6D3E27C0-ECF1-4974-89DC-5E5F1753643D}"/>
               </a:ext>
             </a:extLst>
           </p:cNvPr>
@@ -2651,7 +2646,7 @@
           <p:cNvPr id="5" name="Date Placeholder 4">
             <a:extLst>
               <a:ext uri="{FF2B5EF4-FFF2-40B4-BE49-F238E27FC236}">
-                <a16:creationId xmlns:a16="http://schemas.microsoft.com/office/drawing/2014/main" id="{EB0CF908-7B88-457C-A7CB-BA8E59EFE6B1}"/>
+                <a16:creationId xmlns:a16="http://schemas.microsoft.com/office/drawing/2014/main" xmlns="" id="{EB0CF908-7B88-457C-A7CB-BA8E59EFE6B1}"/>
               </a:ext>
             </a:extLst>
           </p:cNvPr>
@@ -2669,7 +2664,7 @@
           <a:p>
             <a:fld id="{E040DD28-DA01-4164-BF9D-AEC6AAD07A3E}" type="datetimeFigureOut">
               <a:rPr lang="en-US" smtClean="0"/>
-              <a:t>12/24/2017</a:t>
+              <a:t>12/25/2017</a:t>
             </a:fld>
             <a:endParaRPr lang="en-US"/>
           </a:p>
@@ -2680,7 +2675,7 @@
           <p:cNvPr id="6" name="Footer Placeholder 5">
             <a:extLst>
               <a:ext uri="{FF2B5EF4-FFF2-40B4-BE49-F238E27FC236}">
-                <a16:creationId xmlns:a16="http://schemas.microsoft.com/office/drawing/2014/main" id="{9EFEFD02-5829-4D99-8387-FA6DDA7FDCE6}"/>
+                <a16:creationId xmlns:a16="http://schemas.microsoft.com/office/drawing/2014/main" xmlns="" id="{9EFEFD02-5829-4D99-8387-FA6DDA7FDCE6}"/>
               </a:ext>
             </a:extLst>
           </p:cNvPr>
@@ -2705,7 +2700,7 @@
           <p:cNvPr id="7" name="Slide Number Placeholder 6">
             <a:extLst>
               <a:ext uri="{FF2B5EF4-FFF2-40B4-BE49-F238E27FC236}">
-                <a16:creationId xmlns:a16="http://schemas.microsoft.com/office/drawing/2014/main" id="{CC83D447-B6BD-4EB6-84FA-277F982BD485}"/>
+                <a16:creationId xmlns:a16="http://schemas.microsoft.com/office/drawing/2014/main" xmlns="" id="{CC83D447-B6BD-4EB6-84FA-277F982BD485}"/>
               </a:ext>
             </a:extLst>
           </p:cNvPr>
@@ -2769,7 +2764,7 @@
           <p:cNvPr id="2" name="Title Placeholder 1">
             <a:extLst>
               <a:ext uri="{FF2B5EF4-FFF2-40B4-BE49-F238E27FC236}">
-                <a16:creationId xmlns:a16="http://schemas.microsoft.com/office/drawing/2014/main" id="{BF4BEE1F-B564-43B7-B55B-42176FDCF6A5}"/>
+                <a16:creationId xmlns:a16="http://schemas.microsoft.com/office/drawing/2014/main" xmlns="" id="{BF4BEE1F-B564-43B7-B55B-42176FDCF6A5}"/>
               </a:ext>
             </a:extLst>
           </p:cNvPr>
@@ -2807,7 +2802,7 @@
           <p:cNvPr id="3" name="Text Placeholder 2">
             <a:extLst>
               <a:ext uri="{FF2B5EF4-FFF2-40B4-BE49-F238E27FC236}">
-                <a16:creationId xmlns:a16="http://schemas.microsoft.com/office/drawing/2014/main" id="{C280B79D-E421-4AC8-A9C2-4B56DA344FB6}"/>
+                <a16:creationId xmlns:a16="http://schemas.microsoft.com/office/drawing/2014/main" xmlns="" id="{C280B79D-E421-4AC8-A9C2-4B56DA344FB6}"/>
               </a:ext>
             </a:extLst>
           </p:cNvPr>
@@ -2874,7 +2869,7 @@
           <p:cNvPr id="4" name="Date Placeholder 3">
             <a:extLst>
               <a:ext uri="{FF2B5EF4-FFF2-40B4-BE49-F238E27FC236}">
-                <a16:creationId xmlns:a16="http://schemas.microsoft.com/office/drawing/2014/main" id="{5805F7AC-3768-4B7D-A30D-D8CB381EF3DC}"/>
+                <a16:creationId xmlns:a16="http://schemas.microsoft.com/office/drawing/2014/main" xmlns="" id="{5805F7AC-3768-4B7D-A30D-D8CB381EF3DC}"/>
               </a:ext>
             </a:extLst>
           </p:cNvPr>
@@ -2910,7 +2905,7 @@
           <a:p>
             <a:fld id="{E040DD28-DA01-4164-BF9D-AEC6AAD07A3E}" type="datetimeFigureOut">
               <a:rPr lang="en-US" smtClean="0"/>
-              <a:t>12/24/2017</a:t>
+              <a:t>12/25/2017</a:t>
             </a:fld>
             <a:endParaRPr lang="en-US"/>
           </a:p>
@@ -2921,7 +2916,7 @@
           <p:cNvPr id="5" name="Footer Placeholder 4">
             <a:extLst>
               <a:ext uri="{FF2B5EF4-FFF2-40B4-BE49-F238E27FC236}">
-                <a16:creationId xmlns:a16="http://schemas.microsoft.com/office/drawing/2014/main" id="{1F22F8AA-82E2-4EE1-A481-8556E12EA635}"/>
+                <a16:creationId xmlns:a16="http://schemas.microsoft.com/office/drawing/2014/main" xmlns="" id="{1F22F8AA-82E2-4EE1-A481-8556E12EA635}"/>
               </a:ext>
             </a:extLst>
           </p:cNvPr>
@@ -2964,7 +2959,7 @@
           <p:cNvPr id="6" name="Slide Number Placeholder 5">
             <a:extLst>
               <a:ext uri="{FF2B5EF4-FFF2-40B4-BE49-F238E27FC236}">
-                <a16:creationId xmlns:a16="http://schemas.microsoft.com/office/drawing/2014/main" id="{AEDE27F2-C1D2-4B19-8C04-6B34AC016DA7}"/>
+                <a16:creationId xmlns:a16="http://schemas.microsoft.com/office/drawing/2014/main" xmlns="" id="{AEDE27F2-C1D2-4B19-8C04-6B34AC016DA7}"/>
               </a:ext>
             </a:extLst>
           </p:cNvPr>
@@ -3310,1544 +3305,6 @@
 </p:sldMaster>
 </file>
 
-<file path=ppt/slides/slide1.xml><?xml version="1.0" encoding="utf-8"?>
-<p:sld xmlns:a="http://schemas.openxmlformats.org/drawingml/2006/main" xmlns:r="http://schemas.openxmlformats.org/officeDocument/2006/relationships" xmlns:p="http://schemas.openxmlformats.org/presentationml/2006/main">
-  <p:cSld>
-    <p:spTree>
-      <p:nvGrpSpPr>
-        <p:cNvPr id="1" name=""/>
-        <p:cNvGrpSpPr/>
-        <p:nvPr/>
-      </p:nvGrpSpPr>
-      <p:grpSpPr>
-        <a:xfrm>
-          <a:off x="0" y="0"/>
-          <a:ext cx="0" cy="0"/>
-          <a:chOff x="0" y="0"/>
-          <a:chExt cx="0" cy="0"/>
-        </a:xfrm>
-      </p:grpSpPr>
-      <p:sp>
-        <p:nvSpPr>
-          <p:cNvPr id="2" name="TextBox 1">
-            <a:extLst>
-              <a:ext uri="{FF2B5EF4-FFF2-40B4-BE49-F238E27FC236}">
-                <a16:creationId xmlns:a16="http://schemas.microsoft.com/office/drawing/2014/main" id="{34C25532-D567-42ED-98D7-1A1F90A3EAEF}"/>
-              </a:ext>
-            </a:extLst>
-          </p:cNvPr>
-          <p:cNvSpPr txBox="1"/>
-          <p:nvPr/>
-        </p:nvSpPr>
-        <p:spPr>
-          <a:xfrm>
-            <a:off x="0" y="0"/>
-            <a:ext cx="12191999" cy="2308324"/>
-          </a:xfrm>
-          <a:prstGeom prst="rect">
-            <a:avLst/>
-          </a:prstGeom>
-          <a:noFill/>
-        </p:spPr>
-        <p:txBody>
-          <a:bodyPr wrap="square" rtlCol="0">
-            <a:spAutoFit/>
-          </a:bodyPr>
-          <a:lstStyle/>
-          <a:p>
-            <a:pPr marL="285750" indent="-285750">
-              <a:buFont typeface="Arial" panose="020B0604020202020204" pitchFamily="34" charset="0"/>
-              <a:buChar char="•"/>
-            </a:pPr>
-            <a:r>
-              <a:rPr lang="en-US" dirty="0"/>
-              <a:t>Reason why </a:t>
-            </a:r>
-            <a:r>
-              <a:rPr lang="en-US" b="1" dirty="0">
-                <a:solidFill>
-                  <a:srgbClr val="FF0000"/>
-                </a:solidFill>
-              </a:rPr>
-              <a:t>WEP</a:t>
-            </a:r>
-            <a:r>
-              <a:rPr lang="en-US" dirty="0"/>
-              <a:t> (</a:t>
-            </a:r>
-            <a:r>
-              <a:rPr lang="en-US" b="1" dirty="0"/>
-              <a:t>wired equivalent privacy</a:t>
-            </a:r>
-            <a:r>
-              <a:rPr lang="en-US" dirty="0"/>
-              <a:t>, use 64bit or 128bit key) is not secure: the first bytes of the output keystream are “strongly non-random”, if you gather enough packets and you can easily discover the entire WEP key.</a:t>
-            </a:r>
-          </a:p>
-          <a:p>
-            <a:pPr marL="285750" indent="-285750">
-              <a:buFont typeface="Arial" panose="020B0604020202020204" pitchFamily="34" charset="0"/>
-              <a:buChar char="•"/>
-            </a:pPr>
-            <a:r>
-              <a:rPr lang="en-US" dirty="0"/>
-              <a:t>WPA (</a:t>
-            </a:r>
-            <a:r>
-              <a:rPr lang="en-US" dirty="0" err="1"/>
-              <a:t>WiFi</a:t>
-            </a:r>
-            <a:r>
-              <a:rPr lang="en-US" dirty="0"/>
-              <a:t> protected access): RC4 with TKIP (temporal key integrity protocol)</a:t>
-            </a:r>
-          </a:p>
-          <a:p>
-            <a:pPr marL="742950" lvl="1" indent="-285750">
-              <a:buFont typeface="Arial" panose="020B0604020202020204" pitchFamily="34" charset="0"/>
-              <a:buChar char="•"/>
-            </a:pPr>
-            <a:r>
-              <a:rPr lang="en-US" dirty="0"/>
-              <a:t>Initialization vector (IV) is larger and an encrypted hash</a:t>
-            </a:r>
-          </a:p>
-          <a:p>
-            <a:pPr marL="742950" lvl="1" indent="-285750">
-              <a:buFont typeface="Arial" panose="020B0604020202020204" pitchFamily="34" charset="0"/>
-              <a:buChar char="•"/>
-            </a:pPr>
-            <a:r>
-              <a:rPr lang="en-US" dirty="0"/>
-              <a:t>Every packet gets a unique encryption key</a:t>
-            </a:r>
-          </a:p>
-          <a:p>
-            <a:pPr marL="285750" indent="-285750">
-              <a:buFont typeface="Arial" panose="020B0604020202020204" pitchFamily="34" charset="0"/>
-              <a:buChar char="•"/>
-            </a:pPr>
-            <a:r>
-              <a:rPr lang="en-US" dirty="0"/>
-              <a:t>WPA2</a:t>
-            </a:r>
-          </a:p>
-          <a:p>
-            <a:pPr marL="742950" lvl="1" indent="-285750">
-              <a:buFont typeface="Arial" panose="020B0604020202020204" pitchFamily="34" charset="0"/>
-              <a:buChar char="•"/>
-            </a:pPr>
-            <a:r>
-              <a:rPr lang="en-US" dirty="0"/>
-              <a:t>AES replace RC4</a:t>
-            </a:r>
-          </a:p>
-          <a:p>
-            <a:pPr marL="742950" lvl="1" indent="-285750">
-              <a:buFont typeface="Arial" panose="020B0604020202020204" pitchFamily="34" charset="0"/>
-              <a:buChar char="•"/>
-            </a:pPr>
-            <a:r>
-              <a:rPr lang="en-US" dirty="0"/>
-              <a:t>CCMP (counter mode with cipher block chaining message authentication code protocol) replace TKIP</a:t>
-            </a:r>
-          </a:p>
-        </p:txBody>
-      </p:sp>
-    </p:spTree>
-    <p:extLst>
-      <p:ext uri="{BB962C8B-B14F-4D97-AF65-F5344CB8AC3E}">
-        <p14:creationId xmlns:p14="http://schemas.microsoft.com/office/powerpoint/2010/main" val="4030175717"/>
-      </p:ext>
-    </p:extLst>
-  </p:cSld>
-  <p:clrMapOvr>
-    <a:masterClrMapping/>
-  </p:clrMapOvr>
-</p:sld>
-</file>
-
-<file path=ppt/slides/slide2.xml><?xml version="1.0" encoding="utf-8"?>
-<p:sld xmlns:a="http://schemas.openxmlformats.org/drawingml/2006/main" xmlns:r="http://schemas.openxmlformats.org/officeDocument/2006/relationships" xmlns:p="http://schemas.openxmlformats.org/presentationml/2006/main">
-  <p:cSld>
-    <p:spTree>
-      <p:nvGrpSpPr>
-        <p:cNvPr id="1" name=""/>
-        <p:cNvGrpSpPr/>
-        <p:nvPr/>
-      </p:nvGrpSpPr>
-      <p:grpSpPr>
-        <a:xfrm>
-          <a:off x="0" y="0"/>
-          <a:ext cx="0" cy="0"/>
-          <a:chOff x="0" y="0"/>
-          <a:chExt cx="0" cy="0"/>
-        </a:xfrm>
-      </p:grpSpPr>
-      <p:sp>
-        <p:nvSpPr>
-          <p:cNvPr id="14" name="Rectangle: Rounded Corners 13">
-            <a:extLst>
-              <a:ext uri="{FF2B5EF4-FFF2-40B4-BE49-F238E27FC236}">
-                <a16:creationId xmlns:a16="http://schemas.microsoft.com/office/drawing/2014/main" id="{044C5184-5B88-4F15-A4B6-41B6ED49338E}"/>
-              </a:ext>
-            </a:extLst>
-          </p:cNvPr>
-          <p:cNvSpPr/>
-          <p:nvPr/>
-        </p:nvSpPr>
-        <p:spPr>
-          <a:xfrm>
-            <a:off x="3132666" y="5022769"/>
-            <a:ext cx="4047067" cy="1835231"/>
-          </a:xfrm>
-          <a:prstGeom prst="roundRect">
-            <a:avLst/>
-          </a:prstGeom>
-          <a:solidFill>
-            <a:schemeClr val="accent4">
-              <a:lumMod val="20000"/>
-              <a:lumOff val="80000"/>
-            </a:schemeClr>
-          </a:solidFill>
-        </p:spPr>
-        <p:style>
-          <a:lnRef idx="2">
-            <a:schemeClr val="accent1">
-              <a:shade val="50000"/>
-            </a:schemeClr>
-          </a:lnRef>
-          <a:fillRef idx="1">
-            <a:schemeClr val="accent1"/>
-          </a:fillRef>
-          <a:effectRef idx="0">
-            <a:schemeClr val="accent1"/>
-          </a:effectRef>
-          <a:fontRef idx="minor">
-            <a:schemeClr val="lt1"/>
-          </a:fontRef>
-        </p:style>
-        <p:txBody>
-          <a:bodyPr rtlCol="0" anchor="ctr"/>
-          <a:lstStyle/>
-          <a:p>
-            <a:pPr algn="ctr"/>
-            <a:endParaRPr lang="en-US" dirty="0"/>
-          </a:p>
-        </p:txBody>
-      </p:sp>
-      <p:sp>
-        <p:nvSpPr>
-          <p:cNvPr id="2" name="Rectangle 1">
-            <a:extLst>
-              <a:ext uri="{FF2B5EF4-FFF2-40B4-BE49-F238E27FC236}">
-                <a16:creationId xmlns:a16="http://schemas.microsoft.com/office/drawing/2014/main" id="{6A3CC9F2-9739-4D60-8379-4785E7F4345B}"/>
-              </a:ext>
-            </a:extLst>
-          </p:cNvPr>
-          <p:cNvSpPr/>
-          <p:nvPr/>
-        </p:nvSpPr>
-        <p:spPr>
-          <a:xfrm>
-            <a:off x="0" y="136436"/>
-            <a:ext cx="12192000" cy="3139321"/>
-          </a:xfrm>
-          <a:prstGeom prst="rect">
-            <a:avLst/>
-          </a:prstGeom>
-        </p:spPr>
-        <p:txBody>
-          <a:bodyPr wrap="square">
-            <a:spAutoFit/>
-          </a:bodyPr>
-          <a:lstStyle/>
-          <a:p>
-            <a:r>
-              <a:rPr lang="en-US" b="1" i="0" dirty="0">
-                <a:solidFill>
-                  <a:srgbClr val="222222"/>
-                </a:solidFill>
-                <a:effectLst/>
-                <a:latin typeface="Arial" panose="020B0604020202020204" pitchFamily="34" charset="0"/>
-              </a:rPr>
-              <a:t>Wi-Fi Protected Access</a:t>
-            </a:r>
-            <a:r>
-              <a:rPr lang="en-US" b="0" i="0" dirty="0">
-                <a:solidFill>
-                  <a:srgbClr val="222222"/>
-                </a:solidFill>
-                <a:effectLst/>
-                <a:latin typeface="Arial" panose="020B0604020202020204" pitchFamily="34" charset="0"/>
-              </a:rPr>
-              <a:t> (</a:t>
-            </a:r>
-            <a:r>
-              <a:rPr lang="en-US" b="1" i="0" dirty="0">
-                <a:solidFill>
-                  <a:srgbClr val="FF0000"/>
-                </a:solidFill>
-                <a:effectLst/>
-                <a:latin typeface="Arial" panose="020B0604020202020204" pitchFamily="34" charset="0"/>
-              </a:rPr>
-              <a:t>WPA</a:t>
-            </a:r>
-            <a:r>
-              <a:rPr lang="en-US" b="0" i="0" dirty="0">
-                <a:solidFill>
-                  <a:srgbClr val="222222"/>
-                </a:solidFill>
-                <a:effectLst/>
-                <a:latin typeface="Arial" panose="020B0604020202020204" pitchFamily="34" charset="0"/>
-              </a:rPr>
-              <a:t>) and </a:t>
-            </a:r>
-            <a:r>
-              <a:rPr lang="en-US" b="1" i="0" dirty="0">
-                <a:solidFill>
-                  <a:srgbClr val="222222"/>
-                </a:solidFill>
-                <a:effectLst/>
-                <a:latin typeface="Arial" panose="020B0604020202020204" pitchFamily="34" charset="0"/>
-              </a:rPr>
-              <a:t>Wi-Fi Protected Access II</a:t>
-            </a:r>
-            <a:r>
-              <a:rPr lang="en-US" b="0" i="0" dirty="0">
-                <a:solidFill>
-                  <a:srgbClr val="222222"/>
-                </a:solidFill>
-                <a:effectLst/>
-                <a:latin typeface="Arial" panose="020B0604020202020204" pitchFamily="34" charset="0"/>
-              </a:rPr>
-              <a:t>(</a:t>
-            </a:r>
-            <a:r>
-              <a:rPr lang="en-US" b="1" i="0" dirty="0">
-                <a:solidFill>
-                  <a:srgbClr val="FF0000"/>
-                </a:solidFill>
-                <a:effectLst/>
-                <a:latin typeface="Arial" panose="020B0604020202020204" pitchFamily="34" charset="0"/>
-              </a:rPr>
-              <a:t>WPA2</a:t>
-            </a:r>
-            <a:r>
-              <a:rPr lang="en-US" b="0" i="0" dirty="0">
-                <a:solidFill>
-                  <a:srgbClr val="222222"/>
-                </a:solidFill>
-                <a:effectLst/>
-                <a:latin typeface="Arial" panose="020B0604020202020204" pitchFamily="34" charset="0"/>
-              </a:rPr>
-              <a:t>) are two security protocols and security certification programs developed by the </a:t>
-            </a:r>
-            <a:r>
-              <a:rPr lang="en-US" b="0" i="0" u="none" strike="noStrike" dirty="0">
-                <a:solidFill>
-                  <a:srgbClr val="0B0080"/>
-                </a:solidFill>
-                <a:effectLst/>
-                <a:latin typeface="Arial" panose="020B0604020202020204" pitchFamily="34" charset="0"/>
-              </a:rPr>
-              <a:t>Wi-Fi Alliance</a:t>
-            </a:r>
-            <a:r>
-              <a:rPr lang="en-US" b="0" i="0" dirty="0">
-                <a:solidFill>
-                  <a:srgbClr val="222222"/>
-                </a:solidFill>
-                <a:effectLst/>
-                <a:latin typeface="Arial" panose="020B0604020202020204" pitchFamily="34" charset="0"/>
-              </a:rPr>
-              <a:t> to secure wireless computer networks.</a:t>
-            </a:r>
-          </a:p>
-          <a:p>
-            <a:pPr marL="285750" indent="-285750">
-              <a:buFont typeface="Arial" panose="020B0604020202020204" pitchFamily="34" charset="0"/>
-              <a:buChar char="•"/>
-            </a:pPr>
-            <a:r>
-              <a:rPr lang="en-US" dirty="0">
-                <a:solidFill>
-                  <a:srgbClr val="222222"/>
-                </a:solidFill>
-                <a:latin typeface="Arial" panose="020B0604020202020204" pitchFamily="34" charset="0"/>
-              </a:rPr>
-              <a:t>IEEE 802.11 a/b/g/n -&gt; HIPERLAN/1, HIPERLAN/2, Bluetooth, (don’t what n is …)</a:t>
-            </a:r>
-          </a:p>
-          <a:p>
-            <a:pPr marL="285750" indent="-285750">
-              <a:buFont typeface="Arial" panose="020B0604020202020204" pitchFamily="34" charset="0"/>
-              <a:buChar char="•"/>
-            </a:pPr>
-            <a:r>
-              <a:rPr lang="en-US" dirty="0">
-                <a:solidFill>
-                  <a:srgbClr val="222222"/>
-                </a:solidFill>
-                <a:latin typeface="Arial" panose="020B0604020202020204" pitchFamily="34" charset="0"/>
-              </a:rPr>
-              <a:t>To enhance </a:t>
-            </a:r>
-            <a:r>
-              <a:rPr lang="en-US" dirty="0" err="1">
-                <a:solidFill>
-                  <a:srgbClr val="222222"/>
-                </a:solidFill>
-                <a:latin typeface="Arial" panose="020B0604020202020204" pitchFamily="34" charset="0"/>
-              </a:rPr>
-              <a:t>WiFi</a:t>
-            </a:r>
-            <a:r>
-              <a:rPr lang="en-US" dirty="0">
-                <a:solidFill>
-                  <a:srgbClr val="222222"/>
-                </a:solidFill>
-                <a:latin typeface="Arial" panose="020B0604020202020204" pitchFamily="34" charset="0"/>
-              </a:rPr>
-              <a:t> security, IEEE802.11i/D3.0(WPA) and D9.0(WPA2) -&gt; layer2 based security method</a:t>
-            </a:r>
-          </a:p>
-          <a:p>
-            <a:pPr marL="742950" lvl="1" indent="-285750">
-              <a:buFont typeface="Arial" panose="020B0604020202020204" pitchFamily="34" charset="0"/>
-              <a:buChar char="•"/>
-            </a:pPr>
-            <a:r>
-              <a:rPr lang="en-US" dirty="0">
-                <a:solidFill>
-                  <a:srgbClr val="222222"/>
-                </a:solidFill>
-                <a:latin typeface="Arial" panose="020B0604020202020204" pitchFamily="34" charset="0"/>
-              </a:rPr>
-              <a:t>TRIP – Temporal key integrity protocol</a:t>
-            </a:r>
-          </a:p>
-          <a:p>
-            <a:pPr marL="742950" lvl="1" indent="-285750">
-              <a:buFont typeface="Arial" panose="020B0604020202020204" pitchFamily="34" charset="0"/>
-              <a:buChar char="•"/>
-            </a:pPr>
-            <a:r>
-              <a:rPr lang="en-US" dirty="0">
-                <a:solidFill>
-                  <a:srgbClr val="222222"/>
-                </a:solidFill>
-                <a:latin typeface="Arial" panose="020B0604020202020204" pitchFamily="34" charset="0"/>
-              </a:rPr>
-              <a:t>Keys are rotated frequently</a:t>
-            </a:r>
-          </a:p>
-          <a:p>
-            <a:pPr marL="742950" lvl="1" indent="-285750">
-              <a:buFont typeface="Arial" panose="020B0604020202020204" pitchFamily="34" charset="0"/>
-              <a:buChar char="•"/>
-            </a:pPr>
-            <a:r>
-              <a:rPr lang="en-US" dirty="0">
-                <a:solidFill>
-                  <a:srgbClr val="222222"/>
-                </a:solidFill>
-                <a:latin typeface="Arial" panose="020B0604020202020204" pitchFamily="34" charset="0"/>
-              </a:rPr>
-              <a:t>Packet counter prevents packet replay</a:t>
-            </a:r>
-          </a:p>
-          <a:p>
-            <a:pPr marL="742950" lvl="1" indent="-285750">
-              <a:buFont typeface="Arial" panose="020B0604020202020204" pitchFamily="34" charset="0"/>
-              <a:buChar char="•"/>
-            </a:pPr>
-            <a:r>
-              <a:rPr lang="en-US" dirty="0">
-                <a:solidFill>
-                  <a:srgbClr val="222222"/>
-                </a:solidFill>
-                <a:latin typeface="Arial" panose="020B0604020202020204" pitchFamily="34" charset="0"/>
-              </a:rPr>
-              <a:t>MIC – Message integrity code</a:t>
-            </a:r>
-          </a:p>
-          <a:p>
-            <a:pPr marL="742950" lvl="1" indent="-285750">
-              <a:buFont typeface="Arial" panose="020B0604020202020204" pitchFamily="34" charset="0"/>
-              <a:buChar char="•"/>
-            </a:pPr>
-            <a:r>
-              <a:rPr lang="en-US" dirty="0">
-                <a:solidFill>
-                  <a:srgbClr val="222222"/>
-                </a:solidFill>
-                <a:latin typeface="Arial" panose="020B0604020202020204" pitchFamily="34" charset="0"/>
-              </a:rPr>
-              <a:t>Encryption method: Counter-mode with CBC-MAC protocol (CCMP)</a:t>
-            </a:r>
-          </a:p>
-          <a:p>
-            <a:pPr marL="742950" lvl="1" indent="-285750">
-              <a:buFont typeface="Arial" panose="020B0604020202020204" pitchFamily="34" charset="0"/>
-              <a:buChar char="•"/>
-            </a:pPr>
-            <a:r>
-              <a:rPr lang="en-US" dirty="0">
-                <a:solidFill>
-                  <a:srgbClr val="222222"/>
-                </a:solidFill>
-                <a:latin typeface="Arial" panose="020B0604020202020204" pitchFamily="34" charset="0"/>
-              </a:rPr>
-              <a:t>256-bit Pre-shared key (PSK) from </a:t>
-            </a:r>
-            <a:r>
-              <a:rPr lang="en-US" dirty="0" err="1">
-                <a:solidFill>
-                  <a:srgbClr val="222222"/>
-                </a:solidFill>
-                <a:latin typeface="Arial" panose="020B0604020202020204" pitchFamily="34" charset="0"/>
-              </a:rPr>
-              <a:t>WiFi</a:t>
-            </a:r>
-            <a:r>
-              <a:rPr lang="en-US" dirty="0">
-                <a:solidFill>
-                  <a:srgbClr val="222222"/>
-                </a:solidFill>
-                <a:latin typeface="Arial" panose="020B0604020202020204" pitchFamily="34" charset="0"/>
-              </a:rPr>
-              <a:t> password + Service Set Identifier + SSID Length -&gt; PMK – Pairwise master key</a:t>
-            </a:r>
-          </a:p>
-        </p:txBody>
-      </p:sp>
-      <p:sp>
-        <p:nvSpPr>
-          <p:cNvPr id="3" name="Rectangle 2">
-            <a:extLst>
-              <a:ext uri="{FF2B5EF4-FFF2-40B4-BE49-F238E27FC236}">
-                <a16:creationId xmlns:a16="http://schemas.microsoft.com/office/drawing/2014/main" id="{369462F0-21D2-4D9A-B03B-D6F6D2376BA8}"/>
-              </a:ext>
-            </a:extLst>
-          </p:cNvPr>
-          <p:cNvSpPr/>
-          <p:nvPr/>
-        </p:nvSpPr>
-        <p:spPr>
-          <a:xfrm>
-            <a:off x="2252133" y="3335866"/>
-            <a:ext cx="1092200" cy="474134"/>
-          </a:xfrm>
-          <a:prstGeom prst="rect">
-            <a:avLst/>
-          </a:prstGeom>
-        </p:spPr>
-        <p:style>
-          <a:lnRef idx="2">
-            <a:schemeClr val="accent1">
-              <a:shade val="50000"/>
-            </a:schemeClr>
-          </a:lnRef>
-          <a:fillRef idx="1">
-            <a:schemeClr val="accent1"/>
-          </a:fillRef>
-          <a:effectRef idx="0">
-            <a:schemeClr val="accent1"/>
-          </a:effectRef>
-          <a:fontRef idx="minor">
-            <a:schemeClr val="lt1"/>
-          </a:fontRef>
-        </p:style>
-        <p:txBody>
-          <a:bodyPr rtlCol="0" anchor="ctr"/>
-          <a:lstStyle/>
-          <a:p>
-            <a:pPr algn="ctr"/>
-            <a:r>
-              <a:rPr lang="en-US" dirty="0"/>
-              <a:t>PC</a:t>
-            </a:r>
-          </a:p>
-        </p:txBody>
-      </p:sp>
-      <p:sp>
-        <p:nvSpPr>
-          <p:cNvPr id="4" name="Rectangle 3">
-            <a:extLst>
-              <a:ext uri="{FF2B5EF4-FFF2-40B4-BE49-F238E27FC236}">
-                <a16:creationId xmlns:a16="http://schemas.microsoft.com/office/drawing/2014/main" id="{78A8961F-C5F6-4699-9113-A4FB167DBDA5}"/>
-              </a:ext>
-            </a:extLst>
-          </p:cNvPr>
-          <p:cNvSpPr/>
-          <p:nvPr/>
-        </p:nvSpPr>
-        <p:spPr>
-          <a:xfrm>
-            <a:off x="2252133" y="4478866"/>
-            <a:ext cx="1092200" cy="474134"/>
-          </a:xfrm>
-          <a:prstGeom prst="rect">
-            <a:avLst/>
-          </a:prstGeom>
-        </p:spPr>
-        <p:style>
-          <a:lnRef idx="2">
-            <a:schemeClr val="accent1">
-              <a:shade val="50000"/>
-            </a:schemeClr>
-          </a:lnRef>
-          <a:fillRef idx="1">
-            <a:schemeClr val="accent1"/>
-          </a:fillRef>
-          <a:effectRef idx="0">
-            <a:schemeClr val="accent1"/>
-          </a:effectRef>
-          <a:fontRef idx="minor">
-            <a:schemeClr val="lt1"/>
-          </a:fontRef>
-        </p:style>
-        <p:txBody>
-          <a:bodyPr rtlCol="0" anchor="ctr"/>
-          <a:lstStyle/>
-          <a:p>
-            <a:pPr algn="ctr"/>
-            <a:r>
-              <a:rPr lang="en-US" dirty="0"/>
-              <a:t>Mobiles</a:t>
-            </a:r>
-          </a:p>
-        </p:txBody>
-      </p:sp>
-      <p:sp>
-        <p:nvSpPr>
-          <p:cNvPr id="5" name="Oval 4">
-            <a:extLst>
-              <a:ext uri="{FF2B5EF4-FFF2-40B4-BE49-F238E27FC236}">
-                <a16:creationId xmlns:a16="http://schemas.microsoft.com/office/drawing/2014/main" id="{3E57BEFD-9840-4091-A92C-3225A614CF04}"/>
-              </a:ext>
-            </a:extLst>
-          </p:cNvPr>
-          <p:cNvSpPr/>
-          <p:nvPr/>
-        </p:nvSpPr>
-        <p:spPr>
-          <a:xfrm>
-            <a:off x="6087533" y="3649133"/>
-            <a:ext cx="1176867" cy="1066800"/>
-          </a:xfrm>
-          <a:prstGeom prst="ellipse">
-            <a:avLst/>
-          </a:prstGeom>
-        </p:spPr>
-        <p:style>
-          <a:lnRef idx="2">
-            <a:schemeClr val="accent1">
-              <a:shade val="50000"/>
-            </a:schemeClr>
-          </a:lnRef>
-          <a:fillRef idx="1">
-            <a:schemeClr val="accent1"/>
-          </a:fillRef>
-          <a:effectRef idx="0">
-            <a:schemeClr val="accent1"/>
-          </a:effectRef>
-          <a:fontRef idx="minor">
-            <a:schemeClr val="lt1"/>
-          </a:fontRef>
-        </p:style>
-        <p:txBody>
-          <a:bodyPr rtlCol="0" anchor="ctr"/>
-          <a:lstStyle/>
-          <a:p>
-            <a:pPr algn="ctr"/>
-            <a:r>
-              <a:rPr lang="en-US" dirty="0" err="1"/>
-              <a:t>WiFi</a:t>
-            </a:r>
-            <a:endParaRPr lang="en-US" dirty="0"/>
-          </a:p>
-        </p:txBody>
-      </p:sp>
-      <p:sp>
-        <p:nvSpPr>
-          <p:cNvPr id="6" name="Oval 5">
-            <a:extLst>
-              <a:ext uri="{FF2B5EF4-FFF2-40B4-BE49-F238E27FC236}">
-                <a16:creationId xmlns:a16="http://schemas.microsoft.com/office/drawing/2014/main" id="{8703744B-FC1D-43D7-949E-5C9EB1E8D20F}"/>
-              </a:ext>
-            </a:extLst>
-          </p:cNvPr>
-          <p:cNvSpPr/>
-          <p:nvPr/>
-        </p:nvSpPr>
-        <p:spPr>
-          <a:xfrm>
-            <a:off x="9033932" y="3784137"/>
-            <a:ext cx="1176867" cy="923330"/>
-          </a:xfrm>
-          <a:prstGeom prst="ellipse">
-            <a:avLst/>
-          </a:prstGeom>
-        </p:spPr>
-        <p:style>
-          <a:lnRef idx="2">
-            <a:schemeClr val="accent1">
-              <a:shade val="50000"/>
-            </a:schemeClr>
-          </a:lnRef>
-          <a:fillRef idx="1">
-            <a:schemeClr val="accent1"/>
-          </a:fillRef>
-          <a:effectRef idx="0">
-            <a:schemeClr val="accent1"/>
-          </a:effectRef>
-          <a:fontRef idx="minor">
-            <a:schemeClr val="lt1"/>
-          </a:fontRef>
-        </p:style>
-        <p:txBody>
-          <a:bodyPr rtlCol="0" anchor="ctr"/>
-          <a:lstStyle/>
-          <a:p>
-            <a:pPr algn="ctr"/>
-            <a:r>
-              <a:rPr lang="en-US" dirty="0"/>
-              <a:t>www</a:t>
-            </a:r>
-          </a:p>
-        </p:txBody>
-      </p:sp>
-      <p:sp>
-        <p:nvSpPr>
-          <p:cNvPr id="7" name="Arrow: Left-Right 6">
-            <a:extLst>
-              <a:ext uri="{FF2B5EF4-FFF2-40B4-BE49-F238E27FC236}">
-                <a16:creationId xmlns:a16="http://schemas.microsoft.com/office/drawing/2014/main" id="{56CA4804-F163-4F6E-AD09-E7B8E038F107}"/>
-              </a:ext>
-            </a:extLst>
-          </p:cNvPr>
-          <p:cNvSpPr/>
-          <p:nvPr/>
-        </p:nvSpPr>
-        <p:spPr>
-          <a:xfrm rot="753672">
-            <a:off x="4004733" y="3556000"/>
-            <a:ext cx="1625600" cy="355600"/>
-          </a:xfrm>
-          <a:prstGeom prst="leftRightArrow">
-            <a:avLst/>
-          </a:prstGeom>
-        </p:spPr>
-        <p:style>
-          <a:lnRef idx="2">
-            <a:schemeClr val="accent1">
-              <a:shade val="50000"/>
-            </a:schemeClr>
-          </a:lnRef>
-          <a:fillRef idx="1">
-            <a:schemeClr val="accent1"/>
-          </a:fillRef>
-          <a:effectRef idx="0">
-            <a:schemeClr val="accent1"/>
-          </a:effectRef>
-          <a:fontRef idx="minor">
-            <a:schemeClr val="lt1"/>
-          </a:fontRef>
-        </p:style>
-        <p:txBody>
-          <a:bodyPr rtlCol="0" anchor="ctr"/>
-          <a:lstStyle/>
-          <a:p>
-            <a:pPr algn="ctr"/>
-            <a:endParaRPr lang="en-US"/>
-          </a:p>
-        </p:txBody>
-      </p:sp>
-      <p:sp>
-        <p:nvSpPr>
-          <p:cNvPr id="8" name="Arrow: Left-Right 7">
-            <a:extLst>
-              <a:ext uri="{FF2B5EF4-FFF2-40B4-BE49-F238E27FC236}">
-                <a16:creationId xmlns:a16="http://schemas.microsoft.com/office/drawing/2014/main" id="{5B015BA9-1572-4E81-8838-EE638C57DDA4}"/>
-              </a:ext>
-            </a:extLst>
-          </p:cNvPr>
-          <p:cNvSpPr/>
-          <p:nvPr/>
-        </p:nvSpPr>
-        <p:spPr>
-          <a:xfrm rot="21102444">
-            <a:off x="3903134" y="4363348"/>
-            <a:ext cx="1625600" cy="390977"/>
-          </a:xfrm>
-          <a:prstGeom prst="leftRightArrow">
-            <a:avLst/>
-          </a:prstGeom>
-        </p:spPr>
-        <p:style>
-          <a:lnRef idx="2">
-            <a:schemeClr val="accent1">
-              <a:shade val="50000"/>
-            </a:schemeClr>
-          </a:lnRef>
-          <a:fillRef idx="1">
-            <a:schemeClr val="accent1"/>
-          </a:fillRef>
-          <a:effectRef idx="0">
-            <a:schemeClr val="accent1"/>
-          </a:effectRef>
-          <a:fontRef idx="minor">
-            <a:schemeClr val="lt1"/>
-          </a:fontRef>
-        </p:style>
-        <p:txBody>
-          <a:bodyPr rtlCol="0" anchor="ctr"/>
-          <a:lstStyle/>
-          <a:p>
-            <a:pPr algn="ctr"/>
-            <a:endParaRPr lang="en-US"/>
-          </a:p>
-        </p:txBody>
-      </p:sp>
-      <p:sp>
-        <p:nvSpPr>
-          <p:cNvPr id="9" name="Arrow: Left-Right 8">
-            <a:extLst>
-              <a:ext uri="{FF2B5EF4-FFF2-40B4-BE49-F238E27FC236}">
-                <a16:creationId xmlns:a16="http://schemas.microsoft.com/office/drawing/2014/main" id="{982D6BE4-B436-433E-A186-AF00EF2259C5}"/>
-              </a:ext>
-            </a:extLst>
-          </p:cNvPr>
-          <p:cNvSpPr/>
-          <p:nvPr/>
-        </p:nvSpPr>
-        <p:spPr>
-          <a:xfrm>
-            <a:off x="7336366" y="4052674"/>
-            <a:ext cx="1625600" cy="390977"/>
-          </a:xfrm>
-          <a:prstGeom prst="leftRightArrow">
-            <a:avLst/>
-          </a:prstGeom>
-        </p:spPr>
-        <p:style>
-          <a:lnRef idx="2">
-            <a:schemeClr val="accent1">
-              <a:shade val="50000"/>
-            </a:schemeClr>
-          </a:lnRef>
-          <a:fillRef idx="1">
-            <a:schemeClr val="accent1"/>
-          </a:fillRef>
-          <a:effectRef idx="0">
-            <a:schemeClr val="accent1"/>
-          </a:effectRef>
-          <a:fontRef idx="minor">
-            <a:schemeClr val="lt1"/>
-          </a:fontRef>
-        </p:style>
-        <p:txBody>
-          <a:bodyPr rtlCol="0" anchor="ctr"/>
-          <a:lstStyle/>
-          <a:p>
-            <a:pPr algn="ctr"/>
-            <a:endParaRPr lang="en-US"/>
-          </a:p>
-        </p:txBody>
-      </p:sp>
-      <p:sp>
-        <p:nvSpPr>
-          <p:cNvPr id="10" name="Smiley Face 9">
-            <a:extLst>
-              <a:ext uri="{FF2B5EF4-FFF2-40B4-BE49-F238E27FC236}">
-                <a16:creationId xmlns:a16="http://schemas.microsoft.com/office/drawing/2014/main" id="{950831A2-AE36-4F31-830D-37D40A58C7EA}"/>
-              </a:ext>
-            </a:extLst>
-          </p:cNvPr>
-          <p:cNvSpPr/>
-          <p:nvPr/>
-        </p:nvSpPr>
-        <p:spPr>
-          <a:xfrm>
-            <a:off x="4453466" y="5604157"/>
-            <a:ext cx="990600" cy="668512"/>
-          </a:xfrm>
-          <a:prstGeom prst="smileyFace">
-            <a:avLst/>
-          </a:prstGeom>
-          <a:solidFill>
-            <a:schemeClr val="accent2"/>
-          </a:solidFill>
-        </p:spPr>
-        <p:style>
-          <a:lnRef idx="2">
-            <a:schemeClr val="accent1">
-              <a:shade val="50000"/>
-            </a:schemeClr>
-          </a:lnRef>
-          <a:fillRef idx="1">
-            <a:schemeClr val="accent1"/>
-          </a:fillRef>
-          <a:effectRef idx="0">
-            <a:schemeClr val="accent1"/>
-          </a:effectRef>
-          <a:fontRef idx="minor">
-            <a:schemeClr val="lt1"/>
-          </a:fontRef>
-        </p:style>
-        <p:txBody>
-          <a:bodyPr rtlCol="0" anchor="ctr"/>
-          <a:lstStyle/>
-          <a:p>
-            <a:pPr algn="ctr"/>
-            <a:endParaRPr lang="en-US">
-              <a:solidFill>
-                <a:srgbClr val="FF0000"/>
-              </a:solidFill>
-            </a:endParaRPr>
-          </a:p>
-        </p:txBody>
-      </p:sp>
-      <p:sp>
-        <p:nvSpPr>
-          <p:cNvPr id="11" name="TextBox 10">
-            <a:extLst>
-              <a:ext uri="{FF2B5EF4-FFF2-40B4-BE49-F238E27FC236}">
-                <a16:creationId xmlns:a16="http://schemas.microsoft.com/office/drawing/2014/main" id="{93053C95-091F-470E-A399-2885D197EB4F}"/>
-              </a:ext>
-            </a:extLst>
-          </p:cNvPr>
-          <p:cNvSpPr txBox="1"/>
-          <p:nvPr/>
-        </p:nvSpPr>
-        <p:spPr>
-          <a:xfrm>
-            <a:off x="4533940" y="6401642"/>
-            <a:ext cx="829651" cy="369332"/>
-          </a:xfrm>
-          <a:prstGeom prst="rect">
-            <a:avLst/>
-          </a:prstGeom>
-          <a:noFill/>
-        </p:spPr>
-        <p:txBody>
-          <a:bodyPr wrap="none" rtlCol="0">
-            <a:spAutoFit/>
-          </a:bodyPr>
-          <a:lstStyle/>
-          <a:p>
-            <a:r>
-              <a:rPr lang="en-US" dirty="0"/>
-              <a:t>Hacker</a:t>
-            </a:r>
-          </a:p>
-        </p:txBody>
-      </p:sp>
-      <p:sp>
-        <p:nvSpPr>
-          <p:cNvPr id="12" name="Arrow: Left-Right 11">
-            <a:extLst>
-              <a:ext uri="{FF2B5EF4-FFF2-40B4-BE49-F238E27FC236}">
-                <a16:creationId xmlns:a16="http://schemas.microsoft.com/office/drawing/2014/main" id="{B4FAAEF3-C9C0-47B5-97E7-DCFA5A5062BA}"/>
-              </a:ext>
-            </a:extLst>
-          </p:cNvPr>
-          <p:cNvSpPr/>
-          <p:nvPr/>
-        </p:nvSpPr>
-        <p:spPr>
-          <a:xfrm rot="2124937">
-            <a:off x="3464679" y="5265410"/>
-            <a:ext cx="962243" cy="390977"/>
-          </a:xfrm>
-          <a:prstGeom prst="leftRightArrow">
-            <a:avLst/>
-          </a:prstGeom>
-        </p:spPr>
-        <p:style>
-          <a:lnRef idx="2">
-            <a:schemeClr val="accent1">
-              <a:shade val="50000"/>
-            </a:schemeClr>
-          </a:lnRef>
-          <a:fillRef idx="1">
-            <a:schemeClr val="accent1"/>
-          </a:fillRef>
-          <a:effectRef idx="0">
-            <a:schemeClr val="accent1"/>
-          </a:effectRef>
-          <a:fontRef idx="minor">
-            <a:schemeClr val="lt1"/>
-          </a:fontRef>
-        </p:style>
-        <p:txBody>
-          <a:bodyPr rtlCol="0" anchor="ctr"/>
-          <a:lstStyle/>
-          <a:p>
-            <a:pPr algn="ctr"/>
-            <a:endParaRPr lang="en-US"/>
-          </a:p>
-        </p:txBody>
-      </p:sp>
-      <p:sp>
-        <p:nvSpPr>
-          <p:cNvPr id="13" name="Arrow: Left-Right 12">
-            <a:extLst>
-              <a:ext uri="{FF2B5EF4-FFF2-40B4-BE49-F238E27FC236}">
-                <a16:creationId xmlns:a16="http://schemas.microsoft.com/office/drawing/2014/main" id="{229CCECE-E7AB-49E3-A812-5050A390E175}"/>
-              </a:ext>
-            </a:extLst>
-          </p:cNvPr>
-          <p:cNvSpPr/>
-          <p:nvPr/>
-        </p:nvSpPr>
-        <p:spPr>
-          <a:xfrm rot="19654714">
-            <a:off x="5399512" y="5255090"/>
-            <a:ext cx="962243" cy="390977"/>
-          </a:xfrm>
-          <a:prstGeom prst="leftRightArrow">
-            <a:avLst/>
-          </a:prstGeom>
-        </p:spPr>
-        <p:style>
-          <a:lnRef idx="2">
-            <a:schemeClr val="accent1">
-              <a:shade val="50000"/>
-            </a:schemeClr>
-          </a:lnRef>
-          <a:fillRef idx="1">
-            <a:schemeClr val="accent1"/>
-          </a:fillRef>
-          <a:effectRef idx="0">
-            <a:schemeClr val="accent1"/>
-          </a:effectRef>
-          <a:fontRef idx="minor">
-            <a:schemeClr val="lt1"/>
-          </a:fontRef>
-        </p:style>
-        <p:txBody>
-          <a:bodyPr rtlCol="0" anchor="ctr"/>
-          <a:lstStyle/>
-          <a:p>
-            <a:pPr algn="ctr"/>
-            <a:endParaRPr lang="en-US"/>
-          </a:p>
-        </p:txBody>
-      </p:sp>
-      <p:sp>
-        <p:nvSpPr>
-          <p:cNvPr id="15" name="TextBox 14">
-            <a:extLst>
-              <a:ext uri="{FF2B5EF4-FFF2-40B4-BE49-F238E27FC236}">
-                <a16:creationId xmlns:a16="http://schemas.microsoft.com/office/drawing/2014/main" id="{553E9C93-64A4-41E7-91A1-DB05EFFB65AE}"/>
-              </a:ext>
-            </a:extLst>
-          </p:cNvPr>
-          <p:cNvSpPr txBox="1"/>
-          <p:nvPr/>
-        </p:nvSpPr>
-        <p:spPr>
-          <a:xfrm>
-            <a:off x="6029418" y="5949503"/>
-            <a:ext cx="2300630" cy="646331"/>
-          </a:xfrm>
-          <a:prstGeom prst="rect">
-            <a:avLst/>
-          </a:prstGeom>
-          <a:noFill/>
-        </p:spPr>
-        <p:txBody>
-          <a:bodyPr wrap="none" rtlCol="0">
-            <a:spAutoFit/>
-          </a:bodyPr>
-          <a:lstStyle/>
-          <a:p>
-            <a:r>
-              <a:rPr lang="en-US" dirty="0"/>
-              <a:t>Threat model, </a:t>
-            </a:r>
-          </a:p>
-          <a:p>
-            <a:r>
-              <a:rPr lang="en-US" dirty="0"/>
-              <a:t>The man in the middle</a:t>
-            </a:r>
-          </a:p>
-        </p:txBody>
-      </p:sp>
-    </p:spTree>
-    <p:extLst>
-      <p:ext uri="{BB962C8B-B14F-4D97-AF65-F5344CB8AC3E}">
-        <p14:creationId xmlns:p14="http://schemas.microsoft.com/office/powerpoint/2010/main" val="2112831140"/>
-      </p:ext>
-    </p:extLst>
-  </p:cSld>
-  <p:clrMapOvr>
-    <a:masterClrMapping/>
-  </p:clrMapOvr>
-</p:sld>
-</file>
-
-<file path=ppt/slides/slide3.xml><?xml version="1.0" encoding="utf-8"?>
-<p:sld xmlns:a="http://schemas.openxmlformats.org/drawingml/2006/main" xmlns:r="http://schemas.openxmlformats.org/officeDocument/2006/relationships" xmlns:p="http://schemas.openxmlformats.org/presentationml/2006/main">
-  <p:cSld>
-    <p:spTree>
-      <p:nvGrpSpPr>
-        <p:cNvPr id="1" name=""/>
-        <p:cNvGrpSpPr/>
-        <p:nvPr/>
-      </p:nvGrpSpPr>
-      <p:grpSpPr>
-        <a:xfrm>
-          <a:off x="0" y="0"/>
-          <a:ext cx="0" cy="0"/>
-          <a:chOff x="0" y="0"/>
-          <a:chExt cx="0" cy="0"/>
-        </a:xfrm>
-      </p:grpSpPr>
-      <p:pic>
-        <p:nvPicPr>
-          <p:cNvPr id="87" name="Picture 86">
-            <a:extLst>
-              <a:ext uri="{FF2B5EF4-FFF2-40B4-BE49-F238E27FC236}">
-                <a16:creationId xmlns:a16="http://schemas.microsoft.com/office/drawing/2014/main" id="{51BBADD7-C496-4A43-924F-5C606CA498A2}"/>
-              </a:ext>
-            </a:extLst>
-          </p:cNvPr>
-          <p:cNvPicPr>
-            <a:picLocks noChangeAspect="1"/>
-          </p:cNvPicPr>
-          <p:nvPr/>
-        </p:nvPicPr>
-        <p:blipFill>
-          <a:blip r:embed="rId2"/>
-          <a:stretch>
-            <a:fillRect/>
-          </a:stretch>
-        </p:blipFill>
-        <p:spPr>
-          <a:xfrm>
-            <a:off x="1330276" y="-932424"/>
-            <a:ext cx="9334500" cy="4371975"/>
-          </a:xfrm>
-          <a:prstGeom prst="rect">
-            <a:avLst/>
-          </a:prstGeom>
-        </p:spPr>
-      </p:pic>
-      <p:sp>
-        <p:nvSpPr>
-          <p:cNvPr id="88" name="TextBox 87">
-            <a:extLst>
-              <a:ext uri="{FF2B5EF4-FFF2-40B4-BE49-F238E27FC236}">
-                <a16:creationId xmlns:a16="http://schemas.microsoft.com/office/drawing/2014/main" id="{CB60D677-C548-401D-B6A7-E9737E5A4188}"/>
-              </a:ext>
-            </a:extLst>
-          </p:cNvPr>
-          <p:cNvSpPr txBox="1"/>
-          <p:nvPr/>
-        </p:nvSpPr>
-        <p:spPr>
-          <a:xfrm>
-            <a:off x="2025748" y="3254885"/>
-            <a:ext cx="1755609" cy="369332"/>
-          </a:xfrm>
-          <a:prstGeom prst="rect">
-            <a:avLst/>
-          </a:prstGeom>
-          <a:noFill/>
-        </p:spPr>
-        <p:txBody>
-          <a:bodyPr wrap="none" rtlCol="0">
-            <a:spAutoFit/>
-          </a:bodyPr>
-          <a:lstStyle/>
-          <a:p>
-            <a:r>
-              <a:rPr lang="zh-CN" altLang="en-US" dirty="0"/>
-              <a:t>也就是</a:t>
-            </a:r>
-            <a:r>
-              <a:rPr lang="en-US" altLang="zh-CN" dirty="0" err="1"/>
-              <a:t>WiFi</a:t>
-            </a:r>
-            <a:r>
-              <a:rPr lang="zh-CN" altLang="en-US" dirty="0"/>
-              <a:t>密码</a:t>
-            </a:r>
-            <a:endParaRPr lang="en-US" altLang="zh-CN" dirty="0"/>
-          </a:p>
-        </p:txBody>
-      </p:sp>
-      <p:sp>
-        <p:nvSpPr>
-          <p:cNvPr id="89" name="TextBox 88">
-            <a:extLst>
-              <a:ext uri="{FF2B5EF4-FFF2-40B4-BE49-F238E27FC236}">
-                <a16:creationId xmlns:a16="http://schemas.microsoft.com/office/drawing/2014/main" id="{D9763095-E402-4D1F-949D-0C637AA992C5}"/>
-              </a:ext>
-            </a:extLst>
-          </p:cNvPr>
-          <p:cNvSpPr txBox="1"/>
-          <p:nvPr/>
-        </p:nvSpPr>
-        <p:spPr>
-          <a:xfrm>
-            <a:off x="1659988" y="3624217"/>
-            <a:ext cx="3852337" cy="369332"/>
-          </a:xfrm>
-          <a:prstGeom prst="rect">
-            <a:avLst/>
-          </a:prstGeom>
-          <a:noFill/>
-        </p:spPr>
-        <p:txBody>
-          <a:bodyPr wrap="none" rtlCol="0">
-            <a:spAutoFit/>
-          </a:bodyPr>
-          <a:lstStyle/>
-          <a:p>
-            <a:r>
-              <a:rPr lang="zh-CN" altLang="en-US" dirty="0"/>
-              <a:t>这种情况下每个人的</a:t>
-            </a:r>
-            <a:r>
-              <a:rPr lang="en-US" altLang="zh-CN" dirty="0"/>
-              <a:t>PMK</a:t>
-            </a:r>
-            <a:r>
-              <a:rPr lang="zh-CN" altLang="en-US" dirty="0"/>
-              <a:t>都是一样的</a:t>
-            </a:r>
-            <a:endParaRPr lang="en-US" dirty="0"/>
-          </a:p>
-        </p:txBody>
-      </p:sp>
-      <p:sp>
-        <p:nvSpPr>
-          <p:cNvPr id="91" name="Rectangle 90">
-            <a:extLst>
-              <a:ext uri="{FF2B5EF4-FFF2-40B4-BE49-F238E27FC236}">
-                <a16:creationId xmlns:a16="http://schemas.microsoft.com/office/drawing/2014/main" id="{F6BA3B61-4C97-484F-A368-4A9CC7C9F08C}"/>
-              </a:ext>
-            </a:extLst>
-          </p:cNvPr>
-          <p:cNvSpPr/>
-          <p:nvPr/>
-        </p:nvSpPr>
-        <p:spPr>
-          <a:xfrm>
-            <a:off x="0" y="4061993"/>
-            <a:ext cx="12192000" cy="2308324"/>
-          </a:xfrm>
-          <a:prstGeom prst="rect">
-            <a:avLst/>
-          </a:prstGeom>
-        </p:spPr>
-        <p:txBody>
-          <a:bodyPr wrap="square">
-            <a:spAutoFit/>
-          </a:bodyPr>
-          <a:lstStyle/>
-          <a:p>
-            <a:r>
-              <a:rPr lang="en-US" dirty="0"/>
-              <a:t>The PMK is designed to last the entire session and should be exposed as little as possible; therefore, keys to encrypt the traffic need to be derived. A four-way handshake is used to establish another key called the Pairwise Transient Key (</a:t>
-            </a:r>
-            <a:r>
-              <a:rPr lang="en-US" b="1" dirty="0">
-                <a:solidFill>
-                  <a:srgbClr val="FF0000"/>
-                </a:solidFill>
-              </a:rPr>
-              <a:t>PTK</a:t>
-            </a:r>
-            <a:r>
-              <a:rPr lang="en-US" dirty="0"/>
-              <a:t>). The PTK is generated by concatenating the following attributes: </a:t>
-            </a:r>
-            <a:r>
-              <a:rPr lang="en-US" b="1" dirty="0"/>
-              <a:t>PMK, AP nonce (</a:t>
-            </a:r>
-            <a:r>
-              <a:rPr lang="en-US" b="1" dirty="0" err="1"/>
-              <a:t>ANonce</a:t>
-            </a:r>
-            <a:r>
-              <a:rPr lang="en-US" b="1" dirty="0"/>
-              <a:t>), STA nonce (</a:t>
-            </a:r>
-            <a:r>
-              <a:rPr lang="en-US" b="1" dirty="0" err="1"/>
-              <a:t>SNonce</a:t>
-            </a:r>
-            <a:r>
-              <a:rPr lang="en-US" b="1" dirty="0"/>
-              <a:t>), AP MAC address, and STA MAC address</a:t>
-            </a:r>
-            <a:r>
-              <a:rPr lang="en-US" dirty="0"/>
-              <a:t>. The product is then put through a pseudo-random function. </a:t>
-            </a:r>
-          </a:p>
-          <a:p>
-            <a:endParaRPr lang="en-US" dirty="0"/>
-          </a:p>
-          <a:p>
-            <a:r>
-              <a:rPr lang="en-US" dirty="0"/>
-              <a:t>The actual messages exchanged during the handshake are depicted in the figure and explained below (all messages are sent as </a:t>
-            </a:r>
-            <a:r>
-              <a:rPr lang="en-US" b="1" dirty="0"/>
-              <a:t>EAPOL-Key frames</a:t>
-            </a:r>
-            <a:r>
-              <a:rPr lang="en-US" dirty="0"/>
-              <a:t>):</a:t>
-            </a:r>
-          </a:p>
-          <a:p>
-            <a:endParaRPr lang="en-US" dirty="0"/>
-          </a:p>
-        </p:txBody>
-      </p:sp>
-      <p:pic>
-        <p:nvPicPr>
-          <p:cNvPr id="1026" name="Picture 2" descr="https://upload.wikimedia.org/wikipedia/commons/thumb/a/ac/4-way-handshake.svg/440px-4-way-handshake.svg.png">
-            <a:extLst>
-              <a:ext uri="{FF2B5EF4-FFF2-40B4-BE49-F238E27FC236}">
-                <a16:creationId xmlns:a16="http://schemas.microsoft.com/office/drawing/2014/main" id="{A33C3628-8AAF-4CC2-B093-09A165FB3EA2}"/>
-              </a:ext>
-            </a:extLst>
-          </p:cNvPr>
-          <p:cNvPicPr>
-            <a:picLocks noChangeAspect="1" noChangeArrowheads="1"/>
-          </p:cNvPicPr>
-          <p:nvPr/>
-        </p:nvPicPr>
-        <p:blipFill>
-          <a:blip r:embed="rId3">
-            <a:extLst>
-              <a:ext uri="{28A0092B-C50C-407E-A947-70E740481C1C}">
-                <a14:useLocalDpi xmlns:a14="http://schemas.microsoft.com/office/drawing/2010/main" val="0"/>
-              </a:ext>
-            </a:extLst>
-          </a:blip>
-          <a:srcRect/>
-          <a:stretch>
-            <a:fillRect/>
-          </a:stretch>
-        </p:blipFill>
-        <p:spPr bwMode="auto">
-          <a:xfrm>
-            <a:off x="8005689" y="6080906"/>
-            <a:ext cx="4191000" cy="3333750"/>
-          </a:xfrm>
-          <a:prstGeom prst="rect">
-            <a:avLst/>
-          </a:prstGeom>
-          <a:noFill/>
-          <a:extLst>
-            <a:ext uri="{909E8E84-426E-40DD-AFC4-6F175D3DCCD1}">
-              <a14:hiddenFill xmlns:a14="http://schemas.microsoft.com/office/drawing/2010/main">
-                <a:solidFill>
-                  <a:srgbClr val="FFFFFF"/>
-                </a:solidFill>
-              </a14:hiddenFill>
-            </a:ext>
-          </a:extLst>
-        </p:spPr>
-      </p:pic>
-      <p:sp>
-        <p:nvSpPr>
-          <p:cNvPr id="96" name="Rectangle 95">
-            <a:extLst>
-              <a:ext uri="{FF2B5EF4-FFF2-40B4-BE49-F238E27FC236}">
-                <a16:creationId xmlns:a16="http://schemas.microsoft.com/office/drawing/2014/main" id="{5731B507-4B42-4389-BA05-7447A8DAC2D2}"/>
-              </a:ext>
-            </a:extLst>
-          </p:cNvPr>
-          <p:cNvSpPr/>
-          <p:nvPr/>
-        </p:nvSpPr>
-        <p:spPr>
-          <a:xfrm>
-            <a:off x="1330276" y="6184327"/>
-            <a:ext cx="6096000" cy="3416320"/>
-          </a:xfrm>
-          <a:prstGeom prst="rect">
-            <a:avLst/>
-          </a:prstGeom>
-        </p:spPr>
-        <p:txBody>
-          <a:bodyPr>
-            <a:spAutoFit/>
-          </a:bodyPr>
-          <a:lstStyle/>
-          <a:p>
-            <a:pPr>
-              <a:buFont typeface="+mj-lt"/>
-              <a:buAutoNum type="arabicPeriod"/>
-            </a:pPr>
-            <a:r>
-              <a:rPr lang="en-US" b="0" i="0" dirty="0">
-                <a:solidFill>
-                  <a:srgbClr val="222222"/>
-                </a:solidFill>
-                <a:effectLst/>
-                <a:latin typeface="Arial" panose="020B0604020202020204" pitchFamily="34" charset="0"/>
-              </a:rPr>
-              <a:t>The </a:t>
-            </a:r>
-            <a:r>
-              <a:rPr lang="en-US" b="0" i="0" u="none" strike="noStrike" dirty="0">
-                <a:solidFill>
-                  <a:srgbClr val="0B0080"/>
-                </a:solidFill>
-                <a:effectLst/>
-                <a:latin typeface="Arial" panose="020B0604020202020204" pitchFamily="34" charset="0"/>
-              </a:rPr>
-              <a:t>AP</a:t>
-            </a:r>
-            <a:r>
-              <a:rPr lang="en-US" b="0" i="0" dirty="0">
-                <a:solidFill>
-                  <a:srgbClr val="222222"/>
-                </a:solidFill>
-                <a:effectLst/>
-                <a:latin typeface="Arial" panose="020B0604020202020204" pitchFamily="34" charset="0"/>
-              </a:rPr>
-              <a:t> sends a nonce-value to the STA (</a:t>
-            </a:r>
-            <a:r>
-              <a:rPr lang="en-US" b="1" i="0" dirty="0" err="1">
-                <a:solidFill>
-                  <a:srgbClr val="222222"/>
-                </a:solidFill>
-                <a:effectLst/>
-                <a:latin typeface="Arial" panose="020B0604020202020204" pitchFamily="34" charset="0"/>
-              </a:rPr>
-              <a:t>ANonce</a:t>
-            </a:r>
-            <a:r>
-              <a:rPr lang="en-US" b="0" i="0" dirty="0">
-                <a:solidFill>
-                  <a:srgbClr val="222222"/>
-                </a:solidFill>
-                <a:effectLst/>
-                <a:latin typeface="Arial" panose="020B0604020202020204" pitchFamily="34" charset="0"/>
-              </a:rPr>
-              <a:t>). The client now has all the attributes to construct the PTK.</a:t>
-            </a:r>
-          </a:p>
-          <a:p>
-            <a:pPr>
-              <a:buFont typeface="+mj-lt"/>
-              <a:buAutoNum type="arabicPeriod"/>
-            </a:pPr>
-            <a:r>
-              <a:rPr lang="en-US" b="0" i="0" dirty="0">
-                <a:solidFill>
-                  <a:srgbClr val="222222"/>
-                </a:solidFill>
-                <a:effectLst/>
-                <a:latin typeface="Arial" panose="020B0604020202020204" pitchFamily="34" charset="0"/>
-              </a:rPr>
-              <a:t>The STA sends its own nonce-value (</a:t>
-            </a:r>
-            <a:r>
-              <a:rPr lang="en-US" b="0" i="0" dirty="0" err="1">
-                <a:solidFill>
-                  <a:srgbClr val="222222"/>
-                </a:solidFill>
-                <a:effectLst/>
-                <a:latin typeface="Arial" panose="020B0604020202020204" pitchFamily="34" charset="0"/>
-              </a:rPr>
-              <a:t>SNonce</a:t>
-            </a:r>
-            <a:r>
-              <a:rPr lang="en-US" b="0" i="0" dirty="0">
-                <a:solidFill>
-                  <a:srgbClr val="222222"/>
-                </a:solidFill>
-                <a:effectLst/>
-                <a:latin typeface="Arial" panose="020B0604020202020204" pitchFamily="34" charset="0"/>
-              </a:rPr>
-              <a:t>) to the AP together with a </a:t>
-            </a:r>
-            <a:r>
-              <a:rPr lang="en-US" b="0" i="0" u="none" strike="noStrike" dirty="0">
-                <a:solidFill>
-                  <a:srgbClr val="0B0080"/>
-                </a:solidFill>
-                <a:effectLst/>
-                <a:latin typeface="Arial" panose="020B0604020202020204" pitchFamily="34" charset="0"/>
-              </a:rPr>
-              <a:t>Message Integrity Code</a:t>
-            </a:r>
-            <a:r>
-              <a:rPr lang="en-US" b="0" i="0" dirty="0">
-                <a:solidFill>
-                  <a:srgbClr val="222222"/>
-                </a:solidFill>
-                <a:effectLst/>
-                <a:latin typeface="Arial" panose="020B0604020202020204" pitchFamily="34" charset="0"/>
-              </a:rPr>
-              <a:t> (MIC), including authentication, which is really a Message Authentication and Integrity Code (MAIC).</a:t>
-            </a:r>
-          </a:p>
-          <a:p>
-            <a:pPr>
-              <a:buFont typeface="+mj-lt"/>
-              <a:buAutoNum type="arabicPeriod"/>
-            </a:pPr>
-            <a:r>
-              <a:rPr lang="en-US" b="0" i="0" dirty="0">
-                <a:solidFill>
-                  <a:srgbClr val="222222"/>
-                </a:solidFill>
-                <a:effectLst/>
-                <a:latin typeface="Arial" panose="020B0604020202020204" pitchFamily="34" charset="0"/>
-              </a:rPr>
-              <a:t>The AP constructs and sends the GTK and a sequence number together with another MIC. This sequence number will be used in the next multicast or broadcast frame, so that the receiving STA can perform basic replay detection.</a:t>
-            </a:r>
-          </a:p>
-          <a:p>
-            <a:pPr>
-              <a:buFont typeface="+mj-lt"/>
-              <a:buAutoNum type="arabicPeriod"/>
-            </a:pPr>
-            <a:r>
-              <a:rPr lang="en-US" b="0" i="0" dirty="0">
-                <a:solidFill>
-                  <a:srgbClr val="222222"/>
-                </a:solidFill>
-                <a:effectLst/>
-                <a:latin typeface="Arial" panose="020B0604020202020204" pitchFamily="34" charset="0"/>
-              </a:rPr>
-              <a:t>The STA sends a confirmation to the AP.</a:t>
-            </a:r>
-          </a:p>
-        </p:txBody>
-      </p:sp>
-    </p:spTree>
-    <p:extLst>
-      <p:ext uri="{BB962C8B-B14F-4D97-AF65-F5344CB8AC3E}">
-        <p14:creationId xmlns:p14="http://schemas.microsoft.com/office/powerpoint/2010/main" val="895422838"/>
-      </p:ext>
-    </p:extLst>
-  </p:cSld>
-  <p:clrMapOvr>
-    <a:masterClrMapping/>
-  </p:clrMapOvr>
-</p:sld>
-</file>
-
 <file path=ppt/theme/theme1.xml><?xml version="1.0" encoding="utf-8"?>
 <a:theme xmlns:a="http://schemas.openxmlformats.org/drawingml/2006/main" name="Office Theme">
   <a:themeElements>
@@ -5137,7 +3594,7 @@
   <a:extraClrSchemeLst/>
   <a:extLst>
     <a:ext uri="{05A4C25C-085E-4340-85A3-A5531E510DB2}">
-      <thm15:themeFamily xmlns:thm15="http://schemas.microsoft.com/office/thememl/2012/main" name="Office Theme" id="{62F939B6-93AF-4DB8-9C6B-D6C7DFDC589F}" vid="{4A3C46E8-61CC-4603-A589-7422A47A8E4A}"/>
+      <thm15:themeFamily xmlns:thm15="http://schemas.microsoft.com/office/thememl/2012/main" xmlns="" name="Office Theme" id="{62F939B6-93AF-4DB8-9C6B-D6C7DFDC589F}" vid="{4A3C46E8-61CC-4603-A589-7422A47A8E4A}"/>
     </a:ext>
   </a:extLst>
 </a:theme>

--- a/temp.pptx
+++ b/temp.pptx
@@ -4,6 +4,9 @@
   <p:sldMasterIdLst>
     <p:sldMasterId id="2147483648" r:id="rId1"/>
   </p:sldMasterIdLst>
+  <p:sldIdLst>
+    <p:sldId id="256" r:id="rId2"/>
+  </p:sldIdLst>
   <p:sldSz cx="12192000" cy="6858000"/>
   <p:notesSz cx="6858000" cy="9144000"/>
   <p:defaultTextStyle>
@@ -101,6 +104,22 @@
       </a:defRPr>
     </a:lvl9pPr>
   </p:defaultTextStyle>
+  <p:extLst>
+    <p:ext uri="{EFAFB233-063F-42B5-8137-9DF3F51BA10A}">
+      <p15:sldGuideLst xmlns:p15="http://schemas.microsoft.com/office/powerpoint/2012/main">
+        <p15:guide id="1" orient="horz" pos="2160">
+          <p15:clr>
+            <a:srgbClr val="A4A3A4"/>
+          </p15:clr>
+        </p15:guide>
+        <p15:guide id="2" pos="3840">
+          <p15:clr>
+            <a:srgbClr val="A4A3A4"/>
+          </p15:clr>
+        </p15:guide>
+      </p15:sldGuideLst>
+    </p:ext>
+  </p:extLst>
 </p:presentation>
 </file>
 
@@ -130,7 +149,7 @@
           <p:cNvPr id="2" name="Title 1">
             <a:extLst>
               <a:ext uri="{FF2B5EF4-FFF2-40B4-BE49-F238E27FC236}">
-                <a16:creationId xmlns:a16="http://schemas.microsoft.com/office/drawing/2014/main" xmlns="" id="{B5F5F319-D979-4A3F-A4F8-4DDCDE891BFD}"/>
+                <a16:creationId xmlns="" xmlns:a16="http://schemas.microsoft.com/office/drawing/2014/main" id="{B5F5F319-D979-4A3F-A4F8-4DDCDE891BFD}"/>
               </a:ext>
             </a:extLst>
           </p:cNvPr>
@@ -167,7 +186,7 @@
           <p:cNvPr id="3" name="Subtitle 2">
             <a:extLst>
               <a:ext uri="{FF2B5EF4-FFF2-40B4-BE49-F238E27FC236}">
-                <a16:creationId xmlns:a16="http://schemas.microsoft.com/office/drawing/2014/main" xmlns="" id="{4474209B-F46B-471F-B216-60C5F4296C14}"/>
+                <a16:creationId xmlns="" xmlns:a16="http://schemas.microsoft.com/office/drawing/2014/main" id="{4474209B-F46B-471F-B216-60C5F4296C14}"/>
               </a:ext>
             </a:extLst>
           </p:cNvPr>
@@ -237,7 +256,7 @@
           <p:cNvPr id="4" name="Date Placeholder 3">
             <a:extLst>
               <a:ext uri="{FF2B5EF4-FFF2-40B4-BE49-F238E27FC236}">
-                <a16:creationId xmlns:a16="http://schemas.microsoft.com/office/drawing/2014/main" xmlns="" id="{1E6B3389-407A-410F-8F6D-D24D84CA4D6B}"/>
+                <a16:creationId xmlns="" xmlns:a16="http://schemas.microsoft.com/office/drawing/2014/main" id="{1E6B3389-407A-410F-8F6D-D24D84CA4D6B}"/>
               </a:ext>
             </a:extLst>
           </p:cNvPr>
@@ -255,7 +274,7 @@
           <a:p>
             <a:fld id="{E040DD28-DA01-4164-BF9D-AEC6AAD07A3E}" type="datetimeFigureOut">
               <a:rPr lang="en-US" smtClean="0"/>
-              <a:t>12/25/2017</a:t>
+              <a:t>1/5/18</a:t>
             </a:fld>
             <a:endParaRPr lang="en-US"/>
           </a:p>
@@ -266,7 +285,7 @@
           <p:cNvPr id="5" name="Footer Placeholder 4">
             <a:extLst>
               <a:ext uri="{FF2B5EF4-FFF2-40B4-BE49-F238E27FC236}">
-                <a16:creationId xmlns:a16="http://schemas.microsoft.com/office/drawing/2014/main" xmlns="" id="{5D8C0812-771C-43AD-B38F-6BC2255600F9}"/>
+                <a16:creationId xmlns="" xmlns:a16="http://schemas.microsoft.com/office/drawing/2014/main" id="{5D8C0812-771C-43AD-B38F-6BC2255600F9}"/>
               </a:ext>
             </a:extLst>
           </p:cNvPr>
@@ -291,7 +310,7 @@
           <p:cNvPr id="6" name="Slide Number Placeholder 5">
             <a:extLst>
               <a:ext uri="{FF2B5EF4-FFF2-40B4-BE49-F238E27FC236}">
-                <a16:creationId xmlns:a16="http://schemas.microsoft.com/office/drawing/2014/main" xmlns="" id="{F39CB706-EA94-418D-9F2C-336E6EF264EC}"/>
+                <a16:creationId xmlns="" xmlns:a16="http://schemas.microsoft.com/office/drawing/2014/main" id="{F39CB706-EA94-418D-9F2C-336E6EF264EC}"/>
               </a:ext>
             </a:extLst>
           </p:cNvPr>
@@ -350,7 +369,7 @@
           <p:cNvPr id="2" name="Title 1">
             <a:extLst>
               <a:ext uri="{FF2B5EF4-FFF2-40B4-BE49-F238E27FC236}">
-                <a16:creationId xmlns:a16="http://schemas.microsoft.com/office/drawing/2014/main" xmlns="" id="{3A259477-0A53-4114-95B2-8A1D5D83E0A2}"/>
+                <a16:creationId xmlns="" xmlns:a16="http://schemas.microsoft.com/office/drawing/2014/main" id="{3A259477-0A53-4114-95B2-8A1D5D83E0A2}"/>
               </a:ext>
             </a:extLst>
           </p:cNvPr>
@@ -378,7 +397,7 @@
           <p:cNvPr id="3" name="Vertical Text Placeholder 2">
             <a:extLst>
               <a:ext uri="{FF2B5EF4-FFF2-40B4-BE49-F238E27FC236}">
-                <a16:creationId xmlns:a16="http://schemas.microsoft.com/office/drawing/2014/main" xmlns="" id="{533E45B0-73AC-4661-B286-CC8B49D0CBB1}"/>
+                <a16:creationId xmlns="" xmlns:a16="http://schemas.microsoft.com/office/drawing/2014/main" id="{533E45B0-73AC-4661-B286-CC8B49D0CBB1}"/>
               </a:ext>
             </a:extLst>
           </p:cNvPr>
@@ -435,7 +454,7 @@
           <p:cNvPr id="4" name="Date Placeholder 3">
             <a:extLst>
               <a:ext uri="{FF2B5EF4-FFF2-40B4-BE49-F238E27FC236}">
-                <a16:creationId xmlns:a16="http://schemas.microsoft.com/office/drawing/2014/main" xmlns="" id="{DDFFC868-093D-4D95-AA93-2203C226F89B}"/>
+                <a16:creationId xmlns="" xmlns:a16="http://schemas.microsoft.com/office/drawing/2014/main" id="{DDFFC868-093D-4D95-AA93-2203C226F89B}"/>
               </a:ext>
             </a:extLst>
           </p:cNvPr>
@@ -453,7 +472,7 @@
           <a:p>
             <a:fld id="{E040DD28-DA01-4164-BF9D-AEC6AAD07A3E}" type="datetimeFigureOut">
               <a:rPr lang="en-US" smtClean="0"/>
-              <a:t>12/25/2017</a:t>
+              <a:t>1/5/18</a:t>
             </a:fld>
             <a:endParaRPr lang="en-US"/>
           </a:p>
@@ -464,7 +483,7 @@
           <p:cNvPr id="5" name="Footer Placeholder 4">
             <a:extLst>
               <a:ext uri="{FF2B5EF4-FFF2-40B4-BE49-F238E27FC236}">
-                <a16:creationId xmlns:a16="http://schemas.microsoft.com/office/drawing/2014/main" xmlns="" id="{CA068C37-6A3A-44A8-A7BE-58942241414E}"/>
+                <a16:creationId xmlns="" xmlns:a16="http://schemas.microsoft.com/office/drawing/2014/main" id="{CA068C37-6A3A-44A8-A7BE-58942241414E}"/>
               </a:ext>
             </a:extLst>
           </p:cNvPr>
@@ -489,7 +508,7 @@
           <p:cNvPr id="6" name="Slide Number Placeholder 5">
             <a:extLst>
               <a:ext uri="{FF2B5EF4-FFF2-40B4-BE49-F238E27FC236}">
-                <a16:creationId xmlns:a16="http://schemas.microsoft.com/office/drawing/2014/main" xmlns="" id="{E78B41CD-FF00-4C28-A410-5C2081075C8F}"/>
+                <a16:creationId xmlns="" xmlns:a16="http://schemas.microsoft.com/office/drawing/2014/main" id="{E78B41CD-FF00-4C28-A410-5C2081075C8F}"/>
               </a:ext>
             </a:extLst>
           </p:cNvPr>
@@ -548,7 +567,7 @@
           <p:cNvPr id="2" name="Vertical Title 1">
             <a:extLst>
               <a:ext uri="{FF2B5EF4-FFF2-40B4-BE49-F238E27FC236}">
-                <a16:creationId xmlns:a16="http://schemas.microsoft.com/office/drawing/2014/main" xmlns="" id="{09D8892F-E415-4A5B-8DE4-93BDA5F0BB5E}"/>
+                <a16:creationId xmlns="" xmlns:a16="http://schemas.microsoft.com/office/drawing/2014/main" id="{09D8892F-E415-4A5B-8DE4-93BDA5F0BB5E}"/>
               </a:ext>
             </a:extLst>
           </p:cNvPr>
@@ -581,7 +600,7 @@
           <p:cNvPr id="3" name="Vertical Text Placeholder 2">
             <a:extLst>
               <a:ext uri="{FF2B5EF4-FFF2-40B4-BE49-F238E27FC236}">
-                <a16:creationId xmlns:a16="http://schemas.microsoft.com/office/drawing/2014/main" xmlns="" id="{D914CE1D-36B4-41F6-8CAC-A824748DF349}"/>
+                <a16:creationId xmlns="" xmlns:a16="http://schemas.microsoft.com/office/drawing/2014/main" id="{D914CE1D-36B4-41F6-8CAC-A824748DF349}"/>
               </a:ext>
             </a:extLst>
           </p:cNvPr>
@@ -643,7 +662,7 @@
           <p:cNvPr id="4" name="Date Placeholder 3">
             <a:extLst>
               <a:ext uri="{FF2B5EF4-FFF2-40B4-BE49-F238E27FC236}">
-                <a16:creationId xmlns:a16="http://schemas.microsoft.com/office/drawing/2014/main" xmlns="" id="{09EBC416-5C2B-4705-88C6-697C7026E134}"/>
+                <a16:creationId xmlns="" xmlns:a16="http://schemas.microsoft.com/office/drawing/2014/main" id="{09EBC416-5C2B-4705-88C6-697C7026E134}"/>
               </a:ext>
             </a:extLst>
           </p:cNvPr>
@@ -661,7 +680,7 @@
           <a:p>
             <a:fld id="{E040DD28-DA01-4164-BF9D-AEC6AAD07A3E}" type="datetimeFigureOut">
               <a:rPr lang="en-US" smtClean="0"/>
-              <a:t>12/25/2017</a:t>
+              <a:t>1/5/18</a:t>
             </a:fld>
             <a:endParaRPr lang="en-US"/>
           </a:p>
@@ -672,7 +691,7 @@
           <p:cNvPr id="5" name="Footer Placeholder 4">
             <a:extLst>
               <a:ext uri="{FF2B5EF4-FFF2-40B4-BE49-F238E27FC236}">
-                <a16:creationId xmlns:a16="http://schemas.microsoft.com/office/drawing/2014/main" xmlns="" id="{6A181D81-2CCF-4506-BAC8-332F27972DE7}"/>
+                <a16:creationId xmlns="" xmlns:a16="http://schemas.microsoft.com/office/drawing/2014/main" id="{6A181D81-2CCF-4506-BAC8-332F27972DE7}"/>
               </a:ext>
             </a:extLst>
           </p:cNvPr>
@@ -697,7 +716,7 @@
           <p:cNvPr id="6" name="Slide Number Placeholder 5">
             <a:extLst>
               <a:ext uri="{FF2B5EF4-FFF2-40B4-BE49-F238E27FC236}">
-                <a16:creationId xmlns:a16="http://schemas.microsoft.com/office/drawing/2014/main" xmlns="" id="{CF493655-0420-4B38-BA94-CAA81BE6B4A5}"/>
+                <a16:creationId xmlns="" xmlns:a16="http://schemas.microsoft.com/office/drawing/2014/main" id="{CF493655-0420-4B38-BA94-CAA81BE6B4A5}"/>
               </a:ext>
             </a:extLst>
           </p:cNvPr>
@@ -756,7 +775,7 @@
           <p:cNvPr id="2" name="Title 1">
             <a:extLst>
               <a:ext uri="{FF2B5EF4-FFF2-40B4-BE49-F238E27FC236}">
-                <a16:creationId xmlns:a16="http://schemas.microsoft.com/office/drawing/2014/main" xmlns="" id="{93BACEFF-B6D7-4BFD-B93D-95821BFD2D8F}"/>
+                <a16:creationId xmlns="" xmlns:a16="http://schemas.microsoft.com/office/drawing/2014/main" id="{93BACEFF-B6D7-4BFD-B93D-95821BFD2D8F}"/>
               </a:ext>
             </a:extLst>
           </p:cNvPr>
@@ -784,7 +803,7 @@
           <p:cNvPr id="3" name="Content Placeholder 2">
             <a:extLst>
               <a:ext uri="{FF2B5EF4-FFF2-40B4-BE49-F238E27FC236}">
-                <a16:creationId xmlns:a16="http://schemas.microsoft.com/office/drawing/2014/main" xmlns="" id="{59385ED6-5E0D-4E26-B486-3CC0C4291B3B}"/>
+                <a16:creationId xmlns="" xmlns:a16="http://schemas.microsoft.com/office/drawing/2014/main" id="{59385ED6-5E0D-4E26-B486-3CC0C4291B3B}"/>
               </a:ext>
             </a:extLst>
           </p:cNvPr>
@@ -841,7 +860,7 @@
           <p:cNvPr id="4" name="Date Placeholder 3">
             <a:extLst>
               <a:ext uri="{FF2B5EF4-FFF2-40B4-BE49-F238E27FC236}">
-                <a16:creationId xmlns:a16="http://schemas.microsoft.com/office/drawing/2014/main" xmlns="" id="{4FC036BA-799C-484E-9202-7D281BB13E19}"/>
+                <a16:creationId xmlns="" xmlns:a16="http://schemas.microsoft.com/office/drawing/2014/main" id="{4FC036BA-799C-484E-9202-7D281BB13E19}"/>
               </a:ext>
             </a:extLst>
           </p:cNvPr>
@@ -859,7 +878,7 @@
           <a:p>
             <a:fld id="{E040DD28-DA01-4164-BF9D-AEC6AAD07A3E}" type="datetimeFigureOut">
               <a:rPr lang="en-US" smtClean="0"/>
-              <a:t>12/25/2017</a:t>
+              <a:t>1/5/18</a:t>
             </a:fld>
             <a:endParaRPr lang="en-US"/>
           </a:p>
@@ -870,7 +889,7 @@
           <p:cNvPr id="5" name="Footer Placeholder 4">
             <a:extLst>
               <a:ext uri="{FF2B5EF4-FFF2-40B4-BE49-F238E27FC236}">
-                <a16:creationId xmlns:a16="http://schemas.microsoft.com/office/drawing/2014/main" xmlns="" id="{84C705AF-ED38-4DC0-9CAD-82802278E609}"/>
+                <a16:creationId xmlns="" xmlns:a16="http://schemas.microsoft.com/office/drawing/2014/main" id="{84C705AF-ED38-4DC0-9CAD-82802278E609}"/>
               </a:ext>
             </a:extLst>
           </p:cNvPr>
@@ -895,7 +914,7 @@
           <p:cNvPr id="6" name="Slide Number Placeholder 5">
             <a:extLst>
               <a:ext uri="{FF2B5EF4-FFF2-40B4-BE49-F238E27FC236}">
-                <a16:creationId xmlns:a16="http://schemas.microsoft.com/office/drawing/2014/main" xmlns="" id="{FCAB4C5E-BC29-4DA3-8FDD-E88F20A62425}"/>
+                <a16:creationId xmlns="" xmlns:a16="http://schemas.microsoft.com/office/drawing/2014/main" id="{FCAB4C5E-BC29-4DA3-8FDD-E88F20A62425}"/>
               </a:ext>
             </a:extLst>
           </p:cNvPr>
@@ -954,7 +973,7 @@
           <p:cNvPr id="2" name="Title 1">
             <a:extLst>
               <a:ext uri="{FF2B5EF4-FFF2-40B4-BE49-F238E27FC236}">
-                <a16:creationId xmlns:a16="http://schemas.microsoft.com/office/drawing/2014/main" xmlns="" id="{56F4E2A8-3DB4-4F28-996A-ADBBE22EB9E6}"/>
+                <a16:creationId xmlns="" xmlns:a16="http://schemas.microsoft.com/office/drawing/2014/main" id="{56F4E2A8-3DB4-4F28-996A-ADBBE22EB9E6}"/>
               </a:ext>
             </a:extLst>
           </p:cNvPr>
@@ -991,7 +1010,7 @@
           <p:cNvPr id="3" name="Text Placeholder 2">
             <a:extLst>
               <a:ext uri="{FF2B5EF4-FFF2-40B4-BE49-F238E27FC236}">
-                <a16:creationId xmlns:a16="http://schemas.microsoft.com/office/drawing/2014/main" xmlns="" id="{C89AE634-E835-4FB2-9543-9AE7D101C6F8}"/>
+                <a16:creationId xmlns="" xmlns:a16="http://schemas.microsoft.com/office/drawing/2014/main" id="{C89AE634-E835-4FB2-9543-9AE7D101C6F8}"/>
               </a:ext>
             </a:extLst>
           </p:cNvPr>
@@ -1116,7 +1135,7 @@
           <p:cNvPr id="4" name="Date Placeholder 3">
             <a:extLst>
               <a:ext uri="{FF2B5EF4-FFF2-40B4-BE49-F238E27FC236}">
-                <a16:creationId xmlns:a16="http://schemas.microsoft.com/office/drawing/2014/main" xmlns="" id="{A80E8D62-561D-425F-95E0-D8B490FEAFB0}"/>
+                <a16:creationId xmlns="" xmlns:a16="http://schemas.microsoft.com/office/drawing/2014/main" id="{A80E8D62-561D-425F-95E0-D8B490FEAFB0}"/>
               </a:ext>
             </a:extLst>
           </p:cNvPr>
@@ -1134,7 +1153,7 @@
           <a:p>
             <a:fld id="{E040DD28-DA01-4164-BF9D-AEC6AAD07A3E}" type="datetimeFigureOut">
               <a:rPr lang="en-US" smtClean="0"/>
-              <a:t>12/25/2017</a:t>
+              <a:t>1/5/18</a:t>
             </a:fld>
             <a:endParaRPr lang="en-US"/>
           </a:p>
@@ -1145,7 +1164,7 @@
           <p:cNvPr id="5" name="Footer Placeholder 4">
             <a:extLst>
               <a:ext uri="{FF2B5EF4-FFF2-40B4-BE49-F238E27FC236}">
-                <a16:creationId xmlns:a16="http://schemas.microsoft.com/office/drawing/2014/main" xmlns="" id="{092BFE70-3129-4F21-A151-027B995D8283}"/>
+                <a16:creationId xmlns="" xmlns:a16="http://schemas.microsoft.com/office/drawing/2014/main" id="{092BFE70-3129-4F21-A151-027B995D8283}"/>
               </a:ext>
             </a:extLst>
           </p:cNvPr>
@@ -1170,7 +1189,7 @@
           <p:cNvPr id="6" name="Slide Number Placeholder 5">
             <a:extLst>
               <a:ext uri="{FF2B5EF4-FFF2-40B4-BE49-F238E27FC236}">
-                <a16:creationId xmlns:a16="http://schemas.microsoft.com/office/drawing/2014/main" xmlns="" id="{8021D42E-9379-4CA1-8E67-A8CFC2137736}"/>
+                <a16:creationId xmlns="" xmlns:a16="http://schemas.microsoft.com/office/drawing/2014/main" id="{8021D42E-9379-4CA1-8E67-A8CFC2137736}"/>
               </a:ext>
             </a:extLst>
           </p:cNvPr>
@@ -1229,7 +1248,7 @@
           <p:cNvPr id="2" name="Title 1">
             <a:extLst>
               <a:ext uri="{FF2B5EF4-FFF2-40B4-BE49-F238E27FC236}">
-                <a16:creationId xmlns:a16="http://schemas.microsoft.com/office/drawing/2014/main" xmlns="" id="{6E79E456-1075-4906-82F7-0E6109B9E35D}"/>
+                <a16:creationId xmlns="" xmlns:a16="http://schemas.microsoft.com/office/drawing/2014/main" id="{6E79E456-1075-4906-82F7-0E6109B9E35D}"/>
               </a:ext>
             </a:extLst>
           </p:cNvPr>
@@ -1257,7 +1276,7 @@
           <p:cNvPr id="3" name="Content Placeholder 2">
             <a:extLst>
               <a:ext uri="{FF2B5EF4-FFF2-40B4-BE49-F238E27FC236}">
-                <a16:creationId xmlns:a16="http://schemas.microsoft.com/office/drawing/2014/main" xmlns="" id="{5B119237-D568-4846-9810-EE66DFA84982}"/>
+                <a16:creationId xmlns="" xmlns:a16="http://schemas.microsoft.com/office/drawing/2014/main" id="{5B119237-D568-4846-9810-EE66DFA84982}"/>
               </a:ext>
             </a:extLst>
           </p:cNvPr>
@@ -1319,7 +1338,7 @@
           <p:cNvPr id="4" name="Content Placeholder 3">
             <a:extLst>
               <a:ext uri="{FF2B5EF4-FFF2-40B4-BE49-F238E27FC236}">
-                <a16:creationId xmlns:a16="http://schemas.microsoft.com/office/drawing/2014/main" xmlns="" id="{B4C29F7A-057C-4495-9330-75B170FD1A8C}"/>
+                <a16:creationId xmlns="" xmlns:a16="http://schemas.microsoft.com/office/drawing/2014/main" id="{B4C29F7A-057C-4495-9330-75B170FD1A8C}"/>
               </a:ext>
             </a:extLst>
           </p:cNvPr>
@@ -1381,7 +1400,7 @@
           <p:cNvPr id="5" name="Date Placeholder 4">
             <a:extLst>
               <a:ext uri="{FF2B5EF4-FFF2-40B4-BE49-F238E27FC236}">
-                <a16:creationId xmlns:a16="http://schemas.microsoft.com/office/drawing/2014/main" xmlns="" id="{6B9731BB-E5EB-4386-A8C4-02BCBE618022}"/>
+                <a16:creationId xmlns="" xmlns:a16="http://schemas.microsoft.com/office/drawing/2014/main" id="{6B9731BB-E5EB-4386-A8C4-02BCBE618022}"/>
               </a:ext>
             </a:extLst>
           </p:cNvPr>
@@ -1399,7 +1418,7 @@
           <a:p>
             <a:fld id="{E040DD28-DA01-4164-BF9D-AEC6AAD07A3E}" type="datetimeFigureOut">
               <a:rPr lang="en-US" smtClean="0"/>
-              <a:t>12/25/2017</a:t>
+              <a:t>1/5/18</a:t>
             </a:fld>
             <a:endParaRPr lang="en-US"/>
           </a:p>
@@ -1410,7 +1429,7 @@
           <p:cNvPr id="6" name="Footer Placeholder 5">
             <a:extLst>
               <a:ext uri="{FF2B5EF4-FFF2-40B4-BE49-F238E27FC236}">
-                <a16:creationId xmlns:a16="http://schemas.microsoft.com/office/drawing/2014/main" xmlns="" id="{D61D5281-CDA5-43EF-BE1C-79A1529A08DB}"/>
+                <a16:creationId xmlns="" xmlns:a16="http://schemas.microsoft.com/office/drawing/2014/main" id="{D61D5281-CDA5-43EF-BE1C-79A1529A08DB}"/>
               </a:ext>
             </a:extLst>
           </p:cNvPr>
@@ -1435,7 +1454,7 @@
           <p:cNvPr id="7" name="Slide Number Placeholder 6">
             <a:extLst>
               <a:ext uri="{FF2B5EF4-FFF2-40B4-BE49-F238E27FC236}">
-                <a16:creationId xmlns:a16="http://schemas.microsoft.com/office/drawing/2014/main" xmlns="" id="{39B30A33-21E5-4395-AB23-BAC1B5A92289}"/>
+                <a16:creationId xmlns="" xmlns:a16="http://schemas.microsoft.com/office/drawing/2014/main" id="{39B30A33-21E5-4395-AB23-BAC1B5A92289}"/>
               </a:ext>
             </a:extLst>
           </p:cNvPr>
@@ -1494,7 +1513,7 @@
           <p:cNvPr id="2" name="Title 1">
             <a:extLst>
               <a:ext uri="{FF2B5EF4-FFF2-40B4-BE49-F238E27FC236}">
-                <a16:creationId xmlns:a16="http://schemas.microsoft.com/office/drawing/2014/main" xmlns="" id="{37B4C097-07A2-4984-A86D-7F052CFF4886}"/>
+                <a16:creationId xmlns="" xmlns:a16="http://schemas.microsoft.com/office/drawing/2014/main" id="{37B4C097-07A2-4984-A86D-7F052CFF4886}"/>
               </a:ext>
             </a:extLst>
           </p:cNvPr>
@@ -1527,7 +1546,7 @@
           <p:cNvPr id="3" name="Text Placeholder 2">
             <a:extLst>
               <a:ext uri="{FF2B5EF4-FFF2-40B4-BE49-F238E27FC236}">
-                <a16:creationId xmlns:a16="http://schemas.microsoft.com/office/drawing/2014/main" xmlns="" id="{586C90C0-904E-436B-996B-03DD09FE05C4}"/>
+                <a16:creationId xmlns="" xmlns:a16="http://schemas.microsoft.com/office/drawing/2014/main" id="{586C90C0-904E-436B-996B-03DD09FE05C4}"/>
               </a:ext>
             </a:extLst>
           </p:cNvPr>
@@ -1598,7 +1617,7 @@
           <p:cNvPr id="4" name="Content Placeholder 3">
             <a:extLst>
               <a:ext uri="{FF2B5EF4-FFF2-40B4-BE49-F238E27FC236}">
-                <a16:creationId xmlns:a16="http://schemas.microsoft.com/office/drawing/2014/main" xmlns="" id="{E03CBD82-3AD3-4E06-90BB-01B87FA81FC7}"/>
+                <a16:creationId xmlns="" xmlns:a16="http://schemas.microsoft.com/office/drawing/2014/main" id="{E03CBD82-3AD3-4E06-90BB-01B87FA81FC7}"/>
               </a:ext>
             </a:extLst>
           </p:cNvPr>
@@ -1660,7 +1679,7 @@
           <p:cNvPr id="5" name="Text Placeholder 4">
             <a:extLst>
               <a:ext uri="{FF2B5EF4-FFF2-40B4-BE49-F238E27FC236}">
-                <a16:creationId xmlns:a16="http://schemas.microsoft.com/office/drawing/2014/main" xmlns="" id="{04ACE262-BFED-4131-A5BA-E0278B00A663}"/>
+                <a16:creationId xmlns="" xmlns:a16="http://schemas.microsoft.com/office/drawing/2014/main" id="{04ACE262-BFED-4131-A5BA-E0278B00A663}"/>
               </a:ext>
             </a:extLst>
           </p:cNvPr>
@@ -1731,7 +1750,7 @@
           <p:cNvPr id="6" name="Content Placeholder 5">
             <a:extLst>
               <a:ext uri="{FF2B5EF4-FFF2-40B4-BE49-F238E27FC236}">
-                <a16:creationId xmlns:a16="http://schemas.microsoft.com/office/drawing/2014/main" xmlns="" id="{1BC543A8-1DAB-4F64-93C3-0EB766AE86F9}"/>
+                <a16:creationId xmlns="" xmlns:a16="http://schemas.microsoft.com/office/drawing/2014/main" id="{1BC543A8-1DAB-4F64-93C3-0EB766AE86F9}"/>
               </a:ext>
             </a:extLst>
           </p:cNvPr>
@@ -1793,7 +1812,7 @@
           <p:cNvPr id="7" name="Date Placeholder 6">
             <a:extLst>
               <a:ext uri="{FF2B5EF4-FFF2-40B4-BE49-F238E27FC236}">
-                <a16:creationId xmlns:a16="http://schemas.microsoft.com/office/drawing/2014/main" xmlns="" id="{DBF0794B-2DF7-43D8-8A0C-752A3C841A95}"/>
+                <a16:creationId xmlns="" xmlns:a16="http://schemas.microsoft.com/office/drawing/2014/main" id="{DBF0794B-2DF7-43D8-8A0C-752A3C841A95}"/>
               </a:ext>
             </a:extLst>
           </p:cNvPr>
@@ -1811,7 +1830,7 @@
           <a:p>
             <a:fld id="{E040DD28-DA01-4164-BF9D-AEC6AAD07A3E}" type="datetimeFigureOut">
               <a:rPr lang="en-US" smtClean="0"/>
-              <a:t>12/25/2017</a:t>
+              <a:t>1/5/18</a:t>
             </a:fld>
             <a:endParaRPr lang="en-US"/>
           </a:p>
@@ -1822,7 +1841,7 @@
           <p:cNvPr id="8" name="Footer Placeholder 7">
             <a:extLst>
               <a:ext uri="{FF2B5EF4-FFF2-40B4-BE49-F238E27FC236}">
-                <a16:creationId xmlns:a16="http://schemas.microsoft.com/office/drawing/2014/main" xmlns="" id="{15BFDF4B-45AB-4776-B148-1F4FA0BCD9A6}"/>
+                <a16:creationId xmlns="" xmlns:a16="http://schemas.microsoft.com/office/drawing/2014/main" id="{15BFDF4B-45AB-4776-B148-1F4FA0BCD9A6}"/>
               </a:ext>
             </a:extLst>
           </p:cNvPr>
@@ -1847,7 +1866,7 @@
           <p:cNvPr id="9" name="Slide Number Placeholder 8">
             <a:extLst>
               <a:ext uri="{FF2B5EF4-FFF2-40B4-BE49-F238E27FC236}">
-                <a16:creationId xmlns:a16="http://schemas.microsoft.com/office/drawing/2014/main" xmlns="" id="{74ACFCD8-1AA0-4174-A68D-6293F9717D99}"/>
+                <a16:creationId xmlns="" xmlns:a16="http://schemas.microsoft.com/office/drawing/2014/main" id="{74ACFCD8-1AA0-4174-A68D-6293F9717D99}"/>
               </a:ext>
             </a:extLst>
           </p:cNvPr>
@@ -1906,7 +1925,7 @@
           <p:cNvPr id="2" name="Title 1">
             <a:extLst>
               <a:ext uri="{FF2B5EF4-FFF2-40B4-BE49-F238E27FC236}">
-                <a16:creationId xmlns:a16="http://schemas.microsoft.com/office/drawing/2014/main" xmlns="" id="{A9F3CBAC-2073-439B-B8DE-FB80422902CE}"/>
+                <a16:creationId xmlns="" xmlns:a16="http://schemas.microsoft.com/office/drawing/2014/main" id="{A9F3CBAC-2073-439B-B8DE-FB80422902CE}"/>
               </a:ext>
             </a:extLst>
           </p:cNvPr>
@@ -1934,7 +1953,7 @@
           <p:cNvPr id="3" name="Date Placeholder 2">
             <a:extLst>
               <a:ext uri="{FF2B5EF4-FFF2-40B4-BE49-F238E27FC236}">
-                <a16:creationId xmlns:a16="http://schemas.microsoft.com/office/drawing/2014/main" xmlns="" id="{06A84D4C-CD47-42D3-8505-872676C28963}"/>
+                <a16:creationId xmlns="" xmlns:a16="http://schemas.microsoft.com/office/drawing/2014/main" id="{06A84D4C-CD47-42D3-8505-872676C28963}"/>
               </a:ext>
             </a:extLst>
           </p:cNvPr>
@@ -1952,7 +1971,7 @@
           <a:p>
             <a:fld id="{E040DD28-DA01-4164-BF9D-AEC6AAD07A3E}" type="datetimeFigureOut">
               <a:rPr lang="en-US" smtClean="0"/>
-              <a:t>12/25/2017</a:t>
+              <a:t>1/5/18</a:t>
             </a:fld>
             <a:endParaRPr lang="en-US"/>
           </a:p>
@@ -1963,7 +1982,7 @@
           <p:cNvPr id="4" name="Footer Placeholder 3">
             <a:extLst>
               <a:ext uri="{FF2B5EF4-FFF2-40B4-BE49-F238E27FC236}">
-                <a16:creationId xmlns:a16="http://schemas.microsoft.com/office/drawing/2014/main" xmlns="" id="{B784711A-B8EA-4963-A653-27EE2997119F}"/>
+                <a16:creationId xmlns="" xmlns:a16="http://schemas.microsoft.com/office/drawing/2014/main" id="{B784711A-B8EA-4963-A653-27EE2997119F}"/>
               </a:ext>
             </a:extLst>
           </p:cNvPr>
@@ -1988,7 +2007,7 @@
           <p:cNvPr id="5" name="Slide Number Placeholder 4">
             <a:extLst>
               <a:ext uri="{FF2B5EF4-FFF2-40B4-BE49-F238E27FC236}">
-                <a16:creationId xmlns:a16="http://schemas.microsoft.com/office/drawing/2014/main" xmlns="" id="{9BD0276A-CA50-4B27-9DF4-12C17991F3AD}"/>
+                <a16:creationId xmlns="" xmlns:a16="http://schemas.microsoft.com/office/drawing/2014/main" id="{9BD0276A-CA50-4B27-9DF4-12C17991F3AD}"/>
               </a:ext>
             </a:extLst>
           </p:cNvPr>
@@ -2047,7 +2066,7 @@
           <p:cNvPr id="2" name="Date Placeholder 1">
             <a:extLst>
               <a:ext uri="{FF2B5EF4-FFF2-40B4-BE49-F238E27FC236}">
-                <a16:creationId xmlns:a16="http://schemas.microsoft.com/office/drawing/2014/main" xmlns="" id="{CBE24604-C75B-4F9D-8382-AC380D5DD668}"/>
+                <a16:creationId xmlns="" xmlns:a16="http://schemas.microsoft.com/office/drawing/2014/main" id="{CBE24604-C75B-4F9D-8382-AC380D5DD668}"/>
               </a:ext>
             </a:extLst>
           </p:cNvPr>
@@ -2065,7 +2084,7 @@
           <a:p>
             <a:fld id="{E040DD28-DA01-4164-BF9D-AEC6AAD07A3E}" type="datetimeFigureOut">
               <a:rPr lang="en-US" smtClean="0"/>
-              <a:t>12/25/2017</a:t>
+              <a:t>1/5/18</a:t>
             </a:fld>
             <a:endParaRPr lang="en-US"/>
           </a:p>
@@ -2076,7 +2095,7 @@
           <p:cNvPr id="3" name="Footer Placeholder 2">
             <a:extLst>
               <a:ext uri="{FF2B5EF4-FFF2-40B4-BE49-F238E27FC236}">
-                <a16:creationId xmlns:a16="http://schemas.microsoft.com/office/drawing/2014/main" xmlns="" id="{2641AA10-AE31-466F-96AF-31A1A0955AD1}"/>
+                <a16:creationId xmlns="" xmlns:a16="http://schemas.microsoft.com/office/drawing/2014/main" id="{2641AA10-AE31-466F-96AF-31A1A0955AD1}"/>
               </a:ext>
             </a:extLst>
           </p:cNvPr>
@@ -2101,7 +2120,7 @@
           <p:cNvPr id="4" name="Slide Number Placeholder 3">
             <a:extLst>
               <a:ext uri="{FF2B5EF4-FFF2-40B4-BE49-F238E27FC236}">
-                <a16:creationId xmlns:a16="http://schemas.microsoft.com/office/drawing/2014/main" xmlns="" id="{756609DE-ABCC-4735-9687-532D469DC4E2}"/>
+                <a16:creationId xmlns="" xmlns:a16="http://schemas.microsoft.com/office/drawing/2014/main" id="{756609DE-ABCC-4735-9687-532D469DC4E2}"/>
               </a:ext>
             </a:extLst>
           </p:cNvPr>
@@ -2160,7 +2179,7 @@
           <p:cNvPr id="2" name="Title 1">
             <a:extLst>
               <a:ext uri="{FF2B5EF4-FFF2-40B4-BE49-F238E27FC236}">
-                <a16:creationId xmlns:a16="http://schemas.microsoft.com/office/drawing/2014/main" xmlns="" id="{70B034F0-2116-43B6-A3DF-533AE5CE39CE}"/>
+                <a16:creationId xmlns="" xmlns:a16="http://schemas.microsoft.com/office/drawing/2014/main" id="{70B034F0-2116-43B6-A3DF-533AE5CE39CE}"/>
               </a:ext>
             </a:extLst>
           </p:cNvPr>
@@ -2197,7 +2216,7 @@
           <p:cNvPr id="3" name="Content Placeholder 2">
             <a:extLst>
               <a:ext uri="{FF2B5EF4-FFF2-40B4-BE49-F238E27FC236}">
-                <a16:creationId xmlns:a16="http://schemas.microsoft.com/office/drawing/2014/main" xmlns="" id="{5B8FA73E-8222-4BD6-84B5-93652E6DEF4C}"/>
+                <a16:creationId xmlns="" xmlns:a16="http://schemas.microsoft.com/office/drawing/2014/main" id="{5B8FA73E-8222-4BD6-84B5-93652E6DEF4C}"/>
               </a:ext>
             </a:extLst>
           </p:cNvPr>
@@ -2287,7 +2306,7 @@
           <p:cNvPr id="4" name="Text Placeholder 3">
             <a:extLst>
               <a:ext uri="{FF2B5EF4-FFF2-40B4-BE49-F238E27FC236}">
-                <a16:creationId xmlns:a16="http://schemas.microsoft.com/office/drawing/2014/main" xmlns="" id="{070680AD-0DF4-407C-815A-B6FC0B7A7F1E}"/>
+                <a16:creationId xmlns="" xmlns:a16="http://schemas.microsoft.com/office/drawing/2014/main" id="{070680AD-0DF4-407C-815A-B6FC0B7A7F1E}"/>
               </a:ext>
             </a:extLst>
           </p:cNvPr>
@@ -2358,7 +2377,7 @@
           <p:cNvPr id="5" name="Date Placeholder 4">
             <a:extLst>
               <a:ext uri="{FF2B5EF4-FFF2-40B4-BE49-F238E27FC236}">
-                <a16:creationId xmlns:a16="http://schemas.microsoft.com/office/drawing/2014/main" xmlns="" id="{D828C134-AC88-45CD-8C31-4BAB0E6B3390}"/>
+                <a16:creationId xmlns="" xmlns:a16="http://schemas.microsoft.com/office/drawing/2014/main" id="{D828C134-AC88-45CD-8C31-4BAB0E6B3390}"/>
               </a:ext>
             </a:extLst>
           </p:cNvPr>
@@ -2376,7 +2395,7 @@
           <a:p>
             <a:fld id="{E040DD28-DA01-4164-BF9D-AEC6AAD07A3E}" type="datetimeFigureOut">
               <a:rPr lang="en-US" smtClean="0"/>
-              <a:t>12/25/2017</a:t>
+              <a:t>1/5/18</a:t>
             </a:fld>
             <a:endParaRPr lang="en-US"/>
           </a:p>
@@ -2387,7 +2406,7 @@
           <p:cNvPr id="6" name="Footer Placeholder 5">
             <a:extLst>
               <a:ext uri="{FF2B5EF4-FFF2-40B4-BE49-F238E27FC236}">
-                <a16:creationId xmlns:a16="http://schemas.microsoft.com/office/drawing/2014/main" xmlns="" id="{A6BCAE05-6F4C-44B9-A59A-E9435FAE141A}"/>
+                <a16:creationId xmlns="" xmlns:a16="http://schemas.microsoft.com/office/drawing/2014/main" id="{A6BCAE05-6F4C-44B9-A59A-E9435FAE141A}"/>
               </a:ext>
             </a:extLst>
           </p:cNvPr>
@@ -2412,7 +2431,7 @@
           <p:cNvPr id="7" name="Slide Number Placeholder 6">
             <a:extLst>
               <a:ext uri="{FF2B5EF4-FFF2-40B4-BE49-F238E27FC236}">
-                <a16:creationId xmlns:a16="http://schemas.microsoft.com/office/drawing/2014/main" xmlns="" id="{F3033C98-CC7D-4B89-8DEA-9E1C9B62C714}"/>
+                <a16:creationId xmlns="" xmlns:a16="http://schemas.microsoft.com/office/drawing/2014/main" id="{F3033C98-CC7D-4B89-8DEA-9E1C9B62C714}"/>
               </a:ext>
             </a:extLst>
           </p:cNvPr>
@@ -2471,7 +2490,7 @@
           <p:cNvPr id="2" name="Title 1">
             <a:extLst>
               <a:ext uri="{FF2B5EF4-FFF2-40B4-BE49-F238E27FC236}">
-                <a16:creationId xmlns:a16="http://schemas.microsoft.com/office/drawing/2014/main" xmlns="" id="{C5C61AB1-B345-446E-A14A-919A9FE596A9}"/>
+                <a16:creationId xmlns="" xmlns:a16="http://schemas.microsoft.com/office/drawing/2014/main" id="{C5C61AB1-B345-446E-A14A-919A9FE596A9}"/>
               </a:ext>
             </a:extLst>
           </p:cNvPr>
@@ -2508,7 +2527,7 @@
           <p:cNvPr id="3" name="Picture Placeholder 2">
             <a:extLst>
               <a:ext uri="{FF2B5EF4-FFF2-40B4-BE49-F238E27FC236}">
-                <a16:creationId xmlns:a16="http://schemas.microsoft.com/office/drawing/2014/main" xmlns="" id="{C8FC6971-C8D3-41FA-9E59-9267B41B86D7}"/>
+                <a16:creationId xmlns="" xmlns:a16="http://schemas.microsoft.com/office/drawing/2014/main" id="{C8FC6971-C8D3-41FA-9E59-9267B41B86D7}"/>
               </a:ext>
             </a:extLst>
           </p:cNvPr>
@@ -2575,7 +2594,7 @@
           <p:cNvPr id="4" name="Text Placeholder 3">
             <a:extLst>
               <a:ext uri="{FF2B5EF4-FFF2-40B4-BE49-F238E27FC236}">
-                <a16:creationId xmlns:a16="http://schemas.microsoft.com/office/drawing/2014/main" xmlns="" id="{6D3E27C0-ECF1-4974-89DC-5E5F1753643D}"/>
+                <a16:creationId xmlns="" xmlns:a16="http://schemas.microsoft.com/office/drawing/2014/main" id="{6D3E27C0-ECF1-4974-89DC-5E5F1753643D}"/>
               </a:ext>
             </a:extLst>
           </p:cNvPr>
@@ -2646,7 +2665,7 @@
           <p:cNvPr id="5" name="Date Placeholder 4">
             <a:extLst>
               <a:ext uri="{FF2B5EF4-FFF2-40B4-BE49-F238E27FC236}">
-                <a16:creationId xmlns:a16="http://schemas.microsoft.com/office/drawing/2014/main" xmlns="" id="{EB0CF908-7B88-457C-A7CB-BA8E59EFE6B1}"/>
+                <a16:creationId xmlns="" xmlns:a16="http://schemas.microsoft.com/office/drawing/2014/main" id="{EB0CF908-7B88-457C-A7CB-BA8E59EFE6B1}"/>
               </a:ext>
             </a:extLst>
           </p:cNvPr>
@@ -2664,7 +2683,7 @@
           <a:p>
             <a:fld id="{E040DD28-DA01-4164-BF9D-AEC6AAD07A3E}" type="datetimeFigureOut">
               <a:rPr lang="en-US" smtClean="0"/>
-              <a:t>12/25/2017</a:t>
+              <a:t>1/5/18</a:t>
             </a:fld>
             <a:endParaRPr lang="en-US"/>
           </a:p>
@@ -2675,7 +2694,7 @@
           <p:cNvPr id="6" name="Footer Placeholder 5">
             <a:extLst>
               <a:ext uri="{FF2B5EF4-FFF2-40B4-BE49-F238E27FC236}">
-                <a16:creationId xmlns:a16="http://schemas.microsoft.com/office/drawing/2014/main" xmlns="" id="{9EFEFD02-5829-4D99-8387-FA6DDA7FDCE6}"/>
+                <a16:creationId xmlns="" xmlns:a16="http://schemas.microsoft.com/office/drawing/2014/main" id="{9EFEFD02-5829-4D99-8387-FA6DDA7FDCE6}"/>
               </a:ext>
             </a:extLst>
           </p:cNvPr>
@@ -2700,7 +2719,7 @@
           <p:cNvPr id="7" name="Slide Number Placeholder 6">
             <a:extLst>
               <a:ext uri="{FF2B5EF4-FFF2-40B4-BE49-F238E27FC236}">
-                <a16:creationId xmlns:a16="http://schemas.microsoft.com/office/drawing/2014/main" xmlns="" id="{CC83D447-B6BD-4EB6-84FA-277F982BD485}"/>
+                <a16:creationId xmlns="" xmlns:a16="http://schemas.microsoft.com/office/drawing/2014/main" id="{CC83D447-B6BD-4EB6-84FA-277F982BD485}"/>
               </a:ext>
             </a:extLst>
           </p:cNvPr>
@@ -2764,7 +2783,7 @@
           <p:cNvPr id="2" name="Title Placeholder 1">
             <a:extLst>
               <a:ext uri="{FF2B5EF4-FFF2-40B4-BE49-F238E27FC236}">
-                <a16:creationId xmlns:a16="http://schemas.microsoft.com/office/drawing/2014/main" xmlns="" id="{BF4BEE1F-B564-43B7-B55B-42176FDCF6A5}"/>
+                <a16:creationId xmlns="" xmlns:a16="http://schemas.microsoft.com/office/drawing/2014/main" id="{BF4BEE1F-B564-43B7-B55B-42176FDCF6A5}"/>
               </a:ext>
             </a:extLst>
           </p:cNvPr>
@@ -2802,7 +2821,7 @@
           <p:cNvPr id="3" name="Text Placeholder 2">
             <a:extLst>
               <a:ext uri="{FF2B5EF4-FFF2-40B4-BE49-F238E27FC236}">
-                <a16:creationId xmlns:a16="http://schemas.microsoft.com/office/drawing/2014/main" xmlns="" id="{C280B79D-E421-4AC8-A9C2-4B56DA344FB6}"/>
+                <a16:creationId xmlns="" xmlns:a16="http://schemas.microsoft.com/office/drawing/2014/main" id="{C280B79D-E421-4AC8-A9C2-4B56DA344FB6}"/>
               </a:ext>
             </a:extLst>
           </p:cNvPr>
@@ -2869,7 +2888,7 @@
           <p:cNvPr id="4" name="Date Placeholder 3">
             <a:extLst>
               <a:ext uri="{FF2B5EF4-FFF2-40B4-BE49-F238E27FC236}">
-                <a16:creationId xmlns:a16="http://schemas.microsoft.com/office/drawing/2014/main" xmlns="" id="{5805F7AC-3768-4B7D-A30D-D8CB381EF3DC}"/>
+                <a16:creationId xmlns="" xmlns:a16="http://schemas.microsoft.com/office/drawing/2014/main" id="{5805F7AC-3768-4B7D-A30D-D8CB381EF3DC}"/>
               </a:ext>
             </a:extLst>
           </p:cNvPr>
@@ -2905,7 +2924,7 @@
           <a:p>
             <a:fld id="{E040DD28-DA01-4164-BF9D-AEC6AAD07A3E}" type="datetimeFigureOut">
               <a:rPr lang="en-US" smtClean="0"/>
-              <a:t>12/25/2017</a:t>
+              <a:t>1/5/18</a:t>
             </a:fld>
             <a:endParaRPr lang="en-US"/>
           </a:p>
@@ -2916,7 +2935,7 @@
           <p:cNvPr id="5" name="Footer Placeholder 4">
             <a:extLst>
               <a:ext uri="{FF2B5EF4-FFF2-40B4-BE49-F238E27FC236}">
-                <a16:creationId xmlns:a16="http://schemas.microsoft.com/office/drawing/2014/main" xmlns="" id="{1F22F8AA-82E2-4EE1-A481-8556E12EA635}"/>
+                <a16:creationId xmlns="" xmlns:a16="http://schemas.microsoft.com/office/drawing/2014/main" id="{1F22F8AA-82E2-4EE1-A481-8556E12EA635}"/>
               </a:ext>
             </a:extLst>
           </p:cNvPr>
@@ -2959,7 +2978,7 @@
           <p:cNvPr id="6" name="Slide Number Placeholder 5">
             <a:extLst>
               <a:ext uri="{FF2B5EF4-FFF2-40B4-BE49-F238E27FC236}">
-                <a16:creationId xmlns:a16="http://schemas.microsoft.com/office/drawing/2014/main" xmlns="" id="{AEDE27F2-C1D2-4B19-8C04-6B34AC016DA7}"/>
+                <a16:creationId xmlns="" xmlns:a16="http://schemas.microsoft.com/office/drawing/2014/main" id="{AEDE27F2-C1D2-4B19-8C04-6B34AC016DA7}"/>
               </a:ext>
             </a:extLst>
           </p:cNvPr>
@@ -3305,6 +3324,351 @@
 </p:sldMaster>
 </file>
 
+<file path=ppt/slides/slide1.xml><?xml version="1.0" encoding="utf-8"?>
+<p:sld xmlns:a="http://schemas.openxmlformats.org/drawingml/2006/main" xmlns:r="http://schemas.openxmlformats.org/officeDocument/2006/relationships" xmlns:p="http://schemas.openxmlformats.org/presentationml/2006/main">
+  <p:cSld>
+    <p:spTree>
+      <p:nvGrpSpPr>
+        <p:cNvPr id="1" name=""/>
+        <p:cNvGrpSpPr/>
+        <p:nvPr/>
+      </p:nvGrpSpPr>
+      <p:grpSpPr>
+        <a:xfrm>
+          <a:off x="0" y="0"/>
+          <a:ext cx="0" cy="0"/>
+          <a:chOff x="0" y="0"/>
+          <a:chExt cx="0" cy="0"/>
+        </a:xfrm>
+      </p:grpSpPr>
+      <p:sp>
+        <p:nvSpPr>
+          <p:cNvPr id="2" name="Rectangle 1"/>
+          <p:cNvSpPr/>
+          <p:nvPr/>
+        </p:nvSpPr>
+        <p:spPr>
+          <a:xfrm>
+            <a:off x="1" y="0"/>
+            <a:ext cx="12192000" cy="2585323"/>
+          </a:xfrm>
+          <a:prstGeom prst="rect">
+            <a:avLst/>
+          </a:prstGeom>
+        </p:spPr>
+        <p:txBody>
+          <a:bodyPr wrap="square">
+            <a:spAutoFit/>
+          </a:bodyPr>
+          <a:lstStyle/>
+          <a:p>
+            <a:r>
+              <a:rPr lang="en-US" dirty="0">
+                <a:solidFill>
+                  <a:srgbClr val="757575"/>
+                </a:solidFill>
+                <a:latin typeface="Roboto" charset="0"/>
+              </a:rPr>
+              <a:t>Hardware Abstraction Layer (</a:t>
+            </a:r>
+            <a:r>
+              <a:rPr lang="en-US" b="1" dirty="0">
+                <a:solidFill>
+                  <a:srgbClr val="FF0000"/>
+                </a:solidFill>
+                <a:latin typeface="Roboto" charset="0"/>
+              </a:rPr>
+              <a:t>HAL</a:t>
+            </a:r>
+            <a:r>
+              <a:rPr lang="en-US" dirty="0" smtClean="0">
+                <a:solidFill>
+                  <a:srgbClr val="757575"/>
+                </a:solidFill>
+                <a:latin typeface="Roboto" charset="0"/>
+              </a:rPr>
+              <a:t>)</a:t>
+            </a:r>
+          </a:p>
+          <a:p>
+            <a:r>
+              <a:rPr lang="en-US" altLang="zh-CN" b="0" i="0" dirty="0" smtClean="0">
+                <a:solidFill>
+                  <a:srgbClr val="757575"/>
+                </a:solidFill>
+                <a:effectLst/>
+                <a:latin typeface="Roboto" charset="0"/>
+              </a:rPr>
+              <a:t>HAL</a:t>
+            </a:r>
+            <a:r>
+              <a:rPr lang="zh-CN" altLang="en-US" b="0" i="0" dirty="0" smtClean="0">
+                <a:solidFill>
+                  <a:srgbClr val="757575"/>
+                </a:solidFill>
+                <a:effectLst/>
+                <a:latin typeface="Roboto" charset="0"/>
+              </a:rPr>
+              <a:t>应该是</a:t>
+            </a:r>
+            <a:r>
+              <a:rPr lang="en-US" altLang="zh-CN" b="0" i="0" dirty="0" smtClean="0">
+                <a:solidFill>
+                  <a:srgbClr val="757575"/>
+                </a:solidFill>
+                <a:effectLst/>
+                <a:latin typeface="Roboto" charset="0"/>
+              </a:rPr>
+              <a:t>vendor</a:t>
+            </a:r>
+            <a:r>
+              <a:rPr lang="zh-CN" altLang="en-US" b="0" i="0" dirty="0" smtClean="0">
+                <a:solidFill>
+                  <a:srgbClr val="757575"/>
+                </a:solidFill>
+                <a:effectLst/>
+                <a:latin typeface="Roboto" charset="0"/>
+              </a:rPr>
+              <a:t>负责实装，一般是</a:t>
+            </a:r>
+            <a:r>
+              <a:rPr lang="en-US" altLang="zh-CN" b="0" i="0" dirty="0" smtClean="0">
+                <a:solidFill>
+                  <a:srgbClr val="757575"/>
+                </a:solidFill>
+                <a:effectLst/>
+                <a:latin typeface="Roboto" charset="0"/>
+              </a:rPr>
+              <a:t>.so</a:t>
+            </a:r>
+            <a:r>
+              <a:rPr lang="zh-CN" altLang="en-US" b="0" i="0" dirty="0" smtClean="0">
+                <a:solidFill>
+                  <a:srgbClr val="757575"/>
+                </a:solidFill>
+                <a:effectLst/>
+                <a:latin typeface="Roboto" charset="0"/>
+              </a:rPr>
+              <a:t>的形式</a:t>
+            </a:r>
+            <a:endParaRPr lang="en-US" altLang="zh-CN" b="0" i="0" dirty="0" smtClean="0">
+              <a:solidFill>
+                <a:srgbClr val="757575"/>
+              </a:solidFill>
+              <a:effectLst/>
+              <a:latin typeface="Roboto" charset="0"/>
+            </a:endParaRPr>
+          </a:p>
+          <a:p>
+            <a:r>
+              <a:rPr lang="en-US" dirty="0" smtClean="0"/>
+              <a:t>hardware/</a:t>
+            </a:r>
+            <a:r>
+              <a:rPr lang="en-US" dirty="0" err="1" smtClean="0"/>
+              <a:t>libhardware</a:t>
+            </a:r>
+            <a:r>
+              <a:rPr lang="en-US" dirty="0" smtClean="0"/>
+              <a:t>/include/hardware/</a:t>
+            </a:r>
+            <a:r>
+              <a:rPr lang="en-US" dirty="0" err="1" smtClean="0"/>
+              <a:t>hardware.h</a:t>
+            </a:r>
+            <a:r>
+              <a:rPr lang="zh-CN" altLang="en-US" dirty="0" smtClean="0"/>
+              <a:t> 中定义</a:t>
+            </a:r>
+            <a:r>
+              <a:rPr lang="en-US" altLang="zh-CN" dirty="0" smtClean="0"/>
+              <a:t>HAL</a:t>
+            </a:r>
+            <a:r>
+              <a:rPr lang="zh-CN" altLang="en-US" dirty="0" smtClean="0"/>
+              <a:t>的</a:t>
+            </a:r>
+            <a:r>
+              <a:rPr lang="en-US" altLang="zh-CN" dirty="0" smtClean="0"/>
+              <a:t>structure</a:t>
+            </a:r>
+          </a:p>
+          <a:p>
+            <a:r>
+              <a:rPr lang="zh-CN" altLang="en-US" b="0" i="0" dirty="0" smtClean="0">
+                <a:solidFill>
+                  <a:srgbClr val="757575"/>
+                </a:solidFill>
+                <a:effectLst/>
+                <a:latin typeface="Roboto" charset="0"/>
+              </a:rPr>
+              <a:t>为是么要</a:t>
+            </a:r>
+            <a:r>
+              <a:rPr lang="en-US" altLang="zh-CN" b="0" i="0" dirty="0" smtClean="0">
+                <a:solidFill>
+                  <a:srgbClr val="757575"/>
+                </a:solidFill>
+                <a:effectLst/>
+                <a:latin typeface="Roboto" charset="0"/>
+              </a:rPr>
+              <a:t>HAL</a:t>
+            </a:r>
+            <a:r>
+              <a:rPr lang="zh-CN" altLang="en-US" b="0" i="0" dirty="0" smtClean="0">
+                <a:solidFill>
+                  <a:srgbClr val="757575"/>
+                </a:solidFill>
+                <a:effectLst/>
+                <a:latin typeface="Roboto" charset="0"/>
+              </a:rPr>
+              <a:t>？</a:t>
+            </a:r>
+            <a:endParaRPr lang="en-US" altLang="zh-CN" b="0" i="0" dirty="0" smtClean="0">
+              <a:solidFill>
+                <a:srgbClr val="757575"/>
+              </a:solidFill>
+              <a:effectLst/>
+              <a:latin typeface="Roboto" charset="0"/>
+            </a:endParaRPr>
+          </a:p>
+          <a:p>
+            <a:pPr marL="285750" indent="-285750">
+              <a:buFont typeface="Arial" charset="0"/>
+              <a:buChar char="•"/>
+            </a:pPr>
+            <a:r>
+              <a:rPr lang="en-US" dirty="0"/>
+              <a:t>Android application/framework communicates with the underlying hardware through Java APIs not by system calls.</a:t>
+            </a:r>
+          </a:p>
+          <a:p>
+            <a:pPr marL="285750" indent="-285750">
+              <a:buFont typeface="Arial" charset="0"/>
+              <a:buChar char="•"/>
+            </a:pPr>
+            <a:r>
+              <a:rPr lang="en-US" dirty="0"/>
+              <a:t>But the Linux has the ability to handle only systems calls from application.</a:t>
+            </a:r>
+          </a:p>
+          <a:p>
+            <a:pPr marL="285750" indent="-285750">
+              <a:buFont typeface="Arial" charset="0"/>
+              <a:buChar char="•"/>
+            </a:pPr>
+            <a:r>
+              <a:rPr lang="en-US" dirty="0"/>
+              <a:t>Thus we need a glue layer between the android framework and </a:t>
+            </a:r>
+            <a:r>
+              <a:rPr lang="en-US" dirty="0" err="1"/>
+              <a:t>linux</a:t>
+            </a:r>
+            <a:r>
+              <a:rPr lang="en-US" dirty="0"/>
+              <a:t> </a:t>
+            </a:r>
+            <a:r>
+              <a:rPr lang="en-US" dirty="0" smtClean="0"/>
+              <a:t>system.</a:t>
+            </a:r>
+            <a:endParaRPr lang="en-US" dirty="0"/>
+          </a:p>
+          <a:p>
+            <a:r>
+              <a:rPr lang="zh-CN" altLang="en-US" dirty="0" smtClean="0"/>
+              <a:t>我的理解是，</a:t>
+            </a:r>
+            <a:r>
+              <a:rPr lang="en-US" altLang="zh-CN" dirty="0" smtClean="0"/>
+              <a:t>ODM</a:t>
+            </a:r>
+            <a:r>
+              <a:rPr lang="zh-CN" altLang="en-US" dirty="0" smtClean="0"/>
+              <a:t>自己决定要用什么硬件，</a:t>
+            </a:r>
+            <a:r>
+              <a:rPr lang="en-US" altLang="zh-CN" dirty="0" smtClean="0"/>
+              <a:t>Google</a:t>
+            </a:r>
+            <a:r>
+              <a:rPr lang="zh-CN" altLang="en-US" dirty="0" smtClean="0"/>
+              <a:t>提供</a:t>
+            </a:r>
+            <a:r>
+              <a:rPr lang="en-US" altLang="zh-CN" dirty="0" smtClean="0"/>
+              <a:t>Android</a:t>
+            </a:r>
+            <a:r>
+              <a:rPr lang="zh-CN" altLang="en-US" dirty="0" smtClean="0"/>
+              <a:t> </a:t>
+            </a:r>
+            <a:r>
+              <a:rPr lang="en-US" altLang="zh-CN" dirty="0" smtClean="0"/>
+              <a:t>platform</a:t>
+            </a:r>
+            <a:r>
+              <a:rPr lang="zh-CN" altLang="en-US" dirty="0"/>
+              <a:t> </a:t>
+            </a:r>
+            <a:r>
+              <a:rPr lang="zh-CN" altLang="en-US" dirty="0" smtClean="0"/>
+              <a:t>（</a:t>
+            </a:r>
+            <a:r>
+              <a:rPr lang="en-US" altLang="zh-CN" dirty="0" smtClean="0"/>
+              <a:t>Google</a:t>
+            </a:r>
+            <a:r>
+              <a:rPr lang="zh-CN" altLang="en-US" dirty="0" smtClean="0"/>
+              <a:t>并不知道硬件是什么）。为了使</a:t>
+            </a:r>
+            <a:r>
+              <a:rPr lang="en-US" altLang="zh-CN" dirty="0" smtClean="0"/>
+              <a:t>android</a:t>
+            </a:r>
+            <a:r>
+              <a:rPr lang="zh-CN" altLang="en-US" dirty="0" smtClean="0"/>
+              <a:t> </a:t>
+            </a:r>
+            <a:r>
+              <a:rPr lang="en-US" altLang="zh-CN" dirty="0" smtClean="0"/>
+              <a:t>platform</a:t>
+            </a:r>
+            <a:r>
+              <a:rPr lang="zh-CN" altLang="en-US" dirty="0" smtClean="0"/>
+              <a:t>能控制硬件，</a:t>
+            </a:r>
+            <a:r>
+              <a:rPr lang="en-US" altLang="zh-CN" dirty="0" smtClean="0"/>
+              <a:t>ODM</a:t>
+            </a:r>
+            <a:r>
+              <a:rPr lang="zh-CN" altLang="en-US" dirty="0" smtClean="0"/>
+              <a:t>需要自己写</a:t>
+            </a:r>
+            <a:r>
+              <a:rPr lang="en-US" altLang="zh-CN" smtClean="0"/>
+              <a:t>HAL</a:t>
+            </a:r>
+            <a:endParaRPr lang="en-US" altLang="zh-CN" dirty="0" smtClean="0"/>
+          </a:p>
+        </p:txBody>
+      </p:sp>
+    </p:spTree>
+    <p:extLst>
+      <p:ext uri="{BB962C8B-B14F-4D97-AF65-F5344CB8AC3E}">
+        <p14:creationId xmlns:p14="http://schemas.microsoft.com/office/powerpoint/2010/main" val="1162486692"/>
+      </p:ext>
+    </p:extLst>
+  </p:cSld>
+  <p:clrMapOvr>
+    <a:masterClrMapping/>
+  </p:clrMapOvr>
+</p:sld>
+</file>
+
 <file path=ppt/theme/theme1.xml><?xml version="1.0" encoding="utf-8"?>
 <a:theme xmlns:a="http://schemas.openxmlformats.org/drawingml/2006/main" name="Office Theme">
   <a:themeElements>
@@ -3594,7 +3958,7 @@
   <a:extraClrSchemeLst/>
   <a:extLst>
     <a:ext uri="{05A4C25C-085E-4340-85A3-A5531E510DB2}">
-      <thm15:themeFamily xmlns:thm15="http://schemas.microsoft.com/office/thememl/2012/main" xmlns="" name="Office Theme" id="{62F939B6-93AF-4DB8-9C6B-D6C7DFDC589F}" vid="{4A3C46E8-61CC-4603-A589-7422A47A8E4A}"/>
+      <thm15:themeFamily xmlns:thm15="http://schemas.microsoft.com/office/thememl/2012/main" name="Office Theme" id="{62F939B6-93AF-4DB8-9C6B-D6C7DFDC589F}" vid="{4A3C46E8-61CC-4603-A589-7422A47A8E4A}"/>
     </a:ext>
   </a:extLst>
 </a:theme>

--- a/temp.pptx
+++ b/temp.pptx
@@ -6,6 +6,7 @@
   </p:sldMasterIdLst>
   <p:sldIdLst>
     <p:sldId id="256" r:id="rId2"/>
+    <p:sldId id="257" r:id="rId3"/>
   </p:sldIdLst>
   <p:sldSz cx="12192000" cy="6858000"/>
   <p:notesSz cx="6858000" cy="9144000"/>
@@ -149,7 +150,7 @@
           <p:cNvPr id="2" name="Title 1">
             <a:extLst>
               <a:ext uri="{FF2B5EF4-FFF2-40B4-BE49-F238E27FC236}">
-                <a16:creationId xmlns="" xmlns:a16="http://schemas.microsoft.com/office/drawing/2014/main" id="{B5F5F319-D979-4A3F-A4F8-4DDCDE891BFD}"/>
+                <a16:creationId xmlns:a16="http://schemas.microsoft.com/office/drawing/2014/main" xmlns="" id="{B5F5F319-D979-4A3F-A4F8-4DDCDE891BFD}"/>
               </a:ext>
             </a:extLst>
           </p:cNvPr>
@@ -186,7 +187,7 @@
           <p:cNvPr id="3" name="Subtitle 2">
             <a:extLst>
               <a:ext uri="{FF2B5EF4-FFF2-40B4-BE49-F238E27FC236}">
-                <a16:creationId xmlns="" xmlns:a16="http://schemas.microsoft.com/office/drawing/2014/main" id="{4474209B-F46B-471F-B216-60C5F4296C14}"/>
+                <a16:creationId xmlns:a16="http://schemas.microsoft.com/office/drawing/2014/main" xmlns="" id="{4474209B-F46B-471F-B216-60C5F4296C14}"/>
               </a:ext>
             </a:extLst>
           </p:cNvPr>
@@ -256,7 +257,7 @@
           <p:cNvPr id="4" name="Date Placeholder 3">
             <a:extLst>
               <a:ext uri="{FF2B5EF4-FFF2-40B4-BE49-F238E27FC236}">
-                <a16:creationId xmlns="" xmlns:a16="http://schemas.microsoft.com/office/drawing/2014/main" id="{1E6B3389-407A-410F-8F6D-D24D84CA4D6B}"/>
+                <a16:creationId xmlns:a16="http://schemas.microsoft.com/office/drawing/2014/main" xmlns="" id="{1E6B3389-407A-410F-8F6D-D24D84CA4D6B}"/>
               </a:ext>
             </a:extLst>
           </p:cNvPr>
@@ -285,7 +286,7 @@
           <p:cNvPr id="5" name="Footer Placeholder 4">
             <a:extLst>
               <a:ext uri="{FF2B5EF4-FFF2-40B4-BE49-F238E27FC236}">
-                <a16:creationId xmlns="" xmlns:a16="http://schemas.microsoft.com/office/drawing/2014/main" id="{5D8C0812-771C-43AD-B38F-6BC2255600F9}"/>
+                <a16:creationId xmlns:a16="http://schemas.microsoft.com/office/drawing/2014/main" xmlns="" id="{5D8C0812-771C-43AD-B38F-6BC2255600F9}"/>
               </a:ext>
             </a:extLst>
           </p:cNvPr>
@@ -310,7 +311,7 @@
           <p:cNvPr id="6" name="Slide Number Placeholder 5">
             <a:extLst>
               <a:ext uri="{FF2B5EF4-FFF2-40B4-BE49-F238E27FC236}">
-                <a16:creationId xmlns="" xmlns:a16="http://schemas.microsoft.com/office/drawing/2014/main" id="{F39CB706-EA94-418D-9F2C-336E6EF264EC}"/>
+                <a16:creationId xmlns:a16="http://schemas.microsoft.com/office/drawing/2014/main" xmlns="" id="{F39CB706-EA94-418D-9F2C-336E6EF264EC}"/>
               </a:ext>
             </a:extLst>
           </p:cNvPr>
@@ -369,7 +370,7 @@
           <p:cNvPr id="2" name="Title 1">
             <a:extLst>
               <a:ext uri="{FF2B5EF4-FFF2-40B4-BE49-F238E27FC236}">
-                <a16:creationId xmlns="" xmlns:a16="http://schemas.microsoft.com/office/drawing/2014/main" id="{3A259477-0A53-4114-95B2-8A1D5D83E0A2}"/>
+                <a16:creationId xmlns:a16="http://schemas.microsoft.com/office/drawing/2014/main" xmlns="" id="{3A259477-0A53-4114-95B2-8A1D5D83E0A2}"/>
               </a:ext>
             </a:extLst>
           </p:cNvPr>
@@ -397,7 +398,7 @@
           <p:cNvPr id="3" name="Vertical Text Placeholder 2">
             <a:extLst>
               <a:ext uri="{FF2B5EF4-FFF2-40B4-BE49-F238E27FC236}">
-                <a16:creationId xmlns="" xmlns:a16="http://schemas.microsoft.com/office/drawing/2014/main" id="{533E45B0-73AC-4661-B286-CC8B49D0CBB1}"/>
+                <a16:creationId xmlns:a16="http://schemas.microsoft.com/office/drawing/2014/main" xmlns="" id="{533E45B0-73AC-4661-B286-CC8B49D0CBB1}"/>
               </a:ext>
             </a:extLst>
           </p:cNvPr>
@@ -454,7 +455,7 @@
           <p:cNvPr id="4" name="Date Placeholder 3">
             <a:extLst>
               <a:ext uri="{FF2B5EF4-FFF2-40B4-BE49-F238E27FC236}">
-                <a16:creationId xmlns="" xmlns:a16="http://schemas.microsoft.com/office/drawing/2014/main" id="{DDFFC868-093D-4D95-AA93-2203C226F89B}"/>
+                <a16:creationId xmlns:a16="http://schemas.microsoft.com/office/drawing/2014/main" xmlns="" id="{DDFFC868-093D-4D95-AA93-2203C226F89B}"/>
               </a:ext>
             </a:extLst>
           </p:cNvPr>
@@ -483,7 +484,7 @@
           <p:cNvPr id="5" name="Footer Placeholder 4">
             <a:extLst>
               <a:ext uri="{FF2B5EF4-FFF2-40B4-BE49-F238E27FC236}">
-                <a16:creationId xmlns="" xmlns:a16="http://schemas.microsoft.com/office/drawing/2014/main" id="{CA068C37-6A3A-44A8-A7BE-58942241414E}"/>
+                <a16:creationId xmlns:a16="http://schemas.microsoft.com/office/drawing/2014/main" xmlns="" id="{CA068C37-6A3A-44A8-A7BE-58942241414E}"/>
               </a:ext>
             </a:extLst>
           </p:cNvPr>
@@ -508,7 +509,7 @@
           <p:cNvPr id="6" name="Slide Number Placeholder 5">
             <a:extLst>
               <a:ext uri="{FF2B5EF4-FFF2-40B4-BE49-F238E27FC236}">
-                <a16:creationId xmlns="" xmlns:a16="http://schemas.microsoft.com/office/drawing/2014/main" id="{E78B41CD-FF00-4C28-A410-5C2081075C8F}"/>
+                <a16:creationId xmlns:a16="http://schemas.microsoft.com/office/drawing/2014/main" xmlns="" id="{E78B41CD-FF00-4C28-A410-5C2081075C8F}"/>
               </a:ext>
             </a:extLst>
           </p:cNvPr>
@@ -567,7 +568,7 @@
           <p:cNvPr id="2" name="Vertical Title 1">
             <a:extLst>
               <a:ext uri="{FF2B5EF4-FFF2-40B4-BE49-F238E27FC236}">
-                <a16:creationId xmlns="" xmlns:a16="http://schemas.microsoft.com/office/drawing/2014/main" id="{09D8892F-E415-4A5B-8DE4-93BDA5F0BB5E}"/>
+                <a16:creationId xmlns:a16="http://schemas.microsoft.com/office/drawing/2014/main" xmlns="" id="{09D8892F-E415-4A5B-8DE4-93BDA5F0BB5E}"/>
               </a:ext>
             </a:extLst>
           </p:cNvPr>
@@ -600,7 +601,7 @@
           <p:cNvPr id="3" name="Vertical Text Placeholder 2">
             <a:extLst>
               <a:ext uri="{FF2B5EF4-FFF2-40B4-BE49-F238E27FC236}">
-                <a16:creationId xmlns="" xmlns:a16="http://schemas.microsoft.com/office/drawing/2014/main" id="{D914CE1D-36B4-41F6-8CAC-A824748DF349}"/>
+                <a16:creationId xmlns:a16="http://schemas.microsoft.com/office/drawing/2014/main" xmlns="" id="{D914CE1D-36B4-41F6-8CAC-A824748DF349}"/>
               </a:ext>
             </a:extLst>
           </p:cNvPr>
@@ -662,7 +663,7 @@
           <p:cNvPr id="4" name="Date Placeholder 3">
             <a:extLst>
               <a:ext uri="{FF2B5EF4-FFF2-40B4-BE49-F238E27FC236}">
-                <a16:creationId xmlns="" xmlns:a16="http://schemas.microsoft.com/office/drawing/2014/main" id="{09EBC416-5C2B-4705-88C6-697C7026E134}"/>
+                <a16:creationId xmlns:a16="http://schemas.microsoft.com/office/drawing/2014/main" xmlns="" id="{09EBC416-5C2B-4705-88C6-697C7026E134}"/>
               </a:ext>
             </a:extLst>
           </p:cNvPr>
@@ -691,7 +692,7 @@
           <p:cNvPr id="5" name="Footer Placeholder 4">
             <a:extLst>
               <a:ext uri="{FF2B5EF4-FFF2-40B4-BE49-F238E27FC236}">
-                <a16:creationId xmlns="" xmlns:a16="http://schemas.microsoft.com/office/drawing/2014/main" id="{6A181D81-2CCF-4506-BAC8-332F27972DE7}"/>
+                <a16:creationId xmlns:a16="http://schemas.microsoft.com/office/drawing/2014/main" xmlns="" id="{6A181D81-2CCF-4506-BAC8-332F27972DE7}"/>
               </a:ext>
             </a:extLst>
           </p:cNvPr>
@@ -716,7 +717,7 @@
           <p:cNvPr id="6" name="Slide Number Placeholder 5">
             <a:extLst>
               <a:ext uri="{FF2B5EF4-FFF2-40B4-BE49-F238E27FC236}">
-                <a16:creationId xmlns="" xmlns:a16="http://schemas.microsoft.com/office/drawing/2014/main" id="{CF493655-0420-4B38-BA94-CAA81BE6B4A5}"/>
+                <a16:creationId xmlns:a16="http://schemas.microsoft.com/office/drawing/2014/main" xmlns="" id="{CF493655-0420-4B38-BA94-CAA81BE6B4A5}"/>
               </a:ext>
             </a:extLst>
           </p:cNvPr>
@@ -775,7 +776,7 @@
           <p:cNvPr id="2" name="Title 1">
             <a:extLst>
               <a:ext uri="{FF2B5EF4-FFF2-40B4-BE49-F238E27FC236}">
-                <a16:creationId xmlns="" xmlns:a16="http://schemas.microsoft.com/office/drawing/2014/main" id="{93BACEFF-B6D7-4BFD-B93D-95821BFD2D8F}"/>
+                <a16:creationId xmlns:a16="http://schemas.microsoft.com/office/drawing/2014/main" xmlns="" id="{93BACEFF-B6D7-4BFD-B93D-95821BFD2D8F}"/>
               </a:ext>
             </a:extLst>
           </p:cNvPr>
@@ -803,7 +804,7 @@
           <p:cNvPr id="3" name="Content Placeholder 2">
             <a:extLst>
               <a:ext uri="{FF2B5EF4-FFF2-40B4-BE49-F238E27FC236}">
-                <a16:creationId xmlns="" xmlns:a16="http://schemas.microsoft.com/office/drawing/2014/main" id="{59385ED6-5E0D-4E26-B486-3CC0C4291B3B}"/>
+                <a16:creationId xmlns:a16="http://schemas.microsoft.com/office/drawing/2014/main" xmlns="" id="{59385ED6-5E0D-4E26-B486-3CC0C4291B3B}"/>
               </a:ext>
             </a:extLst>
           </p:cNvPr>
@@ -860,7 +861,7 @@
           <p:cNvPr id="4" name="Date Placeholder 3">
             <a:extLst>
               <a:ext uri="{FF2B5EF4-FFF2-40B4-BE49-F238E27FC236}">
-                <a16:creationId xmlns="" xmlns:a16="http://schemas.microsoft.com/office/drawing/2014/main" id="{4FC036BA-799C-484E-9202-7D281BB13E19}"/>
+                <a16:creationId xmlns:a16="http://schemas.microsoft.com/office/drawing/2014/main" xmlns="" id="{4FC036BA-799C-484E-9202-7D281BB13E19}"/>
               </a:ext>
             </a:extLst>
           </p:cNvPr>
@@ -889,7 +890,7 @@
           <p:cNvPr id="5" name="Footer Placeholder 4">
             <a:extLst>
               <a:ext uri="{FF2B5EF4-FFF2-40B4-BE49-F238E27FC236}">
-                <a16:creationId xmlns="" xmlns:a16="http://schemas.microsoft.com/office/drawing/2014/main" id="{84C705AF-ED38-4DC0-9CAD-82802278E609}"/>
+                <a16:creationId xmlns:a16="http://schemas.microsoft.com/office/drawing/2014/main" xmlns="" id="{84C705AF-ED38-4DC0-9CAD-82802278E609}"/>
               </a:ext>
             </a:extLst>
           </p:cNvPr>
@@ -914,7 +915,7 @@
           <p:cNvPr id="6" name="Slide Number Placeholder 5">
             <a:extLst>
               <a:ext uri="{FF2B5EF4-FFF2-40B4-BE49-F238E27FC236}">
-                <a16:creationId xmlns="" xmlns:a16="http://schemas.microsoft.com/office/drawing/2014/main" id="{FCAB4C5E-BC29-4DA3-8FDD-E88F20A62425}"/>
+                <a16:creationId xmlns:a16="http://schemas.microsoft.com/office/drawing/2014/main" xmlns="" id="{FCAB4C5E-BC29-4DA3-8FDD-E88F20A62425}"/>
               </a:ext>
             </a:extLst>
           </p:cNvPr>
@@ -973,7 +974,7 @@
           <p:cNvPr id="2" name="Title 1">
             <a:extLst>
               <a:ext uri="{FF2B5EF4-FFF2-40B4-BE49-F238E27FC236}">
-                <a16:creationId xmlns="" xmlns:a16="http://schemas.microsoft.com/office/drawing/2014/main" id="{56F4E2A8-3DB4-4F28-996A-ADBBE22EB9E6}"/>
+                <a16:creationId xmlns:a16="http://schemas.microsoft.com/office/drawing/2014/main" xmlns="" id="{56F4E2A8-3DB4-4F28-996A-ADBBE22EB9E6}"/>
               </a:ext>
             </a:extLst>
           </p:cNvPr>
@@ -1010,7 +1011,7 @@
           <p:cNvPr id="3" name="Text Placeholder 2">
             <a:extLst>
               <a:ext uri="{FF2B5EF4-FFF2-40B4-BE49-F238E27FC236}">
-                <a16:creationId xmlns="" xmlns:a16="http://schemas.microsoft.com/office/drawing/2014/main" id="{C89AE634-E835-4FB2-9543-9AE7D101C6F8}"/>
+                <a16:creationId xmlns:a16="http://schemas.microsoft.com/office/drawing/2014/main" xmlns="" id="{C89AE634-E835-4FB2-9543-9AE7D101C6F8}"/>
               </a:ext>
             </a:extLst>
           </p:cNvPr>
@@ -1135,7 +1136,7 @@
           <p:cNvPr id="4" name="Date Placeholder 3">
             <a:extLst>
               <a:ext uri="{FF2B5EF4-FFF2-40B4-BE49-F238E27FC236}">
-                <a16:creationId xmlns="" xmlns:a16="http://schemas.microsoft.com/office/drawing/2014/main" id="{A80E8D62-561D-425F-95E0-D8B490FEAFB0}"/>
+                <a16:creationId xmlns:a16="http://schemas.microsoft.com/office/drawing/2014/main" xmlns="" id="{A80E8D62-561D-425F-95E0-D8B490FEAFB0}"/>
               </a:ext>
             </a:extLst>
           </p:cNvPr>
@@ -1164,7 +1165,7 @@
           <p:cNvPr id="5" name="Footer Placeholder 4">
             <a:extLst>
               <a:ext uri="{FF2B5EF4-FFF2-40B4-BE49-F238E27FC236}">
-                <a16:creationId xmlns="" xmlns:a16="http://schemas.microsoft.com/office/drawing/2014/main" id="{092BFE70-3129-4F21-A151-027B995D8283}"/>
+                <a16:creationId xmlns:a16="http://schemas.microsoft.com/office/drawing/2014/main" xmlns="" id="{092BFE70-3129-4F21-A151-027B995D8283}"/>
               </a:ext>
             </a:extLst>
           </p:cNvPr>
@@ -1189,7 +1190,7 @@
           <p:cNvPr id="6" name="Slide Number Placeholder 5">
             <a:extLst>
               <a:ext uri="{FF2B5EF4-FFF2-40B4-BE49-F238E27FC236}">
-                <a16:creationId xmlns="" xmlns:a16="http://schemas.microsoft.com/office/drawing/2014/main" id="{8021D42E-9379-4CA1-8E67-A8CFC2137736}"/>
+                <a16:creationId xmlns:a16="http://schemas.microsoft.com/office/drawing/2014/main" xmlns="" id="{8021D42E-9379-4CA1-8E67-A8CFC2137736}"/>
               </a:ext>
             </a:extLst>
           </p:cNvPr>
@@ -1248,7 +1249,7 @@
           <p:cNvPr id="2" name="Title 1">
             <a:extLst>
               <a:ext uri="{FF2B5EF4-FFF2-40B4-BE49-F238E27FC236}">
-                <a16:creationId xmlns="" xmlns:a16="http://schemas.microsoft.com/office/drawing/2014/main" id="{6E79E456-1075-4906-82F7-0E6109B9E35D}"/>
+                <a16:creationId xmlns:a16="http://schemas.microsoft.com/office/drawing/2014/main" xmlns="" id="{6E79E456-1075-4906-82F7-0E6109B9E35D}"/>
               </a:ext>
             </a:extLst>
           </p:cNvPr>
@@ -1276,7 +1277,7 @@
           <p:cNvPr id="3" name="Content Placeholder 2">
             <a:extLst>
               <a:ext uri="{FF2B5EF4-FFF2-40B4-BE49-F238E27FC236}">
-                <a16:creationId xmlns="" xmlns:a16="http://schemas.microsoft.com/office/drawing/2014/main" id="{5B119237-D568-4846-9810-EE66DFA84982}"/>
+                <a16:creationId xmlns:a16="http://schemas.microsoft.com/office/drawing/2014/main" xmlns="" id="{5B119237-D568-4846-9810-EE66DFA84982}"/>
               </a:ext>
             </a:extLst>
           </p:cNvPr>
@@ -1338,7 +1339,7 @@
           <p:cNvPr id="4" name="Content Placeholder 3">
             <a:extLst>
               <a:ext uri="{FF2B5EF4-FFF2-40B4-BE49-F238E27FC236}">
-                <a16:creationId xmlns="" xmlns:a16="http://schemas.microsoft.com/office/drawing/2014/main" id="{B4C29F7A-057C-4495-9330-75B170FD1A8C}"/>
+                <a16:creationId xmlns:a16="http://schemas.microsoft.com/office/drawing/2014/main" xmlns="" id="{B4C29F7A-057C-4495-9330-75B170FD1A8C}"/>
               </a:ext>
             </a:extLst>
           </p:cNvPr>
@@ -1400,7 +1401,7 @@
           <p:cNvPr id="5" name="Date Placeholder 4">
             <a:extLst>
               <a:ext uri="{FF2B5EF4-FFF2-40B4-BE49-F238E27FC236}">
-                <a16:creationId xmlns="" xmlns:a16="http://schemas.microsoft.com/office/drawing/2014/main" id="{6B9731BB-E5EB-4386-A8C4-02BCBE618022}"/>
+                <a16:creationId xmlns:a16="http://schemas.microsoft.com/office/drawing/2014/main" xmlns="" id="{6B9731BB-E5EB-4386-A8C4-02BCBE618022}"/>
               </a:ext>
             </a:extLst>
           </p:cNvPr>
@@ -1429,7 +1430,7 @@
           <p:cNvPr id="6" name="Footer Placeholder 5">
             <a:extLst>
               <a:ext uri="{FF2B5EF4-FFF2-40B4-BE49-F238E27FC236}">
-                <a16:creationId xmlns="" xmlns:a16="http://schemas.microsoft.com/office/drawing/2014/main" id="{D61D5281-CDA5-43EF-BE1C-79A1529A08DB}"/>
+                <a16:creationId xmlns:a16="http://schemas.microsoft.com/office/drawing/2014/main" xmlns="" id="{D61D5281-CDA5-43EF-BE1C-79A1529A08DB}"/>
               </a:ext>
             </a:extLst>
           </p:cNvPr>
@@ -1454,7 +1455,7 @@
           <p:cNvPr id="7" name="Slide Number Placeholder 6">
             <a:extLst>
               <a:ext uri="{FF2B5EF4-FFF2-40B4-BE49-F238E27FC236}">
-                <a16:creationId xmlns="" xmlns:a16="http://schemas.microsoft.com/office/drawing/2014/main" id="{39B30A33-21E5-4395-AB23-BAC1B5A92289}"/>
+                <a16:creationId xmlns:a16="http://schemas.microsoft.com/office/drawing/2014/main" xmlns="" id="{39B30A33-21E5-4395-AB23-BAC1B5A92289}"/>
               </a:ext>
             </a:extLst>
           </p:cNvPr>
@@ -1513,7 +1514,7 @@
           <p:cNvPr id="2" name="Title 1">
             <a:extLst>
               <a:ext uri="{FF2B5EF4-FFF2-40B4-BE49-F238E27FC236}">
-                <a16:creationId xmlns="" xmlns:a16="http://schemas.microsoft.com/office/drawing/2014/main" id="{37B4C097-07A2-4984-A86D-7F052CFF4886}"/>
+                <a16:creationId xmlns:a16="http://schemas.microsoft.com/office/drawing/2014/main" xmlns="" id="{37B4C097-07A2-4984-A86D-7F052CFF4886}"/>
               </a:ext>
             </a:extLst>
           </p:cNvPr>
@@ -1546,7 +1547,7 @@
           <p:cNvPr id="3" name="Text Placeholder 2">
             <a:extLst>
               <a:ext uri="{FF2B5EF4-FFF2-40B4-BE49-F238E27FC236}">
-                <a16:creationId xmlns="" xmlns:a16="http://schemas.microsoft.com/office/drawing/2014/main" id="{586C90C0-904E-436B-996B-03DD09FE05C4}"/>
+                <a16:creationId xmlns:a16="http://schemas.microsoft.com/office/drawing/2014/main" xmlns="" id="{586C90C0-904E-436B-996B-03DD09FE05C4}"/>
               </a:ext>
             </a:extLst>
           </p:cNvPr>
@@ -1617,7 +1618,7 @@
           <p:cNvPr id="4" name="Content Placeholder 3">
             <a:extLst>
               <a:ext uri="{FF2B5EF4-FFF2-40B4-BE49-F238E27FC236}">
-                <a16:creationId xmlns="" xmlns:a16="http://schemas.microsoft.com/office/drawing/2014/main" id="{E03CBD82-3AD3-4E06-90BB-01B87FA81FC7}"/>
+                <a16:creationId xmlns:a16="http://schemas.microsoft.com/office/drawing/2014/main" xmlns="" id="{E03CBD82-3AD3-4E06-90BB-01B87FA81FC7}"/>
               </a:ext>
             </a:extLst>
           </p:cNvPr>
@@ -1679,7 +1680,7 @@
           <p:cNvPr id="5" name="Text Placeholder 4">
             <a:extLst>
               <a:ext uri="{FF2B5EF4-FFF2-40B4-BE49-F238E27FC236}">
-                <a16:creationId xmlns="" xmlns:a16="http://schemas.microsoft.com/office/drawing/2014/main" id="{04ACE262-BFED-4131-A5BA-E0278B00A663}"/>
+                <a16:creationId xmlns:a16="http://schemas.microsoft.com/office/drawing/2014/main" xmlns="" id="{04ACE262-BFED-4131-A5BA-E0278B00A663}"/>
               </a:ext>
             </a:extLst>
           </p:cNvPr>
@@ -1750,7 +1751,7 @@
           <p:cNvPr id="6" name="Content Placeholder 5">
             <a:extLst>
               <a:ext uri="{FF2B5EF4-FFF2-40B4-BE49-F238E27FC236}">
-                <a16:creationId xmlns="" xmlns:a16="http://schemas.microsoft.com/office/drawing/2014/main" id="{1BC543A8-1DAB-4F64-93C3-0EB766AE86F9}"/>
+                <a16:creationId xmlns:a16="http://schemas.microsoft.com/office/drawing/2014/main" xmlns="" id="{1BC543A8-1DAB-4F64-93C3-0EB766AE86F9}"/>
               </a:ext>
             </a:extLst>
           </p:cNvPr>
@@ -1812,7 +1813,7 @@
           <p:cNvPr id="7" name="Date Placeholder 6">
             <a:extLst>
               <a:ext uri="{FF2B5EF4-FFF2-40B4-BE49-F238E27FC236}">
-                <a16:creationId xmlns="" xmlns:a16="http://schemas.microsoft.com/office/drawing/2014/main" id="{DBF0794B-2DF7-43D8-8A0C-752A3C841A95}"/>
+                <a16:creationId xmlns:a16="http://schemas.microsoft.com/office/drawing/2014/main" xmlns="" id="{DBF0794B-2DF7-43D8-8A0C-752A3C841A95}"/>
               </a:ext>
             </a:extLst>
           </p:cNvPr>
@@ -1841,7 +1842,7 @@
           <p:cNvPr id="8" name="Footer Placeholder 7">
             <a:extLst>
               <a:ext uri="{FF2B5EF4-FFF2-40B4-BE49-F238E27FC236}">
-                <a16:creationId xmlns="" xmlns:a16="http://schemas.microsoft.com/office/drawing/2014/main" id="{15BFDF4B-45AB-4776-B148-1F4FA0BCD9A6}"/>
+                <a16:creationId xmlns:a16="http://schemas.microsoft.com/office/drawing/2014/main" xmlns="" id="{15BFDF4B-45AB-4776-B148-1F4FA0BCD9A6}"/>
               </a:ext>
             </a:extLst>
           </p:cNvPr>
@@ -1866,7 +1867,7 @@
           <p:cNvPr id="9" name="Slide Number Placeholder 8">
             <a:extLst>
               <a:ext uri="{FF2B5EF4-FFF2-40B4-BE49-F238E27FC236}">
-                <a16:creationId xmlns="" xmlns:a16="http://schemas.microsoft.com/office/drawing/2014/main" id="{74ACFCD8-1AA0-4174-A68D-6293F9717D99}"/>
+                <a16:creationId xmlns:a16="http://schemas.microsoft.com/office/drawing/2014/main" xmlns="" id="{74ACFCD8-1AA0-4174-A68D-6293F9717D99}"/>
               </a:ext>
             </a:extLst>
           </p:cNvPr>
@@ -1925,7 +1926,7 @@
           <p:cNvPr id="2" name="Title 1">
             <a:extLst>
               <a:ext uri="{FF2B5EF4-FFF2-40B4-BE49-F238E27FC236}">
-                <a16:creationId xmlns="" xmlns:a16="http://schemas.microsoft.com/office/drawing/2014/main" id="{A9F3CBAC-2073-439B-B8DE-FB80422902CE}"/>
+                <a16:creationId xmlns:a16="http://schemas.microsoft.com/office/drawing/2014/main" xmlns="" id="{A9F3CBAC-2073-439B-B8DE-FB80422902CE}"/>
               </a:ext>
             </a:extLst>
           </p:cNvPr>
@@ -1953,7 +1954,7 @@
           <p:cNvPr id="3" name="Date Placeholder 2">
             <a:extLst>
               <a:ext uri="{FF2B5EF4-FFF2-40B4-BE49-F238E27FC236}">
-                <a16:creationId xmlns="" xmlns:a16="http://schemas.microsoft.com/office/drawing/2014/main" id="{06A84D4C-CD47-42D3-8505-872676C28963}"/>
+                <a16:creationId xmlns:a16="http://schemas.microsoft.com/office/drawing/2014/main" xmlns="" id="{06A84D4C-CD47-42D3-8505-872676C28963}"/>
               </a:ext>
             </a:extLst>
           </p:cNvPr>
@@ -1982,7 +1983,7 @@
           <p:cNvPr id="4" name="Footer Placeholder 3">
             <a:extLst>
               <a:ext uri="{FF2B5EF4-FFF2-40B4-BE49-F238E27FC236}">
-                <a16:creationId xmlns="" xmlns:a16="http://schemas.microsoft.com/office/drawing/2014/main" id="{B784711A-B8EA-4963-A653-27EE2997119F}"/>
+                <a16:creationId xmlns:a16="http://schemas.microsoft.com/office/drawing/2014/main" xmlns="" id="{B784711A-B8EA-4963-A653-27EE2997119F}"/>
               </a:ext>
             </a:extLst>
           </p:cNvPr>
@@ -2007,7 +2008,7 @@
           <p:cNvPr id="5" name="Slide Number Placeholder 4">
             <a:extLst>
               <a:ext uri="{FF2B5EF4-FFF2-40B4-BE49-F238E27FC236}">
-                <a16:creationId xmlns="" xmlns:a16="http://schemas.microsoft.com/office/drawing/2014/main" id="{9BD0276A-CA50-4B27-9DF4-12C17991F3AD}"/>
+                <a16:creationId xmlns:a16="http://schemas.microsoft.com/office/drawing/2014/main" xmlns="" id="{9BD0276A-CA50-4B27-9DF4-12C17991F3AD}"/>
               </a:ext>
             </a:extLst>
           </p:cNvPr>
@@ -2066,7 +2067,7 @@
           <p:cNvPr id="2" name="Date Placeholder 1">
             <a:extLst>
               <a:ext uri="{FF2B5EF4-FFF2-40B4-BE49-F238E27FC236}">
-                <a16:creationId xmlns="" xmlns:a16="http://schemas.microsoft.com/office/drawing/2014/main" id="{CBE24604-C75B-4F9D-8382-AC380D5DD668}"/>
+                <a16:creationId xmlns:a16="http://schemas.microsoft.com/office/drawing/2014/main" xmlns="" id="{CBE24604-C75B-4F9D-8382-AC380D5DD668}"/>
               </a:ext>
             </a:extLst>
           </p:cNvPr>
@@ -2095,7 +2096,7 @@
           <p:cNvPr id="3" name="Footer Placeholder 2">
             <a:extLst>
               <a:ext uri="{FF2B5EF4-FFF2-40B4-BE49-F238E27FC236}">
-                <a16:creationId xmlns="" xmlns:a16="http://schemas.microsoft.com/office/drawing/2014/main" id="{2641AA10-AE31-466F-96AF-31A1A0955AD1}"/>
+                <a16:creationId xmlns:a16="http://schemas.microsoft.com/office/drawing/2014/main" xmlns="" id="{2641AA10-AE31-466F-96AF-31A1A0955AD1}"/>
               </a:ext>
             </a:extLst>
           </p:cNvPr>
@@ -2120,7 +2121,7 @@
           <p:cNvPr id="4" name="Slide Number Placeholder 3">
             <a:extLst>
               <a:ext uri="{FF2B5EF4-FFF2-40B4-BE49-F238E27FC236}">
-                <a16:creationId xmlns="" xmlns:a16="http://schemas.microsoft.com/office/drawing/2014/main" id="{756609DE-ABCC-4735-9687-532D469DC4E2}"/>
+                <a16:creationId xmlns:a16="http://schemas.microsoft.com/office/drawing/2014/main" xmlns="" id="{756609DE-ABCC-4735-9687-532D469DC4E2}"/>
               </a:ext>
             </a:extLst>
           </p:cNvPr>
@@ -2179,7 +2180,7 @@
           <p:cNvPr id="2" name="Title 1">
             <a:extLst>
               <a:ext uri="{FF2B5EF4-FFF2-40B4-BE49-F238E27FC236}">
-                <a16:creationId xmlns="" xmlns:a16="http://schemas.microsoft.com/office/drawing/2014/main" id="{70B034F0-2116-43B6-A3DF-533AE5CE39CE}"/>
+                <a16:creationId xmlns:a16="http://schemas.microsoft.com/office/drawing/2014/main" xmlns="" id="{70B034F0-2116-43B6-A3DF-533AE5CE39CE}"/>
               </a:ext>
             </a:extLst>
           </p:cNvPr>
@@ -2216,7 +2217,7 @@
           <p:cNvPr id="3" name="Content Placeholder 2">
             <a:extLst>
               <a:ext uri="{FF2B5EF4-FFF2-40B4-BE49-F238E27FC236}">
-                <a16:creationId xmlns="" xmlns:a16="http://schemas.microsoft.com/office/drawing/2014/main" id="{5B8FA73E-8222-4BD6-84B5-93652E6DEF4C}"/>
+                <a16:creationId xmlns:a16="http://schemas.microsoft.com/office/drawing/2014/main" xmlns="" id="{5B8FA73E-8222-4BD6-84B5-93652E6DEF4C}"/>
               </a:ext>
             </a:extLst>
           </p:cNvPr>
@@ -2306,7 +2307,7 @@
           <p:cNvPr id="4" name="Text Placeholder 3">
             <a:extLst>
               <a:ext uri="{FF2B5EF4-FFF2-40B4-BE49-F238E27FC236}">
-                <a16:creationId xmlns="" xmlns:a16="http://schemas.microsoft.com/office/drawing/2014/main" id="{070680AD-0DF4-407C-815A-B6FC0B7A7F1E}"/>
+                <a16:creationId xmlns:a16="http://schemas.microsoft.com/office/drawing/2014/main" xmlns="" id="{070680AD-0DF4-407C-815A-B6FC0B7A7F1E}"/>
               </a:ext>
             </a:extLst>
           </p:cNvPr>
@@ -2377,7 +2378,7 @@
           <p:cNvPr id="5" name="Date Placeholder 4">
             <a:extLst>
               <a:ext uri="{FF2B5EF4-FFF2-40B4-BE49-F238E27FC236}">
-                <a16:creationId xmlns="" xmlns:a16="http://schemas.microsoft.com/office/drawing/2014/main" id="{D828C134-AC88-45CD-8C31-4BAB0E6B3390}"/>
+                <a16:creationId xmlns:a16="http://schemas.microsoft.com/office/drawing/2014/main" xmlns="" id="{D828C134-AC88-45CD-8C31-4BAB0E6B3390}"/>
               </a:ext>
             </a:extLst>
           </p:cNvPr>
@@ -2406,7 +2407,7 @@
           <p:cNvPr id="6" name="Footer Placeholder 5">
             <a:extLst>
               <a:ext uri="{FF2B5EF4-FFF2-40B4-BE49-F238E27FC236}">
-                <a16:creationId xmlns="" xmlns:a16="http://schemas.microsoft.com/office/drawing/2014/main" id="{A6BCAE05-6F4C-44B9-A59A-E9435FAE141A}"/>
+                <a16:creationId xmlns:a16="http://schemas.microsoft.com/office/drawing/2014/main" xmlns="" id="{A6BCAE05-6F4C-44B9-A59A-E9435FAE141A}"/>
               </a:ext>
             </a:extLst>
           </p:cNvPr>
@@ -2431,7 +2432,7 @@
           <p:cNvPr id="7" name="Slide Number Placeholder 6">
             <a:extLst>
               <a:ext uri="{FF2B5EF4-FFF2-40B4-BE49-F238E27FC236}">
-                <a16:creationId xmlns="" xmlns:a16="http://schemas.microsoft.com/office/drawing/2014/main" id="{F3033C98-CC7D-4B89-8DEA-9E1C9B62C714}"/>
+                <a16:creationId xmlns:a16="http://schemas.microsoft.com/office/drawing/2014/main" xmlns="" id="{F3033C98-CC7D-4B89-8DEA-9E1C9B62C714}"/>
               </a:ext>
             </a:extLst>
           </p:cNvPr>
@@ -2490,7 +2491,7 @@
           <p:cNvPr id="2" name="Title 1">
             <a:extLst>
               <a:ext uri="{FF2B5EF4-FFF2-40B4-BE49-F238E27FC236}">
-                <a16:creationId xmlns="" xmlns:a16="http://schemas.microsoft.com/office/drawing/2014/main" id="{C5C61AB1-B345-446E-A14A-919A9FE596A9}"/>
+                <a16:creationId xmlns:a16="http://schemas.microsoft.com/office/drawing/2014/main" xmlns="" id="{C5C61AB1-B345-446E-A14A-919A9FE596A9}"/>
               </a:ext>
             </a:extLst>
           </p:cNvPr>
@@ -2527,7 +2528,7 @@
           <p:cNvPr id="3" name="Picture Placeholder 2">
             <a:extLst>
               <a:ext uri="{FF2B5EF4-FFF2-40B4-BE49-F238E27FC236}">
-                <a16:creationId xmlns="" xmlns:a16="http://schemas.microsoft.com/office/drawing/2014/main" id="{C8FC6971-C8D3-41FA-9E59-9267B41B86D7}"/>
+                <a16:creationId xmlns:a16="http://schemas.microsoft.com/office/drawing/2014/main" xmlns="" id="{C8FC6971-C8D3-41FA-9E59-9267B41B86D7}"/>
               </a:ext>
             </a:extLst>
           </p:cNvPr>
@@ -2594,7 +2595,7 @@
           <p:cNvPr id="4" name="Text Placeholder 3">
             <a:extLst>
               <a:ext uri="{FF2B5EF4-FFF2-40B4-BE49-F238E27FC236}">
-                <a16:creationId xmlns="" xmlns:a16="http://schemas.microsoft.com/office/drawing/2014/main" id="{6D3E27C0-ECF1-4974-89DC-5E5F1753643D}"/>
+                <a16:creationId xmlns:a16="http://schemas.microsoft.com/office/drawing/2014/main" xmlns="" id="{6D3E27C0-ECF1-4974-89DC-5E5F1753643D}"/>
               </a:ext>
             </a:extLst>
           </p:cNvPr>
@@ -2665,7 +2666,7 @@
           <p:cNvPr id="5" name="Date Placeholder 4">
             <a:extLst>
               <a:ext uri="{FF2B5EF4-FFF2-40B4-BE49-F238E27FC236}">
-                <a16:creationId xmlns="" xmlns:a16="http://schemas.microsoft.com/office/drawing/2014/main" id="{EB0CF908-7B88-457C-A7CB-BA8E59EFE6B1}"/>
+                <a16:creationId xmlns:a16="http://schemas.microsoft.com/office/drawing/2014/main" xmlns="" id="{EB0CF908-7B88-457C-A7CB-BA8E59EFE6B1}"/>
               </a:ext>
             </a:extLst>
           </p:cNvPr>
@@ -2694,7 +2695,7 @@
           <p:cNvPr id="6" name="Footer Placeholder 5">
             <a:extLst>
               <a:ext uri="{FF2B5EF4-FFF2-40B4-BE49-F238E27FC236}">
-                <a16:creationId xmlns="" xmlns:a16="http://schemas.microsoft.com/office/drawing/2014/main" id="{9EFEFD02-5829-4D99-8387-FA6DDA7FDCE6}"/>
+                <a16:creationId xmlns:a16="http://schemas.microsoft.com/office/drawing/2014/main" xmlns="" id="{9EFEFD02-5829-4D99-8387-FA6DDA7FDCE6}"/>
               </a:ext>
             </a:extLst>
           </p:cNvPr>
@@ -2719,7 +2720,7 @@
           <p:cNvPr id="7" name="Slide Number Placeholder 6">
             <a:extLst>
               <a:ext uri="{FF2B5EF4-FFF2-40B4-BE49-F238E27FC236}">
-                <a16:creationId xmlns="" xmlns:a16="http://schemas.microsoft.com/office/drawing/2014/main" id="{CC83D447-B6BD-4EB6-84FA-277F982BD485}"/>
+                <a16:creationId xmlns:a16="http://schemas.microsoft.com/office/drawing/2014/main" xmlns="" id="{CC83D447-B6BD-4EB6-84FA-277F982BD485}"/>
               </a:ext>
             </a:extLst>
           </p:cNvPr>
@@ -2783,7 +2784,7 @@
           <p:cNvPr id="2" name="Title Placeholder 1">
             <a:extLst>
               <a:ext uri="{FF2B5EF4-FFF2-40B4-BE49-F238E27FC236}">
-                <a16:creationId xmlns="" xmlns:a16="http://schemas.microsoft.com/office/drawing/2014/main" id="{BF4BEE1F-B564-43B7-B55B-42176FDCF6A5}"/>
+                <a16:creationId xmlns:a16="http://schemas.microsoft.com/office/drawing/2014/main" xmlns="" id="{BF4BEE1F-B564-43B7-B55B-42176FDCF6A5}"/>
               </a:ext>
             </a:extLst>
           </p:cNvPr>
@@ -2821,7 +2822,7 @@
           <p:cNvPr id="3" name="Text Placeholder 2">
             <a:extLst>
               <a:ext uri="{FF2B5EF4-FFF2-40B4-BE49-F238E27FC236}">
-                <a16:creationId xmlns="" xmlns:a16="http://schemas.microsoft.com/office/drawing/2014/main" id="{C280B79D-E421-4AC8-A9C2-4B56DA344FB6}"/>
+                <a16:creationId xmlns:a16="http://schemas.microsoft.com/office/drawing/2014/main" xmlns="" id="{C280B79D-E421-4AC8-A9C2-4B56DA344FB6}"/>
               </a:ext>
             </a:extLst>
           </p:cNvPr>
@@ -2888,7 +2889,7 @@
           <p:cNvPr id="4" name="Date Placeholder 3">
             <a:extLst>
               <a:ext uri="{FF2B5EF4-FFF2-40B4-BE49-F238E27FC236}">
-                <a16:creationId xmlns="" xmlns:a16="http://schemas.microsoft.com/office/drawing/2014/main" id="{5805F7AC-3768-4B7D-A30D-D8CB381EF3DC}"/>
+                <a16:creationId xmlns:a16="http://schemas.microsoft.com/office/drawing/2014/main" xmlns="" id="{5805F7AC-3768-4B7D-A30D-D8CB381EF3DC}"/>
               </a:ext>
             </a:extLst>
           </p:cNvPr>
@@ -2935,7 +2936,7 @@
           <p:cNvPr id="5" name="Footer Placeholder 4">
             <a:extLst>
               <a:ext uri="{FF2B5EF4-FFF2-40B4-BE49-F238E27FC236}">
-                <a16:creationId xmlns="" xmlns:a16="http://schemas.microsoft.com/office/drawing/2014/main" id="{1F22F8AA-82E2-4EE1-A481-8556E12EA635}"/>
+                <a16:creationId xmlns:a16="http://schemas.microsoft.com/office/drawing/2014/main" xmlns="" id="{1F22F8AA-82E2-4EE1-A481-8556E12EA635}"/>
               </a:ext>
             </a:extLst>
           </p:cNvPr>
@@ -2978,7 +2979,7 @@
           <p:cNvPr id="6" name="Slide Number Placeholder 5">
             <a:extLst>
               <a:ext uri="{FF2B5EF4-FFF2-40B4-BE49-F238E27FC236}">
-                <a16:creationId xmlns="" xmlns:a16="http://schemas.microsoft.com/office/drawing/2014/main" id="{AEDE27F2-C1D2-4B19-8C04-6B34AC016DA7}"/>
+                <a16:creationId xmlns:a16="http://schemas.microsoft.com/office/drawing/2014/main" xmlns="" id="{AEDE27F2-C1D2-4B19-8C04-6B34AC016DA7}"/>
               </a:ext>
             </a:extLst>
           </p:cNvPr>
@@ -3669,6 +3670,113 @@
 </p:sld>
 </file>
 
+<file path=ppt/slides/slide2.xml><?xml version="1.0" encoding="utf-8"?>
+<p:sld xmlns:a="http://schemas.openxmlformats.org/drawingml/2006/main" xmlns:r="http://schemas.openxmlformats.org/officeDocument/2006/relationships" xmlns:p="http://schemas.openxmlformats.org/presentationml/2006/main">
+  <p:cSld>
+    <p:spTree>
+      <p:nvGrpSpPr>
+        <p:cNvPr id="1" name=""/>
+        <p:cNvGrpSpPr/>
+        <p:nvPr/>
+      </p:nvGrpSpPr>
+      <p:grpSpPr>
+        <a:xfrm>
+          <a:off x="0" y="0"/>
+          <a:ext cx="0" cy="0"/>
+          <a:chOff x="0" y="0"/>
+          <a:chExt cx="0" cy="0"/>
+        </a:xfrm>
+      </p:grpSpPr>
+      <p:pic>
+        <p:nvPicPr>
+          <p:cNvPr id="2" name="Picture 1"/>
+          <p:cNvPicPr>
+            <a:picLocks noChangeAspect="1"/>
+          </p:cNvPicPr>
+          <p:nvPr/>
+        </p:nvPicPr>
+        <p:blipFill>
+          <a:blip r:embed="rId2"/>
+          <a:stretch>
+            <a:fillRect/>
+          </a:stretch>
+        </p:blipFill>
+        <p:spPr>
+          <a:xfrm>
+            <a:off x="-1" y="1134567"/>
+            <a:ext cx="10174991" cy="5723433"/>
+          </a:xfrm>
+          <a:prstGeom prst="rect">
+            <a:avLst/>
+          </a:prstGeom>
+        </p:spPr>
+      </p:pic>
+      <p:sp>
+        <p:nvSpPr>
+          <p:cNvPr id="3" name="TextBox 2"/>
+          <p:cNvSpPr txBox="1"/>
+          <p:nvPr/>
+        </p:nvSpPr>
+        <p:spPr>
+          <a:xfrm>
+            <a:off x="-1" y="0"/>
+            <a:ext cx="12192001" cy="1200329"/>
+          </a:xfrm>
+          <a:prstGeom prst="rect">
+            <a:avLst/>
+          </a:prstGeom>
+          <a:noFill/>
+        </p:spPr>
+        <p:txBody>
+          <a:bodyPr wrap="square" rtlCol="0">
+            <a:spAutoFit/>
+          </a:bodyPr>
+          <a:lstStyle/>
+          <a:p>
+            <a:r>
+              <a:rPr lang="en-US" dirty="0" smtClean="0"/>
+              <a:t>What is middleware?</a:t>
+            </a:r>
+          </a:p>
+          <a:p>
+            <a:pPr marL="285750" indent="-285750">
+              <a:buFont typeface="Arial" charset="0"/>
+              <a:buChar char="•"/>
+            </a:pPr>
+            <a:r>
+              <a:rPr lang="en-US" dirty="0"/>
+              <a:t>Anything between the kernel and user applications is considered middleware</a:t>
+            </a:r>
+            <a:r>
+              <a:rPr lang="en-US" dirty="0" smtClean="0"/>
+              <a:t>.</a:t>
+            </a:r>
+          </a:p>
+          <a:p>
+            <a:pPr marL="285750" indent="-285750">
+              <a:buFont typeface="Arial" charset="0"/>
+              <a:buChar char="•"/>
+            </a:pPr>
+            <a:r>
+              <a:rPr lang="en-US" dirty="0"/>
+              <a:t>Middleware is computer software that provides services to software applications beyond those available from the operating system. It can be described as "software glue".</a:t>
+            </a:r>
+          </a:p>
+        </p:txBody>
+      </p:sp>
+    </p:spTree>
+    <p:extLst>
+      <p:ext uri="{BB962C8B-B14F-4D97-AF65-F5344CB8AC3E}">
+        <p14:creationId xmlns:p14="http://schemas.microsoft.com/office/powerpoint/2010/main" val="217409143"/>
+      </p:ext>
+    </p:extLst>
+  </p:cSld>
+  <p:clrMapOvr>
+    <a:masterClrMapping/>
+  </p:clrMapOvr>
+</p:sld>
+</file>
+
 <file path=ppt/theme/theme1.xml><?xml version="1.0" encoding="utf-8"?>
 <a:theme xmlns:a="http://schemas.openxmlformats.org/drawingml/2006/main" name="Office Theme">
   <a:themeElements>

--- a/temp.pptx
+++ b/temp.pptx
@@ -6,7 +6,6 @@
   </p:sldMasterIdLst>
   <p:sldIdLst>
     <p:sldId id="256" r:id="rId2"/>
-    <p:sldId id="257" r:id="rId3"/>
   </p:sldIdLst>
   <p:sldSz cx="12192000" cy="6858000"/>
   <p:notesSz cx="6858000" cy="9144000"/>
@@ -150,7 +149,7 @@
           <p:cNvPr id="2" name="Title 1">
             <a:extLst>
               <a:ext uri="{FF2B5EF4-FFF2-40B4-BE49-F238E27FC236}">
-                <a16:creationId xmlns:a16="http://schemas.microsoft.com/office/drawing/2014/main" xmlns="" id="{B5F5F319-D979-4A3F-A4F8-4DDCDE891BFD}"/>
+                <a16:creationId xmlns:a16="http://schemas.microsoft.com/office/drawing/2014/main" id="{B5F5F319-D979-4A3F-A4F8-4DDCDE891BFD}"/>
               </a:ext>
             </a:extLst>
           </p:cNvPr>
@@ -187,7 +186,7 @@
           <p:cNvPr id="3" name="Subtitle 2">
             <a:extLst>
               <a:ext uri="{FF2B5EF4-FFF2-40B4-BE49-F238E27FC236}">
-                <a16:creationId xmlns:a16="http://schemas.microsoft.com/office/drawing/2014/main" xmlns="" id="{4474209B-F46B-471F-B216-60C5F4296C14}"/>
+                <a16:creationId xmlns:a16="http://schemas.microsoft.com/office/drawing/2014/main" id="{4474209B-F46B-471F-B216-60C5F4296C14}"/>
               </a:ext>
             </a:extLst>
           </p:cNvPr>
@@ -257,7 +256,7 @@
           <p:cNvPr id="4" name="Date Placeholder 3">
             <a:extLst>
               <a:ext uri="{FF2B5EF4-FFF2-40B4-BE49-F238E27FC236}">
-                <a16:creationId xmlns:a16="http://schemas.microsoft.com/office/drawing/2014/main" xmlns="" id="{1E6B3389-407A-410F-8F6D-D24D84CA4D6B}"/>
+                <a16:creationId xmlns:a16="http://schemas.microsoft.com/office/drawing/2014/main" id="{1E6B3389-407A-410F-8F6D-D24D84CA4D6B}"/>
               </a:ext>
             </a:extLst>
           </p:cNvPr>
@@ -275,7 +274,7 @@
           <a:p>
             <a:fld id="{E040DD28-DA01-4164-BF9D-AEC6AAD07A3E}" type="datetimeFigureOut">
               <a:rPr lang="en-US" smtClean="0"/>
-              <a:t>1/5/18</a:t>
+              <a:t>1/6/2018</a:t>
             </a:fld>
             <a:endParaRPr lang="en-US"/>
           </a:p>
@@ -286,7 +285,7 @@
           <p:cNvPr id="5" name="Footer Placeholder 4">
             <a:extLst>
               <a:ext uri="{FF2B5EF4-FFF2-40B4-BE49-F238E27FC236}">
-                <a16:creationId xmlns:a16="http://schemas.microsoft.com/office/drawing/2014/main" xmlns="" id="{5D8C0812-771C-43AD-B38F-6BC2255600F9}"/>
+                <a16:creationId xmlns:a16="http://schemas.microsoft.com/office/drawing/2014/main" id="{5D8C0812-771C-43AD-B38F-6BC2255600F9}"/>
               </a:ext>
             </a:extLst>
           </p:cNvPr>
@@ -311,7 +310,7 @@
           <p:cNvPr id="6" name="Slide Number Placeholder 5">
             <a:extLst>
               <a:ext uri="{FF2B5EF4-FFF2-40B4-BE49-F238E27FC236}">
-                <a16:creationId xmlns:a16="http://schemas.microsoft.com/office/drawing/2014/main" xmlns="" id="{F39CB706-EA94-418D-9F2C-336E6EF264EC}"/>
+                <a16:creationId xmlns:a16="http://schemas.microsoft.com/office/drawing/2014/main" id="{F39CB706-EA94-418D-9F2C-336E6EF264EC}"/>
               </a:ext>
             </a:extLst>
           </p:cNvPr>
@@ -370,7 +369,7 @@
           <p:cNvPr id="2" name="Title 1">
             <a:extLst>
               <a:ext uri="{FF2B5EF4-FFF2-40B4-BE49-F238E27FC236}">
-                <a16:creationId xmlns:a16="http://schemas.microsoft.com/office/drawing/2014/main" xmlns="" id="{3A259477-0A53-4114-95B2-8A1D5D83E0A2}"/>
+                <a16:creationId xmlns:a16="http://schemas.microsoft.com/office/drawing/2014/main" id="{3A259477-0A53-4114-95B2-8A1D5D83E0A2}"/>
               </a:ext>
             </a:extLst>
           </p:cNvPr>
@@ -398,7 +397,7 @@
           <p:cNvPr id="3" name="Vertical Text Placeholder 2">
             <a:extLst>
               <a:ext uri="{FF2B5EF4-FFF2-40B4-BE49-F238E27FC236}">
-                <a16:creationId xmlns:a16="http://schemas.microsoft.com/office/drawing/2014/main" xmlns="" id="{533E45B0-73AC-4661-B286-CC8B49D0CBB1}"/>
+                <a16:creationId xmlns:a16="http://schemas.microsoft.com/office/drawing/2014/main" id="{533E45B0-73AC-4661-B286-CC8B49D0CBB1}"/>
               </a:ext>
             </a:extLst>
           </p:cNvPr>
@@ -455,7 +454,7 @@
           <p:cNvPr id="4" name="Date Placeholder 3">
             <a:extLst>
               <a:ext uri="{FF2B5EF4-FFF2-40B4-BE49-F238E27FC236}">
-                <a16:creationId xmlns:a16="http://schemas.microsoft.com/office/drawing/2014/main" xmlns="" id="{DDFFC868-093D-4D95-AA93-2203C226F89B}"/>
+                <a16:creationId xmlns:a16="http://schemas.microsoft.com/office/drawing/2014/main" id="{DDFFC868-093D-4D95-AA93-2203C226F89B}"/>
               </a:ext>
             </a:extLst>
           </p:cNvPr>
@@ -473,7 +472,7 @@
           <a:p>
             <a:fld id="{E040DD28-DA01-4164-BF9D-AEC6AAD07A3E}" type="datetimeFigureOut">
               <a:rPr lang="en-US" smtClean="0"/>
-              <a:t>1/5/18</a:t>
+              <a:t>1/6/2018</a:t>
             </a:fld>
             <a:endParaRPr lang="en-US"/>
           </a:p>
@@ -484,7 +483,7 @@
           <p:cNvPr id="5" name="Footer Placeholder 4">
             <a:extLst>
               <a:ext uri="{FF2B5EF4-FFF2-40B4-BE49-F238E27FC236}">
-                <a16:creationId xmlns:a16="http://schemas.microsoft.com/office/drawing/2014/main" xmlns="" id="{CA068C37-6A3A-44A8-A7BE-58942241414E}"/>
+                <a16:creationId xmlns:a16="http://schemas.microsoft.com/office/drawing/2014/main" id="{CA068C37-6A3A-44A8-A7BE-58942241414E}"/>
               </a:ext>
             </a:extLst>
           </p:cNvPr>
@@ -509,7 +508,7 @@
           <p:cNvPr id="6" name="Slide Number Placeholder 5">
             <a:extLst>
               <a:ext uri="{FF2B5EF4-FFF2-40B4-BE49-F238E27FC236}">
-                <a16:creationId xmlns:a16="http://schemas.microsoft.com/office/drawing/2014/main" xmlns="" id="{E78B41CD-FF00-4C28-A410-5C2081075C8F}"/>
+                <a16:creationId xmlns:a16="http://schemas.microsoft.com/office/drawing/2014/main" id="{E78B41CD-FF00-4C28-A410-5C2081075C8F}"/>
               </a:ext>
             </a:extLst>
           </p:cNvPr>
@@ -568,7 +567,7 @@
           <p:cNvPr id="2" name="Vertical Title 1">
             <a:extLst>
               <a:ext uri="{FF2B5EF4-FFF2-40B4-BE49-F238E27FC236}">
-                <a16:creationId xmlns:a16="http://schemas.microsoft.com/office/drawing/2014/main" xmlns="" id="{09D8892F-E415-4A5B-8DE4-93BDA5F0BB5E}"/>
+                <a16:creationId xmlns:a16="http://schemas.microsoft.com/office/drawing/2014/main" id="{09D8892F-E415-4A5B-8DE4-93BDA5F0BB5E}"/>
               </a:ext>
             </a:extLst>
           </p:cNvPr>
@@ -601,7 +600,7 @@
           <p:cNvPr id="3" name="Vertical Text Placeholder 2">
             <a:extLst>
               <a:ext uri="{FF2B5EF4-FFF2-40B4-BE49-F238E27FC236}">
-                <a16:creationId xmlns:a16="http://schemas.microsoft.com/office/drawing/2014/main" xmlns="" id="{D914CE1D-36B4-41F6-8CAC-A824748DF349}"/>
+                <a16:creationId xmlns:a16="http://schemas.microsoft.com/office/drawing/2014/main" id="{D914CE1D-36B4-41F6-8CAC-A824748DF349}"/>
               </a:ext>
             </a:extLst>
           </p:cNvPr>
@@ -663,7 +662,7 @@
           <p:cNvPr id="4" name="Date Placeholder 3">
             <a:extLst>
               <a:ext uri="{FF2B5EF4-FFF2-40B4-BE49-F238E27FC236}">
-                <a16:creationId xmlns:a16="http://schemas.microsoft.com/office/drawing/2014/main" xmlns="" id="{09EBC416-5C2B-4705-88C6-697C7026E134}"/>
+                <a16:creationId xmlns:a16="http://schemas.microsoft.com/office/drawing/2014/main" id="{09EBC416-5C2B-4705-88C6-697C7026E134}"/>
               </a:ext>
             </a:extLst>
           </p:cNvPr>
@@ -681,7 +680,7 @@
           <a:p>
             <a:fld id="{E040DD28-DA01-4164-BF9D-AEC6AAD07A3E}" type="datetimeFigureOut">
               <a:rPr lang="en-US" smtClean="0"/>
-              <a:t>1/5/18</a:t>
+              <a:t>1/6/2018</a:t>
             </a:fld>
             <a:endParaRPr lang="en-US"/>
           </a:p>
@@ -692,7 +691,7 @@
           <p:cNvPr id="5" name="Footer Placeholder 4">
             <a:extLst>
               <a:ext uri="{FF2B5EF4-FFF2-40B4-BE49-F238E27FC236}">
-                <a16:creationId xmlns:a16="http://schemas.microsoft.com/office/drawing/2014/main" xmlns="" id="{6A181D81-2CCF-4506-BAC8-332F27972DE7}"/>
+                <a16:creationId xmlns:a16="http://schemas.microsoft.com/office/drawing/2014/main" id="{6A181D81-2CCF-4506-BAC8-332F27972DE7}"/>
               </a:ext>
             </a:extLst>
           </p:cNvPr>
@@ -717,7 +716,7 @@
           <p:cNvPr id="6" name="Slide Number Placeholder 5">
             <a:extLst>
               <a:ext uri="{FF2B5EF4-FFF2-40B4-BE49-F238E27FC236}">
-                <a16:creationId xmlns:a16="http://schemas.microsoft.com/office/drawing/2014/main" xmlns="" id="{CF493655-0420-4B38-BA94-CAA81BE6B4A5}"/>
+                <a16:creationId xmlns:a16="http://schemas.microsoft.com/office/drawing/2014/main" id="{CF493655-0420-4B38-BA94-CAA81BE6B4A5}"/>
               </a:ext>
             </a:extLst>
           </p:cNvPr>
@@ -776,7 +775,7 @@
           <p:cNvPr id="2" name="Title 1">
             <a:extLst>
               <a:ext uri="{FF2B5EF4-FFF2-40B4-BE49-F238E27FC236}">
-                <a16:creationId xmlns:a16="http://schemas.microsoft.com/office/drawing/2014/main" xmlns="" id="{93BACEFF-B6D7-4BFD-B93D-95821BFD2D8F}"/>
+                <a16:creationId xmlns:a16="http://schemas.microsoft.com/office/drawing/2014/main" id="{93BACEFF-B6D7-4BFD-B93D-95821BFD2D8F}"/>
               </a:ext>
             </a:extLst>
           </p:cNvPr>
@@ -804,7 +803,7 @@
           <p:cNvPr id="3" name="Content Placeholder 2">
             <a:extLst>
               <a:ext uri="{FF2B5EF4-FFF2-40B4-BE49-F238E27FC236}">
-                <a16:creationId xmlns:a16="http://schemas.microsoft.com/office/drawing/2014/main" xmlns="" id="{59385ED6-5E0D-4E26-B486-3CC0C4291B3B}"/>
+                <a16:creationId xmlns:a16="http://schemas.microsoft.com/office/drawing/2014/main" id="{59385ED6-5E0D-4E26-B486-3CC0C4291B3B}"/>
               </a:ext>
             </a:extLst>
           </p:cNvPr>
@@ -861,7 +860,7 @@
           <p:cNvPr id="4" name="Date Placeholder 3">
             <a:extLst>
               <a:ext uri="{FF2B5EF4-FFF2-40B4-BE49-F238E27FC236}">
-                <a16:creationId xmlns:a16="http://schemas.microsoft.com/office/drawing/2014/main" xmlns="" id="{4FC036BA-799C-484E-9202-7D281BB13E19}"/>
+                <a16:creationId xmlns:a16="http://schemas.microsoft.com/office/drawing/2014/main" id="{4FC036BA-799C-484E-9202-7D281BB13E19}"/>
               </a:ext>
             </a:extLst>
           </p:cNvPr>
@@ -879,7 +878,7 @@
           <a:p>
             <a:fld id="{E040DD28-DA01-4164-BF9D-AEC6AAD07A3E}" type="datetimeFigureOut">
               <a:rPr lang="en-US" smtClean="0"/>
-              <a:t>1/5/18</a:t>
+              <a:t>1/6/2018</a:t>
             </a:fld>
             <a:endParaRPr lang="en-US"/>
           </a:p>
@@ -890,7 +889,7 @@
           <p:cNvPr id="5" name="Footer Placeholder 4">
             <a:extLst>
               <a:ext uri="{FF2B5EF4-FFF2-40B4-BE49-F238E27FC236}">
-                <a16:creationId xmlns:a16="http://schemas.microsoft.com/office/drawing/2014/main" xmlns="" id="{84C705AF-ED38-4DC0-9CAD-82802278E609}"/>
+                <a16:creationId xmlns:a16="http://schemas.microsoft.com/office/drawing/2014/main" id="{84C705AF-ED38-4DC0-9CAD-82802278E609}"/>
               </a:ext>
             </a:extLst>
           </p:cNvPr>
@@ -915,7 +914,7 @@
           <p:cNvPr id="6" name="Slide Number Placeholder 5">
             <a:extLst>
               <a:ext uri="{FF2B5EF4-FFF2-40B4-BE49-F238E27FC236}">
-                <a16:creationId xmlns:a16="http://schemas.microsoft.com/office/drawing/2014/main" xmlns="" id="{FCAB4C5E-BC29-4DA3-8FDD-E88F20A62425}"/>
+                <a16:creationId xmlns:a16="http://schemas.microsoft.com/office/drawing/2014/main" id="{FCAB4C5E-BC29-4DA3-8FDD-E88F20A62425}"/>
               </a:ext>
             </a:extLst>
           </p:cNvPr>
@@ -974,7 +973,7 @@
           <p:cNvPr id="2" name="Title 1">
             <a:extLst>
               <a:ext uri="{FF2B5EF4-FFF2-40B4-BE49-F238E27FC236}">
-                <a16:creationId xmlns:a16="http://schemas.microsoft.com/office/drawing/2014/main" xmlns="" id="{56F4E2A8-3DB4-4F28-996A-ADBBE22EB9E6}"/>
+                <a16:creationId xmlns:a16="http://schemas.microsoft.com/office/drawing/2014/main" id="{56F4E2A8-3DB4-4F28-996A-ADBBE22EB9E6}"/>
               </a:ext>
             </a:extLst>
           </p:cNvPr>
@@ -1011,7 +1010,7 @@
           <p:cNvPr id="3" name="Text Placeholder 2">
             <a:extLst>
               <a:ext uri="{FF2B5EF4-FFF2-40B4-BE49-F238E27FC236}">
-                <a16:creationId xmlns:a16="http://schemas.microsoft.com/office/drawing/2014/main" xmlns="" id="{C89AE634-E835-4FB2-9543-9AE7D101C6F8}"/>
+                <a16:creationId xmlns:a16="http://schemas.microsoft.com/office/drawing/2014/main" id="{C89AE634-E835-4FB2-9543-9AE7D101C6F8}"/>
               </a:ext>
             </a:extLst>
           </p:cNvPr>
@@ -1136,7 +1135,7 @@
           <p:cNvPr id="4" name="Date Placeholder 3">
             <a:extLst>
               <a:ext uri="{FF2B5EF4-FFF2-40B4-BE49-F238E27FC236}">
-                <a16:creationId xmlns:a16="http://schemas.microsoft.com/office/drawing/2014/main" xmlns="" id="{A80E8D62-561D-425F-95E0-D8B490FEAFB0}"/>
+                <a16:creationId xmlns:a16="http://schemas.microsoft.com/office/drawing/2014/main" id="{A80E8D62-561D-425F-95E0-D8B490FEAFB0}"/>
               </a:ext>
             </a:extLst>
           </p:cNvPr>
@@ -1154,7 +1153,7 @@
           <a:p>
             <a:fld id="{E040DD28-DA01-4164-BF9D-AEC6AAD07A3E}" type="datetimeFigureOut">
               <a:rPr lang="en-US" smtClean="0"/>
-              <a:t>1/5/18</a:t>
+              <a:t>1/6/2018</a:t>
             </a:fld>
             <a:endParaRPr lang="en-US"/>
           </a:p>
@@ -1165,7 +1164,7 @@
           <p:cNvPr id="5" name="Footer Placeholder 4">
             <a:extLst>
               <a:ext uri="{FF2B5EF4-FFF2-40B4-BE49-F238E27FC236}">
-                <a16:creationId xmlns:a16="http://schemas.microsoft.com/office/drawing/2014/main" xmlns="" id="{092BFE70-3129-4F21-A151-027B995D8283}"/>
+                <a16:creationId xmlns:a16="http://schemas.microsoft.com/office/drawing/2014/main" id="{092BFE70-3129-4F21-A151-027B995D8283}"/>
               </a:ext>
             </a:extLst>
           </p:cNvPr>
@@ -1190,7 +1189,7 @@
           <p:cNvPr id="6" name="Slide Number Placeholder 5">
             <a:extLst>
               <a:ext uri="{FF2B5EF4-FFF2-40B4-BE49-F238E27FC236}">
-                <a16:creationId xmlns:a16="http://schemas.microsoft.com/office/drawing/2014/main" xmlns="" id="{8021D42E-9379-4CA1-8E67-A8CFC2137736}"/>
+                <a16:creationId xmlns:a16="http://schemas.microsoft.com/office/drawing/2014/main" id="{8021D42E-9379-4CA1-8E67-A8CFC2137736}"/>
               </a:ext>
             </a:extLst>
           </p:cNvPr>
@@ -1249,7 +1248,7 @@
           <p:cNvPr id="2" name="Title 1">
             <a:extLst>
               <a:ext uri="{FF2B5EF4-FFF2-40B4-BE49-F238E27FC236}">
-                <a16:creationId xmlns:a16="http://schemas.microsoft.com/office/drawing/2014/main" xmlns="" id="{6E79E456-1075-4906-82F7-0E6109B9E35D}"/>
+                <a16:creationId xmlns:a16="http://schemas.microsoft.com/office/drawing/2014/main" id="{6E79E456-1075-4906-82F7-0E6109B9E35D}"/>
               </a:ext>
             </a:extLst>
           </p:cNvPr>
@@ -1277,7 +1276,7 @@
           <p:cNvPr id="3" name="Content Placeholder 2">
             <a:extLst>
               <a:ext uri="{FF2B5EF4-FFF2-40B4-BE49-F238E27FC236}">
-                <a16:creationId xmlns:a16="http://schemas.microsoft.com/office/drawing/2014/main" xmlns="" id="{5B119237-D568-4846-9810-EE66DFA84982}"/>
+                <a16:creationId xmlns:a16="http://schemas.microsoft.com/office/drawing/2014/main" id="{5B119237-D568-4846-9810-EE66DFA84982}"/>
               </a:ext>
             </a:extLst>
           </p:cNvPr>
@@ -1339,7 +1338,7 @@
           <p:cNvPr id="4" name="Content Placeholder 3">
             <a:extLst>
               <a:ext uri="{FF2B5EF4-FFF2-40B4-BE49-F238E27FC236}">
-                <a16:creationId xmlns:a16="http://schemas.microsoft.com/office/drawing/2014/main" xmlns="" id="{B4C29F7A-057C-4495-9330-75B170FD1A8C}"/>
+                <a16:creationId xmlns:a16="http://schemas.microsoft.com/office/drawing/2014/main" id="{B4C29F7A-057C-4495-9330-75B170FD1A8C}"/>
               </a:ext>
             </a:extLst>
           </p:cNvPr>
@@ -1401,7 +1400,7 @@
           <p:cNvPr id="5" name="Date Placeholder 4">
             <a:extLst>
               <a:ext uri="{FF2B5EF4-FFF2-40B4-BE49-F238E27FC236}">
-                <a16:creationId xmlns:a16="http://schemas.microsoft.com/office/drawing/2014/main" xmlns="" id="{6B9731BB-E5EB-4386-A8C4-02BCBE618022}"/>
+                <a16:creationId xmlns:a16="http://schemas.microsoft.com/office/drawing/2014/main" id="{6B9731BB-E5EB-4386-A8C4-02BCBE618022}"/>
               </a:ext>
             </a:extLst>
           </p:cNvPr>
@@ -1419,7 +1418,7 @@
           <a:p>
             <a:fld id="{E040DD28-DA01-4164-BF9D-AEC6AAD07A3E}" type="datetimeFigureOut">
               <a:rPr lang="en-US" smtClean="0"/>
-              <a:t>1/5/18</a:t>
+              <a:t>1/6/2018</a:t>
             </a:fld>
             <a:endParaRPr lang="en-US"/>
           </a:p>
@@ -1430,7 +1429,7 @@
           <p:cNvPr id="6" name="Footer Placeholder 5">
             <a:extLst>
               <a:ext uri="{FF2B5EF4-FFF2-40B4-BE49-F238E27FC236}">
-                <a16:creationId xmlns:a16="http://schemas.microsoft.com/office/drawing/2014/main" xmlns="" id="{D61D5281-CDA5-43EF-BE1C-79A1529A08DB}"/>
+                <a16:creationId xmlns:a16="http://schemas.microsoft.com/office/drawing/2014/main" id="{D61D5281-CDA5-43EF-BE1C-79A1529A08DB}"/>
               </a:ext>
             </a:extLst>
           </p:cNvPr>
@@ -1455,7 +1454,7 @@
           <p:cNvPr id="7" name="Slide Number Placeholder 6">
             <a:extLst>
               <a:ext uri="{FF2B5EF4-FFF2-40B4-BE49-F238E27FC236}">
-                <a16:creationId xmlns:a16="http://schemas.microsoft.com/office/drawing/2014/main" xmlns="" id="{39B30A33-21E5-4395-AB23-BAC1B5A92289}"/>
+                <a16:creationId xmlns:a16="http://schemas.microsoft.com/office/drawing/2014/main" id="{39B30A33-21E5-4395-AB23-BAC1B5A92289}"/>
               </a:ext>
             </a:extLst>
           </p:cNvPr>
@@ -1514,7 +1513,7 @@
           <p:cNvPr id="2" name="Title 1">
             <a:extLst>
               <a:ext uri="{FF2B5EF4-FFF2-40B4-BE49-F238E27FC236}">
-                <a16:creationId xmlns:a16="http://schemas.microsoft.com/office/drawing/2014/main" xmlns="" id="{37B4C097-07A2-4984-A86D-7F052CFF4886}"/>
+                <a16:creationId xmlns:a16="http://schemas.microsoft.com/office/drawing/2014/main" id="{37B4C097-07A2-4984-A86D-7F052CFF4886}"/>
               </a:ext>
             </a:extLst>
           </p:cNvPr>
@@ -1547,7 +1546,7 @@
           <p:cNvPr id="3" name="Text Placeholder 2">
             <a:extLst>
               <a:ext uri="{FF2B5EF4-FFF2-40B4-BE49-F238E27FC236}">
-                <a16:creationId xmlns:a16="http://schemas.microsoft.com/office/drawing/2014/main" xmlns="" id="{586C90C0-904E-436B-996B-03DD09FE05C4}"/>
+                <a16:creationId xmlns:a16="http://schemas.microsoft.com/office/drawing/2014/main" id="{586C90C0-904E-436B-996B-03DD09FE05C4}"/>
               </a:ext>
             </a:extLst>
           </p:cNvPr>
@@ -1618,7 +1617,7 @@
           <p:cNvPr id="4" name="Content Placeholder 3">
             <a:extLst>
               <a:ext uri="{FF2B5EF4-FFF2-40B4-BE49-F238E27FC236}">
-                <a16:creationId xmlns:a16="http://schemas.microsoft.com/office/drawing/2014/main" xmlns="" id="{E03CBD82-3AD3-4E06-90BB-01B87FA81FC7}"/>
+                <a16:creationId xmlns:a16="http://schemas.microsoft.com/office/drawing/2014/main" id="{E03CBD82-3AD3-4E06-90BB-01B87FA81FC7}"/>
               </a:ext>
             </a:extLst>
           </p:cNvPr>
@@ -1680,7 +1679,7 @@
           <p:cNvPr id="5" name="Text Placeholder 4">
             <a:extLst>
               <a:ext uri="{FF2B5EF4-FFF2-40B4-BE49-F238E27FC236}">
-                <a16:creationId xmlns:a16="http://schemas.microsoft.com/office/drawing/2014/main" xmlns="" id="{04ACE262-BFED-4131-A5BA-E0278B00A663}"/>
+                <a16:creationId xmlns:a16="http://schemas.microsoft.com/office/drawing/2014/main" id="{04ACE262-BFED-4131-A5BA-E0278B00A663}"/>
               </a:ext>
             </a:extLst>
           </p:cNvPr>
@@ -1751,7 +1750,7 @@
           <p:cNvPr id="6" name="Content Placeholder 5">
             <a:extLst>
               <a:ext uri="{FF2B5EF4-FFF2-40B4-BE49-F238E27FC236}">
-                <a16:creationId xmlns:a16="http://schemas.microsoft.com/office/drawing/2014/main" xmlns="" id="{1BC543A8-1DAB-4F64-93C3-0EB766AE86F9}"/>
+                <a16:creationId xmlns:a16="http://schemas.microsoft.com/office/drawing/2014/main" id="{1BC543A8-1DAB-4F64-93C3-0EB766AE86F9}"/>
               </a:ext>
             </a:extLst>
           </p:cNvPr>
@@ -1813,7 +1812,7 @@
           <p:cNvPr id="7" name="Date Placeholder 6">
             <a:extLst>
               <a:ext uri="{FF2B5EF4-FFF2-40B4-BE49-F238E27FC236}">
-                <a16:creationId xmlns:a16="http://schemas.microsoft.com/office/drawing/2014/main" xmlns="" id="{DBF0794B-2DF7-43D8-8A0C-752A3C841A95}"/>
+                <a16:creationId xmlns:a16="http://schemas.microsoft.com/office/drawing/2014/main" id="{DBF0794B-2DF7-43D8-8A0C-752A3C841A95}"/>
               </a:ext>
             </a:extLst>
           </p:cNvPr>
@@ -1831,7 +1830,7 @@
           <a:p>
             <a:fld id="{E040DD28-DA01-4164-BF9D-AEC6AAD07A3E}" type="datetimeFigureOut">
               <a:rPr lang="en-US" smtClean="0"/>
-              <a:t>1/5/18</a:t>
+              <a:t>1/6/2018</a:t>
             </a:fld>
             <a:endParaRPr lang="en-US"/>
           </a:p>
@@ -1842,7 +1841,7 @@
           <p:cNvPr id="8" name="Footer Placeholder 7">
             <a:extLst>
               <a:ext uri="{FF2B5EF4-FFF2-40B4-BE49-F238E27FC236}">
-                <a16:creationId xmlns:a16="http://schemas.microsoft.com/office/drawing/2014/main" xmlns="" id="{15BFDF4B-45AB-4776-B148-1F4FA0BCD9A6}"/>
+                <a16:creationId xmlns:a16="http://schemas.microsoft.com/office/drawing/2014/main" id="{15BFDF4B-45AB-4776-B148-1F4FA0BCD9A6}"/>
               </a:ext>
             </a:extLst>
           </p:cNvPr>
@@ -1867,7 +1866,7 @@
           <p:cNvPr id="9" name="Slide Number Placeholder 8">
             <a:extLst>
               <a:ext uri="{FF2B5EF4-FFF2-40B4-BE49-F238E27FC236}">
-                <a16:creationId xmlns:a16="http://schemas.microsoft.com/office/drawing/2014/main" xmlns="" id="{74ACFCD8-1AA0-4174-A68D-6293F9717D99}"/>
+                <a16:creationId xmlns:a16="http://schemas.microsoft.com/office/drawing/2014/main" id="{74ACFCD8-1AA0-4174-A68D-6293F9717D99}"/>
               </a:ext>
             </a:extLst>
           </p:cNvPr>
@@ -1926,7 +1925,7 @@
           <p:cNvPr id="2" name="Title 1">
             <a:extLst>
               <a:ext uri="{FF2B5EF4-FFF2-40B4-BE49-F238E27FC236}">
-                <a16:creationId xmlns:a16="http://schemas.microsoft.com/office/drawing/2014/main" xmlns="" id="{A9F3CBAC-2073-439B-B8DE-FB80422902CE}"/>
+                <a16:creationId xmlns:a16="http://schemas.microsoft.com/office/drawing/2014/main" id="{A9F3CBAC-2073-439B-B8DE-FB80422902CE}"/>
               </a:ext>
             </a:extLst>
           </p:cNvPr>
@@ -1954,7 +1953,7 @@
           <p:cNvPr id="3" name="Date Placeholder 2">
             <a:extLst>
               <a:ext uri="{FF2B5EF4-FFF2-40B4-BE49-F238E27FC236}">
-                <a16:creationId xmlns:a16="http://schemas.microsoft.com/office/drawing/2014/main" xmlns="" id="{06A84D4C-CD47-42D3-8505-872676C28963}"/>
+                <a16:creationId xmlns:a16="http://schemas.microsoft.com/office/drawing/2014/main" id="{06A84D4C-CD47-42D3-8505-872676C28963}"/>
               </a:ext>
             </a:extLst>
           </p:cNvPr>
@@ -1972,7 +1971,7 @@
           <a:p>
             <a:fld id="{E040DD28-DA01-4164-BF9D-AEC6AAD07A3E}" type="datetimeFigureOut">
               <a:rPr lang="en-US" smtClean="0"/>
-              <a:t>1/5/18</a:t>
+              <a:t>1/6/2018</a:t>
             </a:fld>
             <a:endParaRPr lang="en-US"/>
           </a:p>
@@ -1983,7 +1982,7 @@
           <p:cNvPr id="4" name="Footer Placeholder 3">
             <a:extLst>
               <a:ext uri="{FF2B5EF4-FFF2-40B4-BE49-F238E27FC236}">
-                <a16:creationId xmlns:a16="http://schemas.microsoft.com/office/drawing/2014/main" xmlns="" id="{B784711A-B8EA-4963-A653-27EE2997119F}"/>
+                <a16:creationId xmlns:a16="http://schemas.microsoft.com/office/drawing/2014/main" id="{B784711A-B8EA-4963-A653-27EE2997119F}"/>
               </a:ext>
             </a:extLst>
           </p:cNvPr>
@@ -2008,7 +2007,7 @@
           <p:cNvPr id="5" name="Slide Number Placeholder 4">
             <a:extLst>
               <a:ext uri="{FF2B5EF4-FFF2-40B4-BE49-F238E27FC236}">
-                <a16:creationId xmlns:a16="http://schemas.microsoft.com/office/drawing/2014/main" xmlns="" id="{9BD0276A-CA50-4B27-9DF4-12C17991F3AD}"/>
+                <a16:creationId xmlns:a16="http://schemas.microsoft.com/office/drawing/2014/main" id="{9BD0276A-CA50-4B27-9DF4-12C17991F3AD}"/>
               </a:ext>
             </a:extLst>
           </p:cNvPr>
@@ -2067,7 +2066,7 @@
           <p:cNvPr id="2" name="Date Placeholder 1">
             <a:extLst>
               <a:ext uri="{FF2B5EF4-FFF2-40B4-BE49-F238E27FC236}">
-                <a16:creationId xmlns:a16="http://schemas.microsoft.com/office/drawing/2014/main" xmlns="" id="{CBE24604-C75B-4F9D-8382-AC380D5DD668}"/>
+                <a16:creationId xmlns:a16="http://schemas.microsoft.com/office/drawing/2014/main" id="{CBE24604-C75B-4F9D-8382-AC380D5DD668}"/>
               </a:ext>
             </a:extLst>
           </p:cNvPr>
@@ -2085,7 +2084,7 @@
           <a:p>
             <a:fld id="{E040DD28-DA01-4164-BF9D-AEC6AAD07A3E}" type="datetimeFigureOut">
               <a:rPr lang="en-US" smtClean="0"/>
-              <a:t>1/5/18</a:t>
+              <a:t>1/6/2018</a:t>
             </a:fld>
             <a:endParaRPr lang="en-US"/>
           </a:p>
@@ -2096,7 +2095,7 @@
           <p:cNvPr id="3" name="Footer Placeholder 2">
             <a:extLst>
               <a:ext uri="{FF2B5EF4-FFF2-40B4-BE49-F238E27FC236}">
-                <a16:creationId xmlns:a16="http://schemas.microsoft.com/office/drawing/2014/main" xmlns="" id="{2641AA10-AE31-466F-96AF-31A1A0955AD1}"/>
+                <a16:creationId xmlns:a16="http://schemas.microsoft.com/office/drawing/2014/main" id="{2641AA10-AE31-466F-96AF-31A1A0955AD1}"/>
               </a:ext>
             </a:extLst>
           </p:cNvPr>
@@ -2121,7 +2120,7 @@
           <p:cNvPr id="4" name="Slide Number Placeholder 3">
             <a:extLst>
               <a:ext uri="{FF2B5EF4-FFF2-40B4-BE49-F238E27FC236}">
-                <a16:creationId xmlns:a16="http://schemas.microsoft.com/office/drawing/2014/main" xmlns="" id="{756609DE-ABCC-4735-9687-532D469DC4E2}"/>
+                <a16:creationId xmlns:a16="http://schemas.microsoft.com/office/drawing/2014/main" id="{756609DE-ABCC-4735-9687-532D469DC4E2}"/>
               </a:ext>
             </a:extLst>
           </p:cNvPr>
@@ -2180,7 +2179,7 @@
           <p:cNvPr id="2" name="Title 1">
             <a:extLst>
               <a:ext uri="{FF2B5EF4-FFF2-40B4-BE49-F238E27FC236}">
-                <a16:creationId xmlns:a16="http://schemas.microsoft.com/office/drawing/2014/main" xmlns="" id="{70B034F0-2116-43B6-A3DF-533AE5CE39CE}"/>
+                <a16:creationId xmlns:a16="http://schemas.microsoft.com/office/drawing/2014/main" id="{70B034F0-2116-43B6-A3DF-533AE5CE39CE}"/>
               </a:ext>
             </a:extLst>
           </p:cNvPr>
@@ -2217,7 +2216,7 @@
           <p:cNvPr id="3" name="Content Placeholder 2">
             <a:extLst>
               <a:ext uri="{FF2B5EF4-FFF2-40B4-BE49-F238E27FC236}">
-                <a16:creationId xmlns:a16="http://schemas.microsoft.com/office/drawing/2014/main" xmlns="" id="{5B8FA73E-8222-4BD6-84B5-93652E6DEF4C}"/>
+                <a16:creationId xmlns:a16="http://schemas.microsoft.com/office/drawing/2014/main" id="{5B8FA73E-8222-4BD6-84B5-93652E6DEF4C}"/>
               </a:ext>
             </a:extLst>
           </p:cNvPr>
@@ -2307,7 +2306,7 @@
           <p:cNvPr id="4" name="Text Placeholder 3">
             <a:extLst>
               <a:ext uri="{FF2B5EF4-FFF2-40B4-BE49-F238E27FC236}">
-                <a16:creationId xmlns:a16="http://schemas.microsoft.com/office/drawing/2014/main" xmlns="" id="{070680AD-0DF4-407C-815A-B6FC0B7A7F1E}"/>
+                <a16:creationId xmlns:a16="http://schemas.microsoft.com/office/drawing/2014/main" id="{070680AD-0DF4-407C-815A-B6FC0B7A7F1E}"/>
               </a:ext>
             </a:extLst>
           </p:cNvPr>
@@ -2378,7 +2377,7 @@
           <p:cNvPr id="5" name="Date Placeholder 4">
             <a:extLst>
               <a:ext uri="{FF2B5EF4-FFF2-40B4-BE49-F238E27FC236}">
-                <a16:creationId xmlns:a16="http://schemas.microsoft.com/office/drawing/2014/main" xmlns="" id="{D828C134-AC88-45CD-8C31-4BAB0E6B3390}"/>
+                <a16:creationId xmlns:a16="http://schemas.microsoft.com/office/drawing/2014/main" id="{D828C134-AC88-45CD-8C31-4BAB0E6B3390}"/>
               </a:ext>
             </a:extLst>
           </p:cNvPr>
@@ -2396,7 +2395,7 @@
           <a:p>
             <a:fld id="{E040DD28-DA01-4164-BF9D-AEC6AAD07A3E}" type="datetimeFigureOut">
               <a:rPr lang="en-US" smtClean="0"/>
-              <a:t>1/5/18</a:t>
+              <a:t>1/6/2018</a:t>
             </a:fld>
             <a:endParaRPr lang="en-US"/>
           </a:p>
@@ -2407,7 +2406,7 @@
           <p:cNvPr id="6" name="Footer Placeholder 5">
             <a:extLst>
               <a:ext uri="{FF2B5EF4-FFF2-40B4-BE49-F238E27FC236}">
-                <a16:creationId xmlns:a16="http://schemas.microsoft.com/office/drawing/2014/main" xmlns="" id="{A6BCAE05-6F4C-44B9-A59A-E9435FAE141A}"/>
+                <a16:creationId xmlns:a16="http://schemas.microsoft.com/office/drawing/2014/main" id="{A6BCAE05-6F4C-44B9-A59A-E9435FAE141A}"/>
               </a:ext>
             </a:extLst>
           </p:cNvPr>
@@ -2432,7 +2431,7 @@
           <p:cNvPr id="7" name="Slide Number Placeholder 6">
             <a:extLst>
               <a:ext uri="{FF2B5EF4-FFF2-40B4-BE49-F238E27FC236}">
-                <a16:creationId xmlns:a16="http://schemas.microsoft.com/office/drawing/2014/main" xmlns="" id="{F3033C98-CC7D-4B89-8DEA-9E1C9B62C714}"/>
+                <a16:creationId xmlns:a16="http://schemas.microsoft.com/office/drawing/2014/main" id="{F3033C98-CC7D-4B89-8DEA-9E1C9B62C714}"/>
               </a:ext>
             </a:extLst>
           </p:cNvPr>
@@ -2491,7 +2490,7 @@
           <p:cNvPr id="2" name="Title 1">
             <a:extLst>
               <a:ext uri="{FF2B5EF4-FFF2-40B4-BE49-F238E27FC236}">
-                <a16:creationId xmlns:a16="http://schemas.microsoft.com/office/drawing/2014/main" xmlns="" id="{C5C61AB1-B345-446E-A14A-919A9FE596A9}"/>
+                <a16:creationId xmlns:a16="http://schemas.microsoft.com/office/drawing/2014/main" id="{C5C61AB1-B345-446E-A14A-919A9FE596A9}"/>
               </a:ext>
             </a:extLst>
           </p:cNvPr>
@@ -2528,7 +2527,7 @@
           <p:cNvPr id="3" name="Picture Placeholder 2">
             <a:extLst>
               <a:ext uri="{FF2B5EF4-FFF2-40B4-BE49-F238E27FC236}">
-                <a16:creationId xmlns:a16="http://schemas.microsoft.com/office/drawing/2014/main" xmlns="" id="{C8FC6971-C8D3-41FA-9E59-9267B41B86D7}"/>
+                <a16:creationId xmlns:a16="http://schemas.microsoft.com/office/drawing/2014/main" id="{C8FC6971-C8D3-41FA-9E59-9267B41B86D7}"/>
               </a:ext>
             </a:extLst>
           </p:cNvPr>
@@ -2595,7 +2594,7 @@
           <p:cNvPr id="4" name="Text Placeholder 3">
             <a:extLst>
               <a:ext uri="{FF2B5EF4-FFF2-40B4-BE49-F238E27FC236}">
-                <a16:creationId xmlns:a16="http://schemas.microsoft.com/office/drawing/2014/main" xmlns="" id="{6D3E27C0-ECF1-4974-89DC-5E5F1753643D}"/>
+                <a16:creationId xmlns:a16="http://schemas.microsoft.com/office/drawing/2014/main" id="{6D3E27C0-ECF1-4974-89DC-5E5F1753643D}"/>
               </a:ext>
             </a:extLst>
           </p:cNvPr>
@@ -2666,7 +2665,7 @@
           <p:cNvPr id="5" name="Date Placeholder 4">
             <a:extLst>
               <a:ext uri="{FF2B5EF4-FFF2-40B4-BE49-F238E27FC236}">
-                <a16:creationId xmlns:a16="http://schemas.microsoft.com/office/drawing/2014/main" xmlns="" id="{EB0CF908-7B88-457C-A7CB-BA8E59EFE6B1}"/>
+                <a16:creationId xmlns:a16="http://schemas.microsoft.com/office/drawing/2014/main" id="{EB0CF908-7B88-457C-A7CB-BA8E59EFE6B1}"/>
               </a:ext>
             </a:extLst>
           </p:cNvPr>
@@ -2684,7 +2683,7 @@
           <a:p>
             <a:fld id="{E040DD28-DA01-4164-BF9D-AEC6AAD07A3E}" type="datetimeFigureOut">
               <a:rPr lang="en-US" smtClean="0"/>
-              <a:t>1/5/18</a:t>
+              <a:t>1/6/2018</a:t>
             </a:fld>
             <a:endParaRPr lang="en-US"/>
           </a:p>
@@ -2695,7 +2694,7 @@
           <p:cNvPr id="6" name="Footer Placeholder 5">
             <a:extLst>
               <a:ext uri="{FF2B5EF4-FFF2-40B4-BE49-F238E27FC236}">
-                <a16:creationId xmlns:a16="http://schemas.microsoft.com/office/drawing/2014/main" xmlns="" id="{9EFEFD02-5829-4D99-8387-FA6DDA7FDCE6}"/>
+                <a16:creationId xmlns:a16="http://schemas.microsoft.com/office/drawing/2014/main" id="{9EFEFD02-5829-4D99-8387-FA6DDA7FDCE6}"/>
               </a:ext>
             </a:extLst>
           </p:cNvPr>
@@ -2720,7 +2719,7 @@
           <p:cNvPr id="7" name="Slide Number Placeholder 6">
             <a:extLst>
               <a:ext uri="{FF2B5EF4-FFF2-40B4-BE49-F238E27FC236}">
-                <a16:creationId xmlns:a16="http://schemas.microsoft.com/office/drawing/2014/main" xmlns="" id="{CC83D447-B6BD-4EB6-84FA-277F982BD485}"/>
+                <a16:creationId xmlns:a16="http://schemas.microsoft.com/office/drawing/2014/main" id="{CC83D447-B6BD-4EB6-84FA-277F982BD485}"/>
               </a:ext>
             </a:extLst>
           </p:cNvPr>
@@ -2784,7 +2783,7 @@
           <p:cNvPr id="2" name="Title Placeholder 1">
             <a:extLst>
               <a:ext uri="{FF2B5EF4-FFF2-40B4-BE49-F238E27FC236}">
-                <a16:creationId xmlns:a16="http://schemas.microsoft.com/office/drawing/2014/main" xmlns="" id="{BF4BEE1F-B564-43B7-B55B-42176FDCF6A5}"/>
+                <a16:creationId xmlns:a16="http://schemas.microsoft.com/office/drawing/2014/main" id="{BF4BEE1F-B564-43B7-B55B-42176FDCF6A5}"/>
               </a:ext>
             </a:extLst>
           </p:cNvPr>
@@ -2822,7 +2821,7 @@
           <p:cNvPr id="3" name="Text Placeholder 2">
             <a:extLst>
               <a:ext uri="{FF2B5EF4-FFF2-40B4-BE49-F238E27FC236}">
-                <a16:creationId xmlns:a16="http://schemas.microsoft.com/office/drawing/2014/main" xmlns="" id="{C280B79D-E421-4AC8-A9C2-4B56DA344FB6}"/>
+                <a16:creationId xmlns:a16="http://schemas.microsoft.com/office/drawing/2014/main" id="{C280B79D-E421-4AC8-A9C2-4B56DA344FB6}"/>
               </a:ext>
             </a:extLst>
           </p:cNvPr>
@@ -2889,7 +2888,7 @@
           <p:cNvPr id="4" name="Date Placeholder 3">
             <a:extLst>
               <a:ext uri="{FF2B5EF4-FFF2-40B4-BE49-F238E27FC236}">
-                <a16:creationId xmlns:a16="http://schemas.microsoft.com/office/drawing/2014/main" xmlns="" id="{5805F7AC-3768-4B7D-A30D-D8CB381EF3DC}"/>
+                <a16:creationId xmlns:a16="http://schemas.microsoft.com/office/drawing/2014/main" id="{5805F7AC-3768-4B7D-A30D-D8CB381EF3DC}"/>
               </a:ext>
             </a:extLst>
           </p:cNvPr>
@@ -2925,7 +2924,7 @@
           <a:p>
             <a:fld id="{E040DD28-DA01-4164-BF9D-AEC6AAD07A3E}" type="datetimeFigureOut">
               <a:rPr lang="en-US" smtClean="0"/>
-              <a:t>1/5/18</a:t>
+              <a:t>1/6/2018</a:t>
             </a:fld>
             <a:endParaRPr lang="en-US"/>
           </a:p>
@@ -2936,7 +2935,7 @@
           <p:cNvPr id="5" name="Footer Placeholder 4">
             <a:extLst>
               <a:ext uri="{FF2B5EF4-FFF2-40B4-BE49-F238E27FC236}">
-                <a16:creationId xmlns:a16="http://schemas.microsoft.com/office/drawing/2014/main" xmlns="" id="{1F22F8AA-82E2-4EE1-A481-8556E12EA635}"/>
+                <a16:creationId xmlns:a16="http://schemas.microsoft.com/office/drawing/2014/main" id="{1F22F8AA-82E2-4EE1-A481-8556E12EA635}"/>
               </a:ext>
             </a:extLst>
           </p:cNvPr>
@@ -2979,7 +2978,7 @@
           <p:cNvPr id="6" name="Slide Number Placeholder 5">
             <a:extLst>
               <a:ext uri="{FF2B5EF4-FFF2-40B4-BE49-F238E27FC236}">
-                <a16:creationId xmlns:a16="http://schemas.microsoft.com/office/drawing/2014/main" xmlns="" id="{AEDE27F2-C1D2-4B19-8C04-6B34AC016DA7}"/>
+                <a16:creationId xmlns:a16="http://schemas.microsoft.com/office/drawing/2014/main" id="{AEDE27F2-C1D2-4B19-8C04-6B34AC016DA7}"/>
               </a:ext>
             </a:extLst>
           </p:cNvPr>
@@ -3342,432 +3341,10 @@
           <a:chExt cx="0" cy="0"/>
         </a:xfrm>
       </p:grpSpPr>
-      <p:sp>
-        <p:nvSpPr>
-          <p:cNvPr id="2" name="Rectangle 1"/>
-          <p:cNvSpPr/>
-          <p:nvPr/>
-        </p:nvSpPr>
-        <p:spPr>
-          <a:xfrm>
-            <a:off x="1" y="0"/>
-            <a:ext cx="12192000" cy="2585323"/>
-          </a:xfrm>
-          <a:prstGeom prst="rect">
-            <a:avLst/>
-          </a:prstGeom>
-        </p:spPr>
-        <p:txBody>
-          <a:bodyPr wrap="square">
-            <a:spAutoFit/>
-          </a:bodyPr>
-          <a:lstStyle/>
-          <a:p>
-            <a:r>
-              <a:rPr lang="en-US" dirty="0">
-                <a:solidFill>
-                  <a:srgbClr val="757575"/>
-                </a:solidFill>
-                <a:latin typeface="Roboto" charset="0"/>
-              </a:rPr>
-              <a:t>Hardware Abstraction Layer (</a:t>
-            </a:r>
-            <a:r>
-              <a:rPr lang="en-US" b="1" dirty="0">
-                <a:solidFill>
-                  <a:srgbClr val="FF0000"/>
-                </a:solidFill>
-                <a:latin typeface="Roboto" charset="0"/>
-              </a:rPr>
-              <a:t>HAL</a:t>
-            </a:r>
-            <a:r>
-              <a:rPr lang="en-US" dirty="0" smtClean="0">
-                <a:solidFill>
-                  <a:srgbClr val="757575"/>
-                </a:solidFill>
-                <a:latin typeface="Roboto" charset="0"/>
-              </a:rPr>
-              <a:t>)</a:t>
-            </a:r>
-          </a:p>
-          <a:p>
-            <a:r>
-              <a:rPr lang="en-US" altLang="zh-CN" b="0" i="0" dirty="0" smtClean="0">
-                <a:solidFill>
-                  <a:srgbClr val="757575"/>
-                </a:solidFill>
-                <a:effectLst/>
-                <a:latin typeface="Roboto" charset="0"/>
-              </a:rPr>
-              <a:t>HAL</a:t>
-            </a:r>
-            <a:r>
-              <a:rPr lang="zh-CN" altLang="en-US" b="0" i="0" dirty="0" smtClean="0">
-                <a:solidFill>
-                  <a:srgbClr val="757575"/>
-                </a:solidFill>
-                <a:effectLst/>
-                <a:latin typeface="Roboto" charset="0"/>
-              </a:rPr>
-              <a:t>应该是</a:t>
-            </a:r>
-            <a:r>
-              <a:rPr lang="en-US" altLang="zh-CN" b="0" i="0" dirty="0" smtClean="0">
-                <a:solidFill>
-                  <a:srgbClr val="757575"/>
-                </a:solidFill>
-                <a:effectLst/>
-                <a:latin typeface="Roboto" charset="0"/>
-              </a:rPr>
-              <a:t>vendor</a:t>
-            </a:r>
-            <a:r>
-              <a:rPr lang="zh-CN" altLang="en-US" b="0" i="0" dirty="0" smtClean="0">
-                <a:solidFill>
-                  <a:srgbClr val="757575"/>
-                </a:solidFill>
-                <a:effectLst/>
-                <a:latin typeface="Roboto" charset="0"/>
-              </a:rPr>
-              <a:t>负责实装，一般是</a:t>
-            </a:r>
-            <a:r>
-              <a:rPr lang="en-US" altLang="zh-CN" b="0" i="0" dirty="0" smtClean="0">
-                <a:solidFill>
-                  <a:srgbClr val="757575"/>
-                </a:solidFill>
-                <a:effectLst/>
-                <a:latin typeface="Roboto" charset="0"/>
-              </a:rPr>
-              <a:t>.so</a:t>
-            </a:r>
-            <a:r>
-              <a:rPr lang="zh-CN" altLang="en-US" b="0" i="0" dirty="0" smtClean="0">
-                <a:solidFill>
-                  <a:srgbClr val="757575"/>
-                </a:solidFill>
-                <a:effectLst/>
-                <a:latin typeface="Roboto" charset="0"/>
-              </a:rPr>
-              <a:t>的形式</a:t>
-            </a:r>
-            <a:endParaRPr lang="en-US" altLang="zh-CN" b="0" i="0" dirty="0" smtClean="0">
-              <a:solidFill>
-                <a:srgbClr val="757575"/>
-              </a:solidFill>
-              <a:effectLst/>
-              <a:latin typeface="Roboto" charset="0"/>
-            </a:endParaRPr>
-          </a:p>
-          <a:p>
-            <a:r>
-              <a:rPr lang="en-US" dirty="0" smtClean="0"/>
-              <a:t>hardware/</a:t>
-            </a:r>
-            <a:r>
-              <a:rPr lang="en-US" dirty="0" err="1" smtClean="0"/>
-              <a:t>libhardware</a:t>
-            </a:r>
-            <a:r>
-              <a:rPr lang="en-US" dirty="0" smtClean="0"/>
-              <a:t>/include/hardware/</a:t>
-            </a:r>
-            <a:r>
-              <a:rPr lang="en-US" dirty="0" err="1" smtClean="0"/>
-              <a:t>hardware.h</a:t>
-            </a:r>
-            <a:r>
-              <a:rPr lang="zh-CN" altLang="en-US" dirty="0" smtClean="0"/>
-              <a:t> 中定义</a:t>
-            </a:r>
-            <a:r>
-              <a:rPr lang="en-US" altLang="zh-CN" dirty="0" smtClean="0"/>
-              <a:t>HAL</a:t>
-            </a:r>
-            <a:r>
-              <a:rPr lang="zh-CN" altLang="en-US" dirty="0" smtClean="0"/>
-              <a:t>的</a:t>
-            </a:r>
-            <a:r>
-              <a:rPr lang="en-US" altLang="zh-CN" dirty="0" smtClean="0"/>
-              <a:t>structure</a:t>
-            </a:r>
-          </a:p>
-          <a:p>
-            <a:r>
-              <a:rPr lang="zh-CN" altLang="en-US" b="0" i="0" dirty="0" smtClean="0">
-                <a:solidFill>
-                  <a:srgbClr val="757575"/>
-                </a:solidFill>
-                <a:effectLst/>
-                <a:latin typeface="Roboto" charset="0"/>
-              </a:rPr>
-              <a:t>为是么要</a:t>
-            </a:r>
-            <a:r>
-              <a:rPr lang="en-US" altLang="zh-CN" b="0" i="0" dirty="0" smtClean="0">
-                <a:solidFill>
-                  <a:srgbClr val="757575"/>
-                </a:solidFill>
-                <a:effectLst/>
-                <a:latin typeface="Roboto" charset="0"/>
-              </a:rPr>
-              <a:t>HAL</a:t>
-            </a:r>
-            <a:r>
-              <a:rPr lang="zh-CN" altLang="en-US" b="0" i="0" dirty="0" smtClean="0">
-                <a:solidFill>
-                  <a:srgbClr val="757575"/>
-                </a:solidFill>
-                <a:effectLst/>
-                <a:latin typeface="Roboto" charset="0"/>
-              </a:rPr>
-              <a:t>？</a:t>
-            </a:r>
-            <a:endParaRPr lang="en-US" altLang="zh-CN" b="0" i="0" dirty="0" smtClean="0">
-              <a:solidFill>
-                <a:srgbClr val="757575"/>
-              </a:solidFill>
-              <a:effectLst/>
-              <a:latin typeface="Roboto" charset="0"/>
-            </a:endParaRPr>
-          </a:p>
-          <a:p>
-            <a:pPr marL="285750" indent="-285750">
-              <a:buFont typeface="Arial" charset="0"/>
-              <a:buChar char="•"/>
-            </a:pPr>
-            <a:r>
-              <a:rPr lang="en-US" dirty="0"/>
-              <a:t>Android application/framework communicates with the underlying hardware through Java APIs not by system calls.</a:t>
-            </a:r>
-          </a:p>
-          <a:p>
-            <a:pPr marL="285750" indent="-285750">
-              <a:buFont typeface="Arial" charset="0"/>
-              <a:buChar char="•"/>
-            </a:pPr>
-            <a:r>
-              <a:rPr lang="en-US" dirty="0"/>
-              <a:t>But the Linux has the ability to handle only systems calls from application.</a:t>
-            </a:r>
-          </a:p>
-          <a:p>
-            <a:pPr marL="285750" indent="-285750">
-              <a:buFont typeface="Arial" charset="0"/>
-              <a:buChar char="•"/>
-            </a:pPr>
-            <a:r>
-              <a:rPr lang="en-US" dirty="0"/>
-              <a:t>Thus we need a glue layer between the android framework and </a:t>
-            </a:r>
-            <a:r>
-              <a:rPr lang="en-US" dirty="0" err="1"/>
-              <a:t>linux</a:t>
-            </a:r>
-            <a:r>
-              <a:rPr lang="en-US" dirty="0"/>
-              <a:t> </a:t>
-            </a:r>
-            <a:r>
-              <a:rPr lang="en-US" dirty="0" smtClean="0"/>
-              <a:t>system.</a:t>
-            </a:r>
-            <a:endParaRPr lang="en-US" dirty="0"/>
-          </a:p>
-          <a:p>
-            <a:r>
-              <a:rPr lang="zh-CN" altLang="en-US" dirty="0" smtClean="0"/>
-              <a:t>我的理解是，</a:t>
-            </a:r>
-            <a:r>
-              <a:rPr lang="en-US" altLang="zh-CN" dirty="0" smtClean="0"/>
-              <a:t>ODM</a:t>
-            </a:r>
-            <a:r>
-              <a:rPr lang="zh-CN" altLang="en-US" dirty="0" smtClean="0"/>
-              <a:t>自己决定要用什么硬件，</a:t>
-            </a:r>
-            <a:r>
-              <a:rPr lang="en-US" altLang="zh-CN" dirty="0" smtClean="0"/>
-              <a:t>Google</a:t>
-            </a:r>
-            <a:r>
-              <a:rPr lang="zh-CN" altLang="en-US" dirty="0" smtClean="0"/>
-              <a:t>提供</a:t>
-            </a:r>
-            <a:r>
-              <a:rPr lang="en-US" altLang="zh-CN" dirty="0" smtClean="0"/>
-              <a:t>Android</a:t>
-            </a:r>
-            <a:r>
-              <a:rPr lang="zh-CN" altLang="en-US" dirty="0" smtClean="0"/>
-              <a:t> </a:t>
-            </a:r>
-            <a:r>
-              <a:rPr lang="en-US" altLang="zh-CN" dirty="0" smtClean="0"/>
-              <a:t>platform</a:t>
-            </a:r>
-            <a:r>
-              <a:rPr lang="zh-CN" altLang="en-US" dirty="0"/>
-              <a:t> </a:t>
-            </a:r>
-            <a:r>
-              <a:rPr lang="zh-CN" altLang="en-US" dirty="0" smtClean="0"/>
-              <a:t>（</a:t>
-            </a:r>
-            <a:r>
-              <a:rPr lang="en-US" altLang="zh-CN" dirty="0" smtClean="0"/>
-              <a:t>Google</a:t>
-            </a:r>
-            <a:r>
-              <a:rPr lang="zh-CN" altLang="en-US" dirty="0" smtClean="0"/>
-              <a:t>并不知道硬件是什么）。为了使</a:t>
-            </a:r>
-            <a:r>
-              <a:rPr lang="en-US" altLang="zh-CN" dirty="0" smtClean="0"/>
-              <a:t>android</a:t>
-            </a:r>
-            <a:r>
-              <a:rPr lang="zh-CN" altLang="en-US" dirty="0" smtClean="0"/>
-              <a:t> </a:t>
-            </a:r>
-            <a:r>
-              <a:rPr lang="en-US" altLang="zh-CN" dirty="0" smtClean="0"/>
-              <a:t>platform</a:t>
-            </a:r>
-            <a:r>
-              <a:rPr lang="zh-CN" altLang="en-US" dirty="0" smtClean="0"/>
-              <a:t>能控制硬件，</a:t>
-            </a:r>
-            <a:r>
-              <a:rPr lang="en-US" altLang="zh-CN" dirty="0" smtClean="0"/>
-              <a:t>ODM</a:t>
-            </a:r>
-            <a:r>
-              <a:rPr lang="zh-CN" altLang="en-US" dirty="0" smtClean="0"/>
-              <a:t>需要自己写</a:t>
-            </a:r>
-            <a:r>
-              <a:rPr lang="en-US" altLang="zh-CN" smtClean="0"/>
-              <a:t>HAL</a:t>
-            </a:r>
-            <a:endParaRPr lang="en-US" altLang="zh-CN" dirty="0" smtClean="0"/>
-          </a:p>
-        </p:txBody>
-      </p:sp>
     </p:spTree>
     <p:extLst>
       <p:ext uri="{BB962C8B-B14F-4D97-AF65-F5344CB8AC3E}">
-        <p14:creationId xmlns:p14="http://schemas.microsoft.com/office/powerpoint/2010/main" val="1162486692"/>
-      </p:ext>
-    </p:extLst>
-  </p:cSld>
-  <p:clrMapOvr>
-    <a:masterClrMapping/>
-  </p:clrMapOvr>
-</p:sld>
-</file>
-
-<file path=ppt/slides/slide2.xml><?xml version="1.0" encoding="utf-8"?>
-<p:sld xmlns:a="http://schemas.openxmlformats.org/drawingml/2006/main" xmlns:r="http://schemas.openxmlformats.org/officeDocument/2006/relationships" xmlns:p="http://schemas.openxmlformats.org/presentationml/2006/main">
-  <p:cSld>
-    <p:spTree>
-      <p:nvGrpSpPr>
-        <p:cNvPr id="1" name=""/>
-        <p:cNvGrpSpPr/>
-        <p:nvPr/>
-      </p:nvGrpSpPr>
-      <p:grpSpPr>
-        <a:xfrm>
-          <a:off x="0" y="0"/>
-          <a:ext cx="0" cy="0"/>
-          <a:chOff x="0" y="0"/>
-          <a:chExt cx="0" cy="0"/>
-        </a:xfrm>
-      </p:grpSpPr>
-      <p:pic>
-        <p:nvPicPr>
-          <p:cNvPr id="2" name="Picture 1"/>
-          <p:cNvPicPr>
-            <a:picLocks noChangeAspect="1"/>
-          </p:cNvPicPr>
-          <p:nvPr/>
-        </p:nvPicPr>
-        <p:blipFill>
-          <a:blip r:embed="rId2"/>
-          <a:stretch>
-            <a:fillRect/>
-          </a:stretch>
-        </p:blipFill>
-        <p:spPr>
-          <a:xfrm>
-            <a:off x="-1" y="1134567"/>
-            <a:ext cx="10174991" cy="5723433"/>
-          </a:xfrm>
-          <a:prstGeom prst="rect">
-            <a:avLst/>
-          </a:prstGeom>
-        </p:spPr>
-      </p:pic>
-      <p:sp>
-        <p:nvSpPr>
-          <p:cNvPr id="3" name="TextBox 2"/>
-          <p:cNvSpPr txBox="1"/>
-          <p:nvPr/>
-        </p:nvSpPr>
-        <p:spPr>
-          <a:xfrm>
-            <a:off x="-1" y="0"/>
-            <a:ext cx="12192001" cy="1200329"/>
-          </a:xfrm>
-          <a:prstGeom prst="rect">
-            <a:avLst/>
-          </a:prstGeom>
-          <a:noFill/>
-        </p:spPr>
-        <p:txBody>
-          <a:bodyPr wrap="square" rtlCol="0">
-            <a:spAutoFit/>
-          </a:bodyPr>
-          <a:lstStyle/>
-          <a:p>
-            <a:r>
-              <a:rPr lang="en-US" dirty="0" smtClean="0"/>
-              <a:t>What is middleware?</a:t>
-            </a:r>
-          </a:p>
-          <a:p>
-            <a:pPr marL="285750" indent="-285750">
-              <a:buFont typeface="Arial" charset="0"/>
-              <a:buChar char="•"/>
-            </a:pPr>
-            <a:r>
-              <a:rPr lang="en-US" dirty="0"/>
-              <a:t>Anything between the kernel and user applications is considered middleware</a:t>
-            </a:r>
-            <a:r>
-              <a:rPr lang="en-US" dirty="0" smtClean="0"/>
-              <a:t>.</a:t>
-            </a:r>
-          </a:p>
-          <a:p>
-            <a:pPr marL="285750" indent="-285750">
-              <a:buFont typeface="Arial" charset="0"/>
-              <a:buChar char="•"/>
-            </a:pPr>
-            <a:r>
-              <a:rPr lang="en-US" dirty="0"/>
-              <a:t>Middleware is computer software that provides services to software applications beyond those available from the operating system. It can be described as "software glue".</a:t>
-            </a:r>
-          </a:p>
-        </p:txBody>
-      </p:sp>
-    </p:spTree>
-    <p:extLst>
-      <p:ext uri="{BB962C8B-B14F-4D97-AF65-F5344CB8AC3E}">
-        <p14:creationId xmlns:p14="http://schemas.microsoft.com/office/powerpoint/2010/main" val="217409143"/>
+        <p14:creationId xmlns:p14="http://schemas.microsoft.com/office/powerpoint/2010/main" val="1187295349"/>
       </p:ext>
     </p:extLst>
   </p:cSld>

--- a/temp.pptx
+++ b/temp.pptx
@@ -106,7 +106,7 @@
   </p:defaultTextStyle>
   <p:extLst>
     <p:ext uri="{EFAFB233-063F-42B5-8137-9DF3F51BA10A}">
-      <p15:sldGuideLst xmlns:p15="http://schemas.microsoft.com/office/powerpoint/2012/main">
+      <p15:sldGuideLst xmlns:p15="http://schemas.microsoft.com/office/powerpoint/2012/main" xmlns="">
         <p15:guide id="1" orient="horz" pos="2160">
           <p15:clr>
             <a:srgbClr val="A4A3A4"/>
@@ -149,7 +149,7 @@
           <p:cNvPr id="2" name="Title 1">
             <a:extLst>
               <a:ext uri="{FF2B5EF4-FFF2-40B4-BE49-F238E27FC236}">
-                <a16:creationId xmlns:a16="http://schemas.microsoft.com/office/drawing/2014/main" id="{B5F5F319-D979-4A3F-A4F8-4DDCDE891BFD}"/>
+                <a16:creationId xmlns:a16="http://schemas.microsoft.com/office/drawing/2014/main" xmlns="" id="{B5F5F319-D979-4A3F-A4F8-4DDCDE891BFD}"/>
               </a:ext>
             </a:extLst>
           </p:cNvPr>
@@ -186,7 +186,7 @@
           <p:cNvPr id="3" name="Subtitle 2">
             <a:extLst>
               <a:ext uri="{FF2B5EF4-FFF2-40B4-BE49-F238E27FC236}">
-                <a16:creationId xmlns:a16="http://schemas.microsoft.com/office/drawing/2014/main" id="{4474209B-F46B-471F-B216-60C5F4296C14}"/>
+                <a16:creationId xmlns:a16="http://schemas.microsoft.com/office/drawing/2014/main" xmlns="" id="{4474209B-F46B-471F-B216-60C5F4296C14}"/>
               </a:ext>
             </a:extLst>
           </p:cNvPr>
@@ -256,7 +256,7 @@
           <p:cNvPr id="4" name="Date Placeholder 3">
             <a:extLst>
               <a:ext uri="{FF2B5EF4-FFF2-40B4-BE49-F238E27FC236}">
-                <a16:creationId xmlns:a16="http://schemas.microsoft.com/office/drawing/2014/main" id="{1E6B3389-407A-410F-8F6D-D24D84CA4D6B}"/>
+                <a16:creationId xmlns:a16="http://schemas.microsoft.com/office/drawing/2014/main" xmlns="" id="{1E6B3389-407A-410F-8F6D-D24D84CA4D6B}"/>
               </a:ext>
             </a:extLst>
           </p:cNvPr>
@@ -274,7 +274,7 @@
           <a:p>
             <a:fld id="{E040DD28-DA01-4164-BF9D-AEC6AAD07A3E}" type="datetimeFigureOut">
               <a:rPr lang="en-US" smtClean="0"/>
-              <a:t>1/6/2018</a:t>
+              <a:t>1/23/2018</a:t>
             </a:fld>
             <a:endParaRPr lang="en-US"/>
           </a:p>
@@ -285,7 +285,7 @@
           <p:cNvPr id="5" name="Footer Placeholder 4">
             <a:extLst>
               <a:ext uri="{FF2B5EF4-FFF2-40B4-BE49-F238E27FC236}">
-                <a16:creationId xmlns:a16="http://schemas.microsoft.com/office/drawing/2014/main" id="{5D8C0812-771C-43AD-B38F-6BC2255600F9}"/>
+                <a16:creationId xmlns:a16="http://schemas.microsoft.com/office/drawing/2014/main" xmlns="" id="{5D8C0812-771C-43AD-B38F-6BC2255600F9}"/>
               </a:ext>
             </a:extLst>
           </p:cNvPr>
@@ -310,7 +310,7 @@
           <p:cNvPr id="6" name="Slide Number Placeholder 5">
             <a:extLst>
               <a:ext uri="{FF2B5EF4-FFF2-40B4-BE49-F238E27FC236}">
-                <a16:creationId xmlns:a16="http://schemas.microsoft.com/office/drawing/2014/main" id="{F39CB706-EA94-418D-9F2C-336E6EF264EC}"/>
+                <a16:creationId xmlns:a16="http://schemas.microsoft.com/office/drawing/2014/main" xmlns="" id="{F39CB706-EA94-418D-9F2C-336E6EF264EC}"/>
               </a:ext>
             </a:extLst>
           </p:cNvPr>
@@ -369,7 +369,7 @@
           <p:cNvPr id="2" name="Title 1">
             <a:extLst>
               <a:ext uri="{FF2B5EF4-FFF2-40B4-BE49-F238E27FC236}">
-                <a16:creationId xmlns:a16="http://schemas.microsoft.com/office/drawing/2014/main" id="{3A259477-0A53-4114-95B2-8A1D5D83E0A2}"/>
+                <a16:creationId xmlns:a16="http://schemas.microsoft.com/office/drawing/2014/main" xmlns="" id="{3A259477-0A53-4114-95B2-8A1D5D83E0A2}"/>
               </a:ext>
             </a:extLst>
           </p:cNvPr>
@@ -397,7 +397,7 @@
           <p:cNvPr id="3" name="Vertical Text Placeholder 2">
             <a:extLst>
               <a:ext uri="{FF2B5EF4-FFF2-40B4-BE49-F238E27FC236}">
-                <a16:creationId xmlns:a16="http://schemas.microsoft.com/office/drawing/2014/main" id="{533E45B0-73AC-4661-B286-CC8B49D0CBB1}"/>
+                <a16:creationId xmlns:a16="http://schemas.microsoft.com/office/drawing/2014/main" xmlns="" id="{533E45B0-73AC-4661-B286-CC8B49D0CBB1}"/>
               </a:ext>
             </a:extLst>
           </p:cNvPr>
@@ -454,7 +454,7 @@
           <p:cNvPr id="4" name="Date Placeholder 3">
             <a:extLst>
               <a:ext uri="{FF2B5EF4-FFF2-40B4-BE49-F238E27FC236}">
-                <a16:creationId xmlns:a16="http://schemas.microsoft.com/office/drawing/2014/main" id="{DDFFC868-093D-4D95-AA93-2203C226F89B}"/>
+                <a16:creationId xmlns:a16="http://schemas.microsoft.com/office/drawing/2014/main" xmlns="" id="{DDFFC868-093D-4D95-AA93-2203C226F89B}"/>
               </a:ext>
             </a:extLst>
           </p:cNvPr>
@@ -472,7 +472,7 @@
           <a:p>
             <a:fld id="{E040DD28-DA01-4164-BF9D-AEC6AAD07A3E}" type="datetimeFigureOut">
               <a:rPr lang="en-US" smtClean="0"/>
-              <a:t>1/6/2018</a:t>
+              <a:t>1/23/2018</a:t>
             </a:fld>
             <a:endParaRPr lang="en-US"/>
           </a:p>
@@ -483,7 +483,7 @@
           <p:cNvPr id="5" name="Footer Placeholder 4">
             <a:extLst>
               <a:ext uri="{FF2B5EF4-FFF2-40B4-BE49-F238E27FC236}">
-                <a16:creationId xmlns:a16="http://schemas.microsoft.com/office/drawing/2014/main" id="{CA068C37-6A3A-44A8-A7BE-58942241414E}"/>
+                <a16:creationId xmlns:a16="http://schemas.microsoft.com/office/drawing/2014/main" xmlns="" id="{CA068C37-6A3A-44A8-A7BE-58942241414E}"/>
               </a:ext>
             </a:extLst>
           </p:cNvPr>
@@ -508,7 +508,7 @@
           <p:cNvPr id="6" name="Slide Number Placeholder 5">
             <a:extLst>
               <a:ext uri="{FF2B5EF4-FFF2-40B4-BE49-F238E27FC236}">
-                <a16:creationId xmlns:a16="http://schemas.microsoft.com/office/drawing/2014/main" id="{E78B41CD-FF00-4C28-A410-5C2081075C8F}"/>
+                <a16:creationId xmlns:a16="http://schemas.microsoft.com/office/drawing/2014/main" xmlns="" id="{E78B41CD-FF00-4C28-A410-5C2081075C8F}"/>
               </a:ext>
             </a:extLst>
           </p:cNvPr>
@@ -567,7 +567,7 @@
           <p:cNvPr id="2" name="Vertical Title 1">
             <a:extLst>
               <a:ext uri="{FF2B5EF4-FFF2-40B4-BE49-F238E27FC236}">
-                <a16:creationId xmlns:a16="http://schemas.microsoft.com/office/drawing/2014/main" id="{09D8892F-E415-4A5B-8DE4-93BDA5F0BB5E}"/>
+                <a16:creationId xmlns:a16="http://schemas.microsoft.com/office/drawing/2014/main" xmlns="" id="{09D8892F-E415-4A5B-8DE4-93BDA5F0BB5E}"/>
               </a:ext>
             </a:extLst>
           </p:cNvPr>
@@ -600,7 +600,7 @@
           <p:cNvPr id="3" name="Vertical Text Placeholder 2">
             <a:extLst>
               <a:ext uri="{FF2B5EF4-FFF2-40B4-BE49-F238E27FC236}">
-                <a16:creationId xmlns:a16="http://schemas.microsoft.com/office/drawing/2014/main" id="{D914CE1D-36B4-41F6-8CAC-A824748DF349}"/>
+                <a16:creationId xmlns:a16="http://schemas.microsoft.com/office/drawing/2014/main" xmlns="" id="{D914CE1D-36B4-41F6-8CAC-A824748DF349}"/>
               </a:ext>
             </a:extLst>
           </p:cNvPr>
@@ -662,7 +662,7 @@
           <p:cNvPr id="4" name="Date Placeholder 3">
             <a:extLst>
               <a:ext uri="{FF2B5EF4-FFF2-40B4-BE49-F238E27FC236}">
-                <a16:creationId xmlns:a16="http://schemas.microsoft.com/office/drawing/2014/main" id="{09EBC416-5C2B-4705-88C6-697C7026E134}"/>
+                <a16:creationId xmlns:a16="http://schemas.microsoft.com/office/drawing/2014/main" xmlns="" id="{09EBC416-5C2B-4705-88C6-697C7026E134}"/>
               </a:ext>
             </a:extLst>
           </p:cNvPr>
@@ -680,7 +680,7 @@
           <a:p>
             <a:fld id="{E040DD28-DA01-4164-BF9D-AEC6AAD07A3E}" type="datetimeFigureOut">
               <a:rPr lang="en-US" smtClean="0"/>
-              <a:t>1/6/2018</a:t>
+              <a:t>1/23/2018</a:t>
             </a:fld>
             <a:endParaRPr lang="en-US"/>
           </a:p>
@@ -691,7 +691,7 @@
           <p:cNvPr id="5" name="Footer Placeholder 4">
             <a:extLst>
               <a:ext uri="{FF2B5EF4-FFF2-40B4-BE49-F238E27FC236}">
-                <a16:creationId xmlns:a16="http://schemas.microsoft.com/office/drawing/2014/main" id="{6A181D81-2CCF-4506-BAC8-332F27972DE7}"/>
+                <a16:creationId xmlns:a16="http://schemas.microsoft.com/office/drawing/2014/main" xmlns="" id="{6A181D81-2CCF-4506-BAC8-332F27972DE7}"/>
               </a:ext>
             </a:extLst>
           </p:cNvPr>
@@ -716,7 +716,7 @@
           <p:cNvPr id="6" name="Slide Number Placeholder 5">
             <a:extLst>
               <a:ext uri="{FF2B5EF4-FFF2-40B4-BE49-F238E27FC236}">
-                <a16:creationId xmlns:a16="http://schemas.microsoft.com/office/drawing/2014/main" id="{CF493655-0420-4B38-BA94-CAA81BE6B4A5}"/>
+                <a16:creationId xmlns:a16="http://schemas.microsoft.com/office/drawing/2014/main" xmlns="" id="{CF493655-0420-4B38-BA94-CAA81BE6B4A5}"/>
               </a:ext>
             </a:extLst>
           </p:cNvPr>
@@ -775,7 +775,7 @@
           <p:cNvPr id="2" name="Title 1">
             <a:extLst>
               <a:ext uri="{FF2B5EF4-FFF2-40B4-BE49-F238E27FC236}">
-                <a16:creationId xmlns:a16="http://schemas.microsoft.com/office/drawing/2014/main" id="{93BACEFF-B6D7-4BFD-B93D-95821BFD2D8F}"/>
+                <a16:creationId xmlns:a16="http://schemas.microsoft.com/office/drawing/2014/main" xmlns="" id="{93BACEFF-B6D7-4BFD-B93D-95821BFD2D8F}"/>
               </a:ext>
             </a:extLst>
           </p:cNvPr>
@@ -803,7 +803,7 @@
           <p:cNvPr id="3" name="Content Placeholder 2">
             <a:extLst>
               <a:ext uri="{FF2B5EF4-FFF2-40B4-BE49-F238E27FC236}">
-                <a16:creationId xmlns:a16="http://schemas.microsoft.com/office/drawing/2014/main" id="{59385ED6-5E0D-4E26-B486-3CC0C4291B3B}"/>
+                <a16:creationId xmlns:a16="http://schemas.microsoft.com/office/drawing/2014/main" xmlns="" id="{59385ED6-5E0D-4E26-B486-3CC0C4291B3B}"/>
               </a:ext>
             </a:extLst>
           </p:cNvPr>
@@ -860,7 +860,7 @@
           <p:cNvPr id="4" name="Date Placeholder 3">
             <a:extLst>
               <a:ext uri="{FF2B5EF4-FFF2-40B4-BE49-F238E27FC236}">
-                <a16:creationId xmlns:a16="http://schemas.microsoft.com/office/drawing/2014/main" id="{4FC036BA-799C-484E-9202-7D281BB13E19}"/>
+                <a16:creationId xmlns:a16="http://schemas.microsoft.com/office/drawing/2014/main" xmlns="" id="{4FC036BA-799C-484E-9202-7D281BB13E19}"/>
               </a:ext>
             </a:extLst>
           </p:cNvPr>
@@ -878,7 +878,7 @@
           <a:p>
             <a:fld id="{E040DD28-DA01-4164-BF9D-AEC6AAD07A3E}" type="datetimeFigureOut">
               <a:rPr lang="en-US" smtClean="0"/>
-              <a:t>1/6/2018</a:t>
+              <a:t>1/23/2018</a:t>
             </a:fld>
             <a:endParaRPr lang="en-US"/>
           </a:p>
@@ -889,7 +889,7 @@
           <p:cNvPr id="5" name="Footer Placeholder 4">
             <a:extLst>
               <a:ext uri="{FF2B5EF4-FFF2-40B4-BE49-F238E27FC236}">
-                <a16:creationId xmlns:a16="http://schemas.microsoft.com/office/drawing/2014/main" id="{84C705AF-ED38-4DC0-9CAD-82802278E609}"/>
+                <a16:creationId xmlns:a16="http://schemas.microsoft.com/office/drawing/2014/main" xmlns="" id="{84C705AF-ED38-4DC0-9CAD-82802278E609}"/>
               </a:ext>
             </a:extLst>
           </p:cNvPr>
@@ -914,7 +914,7 @@
           <p:cNvPr id="6" name="Slide Number Placeholder 5">
             <a:extLst>
               <a:ext uri="{FF2B5EF4-FFF2-40B4-BE49-F238E27FC236}">
-                <a16:creationId xmlns:a16="http://schemas.microsoft.com/office/drawing/2014/main" id="{FCAB4C5E-BC29-4DA3-8FDD-E88F20A62425}"/>
+                <a16:creationId xmlns:a16="http://schemas.microsoft.com/office/drawing/2014/main" xmlns="" id="{FCAB4C5E-BC29-4DA3-8FDD-E88F20A62425}"/>
               </a:ext>
             </a:extLst>
           </p:cNvPr>
@@ -973,7 +973,7 @@
           <p:cNvPr id="2" name="Title 1">
             <a:extLst>
               <a:ext uri="{FF2B5EF4-FFF2-40B4-BE49-F238E27FC236}">
-                <a16:creationId xmlns:a16="http://schemas.microsoft.com/office/drawing/2014/main" id="{56F4E2A8-3DB4-4F28-996A-ADBBE22EB9E6}"/>
+                <a16:creationId xmlns:a16="http://schemas.microsoft.com/office/drawing/2014/main" xmlns="" id="{56F4E2A8-3DB4-4F28-996A-ADBBE22EB9E6}"/>
               </a:ext>
             </a:extLst>
           </p:cNvPr>
@@ -1010,7 +1010,7 @@
           <p:cNvPr id="3" name="Text Placeholder 2">
             <a:extLst>
               <a:ext uri="{FF2B5EF4-FFF2-40B4-BE49-F238E27FC236}">
-                <a16:creationId xmlns:a16="http://schemas.microsoft.com/office/drawing/2014/main" id="{C89AE634-E835-4FB2-9543-9AE7D101C6F8}"/>
+                <a16:creationId xmlns:a16="http://schemas.microsoft.com/office/drawing/2014/main" xmlns="" id="{C89AE634-E835-4FB2-9543-9AE7D101C6F8}"/>
               </a:ext>
             </a:extLst>
           </p:cNvPr>
@@ -1135,7 +1135,7 @@
           <p:cNvPr id="4" name="Date Placeholder 3">
             <a:extLst>
               <a:ext uri="{FF2B5EF4-FFF2-40B4-BE49-F238E27FC236}">
-                <a16:creationId xmlns:a16="http://schemas.microsoft.com/office/drawing/2014/main" id="{A80E8D62-561D-425F-95E0-D8B490FEAFB0}"/>
+                <a16:creationId xmlns:a16="http://schemas.microsoft.com/office/drawing/2014/main" xmlns="" id="{A80E8D62-561D-425F-95E0-D8B490FEAFB0}"/>
               </a:ext>
             </a:extLst>
           </p:cNvPr>
@@ -1153,7 +1153,7 @@
           <a:p>
             <a:fld id="{E040DD28-DA01-4164-BF9D-AEC6AAD07A3E}" type="datetimeFigureOut">
               <a:rPr lang="en-US" smtClean="0"/>
-              <a:t>1/6/2018</a:t>
+              <a:t>1/23/2018</a:t>
             </a:fld>
             <a:endParaRPr lang="en-US"/>
           </a:p>
@@ -1164,7 +1164,7 @@
           <p:cNvPr id="5" name="Footer Placeholder 4">
             <a:extLst>
               <a:ext uri="{FF2B5EF4-FFF2-40B4-BE49-F238E27FC236}">
-                <a16:creationId xmlns:a16="http://schemas.microsoft.com/office/drawing/2014/main" id="{092BFE70-3129-4F21-A151-027B995D8283}"/>
+                <a16:creationId xmlns:a16="http://schemas.microsoft.com/office/drawing/2014/main" xmlns="" id="{092BFE70-3129-4F21-A151-027B995D8283}"/>
               </a:ext>
             </a:extLst>
           </p:cNvPr>
@@ -1189,7 +1189,7 @@
           <p:cNvPr id="6" name="Slide Number Placeholder 5">
             <a:extLst>
               <a:ext uri="{FF2B5EF4-FFF2-40B4-BE49-F238E27FC236}">
-                <a16:creationId xmlns:a16="http://schemas.microsoft.com/office/drawing/2014/main" id="{8021D42E-9379-4CA1-8E67-A8CFC2137736}"/>
+                <a16:creationId xmlns:a16="http://schemas.microsoft.com/office/drawing/2014/main" xmlns="" id="{8021D42E-9379-4CA1-8E67-A8CFC2137736}"/>
               </a:ext>
             </a:extLst>
           </p:cNvPr>
@@ -1248,7 +1248,7 @@
           <p:cNvPr id="2" name="Title 1">
             <a:extLst>
               <a:ext uri="{FF2B5EF4-FFF2-40B4-BE49-F238E27FC236}">
-                <a16:creationId xmlns:a16="http://schemas.microsoft.com/office/drawing/2014/main" id="{6E79E456-1075-4906-82F7-0E6109B9E35D}"/>
+                <a16:creationId xmlns:a16="http://schemas.microsoft.com/office/drawing/2014/main" xmlns="" id="{6E79E456-1075-4906-82F7-0E6109B9E35D}"/>
               </a:ext>
             </a:extLst>
           </p:cNvPr>
@@ -1276,7 +1276,7 @@
           <p:cNvPr id="3" name="Content Placeholder 2">
             <a:extLst>
               <a:ext uri="{FF2B5EF4-FFF2-40B4-BE49-F238E27FC236}">
-                <a16:creationId xmlns:a16="http://schemas.microsoft.com/office/drawing/2014/main" id="{5B119237-D568-4846-9810-EE66DFA84982}"/>
+                <a16:creationId xmlns:a16="http://schemas.microsoft.com/office/drawing/2014/main" xmlns="" id="{5B119237-D568-4846-9810-EE66DFA84982}"/>
               </a:ext>
             </a:extLst>
           </p:cNvPr>
@@ -1338,7 +1338,7 @@
           <p:cNvPr id="4" name="Content Placeholder 3">
             <a:extLst>
               <a:ext uri="{FF2B5EF4-FFF2-40B4-BE49-F238E27FC236}">
-                <a16:creationId xmlns:a16="http://schemas.microsoft.com/office/drawing/2014/main" id="{B4C29F7A-057C-4495-9330-75B170FD1A8C}"/>
+                <a16:creationId xmlns:a16="http://schemas.microsoft.com/office/drawing/2014/main" xmlns="" id="{B4C29F7A-057C-4495-9330-75B170FD1A8C}"/>
               </a:ext>
             </a:extLst>
           </p:cNvPr>
@@ -1400,7 +1400,7 @@
           <p:cNvPr id="5" name="Date Placeholder 4">
             <a:extLst>
               <a:ext uri="{FF2B5EF4-FFF2-40B4-BE49-F238E27FC236}">
-                <a16:creationId xmlns:a16="http://schemas.microsoft.com/office/drawing/2014/main" id="{6B9731BB-E5EB-4386-A8C4-02BCBE618022}"/>
+                <a16:creationId xmlns:a16="http://schemas.microsoft.com/office/drawing/2014/main" xmlns="" id="{6B9731BB-E5EB-4386-A8C4-02BCBE618022}"/>
               </a:ext>
             </a:extLst>
           </p:cNvPr>
@@ -1418,7 +1418,7 @@
           <a:p>
             <a:fld id="{E040DD28-DA01-4164-BF9D-AEC6AAD07A3E}" type="datetimeFigureOut">
               <a:rPr lang="en-US" smtClean="0"/>
-              <a:t>1/6/2018</a:t>
+              <a:t>1/23/2018</a:t>
             </a:fld>
             <a:endParaRPr lang="en-US"/>
           </a:p>
@@ -1429,7 +1429,7 @@
           <p:cNvPr id="6" name="Footer Placeholder 5">
             <a:extLst>
               <a:ext uri="{FF2B5EF4-FFF2-40B4-BE49-F238E27FC236}">
-                <a16:creationId xmlns:a16="http://schemas.microsoft.com/office/drawing/2014/main" id="{D61D5281-CDA5-43EF-BE1C-79A1529A08DB}"/>
+                <a16:creationId xmlns:a16="http://schemas.microsoft.com/office/drawing/2014/main" xmlns="" id="{D61D5281-CDA5-43EF-BE1C-79A1529A08DB}"/>
               </a:ext>
             </a:extLst>
           </p:cNvPr>
@@ -1454,7 +1454,7 @@
           <p:cNvPr id="7" name="Slide Number Placeholder 6">
             <a:extLst>
               <a:ext uri="{FF2B5EF4-FFF2-40B4-BE49-F238E27FC236}">
-                <a16:creationId xmlns:a16="http://schemas.microsoft.com/office/drawing/2014/main" id="{39B30A33-21E5-4395-AB23-BAC1B5A92289}"/>
+                <a16:creationId xmlns:a16="http://schemas.microsoft.com/office/drawing/2014/main" xmlns="" id="{39B30A33-21E5-4395-AB23-BAC1B5A92289}"/>
               </a:ext>
             </a:extLst>
           </p:cNvPr>
@@ -1513,7 +1513,7 @@
           <p:cNvPr id="2" name="Title 1">
             <a:extLst>
               <a:ext uri="{FF2B5EF4-FFF2-40B4-BE49-F238E27FC236}">
-                <a16:creationId xmlns:a16="http://schemas.microsoft.com/office/drawing/2014/main" id="{37B4C097-07A2-4984-A86D-7F052CFF4886}"/>
+                <a16:creationId xmlns:a16="http://schemas.microsoft.com/office/drawing/2014/main" xmlns="" id="{37B4C097-07A2-4984-A86D-7F052CFF4886}"/>
               </a:ext>
             </a:extLst>
           </p:cNvPr>
@@ -1546,7 +1546,7 @@
           <p:cNvPr id="3" name="Text Placeholder 2">
             <a:extLst>
               <a:ext uri="{FF2B5EF4-FFF2-40B4-BE49-F238E27FC236}">
-                <a16:creationId xmlns:a16="http://schemas.microsoft.com/office/drawing/2014/main" id="{586C90C0-904E-436B-996B-03DD09FE05C4}"/>
+                <a16:creationId xmlns:a16="http://schemas.microsoft.com/office/drawing/2014/main" xmlns="" id="{586C90C0-904E-436B-996B-03DD09FE05C4}"/>
               </a:ext>
             </a:extLst>
           </p:cNvPr>
@@ -1617,7 +1617,7 @@
           <p:cNvPr id="4" name="Content Placeholder 3">
             <a:extLst>
               <a:ext uri="{FF2B5EF4-FFF2-40B4-BE49-F238E27FC236}">
-                <a16:creationId xmlns:a16="http://schemas.microsoft.com/office/drawing/2014/main" id="{E03CBD82-3AD3-4E06-90BB-01B87FA81FC7}"/>
+                <a16:creationId xmlns:a16="http://schemas.microsoft.com/office/drawing/2014/main" xmlns="" id="{E03CBD82-3AD3-4E06-90BB-01B87FA81FC7}"/>
               </a:ext>
             </a:extLst>
           </p:cNvPr>
@@ -1679,7 +1679,7 @@
           <p:cNvPr id="5" name="Text Placeholder 4">
             <a:extLst>
               <a:ext uri="{FF2B5EF4-FFF2-40B4-BE49-F238E27FC236}">
-                <a16:creationId xmlns:a16="http://schemas.microsoft.com/office/drawing/2014/main" id="{04ACE262-BFED-4131-A5BA-E0278B00A663}"/>
+                <a16:creationId xmlns:a16="http://schemas.microsoft.com/office/drawing/2014/main" xmlns="" id="{04ACE262-BFED-4131-A5BA-E0278B00A663}"/>
               </a:ext>
             </a:extLst>
           </p:cNvPr>
@@ -1750,7 +1750,7 @@
           <p:cNvPr id="6" name="Content Placeholder 5">
             <a:extLst>
               <a:ext uri="{FF2B5EF4-FFF2-40B4-BE49-F238E27FC236}">
-                <a16:creationId xmlns:a16="http://schemas.microsoft.com/office/drawing/2014/main" id="{1BC543A8-1DAB-4F64-93C3-0EB766AE86F9}"/>
+                <a16:creationId xmlns:a16="http://schemas.microsoft.com/office/drawing/2014/main" xmlns="" id="{1BC543A8-1DAB-4F64-93C3-0EB766AE86F9}"/>
               </a:ext>
             </a:extLst>
           </p:cNvPr>
@@ -1812,7 +1812,7 @@
           <p:cNvPr id="7" name="Date Placeholder 6">
             <a:extLst>
               <a:ext uri="{FF2B5EF4-FFF2-40B4-BE49-F238E27FC236}">
-                <a16:creationId xmlns:a16="http://schemas.microsoft.com/office/drawing/2014/main" id="{DBF0794B-2DF7-43D8-8A0C-752A3C841A95}"/>
+                <a16:creationId xmlns:a16="http://schemas.microsoft.com/office/drawing/2014/main" xmlns="" id="{DBF0794B-2DF7-43D8-8A0C-752A3C841A95}"/>
               </a:ext>
             </a:extLst>
           </p:cNvPr>
@@ -1830,7 +1830,7 @@
           <a:p>
             <a:fld id="{E040DD28-DA01-4164-BF9D-AEC6AAD07A3E}" type="datetimeFigureOut">
               <a:rPr lang="en-US" smtClean="0"/>
-              <a:t>1/6/2018</a:t>
+              <a:t>1/23/2018</a:t>
             </a:fld>
             <a:endParaRPr lang="en-US"/>
           </a:p>
@@ -1841,7 +1841,7 @@
           <p:cNvPr id="8" name="Footer Placeholder 7">
             <a:extLst>
               <a:ext uri="{FF2B5EF4-FFF2-40B4-BE49-F238E27FC236}">
-                <a16:creationId xmlns:a16="http://schemas.microsoft.com/office/drawing/2014/main" id="{15BFDF4B-45AB-4776-B148-1F4FA0BCD9A6}"/>
+                <a16:creationId xmlns:a16="http://schemas.microsoft.com/office/drawing/2014/main" xmlns="" id="{15BFDF4B-45AB-4776-B148-1F4FA0BCD9A6}"/>
               </a:ext>
             </a:extLst>
           </p:cNvPr>
@@ -1866,7 +1866,7 @@
           <p:cNvPr id="9" name="Slide Number Placeholder 8">
             <a:extLst>
               <a:ext uri="{FF2B5EF4-FFF2-40B4-BE49-F238E27FC236}">
-                <a16:creationId xmlns:a16="http://schemas.microsoft.com/office/drawing/2014/main" id="{74ACFCD8-1AA0-4174-A68D-6293F9717D99}"/>
+                <a16:creationId xmlns:a16="http://schemas.microsoft.com/office/drawing/2014/main" xmlns="" id="{74ACFCD8-1AA0-4174-A68D-6293F9717D99}"/>
               </a:ext>
             </a:extLst>
           </p:cNvPr>
@@ -1925,7 +1925,7 @@
           <p:cNvPr id="2" name="Title 1">
             <a:extLst>
               <a:ext uri="{FF2B5EF4-FFF2-40B4-BE49-F238E27FC236}">
-                <a16:creationId xmlns:a16="http://schemas.microsoft.com/office/drawing/2014/main" id="{A9F3CBAC-2073-439B-B8DE-FB80422902CE}"/>
+                <a16:creationId xmlns:a16="http://schemas.microsoft.com/office/drawing/2014/main" xmlns="" id="{A9F3CBAC-2073-439B-B8DE-FB80422902CE}"/>
               </a:ext>
             </a:extLst>
           </p:cNvPr>
@@ -1953,7 +1953,7 @@
           <p:cNvPr id="3" name="Date Placeholder 2">
             <a:extLst>
               <a:ext uri="{FF2B5EF4-FFF2-40B4-BE49-F238E27FC236}">
-                <a16:creationId xmlns:a16="http://schemas.microsoft.com/office/drawing/2014/main" id="{06A84D4C-CD47-42D3-8505-872676C28963}"/>
+                <a16:creationId xmlns:a16="http://schemas.microsoft.com/office/drawing/2014/main" xmlns="" id="{06A84D4C-CD47-42D3-8505-872676C28963}"/>
               </a:ext>
             </a:extLst>
           </p:cNvPr>
@@ -1971,7 +1971,7 @@
           <a:p>
             <a:fld id="{E040DD28-DA01-4164-BF9D-AEC6AAD07A3E}" type="datetimeFigureOut">
               <a:rPr lang="en-US" smtClean="0"/>
-              <a:t>1/6/2018</a:t>
+              <a:t>1/23/2018</a:t>
             </a:fld>
             <a:endParaRPr lang="en-US"/>
           </a:p>
@@ -1982,7 +1982,7 @@
           <p:cNvPr id="4" name="Footer Placeholder 3">
             <a:extLst>
               <a:ext uri="{FF2B5EF4-FFF2-40B4-BE49-F238E27FC236}">
-                <a16:creationId xmlns:a16="http://schemas.microsoft.com/office/drawing/2014/main" id="{B784711A-B8EA-4963-A653-27EE2997119F}"/>
+                <a16:creationId xmlns:a16="http://schemas.microsoft.com/office/drawing/2014/main" xmlns="" id="{B784711A-B8EA-4963-A653-27EE2997119F}"/>
               </a:ext>
             </a:extLst>
           </p:cNvPr>
@@ -2007,7 +2007,7 @@
           <p:cNvPr id="5" name="Slide Number Placeholder 4">
             <a:extLst>
               <a:ext uri="{FF2B5EF4-FFF2-40B4-BE49-F238E27FC236}">
-                <a16:creationId xmlns:a16="http://schemas.microsoft.com/office/drawing/2014/main" id="{9BD0276A-CA50-4B27-9DF4-12C17991F3AD}"/>
+                <a16:creationId xmlns:a16="http://schemas.microsoft.com/office/drawing/2014/main" xmlns="" id="{9BD0276A-CA50-4B27-9DF4-12C17991F3AD}"/>
               </a:ext>
             </a:extLst>
           </p:cNvPr>
@@ -2066,7 +2066,7 @@
           <p:cNvPr id="2" name="Date Placeholder 1">
             <a:extLst>
               <a:ext uri="{FF2B5EF4-FFF2-40B4-BE49-F238E27FC236}">
-                <a16:creationId xmlns:a16="http://schemas.microsoft.com/office/drawing/2014/main" id="{CBE24604-C75B-4F9D-8382-AC380D5DD668}"/>
+                <a16:creationId xmlns:a16="http://schemas.microsoft.com/office/drawing/2014/main" xmlns="" id="{CBE24604-C75B-4F9D-8382-AC380D5DD668}"/>
               </a:ext>
             </a:extLst>
           </p:cNvPr>
@@ -2084,7 +2084,7 @@
           <a:p>
             <a:fld id="{E040DD28-DA01-4164-BF9D-AEC6AAD07A3E}" type="datetimeFigureOut">
               <a:rPr lang="en-US" smtClean="0"/>
-              <a:t>1/6/2018</a:t>
+              <a:t>1/23/2018</a:t>
             </a:fld>
             <a:endParaRPr lang="en-US"/>
           </a:p>
@@ -2095,7 +2095,7 @@
           <p:cNvPr id="3" name="Footer Placeholder 2">
             <a:extLst>
               <a:ext uri="{FF2B5EF4-FFF2-40B4-BE49-F238E27FC236}">
-                <a16:creationId xmlns:a16="http://schemas.microsoft.com/office/drawing/2014/main" id="{2641AA10-AE31-466F-96AF-31A1A0955AD1}"/>
+                <a16:creationId xmlns:a16="http://schemas.microsoft.com/office/drawing/2014/main" xmlns="" id="{2641AA10-AE31-466F-96AF-31A1A0955AD1}"/>
               </a:ext>
             </a:extLst>
           </p:cNvPr>
@@ -2120,7 +2120,7 @@
           <p:cNvPr id="4" name="Slide Number Placeholder 3">
             <a:extLst>
               <a:ext uri="{FF2B5EF4-FFF2-40B4-BE49-F238E27FC236}">
-                <a16:creationId xmlns:a16="http://schemas.microsoft.com/office/drawing/2014/main" id="{756609DE-ABCC-4735-9687-532D469DC4E2}"/>
+                <a16:creationId xmlns:a16="http://schemas.microsoft.com/office/drawing/2014/main" xmlns="" id="{756609DE-ABCC-4735-9687-532D469DC4E2}"/>
               </a:ext>
             </a:extLst>
           </p:cNvPr>
@@ -2179,7 +2179,7 @@
           <p:cNvPr id="2" name="Title 1">
             <a:extLst>
               <a:ext uri="{FF2B5EF4-FFF2-40B4-BE49-F238E27FC236}">
-                <a16:creationId xmlns:a16="http://schemas.microsoft.com/office/drawing/2014/main" id="{70B034F0-2116-43B6-A3DF-533AE5CE39CE}"/>
+                <a16:creationId xmlns:a16="http://schemas.microsoft.com/office/drawing/2014/main" xmlns="" id="{70B034F0-2116-43B6-A3DF-533AE5CE39CE}"/>
               </a:ext>
             </a:extLst>
           </p:cNvPr>
@@ -2216,7 +2216,7 @@
           <p:cNvPr id="3" name="Content Placeholder 2">
             <a:extLst>
               <a:ext uri="{FF2B5EF4-FFF2-40B4-BE49-F238E27FC236}">
-                <a16:creationId xmlns:a16="http://schemas.microsoft.com/office/drawing/2014/main" id="{5B8FA73E-8222-4BD6-84B5-93652E6DEF4C}"/>
+                <a16:creationId xmlns:a16="http://schemas.microsoft.com/office/drawing/2014/main" xmlns="" id="{5B8FA73E-8222-4BD6-84B5-93652E6DEF4C}"/>
               </a:ext>
             </a:extLst>
           </p:cNvPr>
@@ -2306,7 +2306,7 @@
           <p:cNvPr id="4" name="Text Placeholder 3">
             <a:extLst>
               <a:ext uri="{FF2B5EF4-FFF2-40B4-BE49-F238E27FC236}">
-                <a16:creationId xmlns:a16="http://schemas.microsoft.com/office/drawing/2014/main" id="{070680AD-0DF4-407C-815A-B6FC0B7A7F1E}"/>
+                <a16:creationId xmlns:a16="http://schemas.microsoft.com/office/drawing/2014/main" xmlns="" id="{070680AD-0DF4-407C-815A-B6FC0B7A7F1E}"/>
               </a:ext>
             </a:extLst>
           </p:cNvPr>
@@ -2377,7 +2377,7 @@
           <p:cNvPr id="5" name="Date Placeholder 4">
             <a:extLst>
               <a:ext uri="{FF2B5EF4-FFF2-40B4-BE49-F238E27FC236}">
-                <a16:creationId xmlns:a16="http://schemas.microsoft.com/office/drawing/2014/main" id="{D828C134-AC88-45CD-8C31-4BAB0E6B3390}"/>
+                <a16:creationId xmlns:a16="http://schemas.microsoft.com/office/drawing/2014/main" xmlns="" id="{D828C134-AC88-45CD-8C31-4BAB0E6B3390}"/>
               </a:ext>
             </a:extLst>
           </p:cNvPr>
@@ -2395,7 +2395,7 @@
           <a:p>
             <a:fld id="{E040DD28-DA01-4164-BF9D-AEC6AAD07A3E}" type="datetimeFigureOut">
               <a:rPr lang="en-US" smtClean="0"/>
-              <a:t>1/6/2018</a:t>
+              <a:t>1/23/2018</a:t>
             </a:fld>
             <a:endParaRPr lang="en-US"/>
           </a:p>
@@ -2406,7 +2406,7 @@
           <p:cNvPr id="6" name="Footer Placeholder 5">
             <a:extLst>
               <a:ext uri="{FF2B5EF4-FFF2-40B4-BE49-F238E27FC236}">
-                <a16:creationId xmlns:a16="http://schemas.microsoft.com/office/drawing/2014/main" id="{A6BCAE05-6F4C-44B9-A59A-E9435FAE141A}"/>
+                <a16:creationId xmlns:a16="http://schemas.microsoft.com/office/drawing/2014/main" xmlns="" id="{A6BCAE05-6F4C-44B9-A59A-E9435FAE141A}"/>
               </a:ext>
             </a:extLst>
           </p:cNvPr>
@@ -2431,7 +2431,7 @@
           <p:cNvPr id="7" name="Slide Number Placeholder 6">
             <a:extLst>
               <a:ext uri="{FF2B5EF4-FFF2-40B4-BE49-F238E27FC236}">
-                <a16:creationId xmlns:a16="http://schemas.microsoft.com/office/drawing/2014/main" id="{F3033C98-CC7D-4B89-8DEA-9E1C9B62C714}"/>
+                <a16:creationId xmlns:a16="http://schemas.microsoft.com/office/drawing/2014/main" xmlns="" id="{F3033C98-CC7D-4B89-8DEA-9E1C9B62C714}"/>
               </a:ext>
             </a:extLst>
           </p:cNvPr>
@@ -2490,7 +2490,7 @@
           <p:cNvPr id="2" name="Title 1">
             <a:extLst>
               <a:ext uri="{FF2B5EF4-FFF2-40B4-BE49-F238E27FC236}">
-                <a16:creationId xmlns:a16="http://schemas.microsoft.com/office/drawing/2014/main" id="{C5C61AB1-B345-446E-A14A-919A9FE596A9}"/>
+                <a16:creationId xmlns:a16="http://schemas.microsoft.com/office/drawing/2014/main" xmlns="" id="{C5C61AB1-B345-446E-A14A-919A9FE596A9}"/>
               </a:ext>
             </a:extLst>
           </p:cNvPr>
@@ -2527,7 +2527,7 @@
           <p:cNvPr id="3" name="Picture Placeholder 2">
             <a:extLst>
               <a:ext uri="{FF2B5EF4-FFF2-40B4-BE49-F238E27FC236}">
-                <a16:creationId xmlns:a16="http://schemas.microsoft.com/office/drawing/2014/main" id="{C8FC6971-C8D3-41FA-9E59-9267B41B86D7}"/>
+                <a16:creationId xmlns:a16="http://schemas.microsoft.com/office/drawing/2014/main" xmlns="" id="{C8FC6971-C8D3-41FA-9E59-9267B41B86D7}"/>
               </a:ext>
             </a:extLst>
           </p:cNvPr>
@@ -2594,7 +2594,7 @@
           <p:cNvPr id="4" name="Text Placeholder 3">
             <a:extLst>
               <a:ext uri="{FF2B5EF4-FFF2-40B4-BE49-F238E27FC236}">
-                <a16:creationId xmlns:a16="http://schemas.microsoft.com/office/drawing/2014/main" id="{6D3E27C0-ECF1-4974-89DC-5E5F1753643D}"/>
+                <a16:creationId xmlns:a16="http://schemas.microsoft.com/office/drawing/2014/main" xmlns="" id="{6D3E27C0-ECF1-4974-89DC-5E5F1753643D}"/>
               </a:ext>
             </a:extLst>
           </p:cNvPr>
@@ -2665,7 +2665,7 @@
           <p:cNvPr id="5" name="Date Placeholder 4">
             <a:extLst>
               <a:ext uri="{FF2B5EF4-FFF2-40B4-BE49-F238E27FC236}">
-                <a16:creationId xmlns:a16="http://schemas.microsoft.com/office/drawing/2014/main" id="{EB0CF908-7B88-457C-A7CB-BA8E59EFE6B1}"/>
+                <a16:creationId xmlns:a16="http://schemas.microsoft.com/office/drawing/2014/main" xmlns="" id="{EB0CF908-7B88-457C-A7CB-BA8E59EFE6B1}"/>
               </a:ext>
             </a:extLst>
           </p:cNvPr>
@@ -2683,7 +2683,7 @@
           <a:p>
             <a:fld id="{E040DD28-DA01-4164-BF9D-AEC6AAD07A3E}" type="datetimeFigureOut">
               <a:rPr lang="en-US" smtClean="0"/>
-              <a:t>1/6/2018</a:t>
+              <a:t>1/23/2018</a:t>
             </a:fld>
             <a:endParaRPr lang="en-US"/>
           </a:p>
@@ -2694,7 +2694,7 @@
           <p:cNvPr id="6" name="Footer Placeholder 5">
             <a:extLst>
               <a:ext uri="{FF2B5EF4-FFF2-40B4-BE49-F238E27FC236}">
-                <a16:creationId xmlns:a16="http://schemas.microsoft.com/office/drawing/2014/main" id="{9EFEFD02-5829-4D99-8387-FA6DDA7FDCE6}"/>
+                <a16:creationId xmlns:a16="http://schemas.microsoft.com/office/drawing/2014/main" xmlns="" id="{9EFEFD02-5829-4D99-8387-FA6DDA7FDCE6}"/>
               </a:ext>
             </a:extLst>
           </p:cNvPr>
@@ -2719,7 +2719,7 @@
           <p:cNvPr id="7" name="Slide Number Placeholder 6">
             <a:extLst>
               <a:ext uri="{FF2B5EF4-FFF2-40B4-BE49-F238E27FC236}">
-                <a16:creationId xmlns:a16="http://schemas.microsoft.com/office/drawing/2014/main" id="{CC83D447-B6BD-4EB6-84FA-277F982BD485}"/>
+                <a16:creationId xmlns:a16="http://schemas.microsoft.com/office/drawing/2014/main" xmlns="" id="{CC83D447-B6BD-4EB6-84FA-277F982BD485}"/>
               </a:ext>
             </a:extLst>
           </p:cNvPr>
@@ -2783,7 +2783,7 @@
           <p:cNvPr id="2" name="Title Placeholder 1">
             <a:extLst>
               <a:ext uri="{FF2B5EF4-FFF2-40B4-BE49-F238E27FC236}">
-                <a16:creationId xmlns:a16="http://schemas.microsoft.com/office/drawing/2014/main" id="{BF4BEE1F-B564-43B7-B55B-42176FDCF6A5}"/>
+                <a16:creationId xmlns:a16="http://schemas.microsoft.com/office/drawing/2014/main" xmlns="" id="{BF4BEE1F-B564-43B7-B55B-42176FDCF6A5}"/>
               </a:ext>
             </a:extLst>
           </p:cNvPr>
@@ -2821,7 +2821,7 @@
           <p:cNvPr id="3" name="Text Placeholder 2">
             <a:extLst>
               <a:ext uri="{FF2B5EF4-FFF2-40B4-BE49-F238E27FC236}">
-                <a16:creationId xmlns:a16="http://schemas.microsoft.com/office/drawing/2014/main" id="{C280B79D-E421-4AC8-A9C2-4B56DA344FB6}"/>
+                <a16:creationId xmlns:a16="http://schemas.microsoft.com/office/drawing/2014/main" xmlns="" id="{C280B79D-E421-4AC8-A9C2-4B56DA344FB6}"/>
               </a:ext>
             </a:extLst>
           </p:cNvPr>
@@ -2888,7 +2888,7 @@
           <p:cNvPr id="4" name="Date Placeholder 3">
             <a:extLst>
               <a:ext uri="{FF2B5EF4-FFF2-40B4-BE49-F238E27FC236}">
-                <a16:creationId xmlns:a16="http://schemas.microsoft.com/office/drawing/2014/main" id="{5805F7AC-3768-4B7D-A30D-D8CB381EF3DC}"/>
+                <a16:creationId xmlns:a16="http://schemas.microsoft.com/office/drawing/2014/main" xmlns="" id="{5805F7AC-3768-4B7D-A30D-D8CB381EF3DC}"/>
               </a:ext>
             </a:extLst>
           </p:cNvPr>
@@ -2924,7 +2924,7 @@
           <a:p>
             <a:fld id="{E040DD28-DA01-4164-BF9D-AEC6AAD07A3E}" type="datetimeFigureOut">
               <a:rPr lang="en-US" smtClean="0"/>
-              <a:t>1/6/2018</a:t>
+              <a:t>1/23/2018</a:t>
             </a:fld>
             <a:endParaRPr lang="en-US"/>
           </a:p>
@@ -2935,7 +2935,7 @@
           <p:cNvPr id="5" name="Footer Placeholder 4">
             <a:extLst>
               <a:ext uri="{FF2B5EF4-FFF2-40B4-BE49-F238E27FC236}">
-                <a16:creationId xmlns:a16="http://schemas.microsoft.com/office/drawing/2014/main" id="{1F22F8AA-82E2-4EE1-A481-8556E12EA635}"/>
+                <a16:creationId xmlns:a16="http://schemas.microsoft.com/office/drawing/2014/main" xmlns="" id="{1F22F8AA-82E2-4EE1-A481-8556E12EA635}"/>
               </a:ext>
             </a:extLst>
           </p:cNvPr>
@@ -2978,7 +2978,7 @@
           <p:cNvPr id="6" name="Slide Number Placeholder 5">
             <a:extLst>
               <a:ext uri="{FF2B5EF4-FFF2-40B4-BE49-F238E27FC236}">
-                <a16:creationId xmlns:a16="http://schemas.microsoft.com/office/drawing/2014/main" id="{AEDE27F2-C1D2-4B19-8C04-6B34AC016DA7}"/>
+                <a16:creationId xmlns:a16="http://schemas.microsoft.com/office/drawing/2014/main" xmlns="" id="{AEDE27F2-C1D2-4B19-8C04-6B34AC016DA7}"/>
               </a:ext>
             </a:extLst>
           </p:cNvPr>
@@ -3341,6 +3341,158 @@
           <a:chExt cx="0" cy="0"/>
         </a:xfrm>
       </p:grpSpPr>
+      <p:sp>
+        <p:nvSpPr>
+          <p:cNvPr id="2" name="テキスト ボックス 1"/>
+          <p:cNvSpPr txBox="1"/>
+          <p:nvPr/>
+        </p:nvSpPr>
+        <p:spPr>
+          <a:xfrm>
+            <a:off x="1" y="143123"/>
+            <a:ext cx="12192000" cy="1477328"/>
+          </a:xfrm>
+          <a:prstGeom prst="rect">
+            <a:avLst/>
+          </a:prstGeom>
+          <a:noFill/>
+        </p:spPr>
+        <p:txBody>
+          <a:bodyPr wrap="square" rtlCol="0">
+            <a:spAutoFit/>
+          </a:bodyPr>
+          <a:lstStyle/>
+          <a:p>
+            <a:r>
+              <a:rPr kumimoji="1" lang="en-US" altLang="ja-JP" dirty="0" smtClean="0"/>
+              <a:t>What is means by having </a:t>
+            </a:r>
+            <a:r>
+              <a:rPr kumimoji="1" lang="en-US" altLang="ja-JP" b="1" dirty="0" smtClean="0">
+                <a:solidFill>
+                  <a:srgbClr val="FF0000"/>
+                </a:solidFill>
+              </a:rPr>
+              <a:t>O(</a:t>
+            </a:r>
+            <a:r>
+              <a:rPr kumimoji="1" lang="en-US" altLang="ja-JP" b="1" dirty="0" err="1" smtClean="0">
+                <a:solidFill>
+                  <a:srgbClr val="FF0000"/>
+                </a:solidFill>
+              </a:rPr>
+              <a:t>logn</a:t>
+            </a:r>
+            <a:r>
+              <a:rPr kumimoji="1" lang="en-US" altLang="ja-JP" b="1" dirty="0" smtClean="0">
+                <a:solidFill>
+                  <a:srgbClr val="FF0000"/>
+                </a:solidFill>
+              </a:rPr>
+              <a:t>)</a:t>
+            </a:r>
+            <a:r>
+              <a:rPr kumimoji="1" lang="en-US" altLang="ja-JP" dirty="0" smtClean="0"/>
+              <a:t> time complexity?</a:t>
+            </a:r>
+          </a:p>
+          <a:p>
+            <a:pPr marL="285750" indent="-285750">
+              <a:buFont typeface="Arial" panose="020B0604020202020204" pitchFamily="34" charset="0"/>
+              <a:buChar char="•"/>
+            </a:pPr>
+            <a:r>
+              <a:rPr lang="en-US" altLang="ja-JP" dirty="0"/>
+              <a:t>(</a:t>
+            </a:r>
+            <a:r>
+              <a:rPr lang="en-US" altLang="ja-JP" dirty="0"/>
+              <a:t>O(log n)</a:t>
+            </a:r>
+            <a:r>
+              <a:rPr lang="en-US" altLang="ja-JP" dirty="0"/>
+              <a:t>) essentially means that the running time grows in proportion to the </a:t>
+            </a:r>
+            <a:r>
+              <a:rPr lang="en-US" altLang="ja-JP" i="1" dirty="0"/>
+              <a:t>logarithm</a:t>
+            </a:r>
+            <a:r>
+              <a:rPr lang="en-US" altLang="ja-JP" dirty="0"/>
+              <a:t> of the input size - as an example, if 10 items takes at most some amount of time </a:t>
+            </a:r>
+            <a:r>
+              <a:rPr lang="en-US" altLang="ja-JP" dirty="0"/>
+              <a:t>x</a:t>
+            </a:r>
+            <a:r>
+              <a:rPr lang="en-US" altLang="ja-JP" dirty="0"/>
+              <a:t>, and </a:t>
+            </a:r>
+            <a:r>
+              <a:rPr lang="en-US" altLang="ja-JP" b="1" dirty="0"/>
+              <a:t>100</a:t>
+            </a:r>
+            <a:r>
+              <a:rPr lang="en-US" altLang="ja-JP" dirty="0"/>
+              <a:t> items takes at most, say, </a:t>
+            </a:r>
+            <a:r>
+              <a:rPr lang="en-US" altLang="ja-JP" b="1" dirty="0"/>
+              <a:t>2x</a:t>
+            </a:r>
+            <a:r>
+              <a:rPr lang="en-US" altLang="ja-JP" dirty="0"/>
+              <a:t>, and </a:t>
+            </a:r>
+            <a:r>
+              <a:rPr lang="en-US" altLang="ja-JP" b="1" dirty="0" smtClean="0"/>
+              <a:t>10,000 </a:t>
+            </a:r>
+            <a:r>
+              <a:rPr lang="en-US" altLang="ja-JP" dirty="0" smtClean="0"/>
+              <a:t>items </a:t>
+            </a:r>
+            <a:r>
+              <a:rPr lang="en-US" altLang="ja-JP" dirty="0"/>
+              <a:t>takes at most </a:t>
+            </a:r>
+            <a:r>
+              <a:rPr lang="en-US" altLang="ja-JP" b="1" dirty="0" smtClean="0"/>
+              <a:t>4x</a:t>
+            </a:r>
+          </a:p>
+          <a:p>
+            <a:pPr marL="285750" indent="-285750">
+              <a:buFont typeface="Arial" panose="020B0604020202020204" pitchFamily="34" charset="0"/>
+              <a:buChar char="•"/>
+            </a:pPr>
+            <a:r>
+              <a:rPr kumimoji="1" lang="zh-CN" altLang="en-US" dirty="0" smtClean="0"/>
+              <a:t>就是时间复杂度随着</a:t>
+            </a:r>
+            <a:r>
+              <a:rPr kumimoji="1" lang="en-US" altLang="zh-CN" dirty="0" smtClean="0"/>
+              <a:t>input size n</a:t>
+            </a:r>
+            <a:r>
+              <a:rPr kumimoji="1" lang="zh-CN" altLang="en-US" dirty="0" smtClean="0"/>
+              <a:t>的增长而增长，增长率是</a:t>
+            </a:r>
+            <a:r>
+              <a:rPr kumimoji="1" lang="en-US" altLang="zh-CN" smtClean="0"/>
+              <a:t>log n</a:t>
+            </a:r>
+          </a:p>
+          <a:p>
+            <a:pPr marL="285750" indent="-285750">
+              <a:buFont typeface="Arial" panose="020B0604020202020204" pitchFamily="34" charset="0"/>
+              <a:buChar char="•"/>
+            </a:pPr>
+            <a:endParaRPr kumimoji="1" lang="ja-JP" altLang="en-US" dirty="0"/>
+          </a:p>
+        </p:txBody>
+      </p:sp>
     </p:spTree>
     <p:extLst>
       <p:ext uri="{BB962C8B-B14F-4D97-AF65-F5344CB8AC3E}">
@@ -3643,7 +3795,7 @@
   <a:extraClrSchemeLst/>
   <a:extLst>
     <a:ext uri="{05A4C25C-085E-4340-85A3-A5531E510DB2}">
-      <thm15:themeFamily xmlns:thm15="http://schemas.microsoft.com/office/thememl/2012/main" name="Office Theme" id="{62F939B6-93AF-4DB8-9C6B-D6C7DFDC589F}" vid="{4A3C46E8-61CC-4603-A589-7422A47A8E4A}"/>
+      <thm15:themeFamily xmlns:thm15="http://schemas.microsoft.com/office/thememl/2012/main" xmlns="" name="Office Theme" id="{62F939B6-93AF-4DB8-9C6B-D6C7DFDC589F}" vid="{4A3C46E8-61CC-4603-A589-7422A47A8E4A}"/>
     </a:ext>
   </a:extLst>
 </a:theme>

--- a/temp.pptx
+++ b/temp.pptx
@@ -106,7 +106,7 @@
   </p:defaultTextStyle>
   <p:extLst>
     <p:ext uri="{EFAFB233-063F-42B5-8137-9DF3F51BA10A}">
-      <p15:sldGuideLst xmlns:p15="http://schemas.microsoft.com/office/powerpoint/2012/main" xmlns="">
+      <p15:sldGuideLst xmlns:p15="http://schemas.microsoft.com/office/powerpoint/2012/main">
         <p15:guide id="1" orient="horz" pos="2160">
           <p15:clr>
             <a:srgbClr val="A4A3A4"/>
@@ -121,10 +121,6 @@
     </p:ext>
   </p:extLst>
 </p:presentation>
-</file>
-
-<file path=ppt/revisionInfo.xml><?xml version="1.0" encoding="utf-8"?>
-<p1510:revInfo xmlns:a="http://schemas.openxmlformats.org/drawingml/2006/main" xmlns:r="http://schemas.openxmlformats.org/officeDocument/2006/relationships" xmlns:p1510="http://schemas.microsoft.com/office/powerpoint/2015/10/main"/>
 </file>
 
 <file path=ppt/slideLayouts/slideLayout1.xml><?xml version="1.0" encoding="utf-8"?>
@@ -149,7 +145,7 @@
           <p:cNvPr id="2" name="Title 1">
             <a:extLst>
               <a:ext uri="{FF2B5EF4-FFF2-40B4-BE49-F238E27FC236}">
-                <a16:creationId xmlns:a16="http://schemas.microsoft.com/office/drawing/2014/main" xmlns="" id="{B5F5F319-D979-4A3F-A4F8-4DDCDE891BFD}"/>
+                <a16:creationId xmlns:a16="http://schemas.microsoft.com/office/drawing/2014/main" id="{B5F5F319-D979-4A3F-A4F8-4DDCDE891BFD}"/>
               </a:ext>
             </a:extLst>
           </p:cNvPr>
@@ -186,7 +182,7 @@
           <p:cNvPr id="3" name="Subtitle 2">
             <a:extLst>
               <a:ext uri="{FF2B5EF4-FFF2-40B4-BE49-F238E27FC236}">
-                <a16:creationId xmlns:a16="http://schemas.microsoft.com/office/drawing/2014/main" xmlns="" id="{4474209B-F46B-471F-B216-60C5F4296C14}"/>
+                <a16:creationId xmlns:a16="http://schemas.microsoft.com/office/drawing/2014/main" id="{4474209B-F46B-471F-B216-60C5F4296C14}"/>
               </a:ext>
             </a:extLst>
           </p:cNvPr>
@@ -256,7 +252,7 @@
           <p:cNvPr id="4" name="Date Placeholder 3">
             <a:extLst>
               <a:ext uri="{FF2B5EF4-FFF2-40B4-BE49-F238E27FC236}">
-                <a16:creationId xmlns:a16="http://schemas.microsoft.com/office/drawing/2014/main" xmlns="" id="{1E6B3389-407A-410F-8F6D-D24D84CA4D6B}"/>
+                <a16:creationId xmlns:a16="http://schemas.microsoft.com/office/drawing/2014/main" id="{1E6B3389-407A-410F-8F6D-D24D84CA4D6B}"/>
               </a:ext>
             </a:extLst>
           </p:cNvPr>
@@ -274,7 +270,7 @@
           <a:p>
             <a:fld id="{E040DD28-DA01-4164-BF9D-AEC6AAD07A3E}" type="datetimeFigureOut">
               <a:rPr lang="en-US" smtClean="0"/>
-              <a:t>1/23/2018</a:t>
+              <a:t>2/20/18</a:t>
             </a:fld>
             <a:endParaRPr lang="en-US"/>
           </a:p>
@@ -285,7 +281,7 @@
           <p:cNvPr id="5" name="Footer Placeholder 4">
             <a:extLst>
               <a:ext uri="{FF2B5EF4-FFF2-40B4-BE49-F238E27FC236}">
-                <a16:creationId xmlns:a16="http://schemas.microsoft.com/office/drawing/2014/main" xmlns="" id="{5D8C0812-771C-43AD-B38F-6BC2255600F9}"/>
+                <a16:creationId xmlns:a16="http://schemas.microsoft.com/office/drawing/2014/main" id="{5D8C0812-771C-43AD-B38F-6BC2255600F9}"/>
               </a:ext>
             </a:extLst>
           </p:cNvPr>
@@ -310,7 +306,7 @@
           <p:cNvPr id="6" name="Slide Number Placeholder 5">
             <a:extLst>
               <a:ext uri="{FF2B5EF4-FFF2-40B4-BE49-F238E27FC236}">
-                <a16:creationId xmlns:a16="http://schemas.microsoft.com/office/drawing/2014/main" xmlns="" id="{F39CB706-EA94-418D-9F2C-336E6EF264EC}"/>
+                <a16:creationId xmlns:a16="http://schemas.microsoft.com/office/drawing/2014/main" id="{F39CB706-EA94-418D-9F2C-336E6EF264EC}"/>
               </a:ext>
             </a:extLst>
           </p:cNvPr>
@@ -369,7 +365,7 @@
           <p:cNvPr id="2" name="Title 1">
             <a:extLst>
               <a:ext uri="{FF2B5EF4-FFF2-40B4-BE49-F238E27FC236}">
-                <a16:creationId xmlns:a16="http://schemas.microsoft.com/office/drawing/2014/main" xmlns="" id="{3A259477-0A53-4114-95B2-8A1D5D83E0A2}"/>
+                <a16:creationId xmlns:a16="http://schemas.microsoft.com/office/drawing/2014/main" id="{3A259477-0A53-4114-95B2-8A1D5D83E0A2}"/>
               </a:ext>
             </a:extLst>
           </p:cNvPr>
@@ -397,7 +393,7 @@
           <p:cNvPr id="3" name="Vertical Text Placeholder 2">
             <a:extLst>
               <a:ext uri="{FF2B5EF4-FFF2-40B4-BE49-F238E27FC236}">
-                <a16:creationId xmlns:a16="http://schemas.microsoft.com/office/drawing/2014/main" xmlns="" id="{533E45B0-73AC-4661-B286-CC8B49D0CBB1}"/>
+                <a16:creationId xmlns:a16="http://schemas.microsoft.com/office/drawing/2014/main" id="{533E45B0-73AC-4661-B286-CC8B49D0CBB1}"/>
               </a:ext>
             </a:extLst>
           </p:cNvPr>
@@ -454,7 +450,7 @@
           <p:cNvPr id="4" name="Date Placeholder 3">
             <a:extLst>
               <a:ext uri="{FF2B5EF4-FFF2-40B4-BE49-F238E27FC236}">
-                <a16:creationId xmlns:a16="http://schemas.microsoft.com/office/drawing/2014/main" xmlns="" id="{DDFFC868-093D-4D95-AA93-2203C226F89B}"/>
+                <a16:creationId xmlns:a16="http://schemas.microsoft.com/office/drawing/2014/main" id="{DDFFC868-093D-4D95-AA93-2203C226F89B}"/>
               </a:ext>
             </a:extLst>
           </p:cNvPr>
@@ -472,7 +468,7 @@
           <a:p>
             <a:fld id="{E040DD28-DA01-4164-BF9D-AEC6AAD07A3E}" type="datetimeFigureOut">
               <a:rPr lang="en-US" smtClean="0"/>
-              <a:t>1/23/2018</a:t>
+              <a:t>2/20/18</a:t>
             </a:fld>
             <a:endParaRPr lang="en-US"/>
           </a:p>
@@ -483,7 +479,7 @@
           <p:cNvPr id="5" name="Footer Placeholder 4">
             <a:extLst>
               <a:ext uri="{FF2B5EF4-FFF2-40B4-BE49-F238E27FC236}">
-                <a16:creationId xmlns:a16="http://schemas.microsoft.com/office/drawing/2014/main" xmlns="" id="{CA068C37-6A3A-44A8-A7BE-58942241414E}"/>
+                <a16:creationId xmlns:a16="http://schemas.microsoft.com/office/drawing/2014/main" id="{CA068C37-6A3A-44A8-A7BE-58942241414E}"/>
               </a:ext>
             </a:extLst>
           </p:cNvPr>
@@ -508,7 +504,7 @@
           <p:cNvPr id="6" name="Slide Number Placeholder 5">
             <a:extLst>
               <a:ext uri="{FF2B5EF4-FFF2-40B4-BE49-F238E27FC236}">
-                <a16:creationId xmlns:a16="http://schemas.microsoft.com/office/drawing/2014/main" xmlns="" id="{E78B41CD-FF00-4C28-A410-5C2081075C8F}"/>
+                <a16:creationId xmlns:a16="http://schemas.microsoft.com/office/drawing/2014/main" id="{E78B41CD-FF00-4C28-A410-5C2081075C8F}"/>
               </a:ext>
             </a:extLst>
           </p:cNvPr>
@@ -567,7 +563,7 @@
           <p:cNvPr id="2" name="Vertical Title 1">
             <a:extLst>
               <a:ext uri="{FF2B5EF4-FFF2-40B4-BE49-F238E27FC236}">
-                <a16:creationId xmlns:a16="http://schemas.microsoft.com/office/drawing/2014/main" xmlns="" id="{09D8892F-E415-4A5B-8DE4-93BDA5F0BB5E}"/>
+                <a16:creationId xmlns:a16="http://schemas.microsoft.com/office/drawing/2014/main" id="{09D8892F-E415-4A5B-8DE4-93BDA5F0BB5E}"/>
               </a:ext>
             </a:extLst>
           </p:cNvPr>
@@ -600,7 +596,7 @@
           <p:cNvPr id="3" name="Vertical Text Placeholder 2">
             <a:extLst>
               <a:ext uri="{FF2B5EF4-FFF2-40B4-BE49-F238E27FC236}">
-                <a16:creationId xmlns:a16="http://schemas.microsoft.com/office/drawing/2014/main" xmlns="" id="{D914CE1D-36B4-41F6-8CAC-A824748DF349}"/>
+                <a16:creationId xmlns:a16="http://schemas.microsoft.com/office/drawing/2014/main" id="{D914CE1D-36B4-41F6-8CAC-A824748DF349}"/>
               </a:ext>
             </a:extLst>
           </p:cNvPr>
@@ -662,7 +658,7 @@
           <p:cNvPr id="4" name="Date Placeholder 3">
             <a:extLst>
               <a:ext uri="{FF2B5EF4-FFF2-40B4-BE49-F238E27FC236}">
-                <a16:creationId xmlns:a16="http://schemas.microsoft.com/office/drawing/2014/main" xmlns="" id="{09EBC416-5C2B-4705-88C6-697C7026E134}"/>
+                <a16:creationId xmlns:a16="http://schemas.microsoft.com/office/drawing/2014/main" id="{09EBC416-5C2B-4705-88C6-697C7026E134}"/>
               </a:ext>
             </a:extLst>
           </p:cNvPr>
@@ -680,7 +676,7 @@
           <a:p>
             <a:fld id="{E040DD28-DA01-4164-BF9D-AEC6AAD07A3E}" type="datetimeFigureOut">
               <a:rPr lang="en-US" smtClean="0"/>
-              <a:t>1/23/2018</a:t>
+              <a:t>2/20/18</a:t>
             </a:fld>
             <a:endParaRPr lang="en-US"/>
           </a:p>
@@ -691,7 +687,7 @@
           <p:cNvPr id="5" name="Footer Placeholder 4">
             <a:extLst>
               <a:ext uri="{FF2B5EF4-FFF2-40B4-BE49-F238E27FC236}">
-                <a16:creationId xmlns:a16="http://schemas.microsoft.com/office/drawing/2014/main" xmlns="" id="{6A181D81-2CCF-4506-BAC8-332F27972DE7}"/>
+                <a16:creationId xmlns:a16="http://schemas.microsoft.com/office/drawing/2014/main" id="{6A181D81-2CCF-4506-BAC8-332F27972DE7}"/>
               </a:ext>
             </a:extLst>
           </p:cNvPr>
@@ -716,7 +712,7 @@
           <p:cNvPr id="6" name="Slide Number Placeholder 5">
             <a:extLst>
               <a:ext uri="{FF2B5EF4-FFF2-40B4-BE49-F238E27FC236}">
-                <a16:creationId xmlns:a16="http://schemas.microsoft.com/office/drawing/2014/main" xmlns="" id="{CF493655-0420-4B38-BA94-CAA81BE6B4A5}"/>
+                <a16:creationId xmlns:a16="http://schemas.microsoft.com/office/drawing/2014/main" id="{CF493655-0420-4B38-BA94-CAA81BE6B4A5}"/>
               </a:ext>
             </a:extLst>
           </p:cNvPr>
@@ -775,7 +771,7 @@
           <p:cNvPr id="2" name="Title 1">
             <a:extLst>
               <a:ext uri="{FF2B5EF4-FFF2-40B4-BE49-F238E27FC236}">
-                <a16:creationId xmlns:a16="http://schemas.microsoft.com/office/drawing/2014/main" xmlns="" id="{93BACEFF-B6D7-4BFD-B93D-95821BFD2D8F}"/>
+                <a16:creationId xmlns:a16="http://schemas.microsoft.com/office/drawing/2014/main" id="{93BACEFF-B6D7-4BFD-B93D-95821BFD2D8F}"/>
               </a:ext>
             </a:extLst>
           </p:cNvPr>
@@ -803,7 +799,7 @@
           <p:cNvPr id="3" name="Content Placeholder 2">
             <a:extLst>
               <a:ext uri="{FF2B5EF4-FFF2-40B4-BE49-F238E27FC236}">
-                <a16:creationId xmlns:a16="http://schemas.microsoft.com/office/drawing/2014/main" xmlns="" id="{59385ED6-5E0D-4E26-B486-3CC0C4291B3B}"/>
+                <a16:creationId xmlns:a16="http://schemas.microsoft.com/office/drawing/2014/main" id="{59385ED6-5E0D-4E26-B486-3CC0C4291B3B}"/>
               </a:ext>
             </a:extLst>
           </p:cNvPr>
@@ -860,7 +856,7 @@
           <p:cNvPr id="4" name="Date Placeholder 3">
             <a:extLst>
               <a:ext uri="{FF2B5EF4-FFF2-40B4-BE49-F238E27FC236}">
-                <a16:creationId xmlns:a16="http://schemas.microsoft.com/office/drawing/2014/main" xmlns="" id="{4FC036BA-799C-484E-9202-7D281BB13E19}"/>
+                <a16:creationId xmlns:a16="http://schemas.microsoft.com/office/drawing/2014/main" id="{4FC036BA-799C-484E-9202-7D281BB13E19}"/>
               </a:ext>
             </a:extLst>
           </p:cNvPr>
@@ -878,7 +874,7 @@
           <a:p>
             <a:fld id="{E040DD28-DA01-4164-BF9D-AEC6AAD07A3E}" type="datetimeFigureOut">
               <a:rPr lang="en-US" smtClean="0"/>
-              <a:t>1/23/2018</a:t>
+              <a:t>2/20/18</a:t>
             </a:fld>
             <a:endParaRPr lang="en-US"/>
           </a:p>
@@ -889,7 +885,7 @@
           <p:cNvPr id="5" name="Footer Placeholder 4">
             <a:extLst>
               <a:ext uri="{FF2B5EF4-FFF2-40B4-BE49-F238E27FC236}">
-                <a16:creationId xmlns:a16="http://schemas.microsoft.com/office/drawing/2014/main" xmlns="" id="{84C705AF-ED38-4DC0-9CAD-82802278E609}"/>
+                <a16:creationId xmlns:a16="http://schemas.microsoft.com/office/drawing/2014/main" id="{84C705AF-ED38-4DC0-9CAD-82802278E609}"/>
               </a:ext>
             </a:extLst>
           </p:cNvPr>
@@ -914,7 +910,7 @@
           <p:cNvPr id="6" name="Slide Number Placeholder 5">
             <a:extLst>
               <a:ext uri="{FF2B5EF4-FFF2-40B4-BE49-F238E27FC236}">
-                <a16:creationId xmlns:a16="http://schemas.microsoft.com/office/drawing/2014/main" xmlns="" id="{FCAB4C5E-BC29-4DA3-8FDD-E88F20A62425}"/>
+                <a16:creationId xmlns:a16="http://schemas.microsoft.com/office/drawing/2014/main" id="{FCAB4C5E-BC29-4DA3-8FDD-E88F20A62425}"/>
               </a:ext>
             </a:extLst>
           </p:cNvPr>
@@ -973,7 +969,7 @@
           <p:cNvPr id="2" name="Title 1">
             <a:extLst>
               <a:ext uri="{FF2B5EF4-FFF2-40B4-BE49-F238E27FC236}">
-                <a16:creationId xmlns:a16="http://schemas.microsoft.com/office/drawing/2014/main" xmlns="" id="{56F4E2A8-3DB4-4F28-996A-ADBBE22EB9E6}"/>
+                <a16:creationId xmlns:a16="http://schemas.microsoft.com/office/drawing/2014/main" id="{56F4E2A8-3DB4-4F28-996A-ADBBE22EB9E6}"/>
               </a:ext>
             </a:extLst>
           </p:cNvPr>
@@ -1010,7 +1006,7 @@
           <p:cNvPr id="3" name="Text Placeholder 2">
             <a:extLst>
               <a:ext uri="{FF2B5EF4-FFF2-40B4-BE49-F238E27FC236}">
-                <a16:creationId xmlns:a16="http://schemas.microsoft.com/office/drawing/2014/main" xmlns="" id="{C89AE634-E835-4FB2-9543-9AE7D101C6F8}"/>
+                <a16:creationId xmlns:a16="http://schemas.microsoft.com/office/drawing/2014/main" id="{C89AE634-E835-4FB2-9543-9AE7D101C6F8}"/>
               </a:ext>
             </a:extLst>
           </p:cNvPr>
@@ -1135,7 +1131,7 @@
           <p:cNvPr id="4" name="Date Placeholder 3">
             <a:extLst>
               <a:ext uri="{FF2B5EF4-FFF2-40B4-BE49-F238E27FC236}">
-                <a16:creationId xmlns:a16="http://schemas.microsoft.com/office/drawing/2014/main" xmlns="" id="{A80E8D62-561D-425F-95E0-D8B490FEAFB0}"/>
+                <a16:creationId xmlns:a16="http://schemas.microsoft.com/office/drawing/2014/main" id="{A80E8D62-561D-425F-95E0-D8B490FEAFB0}"/>
               </a:ext>
             </a:extLst>
           </p:cNvPr>
@@ -1153,7 +1149,7 @@
           <a:p>
             <a:fld id="{E040DD28-DA01-4164-BF9D-AEC6AAD07A3E}" type="datetimeFigureOut">
               <a:rPr lang="en-US" smtClean="0"/>
-              <a:t>1/23/2018</a:t>
+              <a:t>2/20/18</a:t>
             </a:fld>
             <a:endParaRPr lang="en-US"/>
           </a:p>
@@ -1164,7 +1160,7 @@
           <p:cNvPr id="5" name="Footer Placeholder 4">
             <a:extLst>
               <a:ext uri="{FF2B5EF4-FFF2-40B4-BE49-F238E27FC236}">
-                <a16:creationId xmlns:a16="http://schemas.microsoft.com/office/drawing/2014/main" xmlns="" id="{092BFE70-3129-4F21-A151-027B995D8283}"/>
+                <a16:creationId xmlns:a16="http://schemas.microsoft.com/office/drawing/2014/main" id="{092BFE70-3129-4F21-A151-027B995D8283}"/>
               </a:ext>
             </a:extLst>
           </p:cNvPr>
@@ -1189,7 +1185,7 @@
           <p:cNvPr id="6" name="Slide Number Placeholder 5">
             <a:extLst>
               <a:ext uri="{FF2B5EF4-FFF2-40B4-BE49-F238E27FC236}">
-                <a16:creationId xmlns:a16="http://schemas.microsoft.com/office/drawing/2014/main" xmlns="" id="{8021D42E-9379-4CA1-8E67-A8CFC2137736}"/>
+                <a16:creationId xmlns:a16="http://schemas.microsoft.com/office/drawing/2014/main" id="{8021D42E-9379-4CA1-8E67-A8CFC2137736}"/>
               </a:ext>
             </a:extLst>
           </p:cNvPr>
@@ -1248,7 +1244,7 @@
           <p:cNvPr id="2" name="Title 1">
             <a:extLst>
               <a:ext uri="{FF2B5EF4-FFF2-40B4-BE49-F238E27FC236}">
-                <a16:creationId xmlns:a16="http://schemas.microsoft.com/office/drawing/2014/main" xmlns="" id="{6E79E456-1075-4906-82F7-0E6109B9E35D}"/>
+                <a16:creationId xmlns:a16="http://schemas.microsoft.com/office/drawing/2014/main" id="{6E79E456-1075-4906-82F7-0E6109B9E35D}"/>
               </a:ext>
             </a:extLst>
           </p:cNvPr>
@@ -1276,7 +1272,7 @@
           <p:cNvPr id="3" name="Content Placeholder 2">
             <a:extLst>
               <a:ext uri="{FF2B5EF4-FFF2-40B4-BE49-F238E27FC236}">
-                <a16:creationId xmlns:a16="http://schemas.microsoft.com/office/drawing/2014/main" xmlns="" id="{5B119237-D568-4846-9810-EE66DFA84982}"/>
+                <a16:creationId xmlns:a16="http://schemas.microsoft.com/office/drawing/2014/main" id="{5B119237-D568-4846-9810-EE66DFA84982}"/>
               </a:ext>
             </a:extLst>
           </p:cNvPr>
@@ -1338,7 +1334,7 @@
           <p:cNvPr id="4" name="Content Placeholder 3">
             <a:extLst>
               <a:ext uri="{FF2B5EF4-FFF2-40B4-BE49-F238E27FC236}">
-                <a16:creationId xmlns:a16="http://schemas.microsoft.com/office/drawing/2014/main" xmlns="" id="{B4C29F7A-057C-4495-9330-75B170FD1A8C}"/>
+                <a16:creationId xmlns:a16="http://schemas.microsoft.com/office/drawing/2014/main" id="{B4C29F7A-057C-4495-9330-75B170FD1A8C}"/>
               </a:ext>
             </a:extLst>
           </p:cNvPr>
@@ -1400,7 +1396,7 @@
           <p:cNvPr id="5" name="Date Placeholder 4">
             <a:extLst>
               <a:ext uri="{FF2B5EF4-FFF2-40B4-BE49-F238E27FC236}">
-                <a16:creationId xmlns:a16="http://schemas.microsoft.com/office/drawing/2014/main" xmlns="" id="{6B9731BB-E5EB-4386-A8C4-02BCBE618022}"/>
+                <a16:creationId xmlns:a16="http://schemas.microsoft.com/office/drawing/2014/main" id="{6B9731BB-E5EB-4386-A8C4-02BCBE618022}"/>
               </a:ext>
             </a:extLst>
           </p:cNvPr>
@@ -1418,7 +1414,7 @@
           <a:p>
             <a:fld id="{E040DD28-DA01-4164-BF9D-AEC6AAD07A3E}" type="datetimeFigureOut">
               <a:rPr lang="en-US" smtClean="0"/>
-              <a:t>1/23/2018</a:t>
+              <a:t>2/20/18</a:t>
             </a:fld>
             <a:endParaRPr lang="en-US"/>
           </a:p>
@@ -1429,7 +1425,7 @@
           <p:cNvPr id="6" name="Footer Placeholder 5">
             <a:extLst>
               <a:ext uri="{FF2B5EF4-FFF2-40B4-BE49-F238E27FC236}">
-                <a16:creationId xmlns:a16="http://schemas.microsoft.com/office/drawing/2014/main" xmlns="" id="{D61D5281-CDA5-43EF-BE1C-79A1529A08DB}"/>
+                <a16:creationId xmlns:a16="http://schemas.microsoft.com/office/drawing/2014/main" id="{D61D5281-CDA5-43EF-BE1C-79A1529A08DB}"/>
               </a:ext>
             </a:extLst>
           </p:cNvPr>
@@ -1454,7 +1450,7 @@
           <p:cNvPr id="7" name="Slide Number Placeholder 6">
             <a:extLst>
               <a:ext uri="{FF2B5EF4-FFF2-40B4-BE49-F238E27FC236}">
-                <a16:creationId xmlns:a16="http://schemas.microsoft.com/office/drawing/2014/main" xmlns="" id="{39B30A33-21E5-4395-AB23-BAC1B5A92289}"/>
+                <a16:creationId xmlns:a16="http://schemas.microsoft.com/office/drawing/2014/main" id="{39B30A33-21E5-4395-AB23-BAC1B5A92289}"/>
               </a:ext>
             </a:extLst>
           </p:cNvPr>
@@ -1513,7 +1509,7 @@
           <p:cNvPr id="2" name="Title 1">
             <a:extLst>
               <a:ext uri="{FF2B5EF4-FFF2-40B4-BE49-F238E27FC236}">
-                <a16:creationId xmlns:a16="http://schemas.microsoft.com/office/drawing/2014/main" xmlns="" id="{37B4C097-07A2-4984-A86D-7F052CFF4886}"/>
+                <a16:creationId xmlns:a16="http://schemas.microsoft.com/office/drawing/2014/main" id="{37B4C097-07A2-4984-A86D-7F052CFF4886}"/>
               </a:ext>
             </a:extLst>
           </p:cNvPr>
@@ -1546,7 +1542,7 @@
           <p:cNvPr id="3" name="Text Placeholder 2">
             <a:extLst>
               <a:ext uri="{FF2B5EF4-FFF2-40B4-BE49-F238E27FC236}">
-                <a16:creationId xmlns:a16="http://schemas.microsoft.com/office/drawing/2014/main" xmlns="" id="{586C90C0-904E-436B-996B-03DD09FE05C4}"/>
+                <a16:creationId xmlns:a16="http://schemas.microsoft.com/office/drawing/2014/main" id="{586C90C0-904E-436B-996B-03DD09FE05C4}"/>
               </a:ext>
             </a:extLst>
           </p:cNvPr>
@@ -1617,7 +1613,7 @@
           <p:cNvPr id="4" name="Content Placeholder 3">
             <a:extLst>
               <a:ext uri="{FF2B5EF4-FFF2-40B4-BE49-F238E27FC236}">
-                <a16:creationId xmlns:a16="http://schemas.microsoft.com/office/drawing/2014/main" xmlns="" id="{E03CBD82-3AD3-4E06-90BB-01B87FA81FC7}"/>
+                <a16:creationId xmlns:a16="http://schemas.microsoft.com/office/drawing/2014/main" id="{E03CBD82-3AD3-4E06-90BB-01B87FA81FC7}"/>
               </a:ext>
             </a:extLst>
           </p:cNvPr>
@@ -1679,7 +1675,7 @@
           <p:cNvPr id="5" name="Text Placeholder 4">
             <a:extLst>
               <a:ext uri="{FF2B5EF4-FFF2-40B4-BE49-F238E27FC236}">
-                <a16:creationId xmlns:a16="http://schemas.microsoft.com/office/drawing/2014/main" xmlns="" id="{04ACE262-BFED-4131-A5BA-E0278B00A663}"/>
+                <a16:creationId xmlns:a16="http://schemas.microsoft.com/office/drawing/2014/main" id="{04ACE262-BFED-4131-A5BA-E0278B00A663}"/>
               </a:ext>
             </a:extLst>
           </p:cNvPr>
@@ -1750,7 +1746,7 @@
           <p:cNvPr id="6" name="Content Placeholder 5">
             <a:extLst>
               <a:ext uri="{FF2B5EF4-FFF2-40B4-BE49-F238E27FC236}">
-                <a16:creationId xmlns:a16="http://schemas.microsoft.com/office/drawing/2014/main" xmlns="" id="{1BC543A8-1DAB-4F64-93C3-0EB766AE86F9}"/>
+                <a16:creationId xmlns:a16="http://schemas.microsoft.com/office/drawing/2014/main" id="{1BC543A8-1DAB-4F64-93C3-0EB766AE86F9}"/>
               </a:ext>
             </a:extLst>
           </p:cNvPr>
@@ -1812,7 +1808,7 @@
           <p:cNvPr id="7" name="Date Placeholder 6">
             <a:extLst>
               <a:ext uri="{FF2B5EF4-FFF2-40B4-BE49-F238E27FC236}">
-                <a16:creationId xmlns:a16="http://schemas.microsoft.com/office/drawing/2014/main" xmlns="" id="{DBF0794B-2DF7-43D8-8A0C-752A3C841A95}"/>
+                <a16:creationId xmlns:a16="http://schemas.microsoft.com/office/drawing/2014/main" id="{DBF0794B-2DF7-43D8-8A0C-752A3C841A95}"/>
               </a:ext>
             </a:extLst>
           </p:cNvPr>
@@ -1830,7 +1826,7 @@
           <a:p>
             <a:fld id="{E040DD28-DA01-4164-BF9D-AEC6AAD07A3E}" type="datetimeFigureOut">
               <a:rPr lang="en-US" smtClean="0"/>
-              <a:t>1/23/2018</a:t>
+              <a:t>2/20/18</a:t>
             </a:fld>
             <a:endParaRPr lang="en-US"/>
           </a:p>
@@ -1841,7 +1837,7 @@
           <p:cNvPr id="8" name="Footer Placeholder 7">
             <a:extLst>
               <a:ext uri="{FF2B5EF4-FFF2-40B4-BE49-F238E27FC236}">
-                <a16:creationId xmlns:a16="http://schemas.microsoft.com/office/drawing/2014/main" xmlns="" id="{15BFDF4B-45AB-4776-B148-1F4FA0BCD9A6}"/>
+                <a16:creationId xmlns:a16="http://schemas.microsoft.com/office/drawing/2014/main" id="{15BFDF4B-45AB-4776-B148-1F4FA0BCD9A6}"/>
               </a:ext>
             </a:extLst>
           </p:cNvPr>
@@ -1866,7 +1862,7 @@
           <p:cNvPr id="9" name="Slide Number Placeholder 8">
             <a:extLst>
               <a:ext uri="{FF2B5EF4-FFF2-40B4-BE49-F238E27FC236}">
-                <a16:creationId xmlns:a16="http://schemas.microsoft.com/office/drawing/2014/main" xmlns="" id="{74ACFCD8-1AA0-4174-A68D-6293F9717D99}"/>
+                <a16:creationId xmlns:a16="http://schemas.microsoft.com/office/drawing/2014/main" id="{74ACFCD8-1AA0-4174-A68D-6293F9717D99}"/>
               </a:ext>
             </a:extLst>
           </p:cNvPr>
@@ -1925,7 +1921,7 @@
           <p:cNvPr id="2" name="Title 1">
             <a:extLst>
               <a:ext uri="{FF2B5EF4-FFF2-40B4-BE49-F238E27FC236}">
-                <a16:creationId xmlns:a16="http://schemas.microsoft.com/office/drawing/2014/main" xmlns="" id="{A9F3CBAC-2073-439B-B8DE-FB80422902CE}"/>
+                <a16:creationId xmlns:a16="http://schemas.microsoft.com/office/drawing/2014/main" id="{A9F3CBAC-2073-439B-B8DE-FB80422902CE}"/>
               </a:ext>
             </a:extLst>
           </p:cNvPr>
@@ -1953,7 +1949,7 @@
           <p:cNvPr id="3" name="Date Placeholder 2">
             <a:extLst>
               <a:ext uri="{FF2B5EF4-FFF2-40B4-BE49-F238E27FC236}">
-                <a16:creationId xmlns:a16="http://schemas.microsoft.com/office/drawing/2014/main" xmlns="" id="{06A84D4C-CD47-42D3-8505-872676C28963}"/>
+                <a16:creationId xmlns:a16="http://schemas.microsoft.com/office/drawing/2014/main" id="{06A84D4C-CD47-42D3-8505-872676C28963}"/>
               </a:ext>
             </a:extLst>
           </p:cNvPr>
@@ -1971,7 +1967,7 @@
           <a:p>
             <a:fld id="{E040DD28-DA01-4164-BF9D-AEC6AAD07A3E}" type="datetimeFigureOut">
               <a:rPr lang="en-US" smtClean="0"/>
-              <a:t>1/23/2018</a:t>
+              <a:t>2/20/18</a:t>
             </a:fld>
             <a:endParaRPr lang="en-US"/>
           </a:p>
@@ -1982,7 +1978,7 @@
           <p:cNvPr id="4" name="Footer Placeholder 3">
             <a:extLst>
               <a:ext uri="{FF2B5EF4-FFF2-40B4-BE49-F238E27FC236}">
-                <a16:creationId xmlns:a16="http://schemas.microsoft.com/office/drawing/2014/main" xmlns="" id="{B784711A-B8EA-4963-A653-27EE2997119F}"/>
+                <a16:creationId xmlns:a16="http://schemas.microsoft.com/office/drawing/2014/main" id="{B784711A-B8EA-4963-A653-27EE2997119F}"/>
               </a:ext>
             </a:extLst>
           </p:cNvPr>
@@ -2007,7 +2003,7 @@
           <p:cNvPr id="5" name="Slide Number Placeholder 4">
             <a:extLst>
               <a:ext uri="{FF2B5EF4-FFF2-40B4-BE49-F238E27FC236}">
-                <a16:creationId xmlns:a16="http://schemas.microsoft.com/office/drawing/2014/main" xmlns="" id="{9BD0276A-CA50-4B27-9DF4-12C17991F3AD}"/>
+                <a16:creationId xmlns:a16="http://schemas.microsoft.com/office/drawing/2014/main" id="{9BD0276A-CA50-4B27-9DF4-12C17991F3AD}"/>
               </a:ext>
             </a:extLst>
           </p:cNvPr>
@@ -2066,7 +2062,7 @@
           <p:cNvPr id="2" name="Date Placeholder 1">
             <a:extLst>
               <a:ext uri="{FF2B5EF4-FFF2-40B4-BE49-F238E27FC236}">
-                <a16:creationId xmlns:a16="http://schemas.microsoft.com/office/drawing/2014/main" xmlns="" id="{CBE24604-C75B-4F9D-8382-AC380D5DD668}"/>
+                <a16:creationId xmlns:a16="http://schemas.microsoft.com/office/drawing/2014/main" id="{CBE24604-C75B-4F9D-8382-AC380D5DD668}"/>
               </a:ext>
             </a:extLst>
           </p:cNvPr>
@@ -2084,7 +2080,7 @@
           <a:p>
             <a:fld id="{E040DD28-DA01-4164-BF9D-AEC6AAD07A3E}" type="datetimeFigureOut">
               <a:rPr lang="en-US" smtClean="0"/>
-              <a:t>1/23/2018</a:t>
+              <a:t>2/20/18</a:t>
             </a:fld>
             <a:endParaRPr lang="en-US"/>
           </a:p>
@@ -2095,7 +2091,7 @@
           <p:cNvPr id="3" name="Footer Placeholder 2">
             <a:extLst>
               <a:ext uri="{FF2B5EF4-FFF2-40B4-BE49-F238E27FC236}">
-                <a16:creationId xmlns:a16="http://schemas.microsoft.com/office/drawing/2014/main" xmlns="" id="{2641AA10-AE31-466F-96AF-31A1A0955AD1}"/>
+                <a16:creationId xmlns:a16="http://schemas.microsoft.com/office/drawing/2014/main" id="{2641AA10-AE31-466F-96AF-31A1A0955AD1}"/>
               </a:ext>
             </a:extLst>
           </p:cNvPr>
@@ -2120,7 +2116,7 @@
           <p:cNvPr id="4" name="Slide Number Placeholder 3">
             <a:extLst>
               <a:ext uri="{FF2B5EF4-FFF2-40B4-BE49-F238E27FC236}">
-                <a16:creationId xmlns:a16="http://schemas.microsoft.com/office/drawing/2014/main" xmlns="" id="{756609DE-ABCC-4735-9687-532D469DC4E2}"/>
+                <a16:creationId xmlns:a16="http://schemas.microsoft.com/office/drawing/2014/main" id="{756609DE-ABCC-4735-9687-532D469DC4E2}"/>
               </a:ext>
             </a:extLst>
           </p:cNvPr>
@@ -2179,7 +2175,7 @@
           <p:cNvPr id="2" name="Title 1">
             <a:extLst>
               <a:ext uri="{FF2B5EF4-FFF2-40B4-BE49-F238E27FC236}">
-                <a16:creationId xmlns:a16="http://schemas.microsoft.com/office/drawing/2014/main" xmlns="" id="{70B034F0-2116-43B6-A3DF-533AE5CE39CE}"/>
+                <a16:creationId xmlns:a16="http://schemas.microsoft.com/office/drawing/2014/main" id="{70B034F0-2116-43B6-A3DF-533AE5CE39CE}"/>
               </a:ext>
             </a:extLst>
           </p:cNvPr>
@@ -2216,7 +2212,7 @@
           <p:cNvPr id="3" name="Content Placeholder 2">
             <a:extLst>
               <a:ext uri="{FF2B5EF4-FFF2-40B4-BE49-F238E27FC236}">
-                <a16:creationId xmlns:a16="http://schemas.microsoft.com/office/drawing/2014/main" xmlns="" id="{5B8FA73E-8222-4BD6-84B5-93652E6DEF4C}"/>
+                <a16:creationId xmlns:a16="http://schemas.microsoft.com/office/drawing/2014/main" id="{5B8FA73E-8222-4BD6-84B5-93652E6DEF4C}"/>
               </a:ext>
             </a:extLst>
           </p:cNvPr>
@@ -2306,7 +2302,7 @@
           <p:cNvPr id="4" name="Text Placeholder 3">
             <a:extLst>
               <a:ext uri="{FF2B5EF4-FFF2-40B4-BE49-F238E27FC236}">
-                <a16:creationId xmlns:a16="http://schemas.microsoft.com/office/drawing/2014/main" xmlns="" id="{070680AD-0DF4-407C-815A-B6FC0B7A7F1E}"/>
+                <a16:creationId xmlns:a16="http://schemas.microsoft.com/office/drawing/2014/main" id="{070680AD-0DF4-407C-815A-B6FC0B7A7F1E}"/>
               </a:ext>
             </a:extLst>
           </p:cNvPr>
@@ -2377,7 +2373,7 @@
           <p:cNvPr id="5" name="Date Placeholder 4">
             <a:extLst>
               <a:ext uri="{FF2B5EF4-FFF2-40B4-BE49-F238E27FC236}">
-                <a16:creationId xmlns:a16="http://schemas.microsoft.com/office/drawing/2014/main" xmlns="" id="{D828C134-AC88-45CD-8C31-4BAB0E6B3390}"/>
+                <a16:creationId xmlns:a16="http://schemas.microsoft.com/office/drawing/2014/main" id="{D828C134-AC88-45CD-8C31-4BAB0E6B3390}"/>
               </a:ext>
             </a:extLst>
           </p:cNvPr>
@@ -2395,7 +2391,7 @@
           <a:p>
             <a:fld id="{E040DD28-DA01-4164-BF9D-AEC6AAD07A3E}" type="datetimeFigureOut">
               <a:rPr lang="en-US" smtClean="0"/>
-              <a:t>1/23/2018</a:t>
+              <a:t>2/20/18</a:t>
             </a:fld>
             <a:endParaRPr lang="en-US"/>
           </a:p>
@@ -2406,7 +2402,7 @@
           <p:cNvPr id="6" name="Footer Placeholder 5">
             <a:extLst>
               <a:ext uri="{FF2B5EF4-FFF2-40B4-BE49-F238E27FC236}">
-                <a16:creationId xmlns:a16="http://schemas.microsoft.com/office/drawing/2014/main" xmlns="" id="{A6BCAE05-6F4C-44B9-A59A-E9435FAE141A}"/>
+                <a16:creationId xmlns:a16="http://schemas.microsoft.com/office/drawing/2014/main" id="{A6BCAE05-6F4C-44B9-A59A-E9435FAE141A}"/>
               </a:ext>
             </a:extLst>
           </p:cNvPr>
@@ -2431,7 +2427,7 @@
           <p:cNvPr id="7" name="Slide Number Placeholder 6">
             <a:extLst>
               <a:ext uri="{FF2B5EF4-FFF2-40B4-BE49-F238E27FC236}">
-                <a16:creationId xmlns:a16="http://schemas.microsoft.com/office/drawing/2014/main" xmlns="" id="{F3033C98-CC7D-4B89-8DEA-9E1C9B62C714}"/>
+                <a16:creationId xmlns:a16="http://schemas.microsoft.com/office/drawing/2014/main" id="{F3033C98-CC7D-4B89-8DEA-9E1C9B62C714}"/>
               </a:ext>
             </a:extLst>
           </p:cNvPr>
@@ -2490,7 +2486,7 @@
           <p:cNvPr id="2" name="Title 1">
             <a:extLst>
               <a:ext uri="{FF2B5EF4-FFF2-40B4-BE49-F238E27FC236}">
-                <a16:creationId xmlns:a16="http://schemas.microsoft.com/office/drawing/2014/main" xmlns="" id="{C5C61AB1-B345-446E-A14A-919A9FE596A9}"/>
+                <a16:creationId xmlns:a16="http://schemas.microsoft.com/office/drawing/2014/main" id="{C5C61AB1-B345-446E-A14A-919A9FE596A9}"/>
               </a:ext>
             </a:extLst>
           </p:cNvPr>
@@ -2527,7 +2523,7 @@
           <p:cNvPr id="3" name="Picture Placeholder 2">
             <a:extLst>
               <a:ext uri="{FF2B5EF4-FFF2-40B4-BE49-F238E27FC236}">
-                <a16:creationId xmlns:a16="http://schemas.microsoft.com/office/drawing/2014/main" xmlns="" id="{C8FC6971-C8D3-41FA-9E59-9267B41B86D7}"/>
+                <a16:creationId xmlns:a16="http://schemas.microsoft.com/office/drawing/2014/main" id="{C8FC6971-C8D3-41FA-9E59-9267B41B86D7}"/>
               </a:ext>
             </a:extLst>
           </p:cNvPr>
@@ -2594,7 +2590,7 @@
           <p:cNvPr id="4" name="Text Placeholder 3">
             <a:extLst>
               <a:ext uri="{FF2B5EF4-FFF2-40B4-BE49-F238E27FC236}">
-                <a16:creationId xmlns:a16="http://schemas.microsoft.com/office/drawing/2014/main" xmlns="" id="{6D3E27C0-ECF1-4974-89DC-5E5F1753643D}"/>
+                <a16:creationId xmlns:a16="http://schemas.microsoft.com/office/drawing/2014/main" id="{6D3E27C0-ECF1-4974-89DC-5E5F1753643D}"/>
               </a:ext>
             </a:extLst>
           </p:cNvPr>
@@ -2665,7 +2661,7 @@
           <p:cNvPr id="5" name="Date Placeholder 4">
             <a:extLst>
               <a:ext uri="{FF2B5EF4-FFF2-40B4-BE49-F238E27FC236}">
-                <a16:creationId xmlns:a16="http://schemas.microsoft.com/office/drawing/2014/main" xmlns="" id="{EB0CF908-7B88-457C-A7CB-BA8E59EFE6B1}"/>
+                <a16:creationId xmlns:a16="http://schemas.microsoft.com/office/drawing/2014/main" id="{EB0CF908-7B88-457C-A7CB-BA8E59EFE6B1}"/>
               </a:ext>
             </a:extLst>
           </p:cNvPr>
@@ -2683,7 +2679,7 @@
           <a:p>
             <a:fld id="{E040DD28-DA01-4164-BF9D-AEC6AAD07A3E}" type="datetimeFigureOut">
               <a:rPr lang="en-US" smtClean="0"/>
-              <a:t>1/23/2018</a:t>
+              <a:t>2/20/18</a:t>
             </a:fld>
             <a:endParaRPr lang="en-US"/>
           </a:p>
@@ -2694,7 +2690,7 @@
           <p:cNvPr id="6" name="Footer Placeholder 5">
             <a:extLst>
               <a:ext uri="{FF2B5EF4-FFF2-40B4-BE49-F238E27FC236}">
-                <a16:creationId xmlns:a16="http://schemas.microsoft.com/office/drawing/2014/main" xmlns="" id="{9EFEFD02-5829-4D99-8387-FA6DDA7FDCE6}"/>
+                <a16:creationId xmlns:a16="http://schemas.microsoft.com/office/drawing/2014/main" id="{9EFEFD02-5829-4D99-8387-FA6DDA7FDCE6}"/>
               </a:ext>
             </a:extLst>
           </p:cNvPr>
@@ -2719,7 +2715,7 @@
           <p:cNvPr id="7" name="Slide Number Placeholder 6">
             <a:extLst>
               <a:ext uri="{FF2B5EF4-FFF2-40B4-BE49-F238E27FC236}">
-                <a16:creationId xmlns:a16="http://schemas.microsoft.com/office/drawing/2014/main" xmlns="" id="{CC83D447-B6BD-4EB6-84FA-277F982BD485}"/>
+                <a16:creationId xmlns:a16="http://schemas.microsoft.com/office/drawing/2014/main" id="{CC83D447-B6BD-4EB6-84FA-277F982BD485}"/>
               </a:ext>
             </a:extLst>
           </p:cNvPr>
@@ -2783,7 +2779,7 @@
           <p:cNvPr id="2" name="Title Placeholder 1">
             <a:extLst>
               <a:ext uri="{FF2B5EF4-FFF2-40B4-BE49-F238E27FC236}">
-                <a16:creationId xmlns:a16="http://schemas.microsoft.com/office/drawing/2014/main" xmlns="" id="{BF4BEE1F-B564-43B7-B55B-42176FDCF6A5}"/>
+                <a16:creationId xmlns:a16="http://schemas.microsoft.com/office/drawing/2014/main" id="{BF4BEE1F-B564-43B7-B55B-42176FDCF6A5}"/>
               </a:ext>
             </a:extLst>
           </p:cNvPr>
@@ -2821,7 +2817,7 @@
           <p:cNvPr id="3" name="Text Placeholder 2">
             <a:extLst>
               <a:ext uri="{FF2B5EF4-FFF2-40B4-BE49-F238E27FC236}">
-                <a16:creationId xmlns:a16="http://schemas.microsoft.com/office/drawing/2014/main" xmlns="" id="{C280B79D-E421-4AC8-A9C2-4B56DA344FB6}"/>
+                <a16:creationId xmlns:a16="http://schemas.microsoft.com/office/drawing/2014/main" id="{C280B79D-E421-4AC8-A9C2-4B56DA344FB6}"/>
               </a:ext>
             </a:extLst>
           </p:cNvPr>
@@ -2888,7 +2884,7 @@
           <p:cNvPr id="4" name="Date Placeholder 3">
             <a:extLst>
               <a:ext uri="{FF2B5EF4-FFF2-40B4-BE49-F238E27FC236}">
-                <a16:creationId xmlns:a16="http://schemas.microsoft.com/office/drawing/2014/main" xmlns="" id="{5805F7AC-3768-4B7D-A30D-D8CB381EF3DC}"/>
+                <a16:creationId xmlns:a16="http://schemas.microsoft.com/office/drawing/2014/main" id="{5805F7AC-3768-4B7D-A30D-D8CB381EF3DC}"/>
               </a:ext>
             </a:extLst>
           </p:cNvPr>
@@ -2924,7 +2920,7 @@
           <a:p>
             <a:fld id="{E040DD28-DA01-4164-BF9D-AEC6AAD07A3E}" type="datetimeFigureOut">
               <a:rPr lang="en-US" smtClean="0"/>
-              <a:t>1/23/2018</a:t>
+              <a:t>2/20/18</a:t>
             </a:fld>
             <a:endParaRPr lang="en-US"/>
           </a:p>
@@ -2935,7 +2931,7 @@
           <p:cNvPr id="5" name="Footer Placeholder 4">
             <a:extLst>
               <a:ext uri="{FF2B5EF4-FFF2-40B4-BE49-F238E27FC236}">
-                <a16:creationId xmlns:a16="http://schemas.microsoft.com/office/drawing/2014/main" xmlns="" id="{1F22F8AA-82E2-4EE1-A481-8556E12EA635}"/>
+                <a16:creationId xmlns:a16="http://schemas.microsoft.com/office/drawing/2014/main" id="{1F22F8AA-82E2-4EE1-A481-8556E12EA635}"/>
               </a:ext>
             </a:extLst>
           </p:cNvPr>
@@ -2978,7 +2974,7 @@
           <p:cNvPr id="6" name="Slide Number Placeholder 5">
             <a:extLst>
               <a:ext uri="{FF2B5EF4-FFF2-40B4-BE49-F238E27FC236}">
-                <a16:creationId xmlns:a16="http://schemas.microsoft.com/office/drawing/2014/main" xmlns="" id="{AEDE27F2-C1D2-4B19-8C04-6B34AC016DA7}"/>
+                <a16:creationId xmlns:a16="http://schemas.microsoft.com/office/drawing/2014/main" id="{AEDE27F2-C1D2-4B19-8C04-6B34AC016DA7}"/>
               </a:ext>
             </a:extLst>
           </p:cNvPr>
@@ -3364,11 +3360,11 @@
           <a:lstStyle/>
           <a:p>
             <a:r>
-              <a:rPr kumimoji="1" lang="en-US" altLang="ja-JP" dirty="0" smtClean="0"/>
+              <a:rPr kumimoji="1" lang="en-US" altLang="ja-JP" dirty="0"/>
               <a:t>What is means by having </a:t>
             </a:r>
             <a:r>
-              <a:rPr kumimoji="1" lang="en-US" altLang="ja-JP" b="1" dirty="0" smtClean="0">
+              <a:rPr kumimoji="1" lang="en-US" altLang="ja-JP" b="1" dirty="0">
                 <a:solidFill>
                   <a:srgbClr val="FF0000"/>
                 </a:solidFill>
@@ -3376,7 +3372,7 @@
               <a:t>O(</a:t>
             </a:r>
             <a:r>
-              <a:rPr kumimoji="1" lang="en-US" altLang="ja-JP" b="1" dirty="0" err="1" smtClean="0">
+              <a:rPr kumimoji="1" lang="en-US" altLang="ja-JP" b="1" dirty="0" err="1">
                 <a:solidFill>
                   <a:srgbClr val="FF0000"/>
                 </a:solidFill>
@@ -3384,7 +3380,7 @@
               <a:t>logn</a:t>
             </a:r>
             <a:r>
-              <a:rPr kumimoji="1" lang="en-US" altLang="ja-JP" b="1" dirty="0" smtClean="0">
+              <a:rPr kumimoji="1" lang="en-US" altLang="ja-JP" b="1" dirty="0">
                 <a:solidFill>
                   <a:srgbClr val="FF0000"/>
                 </a:solidFill>
@@ -3392,7 +3388,7 @@
               <a:t>)</a:t>
             </a:r>
             <a:r>
-              <a:rPr kumimoji="1" lang="en-US" altLang="ja-JP" dirty="0" smtClean="0"/>
+              <a:rPr kumimoji="1" lang="en-US" altLang="ja-JP" dirty="0"/>
               <a:t> time complexity?</a:t>
             </a:r>
           </a:p>
@@ -3403,15 +3399,7 @@
             </a:pPr>
             <a:r>
               <a:rPr lang="en-US" altLang="ja-JP" dirty="0"/>
-              <a:t>(</a:t>
-            </a:r>
-            <a:r>
-              <a:rPr lang="en-US" altLang="ja-JP" dirty="0"/>
-              <a:t>O(log n)</a:t>
-            </a:r>
-            <a:r>
-              <a:rPr lang="en-US" altLang="ja-JP" dirty="0"/>
-              <a:t>) essentially means that the running time grows in proportion to the </a:t>
+              <a:t>(O(log n)) essentially means that the running time grows in proportion to the </a:t>
             </a:r>
             <a:r>
               <a:rPr lang="en-US" altLang="ja-JP" i="1" dirty="0"/>
@@ -3419,11 +3407,19 @@
             </a:r>
             <a:r>
               <a:rPr lang="en-US" altLang="ja-JP" dirty="0"/>
-              <a:t> of the input size - as an example, if 10 items takes at most some amount of time </a:t>
+              <a:t> of the input size - as an example, if 10 items takes at most some amount of time x, and </a:t>
+            </a:r>
+            <a:r>
+              <a:rPr lang="en-US" altLang="ja-JP" b="1" dirty="0"/>
+              <a:t>100</a:t>
             </a:r>
             <a:r>
               <a:rPr lang="en-US" altLang="ja-JP" dirty="0"/>
-              <a:t>x</a:t>
+              <a:t> items takes at most, say, </a:t>
+            </a:r>
+            <a:r>
+              <a:rPr lang="en-US" altLang="ja-JP" b="1" dirty="0"/>
+              <a:t>2x</a:t>
             </a:r>
             <a:r>
               <a:rPr lang="en-US" altLang="ja-JP" dirty="0"/>
@@ -3431,34 +3427,14 @@
             </a:r>
             <a:r>
               <a:rPr lang="en-US" altLang="ja-JP" b="1" dirty="0"/>
-              <a:t>100</a:t>
+              <a:t>10,000 </a:t>
             </a:r>
             <a:r>
               <a:rPr lang="en-US" altLang="ja-JP" dirty="0"/>
-              <a:t> items takes at most, say, </a:t>
+              <a:t>items takes at most </a:t>
             </a:r>
             <a:r>
               <a:rPr lang="en-US" altLang="ja-JP" b="1" dirty="0"/>
-              <a:t>2x</a:t>
-            </a:r>
-            <a:r>
-              <a:rPr lang="en-US" altLang="ja-JP" dirty="0"/>
-              <a:t>, and </a:t>
-            </a:r>
-            <a:r>
-              <a:rPr lang="en-US" altLang="ja-JP" b="1" dirty="0" smtClean="0"/>
-              <a:t>10,000 </a:t>
-            </a:r>
-            <a:r>
-              <a:rPr lang="en-US" altLang="ja-JP" dirty="0" smtClean="0"/>
-              <a:t>items </a:t>
-            </a:r>
-            <a:r>
-              <a:rPr lang="en-US" altLang="ja-JP" dirty="0"/>
-              <a:t>takes at most </a:t>
-            </a:r>
-            <a:r>
-              <a:rPr lang="en-US" altLang="ja-JP" b="1" dirty="0" smtClean="0"/>
               <a:t>4x</a:t>
             </a:r>
           </a:p>
@@ -3468,19 +3444,19 @@
               <a:buChar char="•"/>
             </a:pPr>
             <a:r>
-              <a:rPr kumimoji="1" lang="zh-CN" altLang="en-US" dirty="0" smtClean="0"/>
+              <a:rPr kumimoji="1" lang="zh-CN" altLang="en-US" dirty="0"/>
               <a:t>就是时间复杂度随着</a:t>
             </a:r>
             <a:r>
-              <a:rPr kumimoji="1" lang="en-US" altLang="zh-CN" dirty="0" smtClean="0"/>
+              <a:rPr kumimoji="1" lang="en-US" altLang="zh-CN" dirty="0"/>
               <a:t>input size n</a:t>
             </a:r>
             <a:r>
-              <a:rPr kumimoji="1" lang="zh-CN" altLang="en-US" dirty="0" smtClean="0"/>
+              <a:rPr kumimoji="1" lang="zh-CN" altLang="en-US" dirty="0"/>
               <a:t>的增长而增长，增长率是</a:t>
             </a:r>
             <a:r>
-              <a:rPr kumimoji="1" lang="en-US" altLang="zh-CN" smtClean="0"/>
+              <a:rPr kumimoji="1" lang="en-US" altLang="zh-CN"/>
               <a:t>log n</a:t>
             </a:r>
           </a:p>
@@ -3490,6 +3466,297 @@
               <a:buChar char="•"/>
             </a:pPr>
             <a:endParaRPr kumimoji="1" lang="ja-JP" altLang="en-US" dirty="0"/>
+          </a:p>
+        </p:txBody>
+      </p:sp>
+      <p:sp>
+        <p:nvSpPr>
+          <p:cNvPr id="3" name="テキスト ボックス 3">
+            <a:extLst>
+              <a:ext uri="{FF2B5EF4-FFF2-40B4-BE49-F238E27FC236}">
+                <a16:creationId xmlns:a16="http://schemas.microsoft.com/office/drawing/2014/main" id="{2CEB2075-D44C-1442-B073-9B8CCD3B9C39}"/>
+              </a:ext>
+            </a:extLst>
+          </p:cNvPr>
+          <p:cNvSpPr txBox="1"/>
+          <p:nvPr/>
+        </p:nvSpPr>
+        <p:spPr>
+          <a:xfrm>
+            <a:off x="1186544" y="4140874"/>
+            <a:ext cx="7135287" cy="2292935"/>
+          </a:xfrm>
+          <a:prstGeom prst="rect">
+            <a:avLst/>
+          </a:prstGeom>
+          <a:noFill/>
+        </p:spPr>
+        <p:txBody>
+          <a:bodyPr wrap="none" rtlCol="0">
+            <a:spAutoFit/>
+          </a:bodyPr>
+          <a:lstStyle/>
+          <a:p>
+            <a:r>
+              <a:rPr kumimoji="1" lang="en-US" altLang="ja-JP" sz="1100" b="1" dirty="0">
+                <a:solidFill>
+                  <a:srgbClr val="FF0000"/>
+                </a:solidFill>
+              </a:rPr>
+              <a:t>DFS</a:t>
+            </a:r>
+            <a:r>
+              <a:rPr kumimoji="1" lang="en-US" altLang="ja-JP" sz="1100" dirty="0"/>
+              <a:t>: </a:t>
+            </a:r>
+            <a:r>
+              <a:rPr kumimoji="1" lang="zh-CN" altLang="en-US" sz="1100" dirty="0"/>
+              <a:t>因为看到新的</a:t>
+            </a:r>
+            <a:r>
+              <a:rPr kumimoji="1" lang="en-US" altLang="zh-CN" sz="1100" dirty="0"/>
+              <a:t>child</a:t>
+            </a:r>
+            <a:r>
+              <a:rPr kumimoji="1" lang="zh-CN" altLang="en-US" sz="1100" dirty="0"/>
+              <a:t>就</a:t>
+            </a:r>
+            <a:r>
+              <a:rPr kumimoji="1" lang="en-US" altLang="zh-CN" sz="1100" dirty="0"/>
+              <a:t>push</a:t>
+            </a:r>
+            <a:r>
+              <a:rPr kumimoji="1" lang="zh-CN" altLang="en-US" sz="1100" dirty="0"/>
+              <a:t>到</a:t>
+            </a:r>
+            <a:r>
+              <a:rPr kumimoji="1" lang="en-US" altLang="zh-CN" sz="1100" dirty="0"/>
+              <a:t>stack</a:t>
+            </a:r>
+            <a:r>
+              <a:rPr kumimoji="1" lang="zh-CN" altLang="en-US" sz="1100" dirty="0"/>
+              <a:t>里，所以会往深处走</a:t>
+            </a:r>
+            <a:endParaRPr kumimoji="1" lang="en-US" altLang="ja-JP" sz="1100" dirty="0"/>
+          </a:p>
+          <a:p>
+            <a:pPr marL="342900" indent="-342900">
+              <a:buFont typeface="+mj-lt"/>
+              <a:buAutoNum type="arabicPeriod"/>
+            </a:pPr>
+            <a:r>
+              <a:rPr lang="en-US" altLang="ja-JP" sz="1100" dirty="0"/>
+              <a:t>Push root to </a:t>
+            </a:r>
+            <a:r>
+              <a:rPr lang="en-US" altLang="ja-JP" sz="1100" b="1" u="sng" dirty="0"/>
+              <a:t>stack</a:t>
+            </a:r>
+          </a:p>
+          <a:p>
+            <a:pPr marL="342900" indent="-342900">
+              <a:buFont typeface="+mj-lt"/>
+              <a:buAutoNum type="arabicPeriod"/>
+            </a:pPr>
+            <a:r>
+              <a:rPr kumimoji="1" lang="en-US" altLang="ja-JP" sz="1100" dirty="0"/>
+              <a:t>Loop until stack empty</a:t>
+            </a:r>
+          </a:p>
+          <a:p>
+            <a:pPr marL="342900" indent="-342900">
+              <a:buFont typeface="+mj-lt"/>
+              <a:buAutoNum type="arabicPeriod"/>
+            </a:pPr>
+            <a:r>
+              <a:rPr lang="en-US" altLang="ja-JP" sz="1100" dirty="0"/>
+              <a:t>Peek the node in stack</a:t>
+            </a:r>
+          </a:p>
+          <a:p>
+            <a:pPr marL="342900" indent="-342900">
+              <a:buFont typeface="+mj-lt"/>
+              <a:buAutoNum type="arabicPeriod"/>
+            </a:pPr>
+            <a:r>
+              <a:rPr kumimoji="1" lang="en-US" altLang="ja-JP" sz="1100" dirty="0"/>
+              <a:t>If this node has unvisited a child, get this child, mark </a:t>
+            </a:r>
+            <a:r>
+              <a:rPr kumimoji="1" lang="en-US" altLang="ja-JP" sz="1100" b="1" u="sng" dirty="0"/>
+              <a:t>it</a:t>
+            </a:r>
+            <a:r>
+              <a:rPr kumimoji="1" lang="en-US" altLang="ja-JP" sz="1100" dirty="0"/>
+              <a:t> as visited and push it to stack (</a:t>
+            </a:r>
+            <a:r>
+              <a:rPr kumimoji="1" lang="zh-CN" altLang="en-US" sz="1100" dirty="0"/>
+              <a:t>这个</a:t>
+            </a:r>
+            <a:r>
+              <a:rPr kumimoji="1" lang="en-US" altLang="zh-CN" sz="1100" dirty="0"/>
+              <a:t>child</a:t>
+            </a:r>
+            <a:r>
+              <a:rPr kumimoji="1" lang="zh-CN" altLang="en-US" sz="1100" dirty="0"/>
+              <a:t>现在在</a:t>
+            </a:r>
+            <a:r>
+              <a:rPr kumimoji="1" lang="en-US" altLang="zh-CN" sz="1100" dirty="0"/>
+              <a:t>stack</a:t>
+            </a:r>
+            <a:r>
+              <a:rPr kumimoji="1" lang="zh-CN" altLang="en-US" sz="1100" dirty="0"/>
+              <a:t>最上面</a:t>
+            </a:r>
+            <a:r>
+              <a:rPr kumimoji="1" lang="en-US" altLang="ja-JP" sz="1100" dirty="0"/>
+              <a:t>)</a:t>
+            </a:r>
+          </a:p>
+          <a:p>
+            <a:pPr marL="800100" lvl="1" indent="-342900">
+              <a:buFont typeface="Arial" panose="020B0604020202020204" pitchFamily="34" charset="0"/>
+              <a:buChar char="•"/>
+            </a:pPr>
+            <a:r>
+              <a:rPr lang="zh-CN" altLang="en-US" sz="1100" dirty="0"/>
+              <a:t>注意，看到一个</a:t>
+            </a:r>
+            <a:r>
+              <a:rPr lang="en-US" altLang="zh-CN" sz="1100" dirty="0"/>
+              <a:t>unvisited child</a:t>
+            </a:r>
+            <a:r>
+              <a:rPr lang="zh-CN" altLang="en-US" sz="1100" dirty="0"/>
+              <a:t>就直接</a:t>
+            </a:r>
+            <a:r>
+              <a:rPr lang="en-US" altLang="zh-CN" sz="1100" dirty="0"/>
+              <a:t>push</a:t>
+            </a:r>
+            <a:r>
+              <a:rPr lang="zh-CN" altLang="en-US" sz="1100" dirty="0"/>
+              <a:t>， 先不管其他的</a:t>
+            </a:r>
+            <a:r>
+              <a:rPr lang="en-US" altLang="zh-CN" sz="1100" dirty="0"/>
+              <a:t>unvisited child</a:t>
+            </a:r>
+            <a:endParaRPr kumimoji="1" lang="en-US" altLang="ja-JP" sz="1100" dirty="0"/>
+          </a:p>
+          <a:p>
+            <a:pPr marL="342900" indent="-342900">
+              <a:buFont typeface="+mj-lt"/>
+              <a:buAutoNum type="arabicPeriod"/>
+            </a:pPr>
+            <a:r>
+              <a:rPr kumimoji="1" lang="en-US" altLang="ja-JP" sz="1100" dirty="0"/>
+              <a:t>If this node does NOT have unvisited child, pop it out.</a:t>
+            </a:r>
+            <a:endParaRPr kumimoji="1" lang="en-US" altLang="ja-JP" sz="1100" b="1" dirty="0">
+              <a:solidFill>
+                <a:srgbClr val="FF0000"/>
+              </a:solidFill>
+            </a:endParaRPr>
+          </a:p>
+          <a:p>
+            <a:r>
+              <a:rPr kumimoji="1" lang="en-US" altLang="zh-CN" sz="1100" b="1" dirty="0">
+                <a:solidFill>
+                  <a:srgbClr val="FF0000"/>
+                </a:solidFill>
+              </a:rPr>
+              <a:t>BFS</a:t>
+            </a:r>
+            <a:r>
+              <a:rPr kumimoji="1" lang="en-US" altLang="zh-CN" sz="1100" dirty="0"/>
+              <a:t>: </a:t>
+            </a:r>
+          </a:p>
+          <a:p>
+            <a:pPr marL="342900" indent="-342900">
+              <a:buFont typeface="+mj-lt"/>
+              <a:buAutoNum type="arabicPeriod"/>
+            </a:pPr>
+            <a:r>
+              <a:rPr kumimoji="1" lang="en-US" altLang="zh-CN" sz="1100" dirty="0"/>
+              <a:t>Push root to </a:t>
+            </a:r>
+            <a:r>
+              <a:rPr kumimoji="1" lang="en-US" altLang="zh-CN" sz="1100" b="1" u="sng" dirty="0"/>
+              <a:t>queue</a:t>
+            </a:r>
+          </a:p>
+          <a:p>
+            <a:pPr marL="342900" indent="-342900">
+              <a:buFont typeface="+mj-lt"/>
+              <a:buAutoNum type="arabicPeriod"/>
+            </a:pPr>
+            <a:r>
+              <a:rPr lang="en-US" altLang="ja-JP" sz="1100" dirty="0"/>
+              <a:t>Loop until queue empty</a:t>
+            </a:r>
+          </a:p>
+          <a:p>
+            <a:pPr marL="342900" indent="-342900">
+              <a:buFont typeface="+mj-lt"/>
+              <a:buAutoNum type="arabicPeriod"/>
+            </a:pPr>
+            <a:r>
+              <a:rPr kumimoji="1" lang="en-US" altLang="ja-JP" sz="1100" dirty="0"/>
+              <a:t>Remove a node in queue</a:t>
+            </a:r>
+          </a:p>
+          <a:p>
+            <a:pPr marL="342900" indent="-342900">
+              <a:buFont typeface="+mj-lt"/>
+              <a:buAutoNum type="arabicPeriod"/>
+            </a:pPr>
+            <a:r>
+              <a:rPr lang="en-US" altLang="ja-JP" sz="1100" dirty="0"/>
+              <a:t>If this node has unvisited child, mark </a:t>
+            </a:r>
+            <a:r>
+              <a:rPr lang="en-US" altLang="ja-JP" sz="1100" b="1" u="sng" dirty="0"/>
+              <a:t>them</a:t>
+            </a:r>
+            <a:r>
+              <a:rPr lang="en-US" altLang="ja-JP" sz="1100" dirty="0"/>
+              <a:t> as visited and push it to queue ()</a:t>
+            </a:r>
+          </a:p>
+          <a:p>
+            <a:pPr marL="800100" lvl="1" indent="-342900">
+              <a:buFont typeface="Arial" panose="020B0604020202020204" pitchFamily="34" charset="0"/>
+              <a:buChar char="•"/>
+            </a:pPr>
+            <a:r>
+              <a:rPr kumimoji="1" lang="zh-CN" altLang="en-US" sz="1100" dirty="0"/>
+              <a:t>注意，这一步要把所有</a:t>
+            </a:r>
+            <a:r>
+              <a:rPr kumimoji="1" lang="en-US" altLang="zh-CN" sz="1100" dirty="0"/>
+              <a:t>unvisited child</a:t>
+            </a:r>
+            <a:r>
+              <a:rPr kumimoji="1" lang="zh-CN" altLang="en-US" sz="1100" dirty="0"/>
+              <a:t>都</a:t>
+            </a:r>
+            <a:r>
+              <a:rPr kumimoji="1" lang="en-US" altLang="zh-CN" sz="1100" dirty="0"/>
+              <a:t>push</a:t>
+            </a:r>
+            <a:r>
+              <a:rPr kumimoji="1" lang="zh-CN" altLang="en-US" sz="1100" dirty="0"/>
+              <a:t>进</a:t>
+            </a:r>
+            <a:r>
+              <a:rPr kumimoji="1" lang="en-US" altLang="zh-CN" sz="1100" dirty="0"/>
+              <a:t>queue</a:t>
+            </a:r>
+            <a:endParaRPr kumimoji="1" lang="ja-JP" altLang="en-US" sz="1100" dirty="0"/>
           </a:p>
         </p:txBody>
       </p:sp>
@@ -3795,7 +4062,7 @@
   <a:extraClrSchemeLst/>
   <a:extLst>
     <a:ext uri="{05A4C25C-085E-4340-85A3-A5531E510DB2}">
-      <thm15:themeFamily xmlns:thm15="http://schemas.microsoft.com/office/thememl/2012/main" xmlns="" name="Office Theme" id="{62F939B6-93AF-4DB8-9C6B-D6C7DFDC589F}" vid="{4A3C46E8-61CC-4603-A589-7422A47A8E4A}"/>
+      <thm15:themeFamily xmlns:thm15="http://schemas.microsoft.com/office/thememl/2012/main" name="Office Theme" id="{62F939B6-93AF-4DB8-9C6B-D6C7DFDC589F}" vid="{4A3C46E8-61CC-4603-A589-7422A47A8E4A}"/>
     </a:ext>
   </a:extLst>
 </a:theme>

--- a/temp.pptx
+++ b/temp.pptx
@@ -104,6 +104,22 @@
       </a:defRPr>
     </a:lvl9pPr>
   </p:defaultTextStyle>
+  <p:extLst>
+    <p:ext uri="{EFAFB233-063F-42B5-8137-9DF3F51BA10A}">
+      <p15:sldGuideLst xmlns:p15="http://schemas.microsoft.com/office/powerpoint/2012/main">
+        <p15:guide id="1" orient="horz" pos="2880">
+          <p15:clr>
+            <a:srgbClr val="A4A3A4"/>
+          </p15:clr>
+        </p15:guide>
+        <p15:guide id="2" pos="2160">
+          <p15:clr>
+            <a:srgbClr val="A4A3A4"/>
+          </p15:clr>
+        </p15:guide>
+      </p15:sldGuideLst>
+    </p:ext>
+  </p:extLst>
 </p:presentation>
 </file>
 
@@ -145,10 +161,9 @@
           <a:lstStyle/>
           <a:p>
             <a:r>
-              <a:rPr kumimoji="1" lang="ja-JP" altLang="en-US" smtClean="0"/>
+              <a:rPr kumimoji="1" lang="ja-JP" altLang="en-US"/>
               <a:t>マスタ タイトルの書式設定</a:t>
             </a:r>
-            <a:endParaRPr kumimoji="1" lang="ja-JP" altLang="en-US"/>
           </a:p>
         </p:txBody>
       </p:sp>
@@ -264,10 +279,9 @@
           </a:lstStyle>
           <a:p>
             <a:r>
-              <a:rPr kumimoji="1" lang="ja-JP" altLang="en-US" smtClean="0"/>
+              <a:rPr kumimoji="1" lang="ja-JP" altLang="en-US"/>
               <a:t>マスタ サブタイトルの書式設定</a:t>
             </a:r>
-            <a:endParaRPr kumimoji="1" lang="ja-JP" altLang="en-US"/>
           </a:p>
         </p:txBody>
       </p:sp>
@@ -288,7 +302,7 @@
           <a:p>
             <a:fld id="{E90ED720-0104-4369-84BC-D37694168613}" type="datetimeFigureOut">
               <a:rPr kumimoji="1" lang="ja-JP" altLang="en-US" smtClean="0"/>
-              <a:t>2018/9/10</a:t>
+              <a:t>2018/9/11</a:t>
             </a:fld>
             <a:endParaRPr kumimoji="1" lang="ja-JP" altLang="en-US"/>
           </a:p>
@@ -377,10 +391,9 @@
           <a:lstStyle/>
           <a:p>
             <a:r>
-              <a:rPr kumimoji="1" lang="ja-JP" altLang="en-US" smtClean="0"/>
+              <a:rPr kumimoji="1" lang="ja-JP" altLang="en-US"/>
               <a:t>マスタ タイトルの書式設定</a:t>
             </a:r>
-            <a:endParaRPr kumimoji="1" lang="ja-JP" altLang="en-US"/>
           </a:p>
         </p:txBody>
       </p:sp>
@@ -401,70 +414,69 @@
           <a:p>
             <a:pPr lvl="0"/>
             <a:r>
-              <a:rPr kumimoji="1" lang="ja-JP" altLang="en-US" smtClean="0"/>
+              <a:rPr kumimoji="1" lang="ja-JP" altLang="en-US"/>
               <a:t>マスタ テキストの書式設定</a:t>
             </a:r>
           </a:p>
           <a:p>
             <a:pPr lvl="1"/>
             <a:r>
-              <a:rPr kumimoji="1" lang="ja-JP" altLang="en-US" smtClean="0"/>
+              <a:rPr kumimoji="1" lang="ja-JP" altLang="en-US"/>
               <a:t>第 </a:t>
             </a:r>
             <a:r>
-              <a:rPr kumimoji="1" lang="en-US" altLang="ja-JP" smtClean="0"/>
+              <a:rPr kumimoji="1" lang="en-US" altLang="ja-JP"/>
               <a:t>2 </a:t>
             </a:r>
             <a:r>
-              <a:rPr kumimoji="1" lang="ja-JP" altLang="en-US" smtClean="0"/>
+              <a:rPr kumimoji="1" lang="ja-JP" altLang="en-US"/>
               <a:t>レベル</a:t>
             </a:r>
           </a:p>
           <a:p>
             <a:pPr lvl="2"/>
             <a:r>
-              <a:rPr kumimoji="1" lang="ja-JP" altLang="en-US" smtClean="0"/>
+              <a:rPr kumimoji="1" lang="ja-JP" altLang="en-US"/>
               <a:t>第 </a:t>
             </a:r>
             <a:r>
-              <a:rPr kumimoji="1" lang="en-US" altLang="ja-JP" smtClean="0"/>
+              <a:rPr kumimoji="1" lang="en-US" altLang="ja-JP"/>
               <a:t>3 </a:t>
             </a:r>
             <a:r>
-              <a:rPr kumimoji="1" lang="ja-JP" altLang="en-US" smtClean="0"/>
+              <a:rPr kumimoji="1" lang="ja-JP" altLang="en-US"/>
               <a:t>レベル</a:t>
             </a:r>
           </a:p>
           <a:p>
             <a:pPr lvl="3"/>
             <a:r>
-              <a:rPr kumimoji="1" lang="ja-JP" altLang="en-US" smtClean="0"/>
+              <a:rPr kumimoji="1" lang="ja-JP" altLang="en-US"/>
               <a:t>第 </a:t>
             </a:r>
             <a:r>
-              <a:rPr kumimoji="1" lang="en-US" altLang="ja-JP" smtClean="0"/>
+              <a:rPr kumimoji="1" lang="en-US" altLang="ja-JP"/>
               <a:t>4 </a:t>
             </a:r>
             <a:r>
-              <a:rPr kumimoji="1" lang="ja-JP" altLang="en-US" smtClean="0"/>
+              <a:rPr kumimoji="1" lang="ja-JP" altLang="en-US"/>
               <a:t>レベル</a:t>
             </a:r>
           </a:p>
           <a:p>
             <a:pPr lvl="4"/>
             <a:r>
-              <a:rPr kumimoji="1" lang="ja-JP" altLang="en-US" smtClean="0"/>
+              <a:rPr kumimoji="1" lang="ja-JP" altLang="en-US"/>
               <a:t>第 </a:t>
             </a:r>
             <a:r>
-              <a:rPr kumimoji="1" lang="en-US" altLang="ja-JP" smtClean="0"/>
+              <a:rPr kumimoji="1" lang="en-US" altLang="ja-JP"/>
               <a:t>5 </a:t>
             </a:r>
             <a:r>
-              <a:rPr kumimoji="1" lang="ja-JP" altLang="en-US" smtClean="0"/>
+              <a:rPr kumimoji="1" lang="ja-JP" altLang="en-US"/>
               <a:t>レベル</a:t>
             </a:r>
-            <a:endParaRPr kumimoji="1" lang="ja-JP" altLang="en-US"/>
           </a:p>
         </p:txBody>
       </p:sp>
@@ -485,7 +497,7 @@
           <a:p>
             <a:fld id="{E90ED720-0104-4369-84BC-D37694168613}" type="datetimeFigureOut">
               <a:rPr kumimoji="1" lang="ja-JP" altLang="en-US" smtClean="0"/>
-              <a:t>2018/9/10</a:t>
+              <a:t>2018/9/11</a:t>
             </a:fld>
             <a:endParaRPr kumimoji="1" lang="ja-JP" altLang="en-US"/>
           </a:p>
@@ -579,10 +591,9 @@
           <a:lstStyle/>
           <a:p>
             <a:r>
-              <a:rPr kumimoji="1" lang="ja-JP" altLang="en-US" smtClean="0"/>
+              <a:rPr kumimoji="1" lang="ja-JP" altLang="en-US"/>
               <a:t>マスタ タイトルの書式設定</a:t>
             </a:r>
-            <a:endParaRPr kumimoji="1" lang="ja-JP" altLang="en-US"/>
           </a:p>
         </p:txBody>
       </p:sp>
@@ -608,70 +619,69 @@
           <a:p>
             <a:pPr lvl="0"/>
             <a:r>
-              <a:rPr kumimoji="1" lang="ja-JP" altLang="en-US" smtClean="0"/>
+              <a:rPr kumimoji="1" lang="ja-JP" altLang="en-US"/>
               <a:t>マスタ テキストの書式設定</a:t>
             </a:r>
           </a:p>
           <a:p>
             <a:pPr lvl="1"/>
             <a:r>
-              <a:rPr kumimoji="1" lang="ja-JP" altLang="en-US" smtClean="0"/>
+              <a:rPr kumimoji="1" lang="ja-JP" altLang="en-US"/>
               <a:t>第 </a:t>
             </a:r>
             <a:r>
-              <a:rPr kumimoji="1" lang="en-US" altLang="ja-JP" smtClean="0"/>
+              <a:rPr kumimoji="1" lang="en-US" altLang="ja-JP"/>
               <a:t>2 </a:t>
             </a:r>
             <a:r>
-              <a:rPr kumimoji="1" lang="ja-JP" altLang="en-US" smtClean="0"/>
+              <a:rPr kumimoji="1" lang="ja-JP" altLang="en-US"/>
               <a:t>レベル</a:t>
             </a:r>
           </a:p>
           <a:p>
             <a:pPr lvl="2"/>
             <a:r>
-              <a:rPr kumimoji="1" lang="ja-JP" altLang="en-US" smtClean="0"/>
+              <a:rPr kumimoji="1" lang="ja-JP" altLang="en-US"/>
               <a:t>第 </a:t>
             </a:r>
             <a:r>
-              <a:rPr kumimoji="1" lang="en-US" altLang="ja-JP" smtClean="0"/>
+              <a:rPr kumimoji="1" lang="en-US" altLang="ja-JP"/>
               <a:t>3 </a:t>
             </a:r>
             <a:r>
-              <a:rPr kumimoji="1" lang="ja-JP" altLang="en-US" smtClean="0"/>
+              <a:rPr kumimoji="1" lang="ja-JP" altLang="en-US"/>
               <a:t>レベル</a:t>
             </a:r>
           </a:p>
           <a:p>
             <a:pPr lvl="3"/>
             <a:r>
-              <a:rPr kumimoji="1" lang="ja-JP" altLang="en-US" smtClean="0"/>
+              <a:rPr kumimoji="1" lang="ja-JP" altLang="en-US"/>
               <a:t>第 </a:t>
             </a:r>
             <a:r>
-              <a:rPr kumimoji="1" lang="en-US" altLang="ja-JP" smtClean="0"/>
+              <a:rPr kumimoji="1" lang="en-US" altLang="ja-JP"/>
               <a:t>4 </a:t>
             </a:r>
             <a:r>
-              <a:rPr kumimoji="1" lang="ja-JP" altLang="en-US" smtClean="0"/>
+              <a:rPr kumimoji="1" lang="ja-JP" altLang="en-US"/>
               <a:t>レベル</a:t>
             </a:r>
           </a:p>
           <a:p>
             <a:pPr lvl="4"/>
             <a:r>
-              <a:rPr kumimoji="1" lang="ja-JP" altLang="en-US" smtClean="0"/>
+              <a:rPr kumimoji="1" lang="ja-JP" altLang="en-US"/>
               <a:t>第 </a:t>
             </a:r>
             <a:r>
-              <a:rPr kumimoji="1" lang="en-US" altLang="ja-JP" smtClean="0"/>
+              <a:rPr kumimoji="1" lang="en-US" altLang="ja-JP"/>
               <a:t>5 </a:t>
             </a:r>
             <a:r>
-              <a:rPr kumimoji="1" lang="ja-JP" altLang="en-US" smtClean="0"/>
+              <a:rPr kumimoji="1" lang="ja-JP" altLang="en-US"/>
               <a:t>レベル</a:t>
             </a:r>
-            <a:endParaRPr kumimoji="1" lang="ja-JP" altLang="en-US"/>
           </a:p>
         </p:txBody>
       </p:sp>
@@ -692,7 +702,7 @@
           <a:p>
             <a:fld id="{E90ED720-0104-4369-84BC-D37694168613}" type="datetimeFigureOut">
               <a:rPr kumimoji="1" lang="ja-JP" altLang="en-US" smtClean="0"/>
-              <a:t>2018/9/10</a:t>
+              <a:t>2018/9/11</a:t>
             </a:fld>
             <a:endParaRPr kumimoji="1" lang="ja-JP" altLang="en-US"/>
           </a:p>
@@ -781,10 +791,9 @@
           <a:lstStyle/>
           <a:p>
             <a:r>
-              <a:rPr kumimoji="1" lang="ja-JP" altLang="en-US" smtClean="0"/>
+              <a:rPr kumimoji="1" lang="ja-JP" altLang="en-US"/>
               <a:t>マスタ タイトルの書式設定</a:t>
             </a:r>
-            <a:endParaRPr kumimoji="1" lang="ja-JP" altLang="en-US"/>
           </a:p>
         </p:txBody>
       </p:sp>
@@ -805,70 +814,69 @@
           <a:p>
             <a:pPr lvl="0"/>
             <a:r>
-              <a:rPr kumimoji="1" lang="ja-JP" altLang="en-US" smtClean="0"/>
+              <a:rPr kumimoji="1" lang="ja-JP" altLang="en-US"/>
               <a:t>マスタ テキストの書式設定</a:t>
             </a:r>
           </a:p>
           <a:p>
             <a:pPr lvl="1"/>
             <a:r>
-              <a:rPr kumimoji="1" lang="ja-JP" altLang="en-US" smtClean="0"/>
+              <a:rPr kumimoji="1" lang="ja-JP" altLang="en-US"/>
               <a:t>第 </a:t>
             </a:r>
             <a:r>
-              <a:rPr kumimoji="1" lang="en-US" altLang="ja-JP" smtClean="0"/>
+              <a:rPr kumimoji="1" lang="en-US" altLang="ja-JP"/>
               <a:t>2 </a:t>
             </a:r>
             <a:r>
-              <a:rPr kumimoji="1" lang="ja-JP" altLang="en-US" smtClean="0"/>
+              <a:rPr kumimoji="1" lang="ja-JP" altLang="en-US"/>
               <a:t>レベル</a:t>
             </a:r>
           </a:p>
           <a:p>
             <a:pPr lvl="2"/>
             <a:r>
-              <a:rPr kumimoji="1" lang="ja-JP" altLang="en-US" smtClean="0"/>
+              <a:rPr kumimoji="1" lang="ja-JP" altLang="en-US"/>
               <a:t>第 </a:t>
             </a:r>
             <a:r>
-              <a:rPr kumimoji="1" lang="en-US" altLang="ja-JP" smtClean="0"/>
+              <a:rPr kumimoji="1" lang="en-US" altLang="ja-JP"/>
               <a:t>3 </a:t>
             </a:r>
             <a:r>
-              <a:rPr kumimoji="1" lang="ja-JP" altLang="en-US" smtClean="0"/>
+              <a:rPr kumimoji="1" lang="ja-JP" altLang="en-US"/>
               <a:t>レベル</a:t>
             </a:r>
           </a:p>
           <a:p>
             <a:pPr lvl="3"/>
             <a:r>
-              <a:rPr kumimoji="1" lang="ja-JP" altLang="en-US" smtClean="0"/>
+              <a:rPr kumimoji="1" lang="ja-JP" altLang="en-US"/>
               <a:t>第 </a:t>
             </a:r>
             <a:r>
-              <a:rPr kumimoji="1" lang="en-US" altLang="ja-JP" smtClean="0"/>
+              <a:rPr kumimoji="1" lang="en-US" altLang="ja-JP"/>
               <a:t>4 </a:t>
             </a:r>
             <a:r>
-              <a:rPr kumimoji="1" lang="ja-JP" altLang="en-US" smtClean="0"/>
+              <a:rPr kumimoji="1" lang="ja-JP" altLang="en-US"/>
               <a:t>レベル</a:t>
             </a:r>
           </a:p>
           <a:p>
             <a:pPr lvl="4"/>
             <a:r>
-              <a:rPr kumimoji="1" lang="ja-JP" altLang="en-US" smtClean="0"/>
+              <a:rPr kumimoji="1" lang="ja-JP" altLang="en-US"/>
               <a:t>第 </a:t>
             </a:r>
             <a:r>
-              <a:rPr kumimoji="1" lang="en-US" altLang="ja-JP" smtClean="0"/>
+              <a:rPr kumimoji="1" lang="en-US" altLang="ja-JP"/>
               <a:t>5 </a:t>
             </a:r>
             <a:r>
-              <a:rPr kumimoji="1" lang="ja-JP" altLang="en-US" smtClean="0"/>
+              <a:rPr kumimoji="1" lang="ja-JP" altLang="en-US"/>
               <a:t>レベル</a:t>
             </a:r>
-            <a:endParaRPr kumimoji="1" lang="ja-JP" altLang="en-US"/>
           </a:p>
         </p:txBody>
       </p:sp>
@@ -889,7 +897,7 @@
           <a:p>
             <a:fld id="{E90ED720-0104-4369-84BC-D37694168613}" type="datetimeFigureOut">
               <a:rPr kumimoji="1" lang="ja-JP" altLang="en-US" smtClean="0"/>
-              <a:t>2018/9/10</a:t>
+              <a:t>2018/9/11</a:t>
             </a:fld>
             <a:endParaRPr kumimoji="1" lang="ja-JP" altLang="en-US"/>
           </a:p>
@@ -987,10 +995,9 @@
           </a:lstStyle>
           <a:p>
             <a:r>
-              <a:rPr kumimoji="1" lang="ja-JP" altLang="en-US" smtClean="0"/>
+              <a:rPr kumimoji="1" lang="ja-JP" altLang="en-US"/>
               <a:t>マスタ タイトルの書式設定</a:t>
             </a:r>
-            <a:endParaRPr kumimoji="1" lang="ja-JP" altLang="en-US"/>
           </a:p>
         </p:txBody>
       </p:sp>
@@ -1107,7 +1114,7 @@
           <a:p>
             <a:pPr lvl="0"/>
             <a:r>
-              <a:rPr kumimoji="1" lang="ja-JP" altLang="en-US" smtClean="0"/>
+              <a:rPr kumimoji="1" lang="ja-JP" altLang="en-US"/>
               <a:t>マスタ テキストの書式設定</a:t>
             </a:r>
           </a:p>
@@ -1130,7 +1137,7 @@
           <a:p>
             <a:fld id="{E90ED720-0104-4369-84BC-D37694168613}" type="datetimeFigureOut">
               <a:rPr kumimoji="1" lang="ja-JP" altLang="en-US" smtClean="0"/>
-              <a:t>2018/9/10</a:t>
+              <a:t>2018/9/11</a:t>
             </a:fld>
             <a:endParaRPr kumimoji="1" lang="ja-JP" altLang="en-US"/>
           </a:p>
@@ -1219,10 +1226,9 @@
           <a:lstStyle/>
           <a:p>
             <a:r>
-              <a:rPr kumimoji="1" lang="ja-JP" altLang="en-US" smtClean="0"/>
+              <a:rPr kumimoji="1" lang="ja-JP" altLang="en-US"/>
               <a:t>マスタ タイトルの書式設定</a:t>
             </a:r>
-            <a:endParaRPr kumimoji="1" lang="ja-JP" altLang="en-US"/>
           </a:p>
         </p:txBody>
       </p:sp>
@@ -1276,70 +1282,69 @@
           <a:p>
             <a:pPr lvl="0"/>
             <a:r>
-              <a:rPr kumimoji="1" lang="ja-JP" altLang="en-US" smtClean="0"/>
+              <a:rPr kumimoji="1" lang="ja-JP" altLang="en-US"/>
               <a:t>マスタ テキストの書式設定</a:t>
             </a:r>
           </a:p>
           <a:p>
             <a:pPr lvl="1"/>
             <a:r>
-              <a:rPr kumimoji="1" lang="ja-JP" altLang="en-US" smtClean="0"/>
+              <a:rPr kumimoji="1" lang="ja-JP" altLang="en-US"/>
               <a:t>第 </a:t>
             </a:r>
             <a:r>
-              <a:rPr kumimoji="1" lang="en-US" altLang="ja-JP" smtClean="0"/>
+              <a:rPr kumimoji="1" lang="en-US" altLang="ja-JP"/>
               <a:t>2 </a:t>
             </a:r>
             <a:r>
-              <a:rPr kumimoji="1" lang="ja-JP" altLang="en-US" smtClean="0"/>
+              <a:rPr kumimoji="1" lang="ja-JP" altLang="en-US"/>
               <a:t>レベル</a:t>
             </a:r>
           </a:p>
           <a:p>
             <a:pPr lvl="2"/>
             <a:r>
-              <a:rPr kumimoji="1" lang="ja-JP" altLang="en-US" smtClean="0"/>
+              <a:rPr kumimoji="1" lang="ja-JP" altLang="en-US"/>
               <a:t>第 </a:t>
             </a:r>
             <a:r>
-              <a:rPr kumimoji="1" lang="en-US" altLang="ja-JP" smtClean="0"/>
+              <a:rPr kumimoji="1" lang="en-US" altLang="ja-JP"/>
               <a:t>3 </a:t>
             </a:r>
             <a:r>
-              <a:rPr kumimoji="1" lang="ja-JP" altLang="en-US" smtClean="0"/>
+              <a:rPr kumimoji="1" lang="ja-JP" altLang="en-US"/>
               <a:t>レベル</a:t>
             </a:r>
           </a:p>
           <a:p>
             <a:pPr lvl="3"/>
             <a:r>
-              <a:rPr kumimoji="1" lang="ja-JP" altLang="en-US" smtClean="0"/>
+              <a:rPr kumimoji="1" lang="ja-JP" altLang="en-US"/>
               <a:t>第 </a:t>
             </a:r>
             <a:r>
-              <a:rPr kumimoji="1" lang="en-US" altLang="ja-JP" smtClean="0"/>
+              <a:rPr kumimoji="1" lang="en-US" altLang="ja-JP"/>
               <a:t>4 </a:t>
             </a:r>
             <a:r>
-              <a:rPr kumimoji="1" lang="ja-JP" altLang="en-US" smtClean="0"/>
+              <a:rPr kumimoji="1" lang="ja-JP" altLang="en-US"/>
               <a:t>レベル</a:t>
             </a:r>
           </a:p>
           <a:p>
             <a:pPr lvl="4"/>
             <a:r>
-              <a:rPr kumimoji="1" lang="ja-JP" altLang="en-US" smtClean="0"/>
+              <a:rPr kumimoji="1" lang="ja-JP" altLang="en-US"/>
               <a:t>第 </a:t>
             </a:r>
             <a:r>
-              <a:rPr kumimoji="1" lang="en-US" altLang="ja-JP" smtClean="0"/>
+              <a:rPr kumimoji="1" lang="en-US" altLang="ja-JP"/>
               <a:t>5 </a:t>
             </a:r>
             <a:r>
-              <a:rPr kumimoji="1" lang="ja-JP" altLang="en-US" smtClean="0"/>
+              <a:rPr kumimoji="1" lang="ja-JP" altLang="en-US"/>
               <a:t>レベル</a:t>
             </a:r>
-            <a:endParaRPr kumimoji="1" lang="ja-JP" altLang="en-US"/>
           </a:p>
         </p:txBody>
       </p:sp>
@@ -1393,70 +1398,69 @@
           <a:p>
             <a:pPr lvl="0"/>
             <a:r>
-              <a:rPr kumimoji="1" lang="ja-JP" altLang="en-US" smtClean="0"/>
+              <a:rPr kumimoji="1" lang="ja-JP" altLang="en-US"/>
               <a:t>マスタ テキストの書式設定</a:t>
             </a:r>
           </a:p>
           <a:p>
             <a:pPr lvl="1"/>
             <a:r>
-              <a:rPr kumimoji="1" lang="ja-JP" altLang="en-US" smtClean="0"/>
+              <a:rPr kumimoji="1" lang="ja-JP" altLang="en-US"/>
               <a:t>第 </a:t>
             </a:r>
             <a:r>
-              <a:rPr kumimoji="1" lang="en-US" altLang="ja-JP" smtClean="0"/>
+              <a:rPr kumimoji="1" lang="en-US" altLang="ja-JP"/>
               <a:t>2 </a:t>
             </a:r>
             <a:r>
-              <a:rPr kumimoji="1" lang="ja-JP" altLang="en-US" smtClean="0"/>
+              <a:rPr kumimoji="1" lang="ja-JP" altLang="en-US"/>
               <a:t>レベル</a:t>
             </a:r>
           </a:p>
           <a:p>
             <a:pPr lvl="2"/>
             <a:r>
-              <a:rPr kumimoji="1" lang="ja-JP" altLang="en-US" smtClean="0"/>
+              <a:rPr kumimoji="1" lang="ja-JP" altLang="en-US"/>
               <a:t>第 </a:t>
             </a:r>
             <a:r>
-              <a:rPr kumimoji="1" lang="en-US" altLang="ja-JP" smtClean="0"/>
+              <a:rPr kumimoji="1" lang="en-US" altLang="ja-JP"/>
               <a:t>3 </a:t>
             </a:r>
             <a:r>
-              <a:rPr kumimoji="1" lang="ja-JP" altLang="en-US" smtClean="0"/>
+              <a:rPr kumimoji="1" lang="ja-JP" altLang="en-US"/>
               <a:t>レベル</a:t>
             </a:r>
           </a:p>
           <a:p>
             <a:pPr lvl="3"/>
             <a:r>
-              <a:rPr kumimoji="1" lang="ja-JP" altLang="en-US" smtClean="0"/>
+              <a:rPr kumimoji="1" lang="ja-JP" altLang="en-US"/>
               <a:t>第 </a:t>
             </a:r>
             <a:r>
-              <a:rPr kumimoji="1" lang="en-US" altLang="ja-JP" smtClean="0"/>
+              <a:rPr kumimoji="1" lang="en-US" altLang="ja-JP"/>
               <a:t>4 </a:t>
             </a:r>
             <a:r>
-              <a:rPr kumimoji="1" lang="ja-JP" altLang="en-US" smtClean="0"/>
+              <a:rPr kumimoji="1" lang="ja-JP" altLang="en-US"/>
               <a:t>レベル</a:t>
             </a:r>
           </a:p>
           <a:p>
             <a:pPr lvl="4"/>
             <a:r>
-              <a:rPr kumimoji="1" lang="ja-JP" altLang="en-US" smtClean="0"/>
+              <a:rPr kumimoji="1" lang="ja-JP" altLang="en-US"/>
               <a:t>第 </a:t>
             </a:r>
             <a:r>
-              <a:rPr kumimoji="1" lang="en-US" altLang="ja-JP" smtClean="0"/>
+              <a:rPr kumimoji="1" lang="en-US" altLang="ja-JP"/>
               <a:t>5 </a:t>
             </a:r>
             <a:r>
-              <a:rPr kumimoji="1" lang="ja-JP" altLang="en-US" smtClean="0"/>
+              <a:rPr kumimoji="1" lang="ja-JP" altLang="en-US"/>
               <a:t>レベル</a:t>
             </a:r>
-            <a:endParaRPr kumimoji="1" lang="ja-JP" altLang="en-US"/>
           </a:p>
         </p:txBody>
       </p:sp>
@@ -1477,7 +1481,7 @@
           <a:p>
             <a:fld id="{E90ED720-0104-4369-84BC-D37694168613}" type="datetimeFigureOut">
               <a:rPr kumimoji="1" lang="ja-JP" altLang="en-US" smtClean="0"/>
-              <a:t>2018/9/10</a:t>
+              <a:t>2018/9/11</a:t>
             </a:fld>
             <a:endParaRPr kumimoji="1" lang="ja-JP" altLang="en-US"/>
           </a:p>
@@ -1570,10 +1574,9 @@
           </a:lstStyle>
           <a:p>
             <a:r>
-              <a:rPr kumimoji="1" lang="ja-JP" altLang="en-US" smtClean="0"/>
+              <a:rPr kumimoji="1" lang="ja-JP" altLang="en-US"/>
               <a:t>マスタ タイトルの書式設定</a:t>
             </a:r>
-            <a:endParaRPr kumimoji="1" lang="ja-JP" altLang="en-US"/>
           </a:p>
         </p:txBody>
       </p:sp>
@@ -1636,7 +1639,7 @@
           <a:p>
             <a:pPr lvl="0"/>
             <a:r>
-              <a:rPr kumimoji="1" lang="ja-JP" altLang="en-US" smtClean="0"/>
+              <a:rPr kumimoji="1" lang="ja-JP" altLang="en-US"/>
               <a:t>マスタ テキストの書式設定</a:t>
             </a:r>
           </a:p>
@@ -1692,70 +1695,69 @@
           <a:p>
             <a:pPr lvl="0"/>
             <a:r>
-              <a:rPr kumimoji="1" lang="ja-JP" altLang="en-US" smtClean="0"/>
+              <a:rPr kumimoji="1" lang="ja-JP" altLang="en-US"/>
               <a:t>マスタ テキストの書式設定</a:t>
             </a:r>
           </a:p>
           <a:p>
             <a:pPr lvl="1"/>
             <a:r>
-              <a:rPr kumimoji="1" lang="ja-JP" altLang="en-US" smtClean="0"/>
+              <a:rPr kumimoji="1" lang="ja-JP" altLang="en-US"/>
               <a:t>第 </a:t>
             </a:r>
             <a:r>
-              <a:rPr kumimoji="1" lang="en-US" altLang="ja-JP" smtClean="0"/>
+              <a:rPr kumimoji="1" lang="en-US" altLang="ja-JP"/>
               <a:t>2 </a:t>
             </a:r>
             <a:r>
-              <a:rPr kumimoji="1" lang="ja-JP" altLang="en-US" smtClean="0"/>
+              <a:rPr kumimoji="1" lang="ja-JP" altLang="en-US"/>
               <a:t>レベル</a:t>
             </a:r>
           </a:p>
           <a:p>
             <a:pPr lvl="2"/>
             <a:r>
-              <a:rPr kumimoji="1" lang="ja-JP" altLang="en-US" smtClean="0"/>
+              <a:rPr kumimoji="1" lang="ja-JP" altLang="en-US"/>
               <a:t>第 </a:t>
             </a:r>
             <a:r>
-              <a:rPr kumimoji="1" lang="en-US" altLang="ja-JP" smtClean="0"/>
+              <a:rPr kumimoji="1" lang="en-US" altLang="ja-JP"/>
               <a:t>3 </a:t>
             </a:r>
             <a:r>
-              <a:rPr kumimoji="1" lang="ja-JP" altLang="en-US" smtClean="0"/>
+              <a:rPr kumimoji="1" lang="ja-JP" altLang="en-US"/>
               <a:t>レベル</a:t>
             </a:r>
           </a:p>
           <a:p>
             <a:pPr lvl="3"/>
             <a:r>
-              <a:rPr kumimoji="1" lang="ja-JP" altLang="en-US" smtClean="0"/>
+              <a:rPr kumimoji="1" lang="ja-JP" altLang="en-US"/>
               <a:t>第 </a:t>
             </a:r>
             <a:r>
-              <a:rPr kumimoji="1" lang="en-US" altLang="ja-JP" smtClean="0"/>
+              <a:rPr kumimoji="1" lang="en-US" altLang="ja-JP"/>
               <a:t>4 </a:t>
             </a:r>
             <a:r>
-              <a:rPr kumimoji="1" lang="ja-JP" altLang="en-US" smtClean="0"/>
+              <a:rPr kumimoji="1" lang="ja-JP" altLang="en-US"/>
               <a:t>レベル</a:t>
             </a:r>
           </a:p>
           <a:p>
             <a:pPr lvl="4"/>
             <a:r>
-              <a:rPr kumimoji="1" lang="ja-JP" altLang="en-US" smtClean="0"/>
+              <a:rPr kumimoji="1" lang="ja-JP" altLang="en-US"/>
               <a:t>第 </a:t>
             </a:r>
             <a:r>
-              <a:rPr kumimoji="1" lang="en-US" altLang="ja-JP" smtClean="0"/>
+              <a:rPr kumimoji="1" lang="en-US" altLang="ja-JP"/>
               <a:t>5 </a:t>
             </a:r>
             <a:r>
-              <a:rPr kumimoji="1" lang="ja-JP" altLang="en-US" smtClean="0"/>
+              <a:rPr kumimoji="1" lang="ja-JP" altLang="en-US"/>
               <a:t>レベル</a:t>
             </a:r>
-            <a:endParaRPr kumimoji="1" lang="ja-JP" altLang="en-US"/>
           </a:p>
         </p:txBody>
       </p:sp>
@@ -1818,7 +1820,7 @@
           <a:p>
             <a:pPr lvl="0"/>
             <a:r>
-              <a:rPr kumimoji="1" lang="ja-JP" altLang="en-US" smtClean="0"/>
+              <a:rPr kumimoji="1" lang="ja-JP" altLang="en-US"/>
               <a:t>マスタ テキストの書式設定</a:t>
             </a:r>
           </a:p>
@@ -1874,70 +1876,69 @@
           <a:p>
             <a:pPr lvl="0"/>
             <a:r>
-              <a:rPr kumimoji="1" lang="ja-JP" altLang="en-US" smtClean="0"/>
+              <a:rPr kumimoji="1" lang="ja-JP" altLang="en-US"/>
               <a:t>マスタ テキストの書式設定</a:t>
             </a:r>
           </a:p>
           <a:p>
             <a:pPr lvl="1"/>
             <a:r>
-              <a:rPr kumimoji="1" lang="ja-JP" altLang="en-US" smtClean="0"/>
+              <a:rPr kumimoji="1" lang="ja-JP" altLang="en-US"/>
               <a:t>第 </a:t>
             </a:r>
             <a:r>
-              <a:rPr kumimoji="1" lang="en-US" altLang="ja-JP" smtClean="0"/>
+              <a:rPr kumimoji="1" lang="en-US" altLang="ja-JP"/>
               <a:t>2 </a:t>
             </a:r>
             <a:r>
-              <a:rPr kumimoji="1" lang="ja-JP" altLang="en-US" smtClean="0"/>
+              <a:rPr kumimoji="1" lang="ja-JP" altLang="en-US"/>
               <a:t>レベル</a:t>
             </a:r>
           </a:p>
           <a:p>
             <a:pPr lvl="2"/>
             <a:r>
-              <a:rPr kumimoji="1" lang="ja-JP" altLang="en-US" smtClean="0"/>
+              <a:rPr kumimoji="1" lang="ja-JP" altLang="en-US"/>
               <a:t>第 </a:t>
             </a:r>
             <a:r>
-              <a:rPr kumimoji="1" lang="en-US" altLang="ja-JP" smtClean="0"/>
+              <a:rPr kumimoji="1" lang="en-US" altLang="ja-JP"/>
               <a:t>3 </a:t>
             </a:r>
             <a:r>
-              <a:rPr kumimoji="1" lang="ja-JP" altLang="en-US" smtClean="0"/>
+              <a:rPr kumimoji="1" lang="ja-JP" altLang="en-US"/>
               <a:t>レベル</a:t>
             </a:r>
           </a:p>
           <a:p>
             <a:pPr lvl="3"/>
             <a:r>
-              <a:rPr kumimoji="1" lang="ja-JP" altLang="en-US" smtClean="0"/>
+              <a:rPr kumimoji="1" lang="ja-JP" altLang="en-US"/>
               <a:t>第 </a:t>
             </a:r>
             <a:r>
-              <a:rPr kumimoji="1" lang="en-US" altLang="ja-JP" smtClean="0"/>
+              <a:rPr kumimoji="1" lang="en-US" altLang="ja-JP"/>
               <a:t>4 </a:t>
             </a:r>
             <a:r>
-              <a:rPr kumimoji="1" lang="ja-JP" altLang="en-US" smtClean="0"/>
+              <a:rPr kumimoji="1" lang="ja-JP" altLang="en-US"/>
               <a:t>レベル</a:t>
             </a:r>
           </a:p>
           <a:p>
             <a:pPr lvl="4"/>
             <a:r>
-              <a:rPr kumimoji="1" lang="ja-JP" altLang="en-US" smtClean="0"/>
+              <a:rPr kumimoji="1" lang="ja-JP" altLang="en-US"/>
               <a:t>第 </a:t>
             </a:r>
             <a:r>
-              <a:rPr kumimoji="1" lang="en-US" altLang="ja-JP" smtClean="0"/>
+              <a:rPr kumimoji="1" lang="en-US" altLang="ja-JP"/>
               <a:t>5 </a:t>
             </a:r>
             <a:r>
-              <a:rPr kumimoji="1" lang="ja-JP" altLang="en-US" smtClean="0"/>
+              <a:rPr kumimoji="1" lang="ja-JP" altLang="en-US"/>
               <a:t>レベル</a:t>
             </a:r>
-            <a:endParaRPr kumimoji="1" lang="ja-JP" altLang="en-US"/>
           </a:p>
         </p:txBody>
       </p:sp>
@@ -1958,7 +1959,7 @@
           <a:p>
             <a:fld id="{E90ED720-0104-4369-84BC-D37694168613}" type="datetimeFigureOut">
               <a:rPr kumimoji="1" lang="ja-JP" altLang="en-US" smtClean="0"/>
-              <a:t>2018/9/10</a:t>
+              <a:t>2018/9/11</a:t>
             </a:fld>
             <a:endParaRPr kumimoji="1" lang="ja-JP" altLang="en-US"/>
           </a:p>
@@ -2047,10 +2048,9 @@
           <a:lstStyle/>
           <a:p>
             <a:r>
-              <a:rPr kumimoji="1" lang="ja-JP" altLang="en-US" smtClean="0"/>
+              <a:rPr kumimoji="1" lang="ja-JP" altLang="en-US"/>
               <a:t>マスタ タイトルの書式設定</a:t>
             </a:r>
-            <a:endParaRPr kumimoji="1" lang="ja-JP" altLang="en-US"/>
           </a:p>
         </p:txBody>
       </p:sp>
@@ -2071,7 +2071,7 @@
           <a:p>
             <a:fld id="{E90ED720-0104-4369-84BC-D37694168613}" type="datetimeFigureOut">
               <a:rPr kumimoji="1" lang="ja-JP" altLang="en-US" smtClean="0"/>
-              <a:t>2018/9/10</a:t>
+              <a:t>2018/9/11</a:t>
             </a:fld>
             <a:endParaRPr kumimoji="1" lang="ja-JP" altLang="en-US"/>
           </a:p>
@@ -2161,7 +2161,7 @@
           <a:p>
             <a:fld id="{E90ED720-0104-4369-84BC-D37694168613}" type="datetimeFigureOut">
               <a:rPr kumimoji="1" lang="ja-JP" altLang="en-US" smtClean="0"/>
-              <a:t>2018/9/10</a:t>
+              <a:t>2018/9/11</a:t>
             </a:fld>
             <a:endParaRPr kumimoji="1" lang="ja-JP" altLang="en-US"/>
           </a:p>
@@ -2259,10 +2259,9 @@
           </a:lstStyle>
           <a:p>
             <a:r>
-              <a:rPr kumimoji="1" lang="ja-JP" altLang="en-US" smtClean="0"/>
+              <a:rPr kumimoji="1" lang="ja-JP" altLang="en-US"/>
               <a:t>マスタ タイトルの書式設定</a:t>
             </a:r>
-            <a:endParaRPr kumimoji="1" lang="ja-JP" altLang="en-US"/>
           </a:p>
         </p:txBody>
       </p:sp>
@@ -2316,70 +2315,69 @@
           <a:p>
             <a:pPr lvl="0"/>
             <a:r>
-              <a:rPr kumimoji="1" lang="ja-JP" altLang="en-US" smtClean="0"/>
+              <a:rPr kumimoji="1" lang="ja-JP" altLang="en-US"/>
               <a:t>マスタ テキストの書式設定</a:t>
             </a:r>
           </a:p>
           <a:p>
             <a:pPr lvl="1"/>
             <a:r>
-              <a:rPr kumimoji="1" lang="ja-JP" altLang="en-US" smtClean="0"/>
+              <a:rPr kumimoji="1" lang="ja-JP" altLang="en-US"/>
               <a:t>第 </a:t>
             </a:r>
             <a:r>
-              <a:rPr kumimoji="1" lang="en-US" altLang="ja-JP" smtClean="0"/>
+              <a:rPr kumimoji="1" lang="en-US" altLang="ja-JP"/>
               <a:t>2 </a:t>
             </a:r>
             <a:r>
-              <a:rPr kumimoji="1" lang="ja-JP" altLang="en-US" smtClean="0"/>
+              <a:rPr kumimoji="1" lang="ja-JP" altLang="en-US"/>
               <a:t>レベル</a:t>
             </a:r>
           </a:p>
           <a:p>
             <a:pPr lvl="2"/>
             <a:r>
-              <a:rPr kumimoji="1" lang="ja-JP" altLang="en-US" smtClean="0"/>
+              <a:rPr kumimoji="1" lang="ja-JP" altLang="en-US"/>
               <a:t>第 </a:t>
             </a:r>
             <a:r>
-              <a:rPr kumimoji="1" lang="en-US" altLang="ja-JP" smtClean="0"/>
+              <a:rPr kumimoji="1" lang="en-US" altLang="ja-JP"/>
               <a:t>3 </a:t>
             </a:r>
             <a:r>
-              <a:rPr kumimoji="1" lang="ja-JP" altLang="en-US" smtClean="0"/>
+              <a:rPr kumimoji="1" lang="ja-JP" altLang="en-US"/>
               <a:t>レベル</a:t>
             </a:r>
           </a:p>
           <a:p>
             <a:pPr lvl="3"/>
             <a:r>
-              <a:rPr kumimoji="1" lang="ja-JP" altLang="en-US" smtClean="0"/>
+              <a:rPr kumimoji="1" lang="ja-JP" altLang="en-US"/>
               <a:t>第 </a:t>
             </a:r>
             <a:r>
-              <a:rPr kumimoji="1" lang="en-US" altLang="ja-JP" smtClean="0"/>
+              <a:rPr kumimoji="1" lang="en-US" altLang="ja-JP"/>
               <a:t>4 </a:t>
             </a:r>
             <a:r>
-              <a:rPr kumimoji="1" lang="ja-JP" altLang="en-US" smtClean="0"/>
+              <a:rPr kumimoji="1" lang="ja-JP" altLang="en-US"/>
               <a:t>レベル</a:t>
             </a:r>
           </a:p>
           <a:p>
             <a:pPr lvl="4"/>
             <a:r>
-              <a:rPr kumimoji="1" lang="ja-JP" altLang="en-US" smtClean="0"/>
+              <a:rPr kumimoji="1" lang="ja-JP" altLang="en-US"/>
               <a:t>第 </a:t>
             </a:r>
             <a:r>
-              <a:rPr kumimoji="1" lang="en-US" altLang="ja-JP" smtClean="0"/>
+              <a:rPr kumimoji="1" lang="en-US" altLang="ja-JP"/>
               <a:t>5 </a:t>
             </a:r>
             <a:r>
-              <a:rPr kumimoji="1" lang="ja-JP" altLang="en-US" smtClean="0"/>
+              <a:rPr kumimoji="1" lang="ja-JP" altLang="en-US"/>
               <a:t>レベル</a:t>
             </a:r>
-            <a:endParaRPr kumimoji="1" lang="ja-JP" altLang="en-US"/>
           </a:p>
         </p:txBody>
       </p:sp>
@@ -2442,7 +2440,7 @@
           <a:p>
             <a:pPr lvl="0"/>
             <a:r>
-              <a:rPr kumimoji="1" lang="ja-JP" altLang="en-US" smtClean="0"/>
+              <a:rPr kumimoji="1" lang="ja-JP" altLang="en-US"/>
               <a:t>マスタ テキストの書式設定</a:t>
             </a:r>
           </a:p>
@@ -2465,7 +2463,7 @@
           <a:p>
             <a:fld id="{E90ED720-0104-4369-84BC-D37694168613}" type="datetimeFigureOut">
               <a:rPr kumimoji="1" lang="ja-JP" altLang="en-US" smtClean="0"/>
-              <a:t>2018/9/10</a:t>
+              <a:t>2018/9/11</a:t>
             </a:fld>
             <a:endParaRPr kumimoji="1" lang="ja-JP" altLang="en-US"/>
           </a:p>
@@ -2563,10 +2561,9 @@
           </a:lstStyle>
           <a:p>
             <a:r>
-              <a:rPr kumimoji="1" lang="ja-JP" altLang="en-US" smtClean="0"/>
+              <a:rPr kumimoji="1" lang="ja-JP" altLang="en-US"/>
               <a:t>マスタ タイトルの書式設定</a:t>
             </a:r>
-            <a:endParaRPr kumimoji="1" lang="ja-JP" altLang="en-US"/>
           </a:p>
         </p:txBody>
       </p:sp>
@@ -2690,7 +2687,7 @@
           <a:p>
             <a:pPr lvl="0"/>
             <a:r>
-              <a:rPr kumimoji="1" lang="ja-JP" altLang="en-US" smtClean="0"/>
+              <a:rPr kumimoji="1" lang="ja-JP" altLang="en-US"/>
               <a:t>マスタ テキストの書式設定</a:t>
             </a:r>
           </a:p>
@@ -2713,7 +2710,7 @@
           <a:p>
             <a:fld id="{E90ED720-0104-4369-84BC-D37694168613}" type="datetimeFigureOut">
               <a:rPr kumimoji="1" lang="ja-JP" altLang="en-US" smtClean="0"/>
-              <a:t>2018/9/10</a:t>
+              <a:t>2018/9/11</a:t>
             </a:fld>
             <a:endParaRPr kumimoji="1" lang="ja-JP" altLang="en-US"/>
           </a:p>
@@ -2817,10 +2814,9 @@
           <a:lstStyle/>
           <a:p>
             <a:r>
-              <a:rPr kumimoji="1" lang="ja-JP" altLang="en-US" smtClean="0"/>
+              <a:rPr kumimoji="1" lang="ja-JP" altLang="en-US"/>
               <a:t>マスタ タイトルの書式設定</a:t>
             </a:r>
-            <a:endParaRPr kumimoji="1" lang="ja-JP" altLang="en-US"/>
           </a:p>
         </p:txBody>
       </p:sp>
@@ -2851,70 +2847,69 @@
           <a:p>
             <a:pPr lvl="0"/>
             <a:r>
-              <a:rPr kumimoji="1" lang="ja-JP" altLang="en-US" smtClean="0"/>
+              <a:rPr kumimoji="1" lang="ja-JP" altLang="en-US"/>
               <a:t>マスタ テキストの書式設定</a:t>
             </a:r>
           </a:p>
           <a:p>
             <a:pPr lvl="1"/>
             <a:r>
-              <a:rPr kumimoji="1" lang="ja-JP" altLang="en-US" smtClean="0"/>
+              <a:rPr kumimoji="1" lang="ja-JP" altLang="en-US"/>
               <a:t>第 </a:t>
             </a:r>
             <a:r>
-              <a:rPr kumimoji="1" lang="en-US" altLang="ja-JP" smtClean="0"/>
+              <a:rPr kumimoji="1" lang="en-US" altLang="ja-JP"/>
               <a:t>2 </a:t>
             </a:r>
             <a:r>
-              <a:rPr kumimoji="1" lang="ja-JP" altLang="en-US" smtClean="0"/>
+              <a:rPr kumimoji="1" lang="ja-JP" altLang="en-US"/>
               <a:t>レベル</a:t>
             </a:r>
           </a:p>
           <a:p>
             <a:pPr lvl="2"/>
             <a:r>
-              <a:rPr kumimoji="1" lang="ja-JP" altLang="en-US" smtClean="0"/>
+              <a:rPr kumimoji="1" lang="ja-JP" altLang="en-US"/>
               <a:t>第 </a:t>
             </a:r>
             <a:r>
-              <a:rPr kumimoji="1" lang="en-US" altLang="ja-JP" smtClean="0"/>
+              <a:rPr kumimoji="1" lang="en-US" altLang="ja-JP"/>
               <a:t>3 </a:t>
             </a:r>
             <a:r>
-              <a:rPr kumimoji="1" lang="ja-JP" altLang="en-US" smtClean="0"/>
+              <a:rPr kumimoji="1" lang="ja-JP" altLang="en-US"/>
               <a:t>レベル</a:t>
             </a:r>
           </a:p>
           <a:p>
             <a:pPr lvl="3"/>
             <a:r>
-              <a:rPr kumimoji="1" lang="ja-JP" altLang="en-US" smtClean="0"/>
+              <a:rPr kumimoji="1" lang="ja-JP" altLang="en-US"/>
               <a:t>第 </a:t>
             </a:r>
             <a:r>
-              <a:rPr kumimoji="1" lang="en-US" altLang="ja-JP" smtClean="0"/>
+              <a:rPr kumimoji="1" lang="en-US" altLang="ja-JP"/>
               <a:t>4 </a:t>
             </a:r>
             <a:r>
-              <a:rPr kumimoji="1" lang="ja-JP" altLang="en-US" smtClean="0"/>
+              <a:rPr kumimoji="1" lang="ja-JP" altLang="en-US"/>
               <a:t>レベル</a:t>
             </a:r>
           </a:p>
           <a:p>
             <a:pPr lvl="4"/>
             <a:r>
-              <a:rPr kumimoji="1" lang="ja-JP" altLang="en-US" smtClean="0"/>
+              <a:rPr kumimoji="1" lang="ja-JP" altLang="en-US"/>
               <a:t>第 </a:t>
             </a:r>
             <a:r>
-              <a:rPr kumimoji="1" lang="en-US" altLang="ja-JP" smtClean="0"/>
+              <a:rPr kumimoji="1" lang="en-US" altLang="ja-JP"/>
               <a:t>5 </a:t>
             </a:r>
             <a:r>
-              <a:rPr kumimoji="1" lang="ja-JP" altLang="en-US" smtClean="0"/>
+              <a:rPr kumimoji="1" lang="ja-JP" altLang="en-US"/>
               <a:t>レベル</a:t>
             </a:r>
-            <a:endParaRPr kumimoji="1" lang="ja-JP" altLang="en-US"/>
           </a:p>
         </p:txBody>
       </p:sp>
@@ -2953,7 +2948,7 @@
           <a:p>
             <a:fld id="{E90ED720-0104-4369-84BC-D37694168613}" type="datetimeFigureOut">
               <a:rPr kumimoji="1" lang="ja-JP" altLang="en-US" smtClean="0"/>
-              <a:t>2018/9/10</a:t>
+              <a:t>2018/9/11</a:t>
             </a:fld>
             <a:endParaRPr kumimoji="1" lang="ja-JP" altLang="en-US"/>
           </a:p>
@@ -3323,268 +3318,6 @@
           <a:chExt cx="0" cy="0"/>
         </a:xfrm>
       </p:grpSpPr>
-      <p:sp>
-        <p:nvSpPr>
-          <p:cNvPr id="2" name="テキスト ボックス 1"/>
-          <p:cNvSpPr txBox="1"/>
-          <p:nvPr/>
-        </p:nvSpPr>
-        <p:spPr>
-          <a:xfrm>
-            <a:off x="1" y="0"/>
-            <a:ext cx="6858000" cy="2585323"/>
-          </a:xfrm>
-          <a:prstGeom prst="rect">
-            <a:avLst/>
-          </a:prstGeom>
-          <a:noFill/>
-        </p:spPr>
-        <p:txBody>
-          <a:bodyPr wrap="square" rtlCol="0">
-            <a:spAutoFit/>
-          </a:bodyPr>
-          <a:lstStyle/>
-          <a:p>
-            <a:r>
-              <a:rPr lang="en-US" altLang="zh-CN" dirty="0" smtClean="0"/>
-              <a:t>Lens</a:t>
-            </a:r>
-            <a:r>
-              <a:rPr lang="zh-CN" altLang="en-US" dirty="0" smtClean="0"/>
-              <a:t>的各种参数怎么看：</a:t>
-            </a:r>
-            <a:endParaRPr lang="en-US" altLang="zh-CN" dirty="0" smtClean="0"/>
-          </a:p>
-          <a:p>
-            <a:pPr marL="285750" indent="-285750">
-              <a:buFont typeface="Arial" panose="020B0604020202020204" pitchFamily="34" charset="0"/>
-              <a:buChar char="•"/>
-            </a:pPr>
-            <a:r>
-              <a:rPr lang="en-US" altLang="zh-CN" b="1" dirty="0" smtClean="0">
-                <a:solidFill>
-                  <a:srgbClr val="FF0000"/>
-                </a:solidFill>
-              </a:rPr>
-              <a:t>AF-S</a:t>
-            </a:r>
-            <a:r>
-              <a:rPr lang="en-US" altLang="zh-CN" dirty="0" smtClean="0"/>
-              <a:t>: auto focus single, </a:t>
-            </a:r>
-            <a:r>
-              <a:rPr lang="zh-CN" altLang="en-US" dirty="0" smtClean="0"/>
-              <a:t>一般用来拍静止物体的</a:t>
-            </a:r>
-            <a:r>
-              <a:rPr lang="en-US" altLang="zh-CN" dirty="0" smtClean="0"/>
-              <a:t>lens(e.g., </a:t>
-            </a:r>
-            <a:r>
-              <a:rPr lang="zh-CN" altLang="en-US" dirty="0" smtClean="0"/>
-              <a:t>拍花，人的</a:t>
-            </a:r>
-            <a:r>
-              <a:rPr lang="en-US" altLang="zh-CN" dirty="0" smtClean="0"/>
-              <a:t>portrait lens)</a:t>
-            </a:r>
-          </a:p>
-          <a:p>
-            <a:pPr marL="285750" indent="-285750">
-              <a:buFont typeface="Arial" panose="020B0604020202020204" pitchFamily="34" charset="0"/>
-              <a:buChar char="•"/>
-            </a:pPr>
-            <a:r>
-              <a:rPr lang="en-US" altLang="zh-CN" b="1" dirty="0" smtClean="0">
-                <a:solidFill>
-                  <a:srgbClr val="FF0000"/>
-                </a:solidFill>
-              </a:rPr>
-              <a:t>AF-C</a:t>
-            </a:r>
-            <a:r>
-              <a:rPr lang="en-US" altLang="zh-CN" dirty="0" smtClean="0"/>
-              <a:t>: auto focus continuous, </a:t>
-            </a:r>
-            <a:r>
-              <a:rPr lang="zh-CN" altLang="en-US" dirty="0" smtClean="0"/>
-              <a:t>内部有</a:t>
-            </a:r>
-            <a:r>
-              <a:rPr lang="en-US" altLang="zh-CN" dirty="0" smtClean="0"/>
-              <a:t>servo</a:t>
-            </a:r>
-            <a:r>
-              <a:rPr lang="zh-CN" altLang="en-US" dirty="0" smtClean="0"/>
-              <a:t>，可以连续多次自动对焦，用来拍摄移动物体</a:t>
-            </a:r>
-            <a:r>
-              <a:rPr lang="en-US" altLang="zh-CN" dirty="0" smtClean="0"/>
-              <a:t>(</a:t>
-            </a:r>
-            <a:r>
-              <a:rPr lang="zh-CN" altLang="en-US" dirty="0" smtClean="0"/>
-              <a:t>比如说跑来跑去的狗</a:t>
-            </a:r>
-            <a:r>
-              <a:rPr lang="en-US" altLang="zh-CN" dirty="0" smtClean="0"/>
-              <a:t>)</a:t>
-            </a:r>
-          </a:p>
-          <a:p>
-            <a:pPr marL="285750" indent="-285750">
-              <a:buFont typeface="Arial" panose="020B0604020202020204" pitchFamily="34" charset="0"/>
-              <a:buChar char="•"/>
-            </a:pPr>
-            <a:r>
-              <a:rPr lang="en-US" altLang="zh-CN" b="1" dirty="0" smtClean="0">
-                <a:solidFill>
-                  <a:srgbClr val="FF0000"/>
-                </a:solidFill>
-              </a:rPr>
-              <a:t>FX</a:t>
-            </a:r>
-            <a:r>
-              <a:rPr lang="en-US" altLang="zh-CN" dirty="0" smtClean="0"/>
-              <a:t>: full frame lens, </a:t>
-            </a:r>
-            <a:r>
-              <a:rPr lang="zh-CN" altLang="en-US" dirty="0" smtClean="0"/>
-              <a:t>用来装在</a:t>
-            </a:r>
-            <a:r>
-              <a:rPr lang="en-US" altLang="zh-CN" dirty="0" smtClean="0"/>
-              <a:t>sensor</a:t>
-            </a:r>
-            <a:r>
-              <a:rPr lang="zh-CN" altLang="en-US" dirty="0" smtClean="0"/>
-              <a:t>是</a:t>
-            </a:r>
-            <a:r>
-              <a:rPr lang="en-US" altLang="zh-CN" dirty="0" smtClean="0"/>
-              <a:t>36x24 mm</a:t>
-            </a:r>
-            <a:r>
-              <a:rPr lang="zh-CN" altLang="en-US" dirty="0" smtClean="0"/>
-              <a:t>的相机上的</a:t>
-            </a:r>
-            <a:r>
-              <a:rPr lang="en-US" altLang="zh-CN" dirty="0" smtClean="0"/>
-              <a:t>lens</a:t>
-            </a:r>
-            <a:endParaRPr lang="en-US" altLang="zh-CN" b="1" dirty="0" smtClean="0">
-              <a:solidFill>
-                <a:srgbClr val="FF0000"/>
-              </a:solidFill>
-            </a:endParaRPr>
-          </a:p>
-          <a:p>
-            <a:pPr marL="285750" indent="-285750">
-              <a:buFont typeface="Arial" panose="020B0604020202020204" pitchFamily="34" charset="0"/>
-              <a:buChar char="•"/>
-            </a:pPr>
-            <a:r>
-              <a:rPr lang="en-US" altLang="zh-CN" b="1" dirty="0" smtClean="0">
-                <a:solidFill>
-                  <a:srgbClr val="FF0000"/>
-                </a:solidFill>
-              </a:rPr>
-              <a:t>DX</a:t>
-            </a:r>
-            <a:r>
-              <a:rPr lang="en-US" altLang="zh-CN" dirty="0" smtClean="0"/>
-              <a:t>:</a:t>
-            </a:r>
-            <a:r>
-              <a:rPr lang="zh-CN" altLang="en-US" dirty="0"/>
-              <a:t>用来装在</a:t>
-            </a:r>
-            <a:r>
-              <a:rPr lang="en-US" altLang="zh-CN" dirty="0"/>
-              <a:t>sensor</a:t>
-            </a:r>
-            <a:r>
-              <a:rPr lang="zh-CN" altLang="en-US" dirty="0" smtClean="0"/>
-              <a:t>是</a:t>
-            </a:r>
-            <a:r>
-              <a:rPr lang="en-US" altLang="zh-CN" dirty="0" smtClean="0"/>
-              <a:t>24x16 </a:t>
-            </a:r>
-            <a:r>
-              <a:rPr lang="en-US" altLang="zh-CN" dirty="0"/>
-              <a:t>mm</a:t>
-            </a:r>
-            <a:r>
-              <a:rPr lang="zh-CN" altLang="en-US" dirty="0"/>
-              <a:t>的相机上的</a:t>
-            </a:r>
-            <a:r>
-              <a:rPr lang="en-US" altLang="zh-CN" dirty="0" smtClean="0"/>
-              <a:t>lens</a:t>
-            </a:r>
-          </a:p>
-          <a:p>
-            <a:pPr marL="285750" indent="-285750">
-              <a:buFont typeface="Arial" panose="020B0604020202020204" pitchFamily="34" charset="0"/>
-              <a:buChar char="•"/>
-            </a:pPr>
-            <a:r>
-              <a:rPr lang="en-US" altLang="zh-CN" b="1" dirty="0" smtClean="0">
-                <a:solidFill>
-                  <a:srgbClr val="FF0000"/>
-                </a:solidFill>
-              </a:rPr>
-              <a:t>Prime</a:t>
-            </a:r>
-            <a:r>
-              <a:rPr lang="en-US" altLang="zh-CN" dirty="0" smtClean="0"/>
-              <a:t> vs. </a:t>
-            </a:r>
-            <a:r>
-              <a:rPr lang="en-US" altLang="zh-CN" b="1" dirty="0" smtClean="0">
-                <a:solidFill>
-                  <a:srgbClr val="FF0000"/>
-                </a:solidFill>
-              </a:rPr>
-              <a:t>zoom</a:t>
-            </a:r>
-            <a:r>
-              <a:rPr lang="en-US" altLang="zh-CN" dirty="0" smtClean="0"/>
-              <a:t> lens: prime lens</a:t>
-            </a:r>
-            <a:r>
-              <a:rPr lang="zh-CN" altLang="en-US" dirty="0" smtClean="0"/>
-              <a:t>是不能</a:t>
-            </a:r>
-            <a:r>
-              <a:rPr lang="en-US" altLang="zh-CN" dirty="0" smtClean="0"/>
-              <a:t>zoom</a:t>
-            </a:r>
-            <a:r>
-              <a:rPr lang="zh-CN" altLang="en-US" dirty="0" smtClean="0"/>
-              <a:t>的顶焦距</a:t>
-            </a:r>
-            <a:r>
-              <a:rPr lang="en-US" altLang="zh-CN" dirty="0" smtClean="0"/>
-              <a:t>lens</a:t>
-            </a:r>
-            <a:r>
-              <a:rPr lang="zh-CN" altLang="en-US" dirty="0" smtClean="0"/>
-              <a:t>，</a:t>
-            </a:r>
-            <a:r>
-              <a:rPr lang="en-US" altLang="zh-CN" dirty="0" smtClean="0"/>
-              <a:t>zoom lens</a:t>
-            </a:r>
-            <a:r>
-              <a:rPr lang="zh-CN" altLang="en-US" dirty="0" smtClean="0"/>
-              <a:t>不解释</a:t>
-            </a:r>
-            <a:endParaRPr lang="en-US" altLang="zh-CN" dirty="0" smtClean="0"/>
-          </a:p>
-        </p:txBody>
-      </p:sp>
       <p:graphicFrame>
         <p:nvGraphicFramePr>
           <p:cNvPr id="3" name="表 2"/>
@@ -3594,14 +3327,14 @@
           <p:nvPr>
             <p:extLst>
               <p:ext uri="{D42A27DB-BD31-4B8C-83A1-F6EECF244321}">
-                <p14:modId xmlns:p14="http://schemas.microsoft.com/office/powerpoint/2010/main" val="1966752281"/>
+                <p14:modId xmlns:p14="http://schemas.microsoft.com/office/powerpoint/2010/main" val="2971746224"/>
               </p:ext>
             </p:extLst>
           </p:nvPr>
         </p:nvGraphicFramePr>
         <p:xfrm>
-          <a:off x="-3627784" y="3131840"/>
-          <a:ext cx="14421105" cy="3977640"/>
+          <a:off x="-1467544" y="1619672"/>
+          <a:ext cx="10146159" cy="3708400"/>
         </p:xfrm>
         <a:graphic>
           <a:graphicData uri="http://schemas.openxmlformats.org/drawingml/2006/table">
@@ -3610,10 +3343,34 @@
                 <a:tableStyleId>{5C22544A-7EE6-4342-B048-85BDC9FD1C3A}</a:tableStyleId>
               </a:tblPr>
               <a:tblGrid>
-                <a:gridCol w="3114993"/>
-                <a:gridCol w="1937004"/>
-                <a:gridCol w="3529648"/>
-                <a:gridCol w="5839460"/>
+                <a:gridCol w="3114993">
+                  <a:extLst>
+                    <a:ext uri="{9D8B030D-6E8A-4147-A177-3AD203B41FA5}">
+                      <a16:colId xmlns:a16="http://schemas.microsoft.com/office/drawing/2014/main" val="20000"/>
+                    </a:ext>
+                  </a:extLst>
+                </a:gridCol>
+                <a:gridCol w="703580">
+                  <a:extLst>
+                    <a:ext uri="{9D8B030D-6E8A-4147-A177-3AD203B41FA5}">
+                      <a16:colId xmlns:a16="http://schemas.microsoft.com/office/drawing/2014/main" val="20001"/>
+                    </a:ext>
+                  </a:extLst>
+                </a:gridCol>
+                <a:gridCol w="1699895">
+                  <a:extLst>
+                    <a:ext uri="{9D8B030D-6E8A-4147-A177-3AD203B41FA5}">
+                      <a16:colId xmlns:a16="http://schemas.microsoft.com/office/drawing/2014/main" val="20002"/>
+                    </a:ext>
+                  </a:extLst>
+                </a:gridCol>
+                <a:gridCol w="4627691">
+                  <a:extLst>
+                    <a:ext uri="{9D8B030D-6E8A-4147-A177-3AD203B41FA5}">
+                      <a16:colId xmlns:a16="http://schemas.microsoft.com/office/drawing/2014/main" val="20003"/>
+                    </a:ext>
+                  </a:extLst>
+                </a:gridCol>
               </a:tblGrid>
               <a:tr h="370840">
                 <a:tc>
@@ -3622,7 +3379,7 @@
                     <a:lstStyle/>
                     <a:p>
                       <a:r>
-                        <a:rPr kumimoji="1" lang="en-US" altLang="ja-JP" dirty="0" smtClean="0"/>
+                        <a:rPr kumimoji="1" lang="en-US" altLang="ja-JP" dirty="0"/>
                         <a:t>Lens</a:t>
                       </a:r>
                       <a:endParaRPr kumimoji="1" lang="ja-JP" altLang="en-US" dirty="0"/>
@@ -3636,7 +3393,7 @@
                     <a:lstStyle/>
                     <a:p>
                       <a:r>
-                        <a:rPr kumimoji="1" lang="en-US" altLang="ja-JP" dirty="0" smtClean="0"/>
+                        <a:rPr kumimoji="1" lang="en-US" altLang="ja-JP" dirty="0"/>
                         <a:t>price</a:t>
                       </a:r>
                       <a:endParaRPr kumimoji="1" lang="ja-JP" altLang="en-US" dirty="0"/>
@@ -3650,7 +3407,7 @@
                     <a:lstStyle/>
                     <a:p>
                       <a:r>
-                        <a:rPr kumimoji="1" lang="en-US" altLang="ja-JP" dirty="0" smtClean="0"/>
+                        <a:rPr kumimoji="1" lang="en-US" altLang="ja-JP" dirty="0"/>
                         <a:t>usage</a:t>
                       </a:r>
                       <a:endParaRPr kumimoji="1" lang="ja-JP" altLang="en-US" dirty="0"/>
@@ -3664,7 +3421,7 @@
                     <a:lstStyle/>
                     <a:p>
                       <a:r>
-                        <a:rPr kumimoji="1" lang="en-US" altLang="ja-JP" dirty="0" smtClean="0"/>
+                        <a:rPr kumimoji="1" lang="en-US" altLang="ja-JP" dirty="0"/>
                         <a:t>detail</a:t>
                       </a:r>
                       <a:endParaRPr kumimoji="1" lang="ja-JP" altLang="en-US" dirty="0"/>
@@ -3672,6 +3429,11 @@
                   </a:txBody>
                   <a:tcPr/>
                 </a:tc>
+                <a:extLst>
+                  <a:ext uri="{0D108BD9-81ED-4DB2-BD59-A6C34878D82A}">
+                    <a16:rowId xmlns:a16="http://schemas.microsoft.com/office/drawing/2014/main" val="10000"/>
+                  </a:ext>
+                </a:extLst>
               </a:tr>
               <a:tr h="370840">
                 <a:tc>
@@ -3697,7 +3459,7 @@
                         <a:defRPr/>
                       </a:pPr>
                       <a:r>
-                        <a:rPr kumimoji="1" lang="en-US" altLang="ja-JP" sz="1800" b="0" i="0" kern="1200" dirty="0" smtClean="0">
+                        <a:rPr kumimoji="1" lang="en-US" sz="1800" b="1" i="0" kern="1200" dirty="0">
                           <a:solidFill>
                             <a:schemeClr val="dk1"/>
                           </a:solidFill>
@@ -3706,8 +3468,118 @@
                           <a:ea typeface="+mn-ea"/>
                           <a:cs typeface="+mn-cs"/>
                         </a:rPr>
-                        <a:t>Nikon 24mm f/1.4G ED</a:t>
+                        <a:t>Sigma 85mm f/1.4 DG HSM</a:t>
                       </a:r>
+                      <a:endParaRPr kumimoji="1" lang="en-US" altLang="ja-JP" sz="1800" b="0" i="0" kern="1200" dirty="0">
+                        <a:solidFill>
+                          <a:schemeClr val="dk1"/>
+                        </a:solidFill>
+                        <a:effectLst/>
+                        <a:latin typeface="+mn-lt"/>
+                        <a:ea typeface="+mn-ea"/>
+                        <a:cs typeface="+mn-cs"/>
+                      </a:endParaRPr>
+                    </a:p>
+                  </a:txBody>
+                  <a:tcPr/>
+                </a:tc>
+                <a:tc>
+                  <a:txBody>
+                    <a:bodyPr/>
+                    <a:lstStyle/>
+                    <a:p>
+                      <a:r>
+                        <a:rPr kumimoji="1" lang="en-US" altLang="ja-JP" dirty="0"/>
+                        <a:t>12</a:t>
+                      </a:r>
+                      <a:r>
+                        <a:rPr kumimoji="1" lang="zh-CN" altLang="en-US" dirty="0"/>
+                        <a:t>万</a:t>
+                      </a:r>
+                      <a:endParaRPr kumimoji="1" lang="ja-JP" altLang="en-US" dirty="0"/>
+                    </a:p>
+                  </a:txBody>
+                  <a:tcPr/>
+                </a:tc>
+                <a:tc>
+                  <a:txBody>
+                    <a:bodyPr/>
+                    <a:lstStyle/>
+                    <a:p>
+                      <a:endParaRPr kumimoji="1" lang="ja-JP" altLang="en-US" dirty="0"/>
+                    </a:p>
+                  </a:txBody>
+                  <a:tcPr/>
+                </a:tc>
+                <a:tc>
+                  <a:txBody>
+                    <a:bodyPr/>
+                    <a:lstStyle/>
+                    <a:p>
+                      <a:endParaRPr kumimoji="1" lang="ja-JP" altLang="en-US" dirty="0"/>
+                    </a:p>
+                  </a:txBody>
+                  <a:tcPr/>
+                </a:tc>
+                <a:extLst>
+                  <a:ext uri="{0D108BD9-81ED-4DB2-BD59-A6C34878D82A}">
+                    <a16:rowId xmlns:a16="http://schemas.microsoft.com/office/drawing/2014/main" val="10001"/>
+                  </a:ext>
+                </a:extLst>
+              </a:tr>
+              <a:tr h="370840">
+                <a:tc>
+                  <a:txBody>
+                    <a:bodyPr/>
+                    <a:lstStyle/>
+                    <a:p>
+                      <a:pPr marL="0" marR="0" lvl="0" indent="0" algn="l" defTabSz="914400" rtl="0" eaLnBrk="1" fontAlgn="auto" latinLnBrk="0" hangingPunct="1">
+                        <a:lnSpc>
+                          <a:spcPct val="100000"/>
+                        </a:lnSpc>
+                        <a:spcBef>
+                          <a:spcPts val="0"/>
+                        </a:spcBef>
+                        <a:spcAft>
+                          <a:spcPts val="0"/>
+                        </a:spcAft>
+                        <a:buClrTx/>
+                        <a:buSzTx/>
+                        <a:buFontTx/>
+                        <a:buNone/>
+                        <a:tabLst/>
+                        <a:defRPr/>
+                      </a:pPr>
+                      <a:r>
+                        <a:rPr kumimoji="1" lang="en-US" sz="1800" b="0" i="0" kern="1200" dirty="0">
+                          <a:solidFill>
+                            <a:schemeClr val="dk1"/>
+                          </a:solidFill>
+                          <a:effectLst/>
+                          <a:latin typeface="+mn-lt"/>
+                          <a:ea typeface="+mn-ea"/>
+                          <a:cs typeface="+mn-cs"/>
+                        </a:rPr>
+                        <a:t>NIKKOR 85mm f/1.4G</a:t>
+                      </a:r>
+                    </a:p>
+                  </a:txBody>
+                  <a:tcPr/>
+                </a:tc>
+                <a:tc>
+                  <a:txBody>
+                    <a:bodyPr/>
+                    <a:lstStyle/>
+                    <a:p>
+                      <a:r>
+                        <a:rPr kumimoji="1" lang="en-US" altLang="zh-CN" dirty="0"/>
+                        <a:t>18</a:t>
+                      </a:r>
+                      <a:r>
+                        <a:rPr kumimoji="1" lang="zh-CN" altLang="en-US" dirty="0"/>
+                        <a:t>万</a:t>
+                      </a:r>
+                      <a:endParaRPr kumimoji="1" lang="ja-JP" altLang="en-US" dirty="0"/>
                     </a:p>
                   </a:txBody>
                   <a:tcPr/>
@@ -3728,97 +3600,19 @@
                     <a:lstStyle/>
                     <a:p>
                       <a:r>
-                        <a:rPr kumimoji="1" lang="en-US" altLang="ja-JP" sz="1800" b="0" i="0" kern="1200" dirty="0" smtClean="0">
-                          <a:solidFill>
-                            <a:schemeClr val="dk1"/>
-                          </a:solidFill>
-                          <a:effectLst/>
-                          <a:latin typeface="+mn-lt"/>
-                          <a:ea typeface="+mn-ea"/>
-                          <a:cs typeface="+mn-cs"/>
-                        </a:rPr>
-                        <a:t>groups and environmental portraits</a:t>
+                        <a:rPr kumimoji="1" lang="zh-CN" altLang="en-US" dirty="0"/>
+                        <a:t>想买这个</a:t>
                       </a:r>
                       <a:endParaRPr kumimoji="1" lang="ja-JP" altLang="en-US" dirty="0"/>
                     </a:p>
                   </a:txBody>
                   <a:tcPr/>
                 </a:tc>
-                <a:tc>
-                  <a:txBody>
-                    <a:bodyPr/>
-                    <a:lstStyle/>
-                    <a:p>
-                      <a:endParaRPr kumimoji="1" lang="ja-JP" altLang="en-US"/>
-                    </a:p>
-                  </a:txBody>
-                  <a:tcPr/>
-                </a:tc>
-              </a:tr>
-              <a:tr h="370840">
-                <a:tc>
-                  <a:txBody>
-                    <a:bodyPr/>
-                    <a:lstStyle/>
-                    <a:p>
-                      <a:r>
-                        <a:rPr kumimoji="1" lang="en-US" altLang="ja-JP" sz="1800" b="0" i="0" kern="1200" dirty="0" smtClean="0">
-                          <a:solidFill>
-                            <a:schemeClr val="dk1"/>
-                          </a:solidFill>
-                          <a:effectLst/>
-                          <a:latin typeface="+mn-lt"/>
-                          <a:ea typeface="+mn-ea"/>
-                          <a:cs typeface="+mn-cs"/>
-                        </a:rPr>
-                        <a:t>Nikon 35mm f/1.4G</a:t>
-                      </a:r>
-                    </a:p>
-                  </a:txBody>
-                  <a:tcPr/>
-                </a:tc>
-                <a:tc>
-                  <a:txBody>
-                    <a:bodyPr/>
-                    <a:lstStyle/>
-                    <a:p>
-                      <a:endParaRPr kumimoji="1" lang="ja-JP" altLang="en-US" dirty="0"/>
-                    </a:p>
-                  </a:txBody>
-                  <a:tcPr/>
-                </a:tc>
-                <a:tc>
-                  <a:txBody>
-                    <a:bodyPr/>
-                    <a:lstStyle/>
-                    <a:p>
-                      <a:r>
-                        <a:rPr kumimoji="1" lang="en-US" altLang="ja-JP" sz="1800" b="0" i="0" kern="1200" dirty="0" smtClean="0">
-                          <a:solidFill>
-                            <a:schemeClr val="dk1"/>
-                          </a:solidFill>
-                          <a:effectLst/>
-                          <a:latin typeface="+mn-lt"/>
-                          <a:ea typeface="+mn-ea"/>
-                          <a:cs typeface="+mn-cs"/>
-                        </a:rPr>
-                        <a:t>groups and environmental portraits</a:t>
-                      </a:r>
-                      <a:endParaRPr kumimoji="1" lang="ja-JP" altLang="en-US" dirty="0"/>
-                    </a:p>
-                  </a:txBody>
-                  <a:tcPr/>
-                </a:tc>
-                <a:tc>
-                  <a:txBody>
-                    <a:bodyPr/>
-                    <a:lstStyle/>
-                    <a:p>
-                      <a:endParaRPr kumimoji="1" lang="ja-JP" altLang="en-US"/>
-                    </a:p>
-                  </a:txBody>
-                  <a:tcPr/>
-                </a:tc>
+                <a:extLst>
+                  <a:ext uri="{0D108BD9-81ED-4DB2-BD59-A6C34878D82A}">
+                    <a16:rowId xmlns:a16="http://schemas.microsoft.com/office/drawing/2014/main" val="10002"/>
+                  </a:ext>
+                </a:extLst>
               </a:tr>
               <a:tr h="370840">
                 <a:tc>
@@ -3843,19 +3637,7 @@
                         <a:tabLst/>
                         <a:defRPr/>
                       </a:pPr>
-                      <a:r>
-                        <a:rPr kumimoji="1" lang="en-US" altLang="ja-JP" sz="1800" b="0" i="0" u="none" strike="noStrike" kern="1200" dirty="0" smtClean="0">
-                          <a:solidFill>
-                            <a:schemeClr val="dk1"/>
-                          </a:solidFill>
-                          <a:effectLst/>
-                          <a:latin typeface="+mn-lt"/>
-                          <a:ea typeface="+mn-ea"/>
-                          <a:cs typeface="+mn-cs"/>
-                        </a:rPr>
-                        <a:t>Nikon 20mm f/1.8</a:t>
-                      </a:r>
-                      <a:endParaRPr kumimoji="1" lang="en-US" altLang="ja-JP" sz="1800" b="0" i="0" kern="1200" dirty="0" smtClean="0">
+                      <a:endParaRPr kumimoji="1" lang="en-US" altLang="ja-JP" sz="1800" b="0" i="0" kern="1200" dirty="0">
                         <a:solidFill>
                           <a:schemeClr val="dk1"/>
                         </a:solidFill>
@@ -3898,6 +3680,11 @@
                   </a:txBody>
                   <a:tcPr/>
                 </a:tc>
+                <a:extLst>
+                  <a:ext uri="{0D108BD9-81ED-4DB2-BD59-A6C34878D82A}">
+                    <a16:rowId xmlns:a16="http://schemas.microsoft.com/office/drawing/2014/main" val="10003"/>
+                  </a:ext>
+                </a:extLst>
               </a:tr>
               <a:tr h="370840">
                 <a:tc>
@@ -3922,19 +3709,7 @@
                         <a:tabLst/>
                         <a:defRPr/>
                       </a:pPr>
-                      <a:r>
-                        <a:rPr kumimoji="1" lang="it-IT" altLang="ja-JP" sz="1800" b="0" i="0" kern="1200" dirty="0" smtClean="0">
-                          <a:solidFill>
-                            <a:schemeClr val="dk1"/>
-                          </a:solidFill>
-                          <a:effectLst/>
-                          <a:latin typeface="+mn-lt"/>
-                          <a:ea typeface="+mn-ea"/>
-                          <a:cs typeface="+mn-cs"/>
-                        </a:rPr>
-                        <a:t>Tamron SP 85mm f/1.8 Di VC</a:t>
-                      </a:r>
-                      <a:endParaRPr kumimoji="1" lang="en-US" altLang="ja-JP" sz="1800" b="0" i="0" kern="1200" dirty="0" smtClean="0">
+                      <a:endParaRPr kumimoji="1" lang="en-US" altLang="ja-JP" sz="1800" b="0" i="0" kern="1200" dirty="0">
                         <a:solidFill>
                           <a:schemeClr val="dk1"/>
                         </a:solidFill>
@@ -3989,35 +3764,7 @@
                         <a:tabLst/>
                         <a:defRPr/>
                       </a:pPr>
-                      <a:r>
-                        <a:rPr kumimoji="1" lang="zh-CN" altLang="en-US" dirty="0" smtClean="0"/>
-                        <a:t>可以和</a:t>
-                      </a:r>
-                      <a:r>
-                        <a:rPr kumimoji="1" lang="en-US" altLang="ja-JP" sz="1800" b="0" i="0" kern="1200" dirty="0" smtClean="0">
-                          <a:solidFill>
-                            <a:schemeClr val="dk1"/>
-                          </a:solidFill>
-                          <a:effectLst/>
-                          <a:latin typeface="+mn-lt"/>
-                          <a:ea typeface="+mn-ea"/>
-                          <a:cs typeface="+mn-cs"/>
-                        </a:rPr>
-                        <a:t>Nikon 85mm f/1.4G</a:t>
-                      </a:r>
-                      <a:r>
-                        <a:rPr kumimoji="1" lang="zh-CN" altLang="en-US" sz="1800" b="0" i="0" kern="1200" dirty="0" smtClean="0">
-                          <a:solidFill>
-                            <a:schemeClr val="dk1"/>
-                          </a:solidFill>
-                          <a:effectLst/>
-                          <a:latin typeface="+mn-lt"/>
-                          <a:ea typeface="+mn-ea"/>
-                          <a:cs typeface="+mn-cs"/>
-                        </a:rPr>
-                        <a:t>比较一下</a:t>
-                      </a:r>
-                      <a:endParaRPr kumimoji="1" lang="en-US" altLang="ja-JP" sz="1800" b="0" i="0" kern="1200" dirty="0" smtClean="0">
+                      <a:endParaRPr kumimoji="1" lang="en-US" altLang="ja-JP" sz="1800" b="0" i="0" kern="1200" dirty="0">
                         <a:solidFill>
                           <a:schemeClr val="dk1"/>
                         </a:solidFill>
@@ -4030,6 +3777,11 @@
                   </a:txBody>
                   <a:tcPr/>
                 </a:tc>
+                <a:extLst>
+                  <a:ext uri="{0D108BD9-81ED-4DB2-BD59-A6C34878D82A}">
+                    <a16:rowId xmlns:a16="http://schemas.microsoft.com/office/drawing/2014/main" val="10004"/>
+                  </a:ext>
+                </a:extLst>
               </a:tr>
               <a:tr h="370840">
                 <a:tc>
@@ -4055,7 +3807,7 @@
                         <a:defRPr/>
                       </a:pPr>
                       <a:r>
-                        <a:rPr kumimoji="1" lang="en-US" altLang="ja-JP" sz="1800" b="0" i="0" kern="1200" dirty="0" smtClean="0">
+                        <a:rPr kumimoji="1" lang="en-US" altLang="ja-JP" sz="1800" b="0" i="0" kern="1200" dirty="0">
                           <a:solidFill>
                             <a:schemeClr val="dk1"/>
                           </a:solidFill>
@@ -4075,7 +3827,15 @@
                     <a:bodyPr/>
                     <a:lstStyle/>
                     <a:p>
-                      <a:endParaRPr kumimoji="1" lang="ja-JP" altLang="en-US"/>
+                      <a:r>
+                        <a:rPr kumimoji="1" lang="en-US" altLang="zh-CN" dirty="0"/>
+                        <a:t>5</a:t>
+                      </a:r>
+                      <a:r>
+                        <a:rPr kumimoji="1" lang="zh-CN" altLang="en-US" dirty="0"/>
+                        <a:t>万</a:t>
+                      </a:r>
+                      <a:endParaRPr kumimoji="1" lang="ja-JP" altLang="en-US" dirty="0"/>
                     </a:p>
                   </a:txBody>
                   <a:tcPr/>
@@ -4086,7 +3846,7 @@
                     <a:lstStyle/>
                     <a:p>
                       <a:r>
-                        <a:rPr kumimoji="1" lang="en-US" altLang="ja-JP" sz="1800" b="0" i="0" kern="1200" dirty="0" smtClean="0">
+                        <a:rPr kumimoji="1" lang="en-US" altLang="ja-JP" sz="1800" b="0" i="0" kern="1200" dirty="0">
                           <a:solidFill>
                             <a:schemeClr val="dk1"/>
                           </a:solidFill>
@@ -4125,18 +3885,23 @@
                         <a:defRPr/>
                       </a:pPr>
                       <a:r>
-                        <a:rPr kumimoji="1" lang="en-US" altLang="ja-JP" dirty="0" smtClean="0"/>
+                        <a:rPr kumimoji="1" lang="en-US" altLang="ja-JP" dirty="0"/>
                         <a:t>Weak</a:t>
                       </a:r>
                       <a:r>
-                        <a:rPr kumimoji="1" lang="en-US" altLang="ja-JP" baseline="0" dirty="0" smtClean="0"/>
+                        <a:rPr kumimoji="1" lang="en-US" altLang="ja-JP" baseline="0" dirty="0"/>
                         <a:t> for high resolution D850?</a:t>
                       </a:r>
-                      <a:endParaRPr kumimoji="1" lang="ja-JP" altLang="en-US" dirty="0" smtClean="0"/>
+                      <a:endParaRPr kumimoji="1" lang="ja-JP" altLang="en-US" dirty="0"/>
                     </a:p>
                   </a:txBody>
                   <a:tcPr/>
                 </a:tc>
+                <a:extLst>
+                  <a:ext uri="{0D108BD9-81ED-4DB2-BD59-A6C34878D82A}">
+                    <a16:rowId xmlns:a16="http://schemas.microsoft.com/office/drawing/2014/main" val="10005"/>
+                  </a:ext>
+                </a:extLst>
               </a:tr>
               <a:tr h="370840">
                 <a:tc>
@@ -4162,7 +3927,7 @@
                         <a:defRPr/>
                       </a:pPr>
                       <a:r>
-                        <a:rPr kumimoji="1" lang="en-US" altLang="ja-JP" sz="1800" b="0" i="0" kern="1200" dirty="0" smtClean="0">
+                        <a:rPr kumimoji="1" lang="en-US" altLang="ja-JP" sz="1800" b="0" i="0" kern="1200" dirty="0">
                           <a:solidFill>
                             <a:schemeClr val="dk1"/>
                           </a:solidFill>
@@ -4173,15 +3938,6 @@
                         </a:rPr>
                         <a:t>Sigma 50mm f/1.4 DG HSM Art</a:t>
                       </a:r>
-                      <a:endParaRPr kumimoji="1" lang="en-US" altLang="ja-JP" sz="1800" b="0" i="0" kern="1200" dirty="0" smtClean="0">
-                        <a:solidFill>
-                          <a:schemeClr val="dk1"/>
-                        </a:solidFill>
-                        <a:effectLst/>
-                        <a:latin typeface="+mn-lt"/>
-                        <a:ea typeface="+mn-ea"/>
-                        <a:cs typeface="+mn-cs"/>
-                      </a:endParaRPr>
                     </a:p>
                   </a:txBody>
                   <a:tcPr/>
@@ -4191,7 +3947,15 @@
                     <a:bodyPr/>
                     <a:lstStyle/>
                     <a:p>
-                      <a:endParaRPr kumimoji="1" lang="ja-JP" altLang="en-US"/>
+                      <a:r>
+                        <a:rPr kumimoji="1" lang="en-US" altLang="ja-JP" dirty="0"/>
+                        <a:t>9</a:t>
+                      </a:r>
+                      <a:r>
+                        <a:rPr kumimoji="1" lang="zh-CN" altLang="en-US" dirty="0"/>
+                        <a:t>万</a:t>
+                      </a:r>
+                      <a:endParaRPr kumimoji="1" lang="ja-JP" altLang="en-US" dirty="0"/>
                     </a:p>
                   </a:txBody>
                   <a:tcPr/>
@@ -4228,11 +3992,16 @@
                         <a:tabLst/>
                         <a:defRPr/>
                       </a:pPr>
-                      <a:endParaRPr kumimoji="1" lang="ja-JP" altLang="en-US" dirty="0" smtClean="0"/>
+                      <a:endParaRPr kumimoji="1" lang="ja-JP" altLang="en-US" dirty="0"/>
                     </a:p>
                   </a:txBody>
                   <a:tcPr/>
                 </a:tc>
+                <a:extLst>
+                  <a:ext uri="{0D108BD9-81ED-4DB2-BD59-A6C34878D82A}">
+                    <a16:rowId xmlns:a16="http://schemas.microsoft.com/office/drawing/2014/main" val="10006"/>
+                  </a:ext>
+                </a:extLst>
               </a:tr>
               <a:tr h="370840">
                 <a:tc>
@@ -4257,161 +4026,15 @@
                         <a:tabLst/>
                         <a:defRPr/>
                       </a:pPr>
-                      <a:r>
-                        <a:rPr kumimoji="1" lang="en-US" altLang="ja-JP" sz="1800" b="0" i="0" kern="1200" dirty="0" smtClean="0">
-                          <a:solidFill>
-                            <a:schemeClr val="dk1"/>
-                          </a:solidFill>
-                          <a:effectLst/>
-                          <a:latin typeface="+mn-lt"/>
-                          <a:ea typeface="+mn-ea"/>
-                          <a:cs typeface="+mn-cs"/>
-                        </a:rPr>
-                        <a:t>Nikon 85mm f/1.4G</a:t>
-                      </a:r>
-                    </a:p>
-                  </a:txBody>
-                  <a:tcPr/>
-                </a:tc>
-                <a:tc>
-                  <a:txBody>
-                    <a:bodyPr/>
-                    <a:lstStyle/>
-                    <a:p>
-                      <a:r>
-                        <a:rPr kumimoji="1" lang="en-US" altLang="ja-JP" dirty="0" smtClean="0"/>
-                        <a:t>18</a:t>
-                      </a:r>
-                      <a:r>
-                        <a:rPr kumimoji="1" lang="zh-CN" altLang="en-US" dirty="0" smtClean="0"/>
-                        <a:t>万</a:t>
-                      </a:r>
-                      <a:endParaRPr kumimoji="1" lang="ja-JP" altLang="en-US" dirty="0"/>
-                    </a:p>
-                  </a:txBody>
-                  <a:tcPr/>
-                </a:tc>
-                <a:tc>
-                  <a:txBody>
-                    <a:bodyPr/>
-                    <a:lstStyle/>
-                    <a:p>
-                      <a:r>
-                        <a:rPr kumimoji="1" lang="en-US" altLang="ja-JP" sz="1800" b="0" i="0" kern="1200" dirty="0" smtClean="0">
-                          <a:solidFill>
-                            <a:schemeClr val="dk1"/>
-                          </a:solidFill>
-                          <a:effectLst/>
-                          <a:latin typeface="+mn-lt"/>
-                          <a:ea typeface="+mn-ea"/>
-                          <a:cs typeface="+mn-cs"/>
-                        </a:rPr>
-                        <a:t>head and shoulder</a:t>
-                      </a:r>
-                      <a:endParaRPr kumimoji="1" lang="ja-JP" altLang="en-US" dirty="0"/>
-                    </a:p>
-                  </a:txBody>
-                  <a:tcPr/>
-                </a:tc>
-                <a:tc>
-                  <a:txBody>
-                    <a:bodyPr/>
-                    <a:lstStyle/>
-                    <a:p>
-                      <a:pPr marL="0" marR="0" indent="0" algn="l" defTabSz="914400" rtl="0" eaLnBrk="1" fontAlgn="auto" latinLnBrk="0" hangingPunct="1">
-                        <a:lnSpc>
-                          <a:spcPct val="100000"/>
-                        </a:lnSpc>
-                        <a:spcBef>
-                          <a:spcPts val="0"/>
-                        </a:spcBef>
-                        <a:spcAft>
-                          <a:spcPts val="0"/>
-                        </a:spcAft>
-                        <a:buClrTx/>
-                        <a:buSzTx/>
-                        <a:buFontTx/>
-                        <a:buNone/>
-                        <a:tabLst/>
-                        <a:defRPr/>
-                      </a:pPr>
-                      <a:r>
-                        <a:rPr kumimoji="1" lang="zh-CN" altLang="en-US" smtClean="0"/>
-                        <a:t>目前为止最强</a:t>
-                      </a:r>
-                      <a:endParaRPr kumimoji="1" lang="en-US" altLang="ja-JP" smtClean="0"/>
-                    </a:p>
-                    <a:p>
-                      <a:pPr marL="0" marR="0" indent="0" algn="l" defTabSz="914400" rtl="0" eaLnBrk="1" fontAlgn="auto" latinLnBrk="0" hangingPunct="1">
-                        <a:lnSpc>
-                          <a:spcPct val="100000"/>
-                        </a:lnSpc>
-                        <a:spcBef>
-                          <a:spcPts val="0"/>
-                        </a:spcBef>
-                        <a:spcAft>
-                          <a:spcPts val="0"/>
-                        </a:spcAft>
-                        <a:buClrTx/>
-                        <a:buSzTx/>
-                        <a:buFontTx/>
-                        <a:buNone/>
-                        <a:tabLst/>
-                        <a:defRPr/>
-                      </a:pPr>
-                      <a:r>
-                        <a:rPr kumimoji="1" lang="en-US" altLang="ja-JP" dirty="0" smtClean="0"/>
-                        <a:t>For some reason, only this is labeled as “prime portrait</a:t>
-                      </a:r>
-                      <a:r>
-                        <a:rPr kumimoji="1" lang="en-US" altLang="ja-JP" baseline="0" dirty="0" smtClean="0"/>
-                        <a:t> lens</a:t>
-                      </a:r>
-                      <a:r>
-                        <a:rPr kumimoji="1" lang="en-US" altLang="ja-JP" dirty="0" smtClean="0"/>
-                        <a:t>”</a:t>
-                      </a:r>
-                      <a:endParaRPr kumimoji="1" lang="ja-JP" altLang="en-US" dirty="0" smtClean="0"/>
-                    </a:p>
-                  </a:txBody>
-                  <a:tcPr/>
-                </a:tc>
-              </a:tr>
-              <a:tr h="370840">
-                <a:tc>
-                  <a:txBody>
-                    <a:bodyPr/>
-                    <a:lstStyle/>
-                    <a:p>
-                      <a:pPr marL="0" marR="0" indent="0" algn="l" defTabSz="914400" rtl="0" eaLnBrk="1" fontAlgn="auto" latinLnBrk="0" hangingPunct="1">
-                        <a:lnSpc>
-                          <a:spcPct val="100000"/>
-                        </a:lnSpc>
-                        <a:spcBef>
-                          <a:spcPts val="0"/>
-                        </a:spcBef>
-                        <a:spcAft>
-                          <a:spcPts val="0"/>
-                        </a:spcAft>
-                        <a:buClrTx/>
-                        <a:buSzTx/>
-                        <a:buFontTx/>
-                        <a:buNone/>
-                        <a:tabLst/>
-                        <a:defRPr/>
-                      </a:pPr>
-                      <a:r>
-                        <a:rPr kumimoji="1" lang="en-US" altLang="ja-JP" sz="1800" b="0" i="0" kern="1200" dirty="0" smtClean="0">
-                          <a:solidFill>
-                            <a:schemeClr val="dk1"/>
-                          </a:solidFill>
-                          <a:effectLst/>
-                          <a:latin typeface="+mn-lt"/>
-                          <a:ea typeface="+mn-ea"/>
-                          <a:cs typeface="+mn-cs"/>
-                        </a:rPr>
-                        <a:t>sigma 85mm f/1.4</a:t>
-                      </a:r>
+                      <a:endParaRPr kumimoji="1" lang="en-US" altLang="ja-JP" sz="1800" b="0" i="0" kern="1200" dirty="0">
+                        <a:solidFill>
+                          <a:schemeClr val="dk1"/>
+                        </a:solidFill>
+                        <a:effectLst/>
+                        <a:latin typeface="+mn-lt"/>
+                        <a:ea typeface="+mn-ea"/>
+                        <a:cs typeface="+mn-cs"/>
+                      </a:endParaRPr>
                     </a:p>
                   </a:txBody>
                   <a:tcPr/>
@@ -4458,35 +4081,41 @@
                         <a:tabLst/>
                         <a:defRPr/>
                       </a:pPr>
-                      <a:r>
-                        <a:rPr kumimoji="1" lang="zh-CN" altLang="en-US" dirty="0" smtClean="0"/>
-                        <a:t>可以和</a:t>
-                      </a:r>
-                      <a:r>
-                        <a:rPr kumimoji="1" lang="en-US" altLang="ja-JP" sz="1800" b="0" i="0" kern="1200" dirty="0" smtClean="0">
-                          <a:solidFill>
-                            <a:schemeClr val="dk1"/>
-                          </a:solidFill>
-                          <a:effectLst/>
-                          <a:latin typeface="+mn-lt"/>
-                          <a:ea typeface="+mn-ea"/>
-                          <a:cs typeface="+mn-cs"/>
-                        </a:rPr>
-                        <a:t>Nikon 85mm f/1.4G</a:t>
-                      </a:r>
-                      <a:r>
-                        <a:rPr kumimoji="1" lang="zh-CN" altLang="en-US" sz="1800" b="0" i="0" kern="1200" dirty="0" smtClean="0">
-                          <a:solidFill>
-                            <a:schemeClr val="dk1"/>
-                          </a:solidFill>
-                          <a:effectLst/>
-                          <a:latin typeface="+mn-lt"/>
-                          <a:ea typeface="+mn-ea"/>
-                          <a:cs typeface="+mn-cs"/>
-                        </a:rPr>
-                        <a:t>比较一下</a:t>
-                      </a:r>
-                      <a:endParaRPr kumimoji="1" lang="en-US" altLang="ja-JP" sz="1800" b="0" i="0" kern="1200" dirty="0" smtClean="0">
+                      <a:endParaRPr kumimoji="1" lang="ja-JP" altLang="en-US" dirty="0"/>
+                    </a:p>
+                  </a:txBody>
+                  <a:tcPr/>
+                </a:tc>
+                <a:extLst>
+                  <a:ext uri="{0D108BD9-81ED-4DB2-BD59-A6C34878D82A}">
+                    <a16:rowId xmlns:a16="http://schemas.microsoft.com/office/drawing/2014/main" val="10007"/>
+                  </a:ext>
+                </a:extLst>
+              </a:tr>
+              <a:tr h="370840">
+                <a:tc>
+                  <a:txBody>
+                    <a:bodyPr/>
+                    <a:lstStyle/>
+                    <a:p>
+                      <a:pPr marL="0" marR="0" indent="0" algn="l" defTabSz="914400" rtl="0" eaLnBrk="1" fontAlgn="auto" latinLnBrk="0" hangingPunct="1">
+                        <a:lnSpc>
+                          <a:spcPct val="100000"/>
+                        </a:lnSpc>
+                        <a:spcBef>
+                          <a:spcPts val="0"/>
+                        </a:spcBef>
+                        <a:spcAft>
+                          <a:spcPts val="0"/>
+                        </a:spcAft>
+                        <a:buClrTx/>
+                        <a:buSzTx/>
+                        <a:buFontTx/>
+                        <a:buNone/>
+                        <a:tabLst/>
+                        <a:defRPr/>
+                      </a:pPr>
+                      <a:endParaRPr kumimoji="1" lang="en-US" altLang="ja-JP" sz="1800" b="0" i="0" kern="1200" dirty="0">
                         <a:solidFill>
                           <a:schemeClr val="dk1"/>
                         </a:solidFill>
@@ -4499,6 +4128,66 @@
                   </a:txBody>
                   <a:tcPr/>
                 </a:tc>
+                <a:tc>
+                  <a:txBody>
+                    <a:bodyPr/>
+                    <a:lstStyle/>
+                    <a:p>
+                      <a:endParaRPr kumimoji="1" lang="ja-JP" altLang="en-US" dirty="0"/>
+                    </a:p>
+                  </a:txBody>
+                  <a:tcPr/>
+                </a:tc>
+                <a:tc>
+                  <a:txBody>
+                    <a:bodyPr/>
+                    <a:lstStyle/>
+                    <a:p>
+                      <a:endParaRPr kumimoji="1" lang="ja-JP" altLang="en-US" dirty="0"/>
+                    </a:p>
+                  </a:txBody>
+                  <a:tcPr/>
+                </a:tc>
+                <a:tc>
+                  <a:txBody>
+                    <a:bodyPr/>
+                    <a:lstStyle/>
+                    <a:p>
+                      <a:pPr marL="0" marR="0" indent="0" algn="l" defTabSz="914400" rtl="0" eaLnBrk="1" fontAlgn="auto" latinLnBrk="0" hangingPunct="1">
+                        <a:lnSpc>
+                          <a:spcPct val="100000"/>
+                        </a:lnSpc>
+                        <a:spcBef>
+                          <a:spcPts val="0"/>
+                        </a:spcBef>
+                        <a:spcAft>
+                          <a:spcPts val="0"/>
+                        </a:spcAft>
+                        <a:buClrTx/>
+                        <a:buSzTx/>
+                        <a:buFontTx/>
+                        <a:buNone/>
+                        <a:tabLst/>
+                        <a:defRPr/>
+                      </a:pPr>
+                      <a:endParaRPr kumimoji="1" lang="en-US" altLang="ja-JP" sz="1800" b="0" i="0" kern="1200" dirty="0">
+                        <a:solidFill>
+                          <a:schemeClr val="dk1"/>
+                        </a:solidFill>
+                        <a:effectLst/>
+                        <a:latin typeface="+mn-lt"/>
+                        <a:ea typeface="+mn-ea"/>
+                        <a:cs typeface="+mn-cs"/>
+                      </a:endParaRPr>
+                    </a:p>
+                  </a:txBody>
+                  <a:tcPr/>
+                </a:tc>
+                <a:extLst>
+                  <a:ext uri="{0D108BD9-81ED-4DB2-BD59-A6C34878D82A}">
+                    <a16:rowId xmlns:a16="http://schemas.microsoft.com/office/drawing/2014/main" val="10008"/>
+                  </a:ext>
+                </a:extLst>
               </a:tr>
               <a:tr h="370840">
                 <a:tc>
@@ -4507,8 +4196,8 @@
                     <a:lstStyle/>
                     <a:p>
                       <a:r>
-                        <a:rPr kumimoji="1" lang="en-US" altLang="ja-JP" dirty="0" smtClean="0"/>
-                        <a:t>Nikon 58mm f/1.4</a:t>
+                        <a:rPr kumimoji="1" lang="en-US" altLang="ja-JP" dirty="0"/>
+                        <a:t>Nikon 58mm f/1.4g</a:t>
                       </a:r>
                       <a:endParaRPr kumimoji="1" lang="ja-JP" altLang="en-US" dirty="0"/>
                     </a:p>
@@ -4521,11 +4210,11 @@
                     <a:lstStyle/>
                     <a:p>
                       <a:r>
-                        <a:rPr kumimoji="1" lang="en-US" altLang="zh-CN" dirty="0" smtClean="0"/>
-                        <a:t>22</a:t>
+                        <a:rPr kumimoji="1" lang="en-US" altLang="zh-CN" dirty="0"/>
+                        <a:t>17</a:t>
                       </a:r>
                       <a:r>
-                        <a:rPr kumimoji="1" lang="zh-CN" altLang="en-US" dirty="0" smtClean="0"/>
+                        <a:rPr kumimoji="1" lang="zh-CN" altLang="en-US" dirty="0"/>
                         <a:t>万</a:t>
                       </a:r>
                       <a:endParaRPr kumimoji="1" lang="ja-JP" altLang="en-US" dirty="0"/>
@@ -4539,7 +4228,7 @@
                     <a:lstStyle/>
                     <a:p>
                       <a:r>
-                        <a:rPr kumimoji="1" lang="en-US" altLang="ja-JP" sz="1800" b="0" i="0" kern="1200" dirty="0" smtClean="0">
+                        <a:rPr kumimoji="1" lang="en-US" altLang="ja-JP" sz="1800" b="0" i="0" kern="1200" dirty="0">
                           <a:solidFill>
                             <a:schemeClr val="dk1"/>
                           </a:solidFill>
@@ -4561,18 +4250,19 @@
                     <a:lstStyle/>
                     <a:p>
                       <a:r>
-                        <a:rPr kumimoji="1" lang="en-US" altLang="ja-JP" dirty="0" smtClean="0"/>
-                        <a:t>Weak</a:t>
-                      </a:r>
-                      <a:r>
-                        <a:rPr kumimoji="1" lang="en-US" altLang="ja-JP" baseline="0" dirty="0" smtClean="0"/>
-                        <a:t> for high resolution D850?</a:t>
+                        <a:rPr kumimoji="1" lang="zh-CN" altLang="en-US" dirty="0"/>
+                        <a:t>想买这个</a:t>
                       </a:r>
                       <a:endParaRPr kumimoji="1" lang="ja-JP" altLang="en-US" dirty="0"/>
                     </a:p>
                   </a:txBody>
                   <a:tcPr/>
                 </a:tc>
+                <a:extLst>
+                  <a:ext uri="{0D108BD9-81ED-4DB2-BD59-A6C34878D82A}">
+                    <a16:rowId xmlns:a16="http://schemas.microsoft.com/office/drawing/2014/main" val="10009"/>
+                  </a:ext>
+                </a:extLst>
               </a:tr>
             </a:tbl>
           </a:graphicData>
